--- a/sbml-level-3/version-1/comp/HierarchicalSBML.pptx
+++ b/sbml-level-3/version-1/comp/HierarchicalSBML.pptx
@@ -7,14 +7,14 @@
   <p:sldIdLst>
     <p:sldId id="256" r:id="rId2"/>
   </p:sldIdLst>
-  <p:sldSz cx="5486400" cy="4114800"/>
+  <p:sldSz cx="3657600" cy="1736725"/>
   <p:notesSz cx="6858000" cy="9144000"/>
   <p:defaultTextStyle>
     <a:defPPr>
       <a:defRPr lang="en-US"/>
     </a:defPPr>
-    <a:lvl1pPr marL="0" algn="l" defTabSz="626986" rtl="0" eaLnBrk="1" latinLnBrk="0" hangingPunct="1">
-      <a:defRPr sz="1200" kern="1200">
+    <a:lvl1pPr marL="0" algn="l" defTabSz="477701" rtl="0" eaLnBrk="1" latinLnBrk="0" hangingPunct="1">
+      <a:defRPr sz="900" kern="1200">
         <a:solidFill>
           <a:schemeClr val="tx1"/>
         </a:solidFill>
@@ -23,8 +23,8 @@
         <a:cs typeface="+mn-cs"/>
       </a:defRPr>
     </a:lvl1pPr>
-    <a:lvl2pPr marL="313493" algn="l" defTabSz="626986" rtl="0" eaLnBrk="1" latinLnBrk="0" hangingPunct="1">
-      <a:defRPr sz="1200" kern="1200">
+    <a:lvl2pPr marL="238850" algn="l" defTabSz="477701" rtl="0" eaLnBrk="1" latinLnBrk="0" hangingPunct="1">
+      <a:defRPr sz="900" kern="1200">
         <a:solidFill>
           <a:schemeClr val="tx1"/>
         </a:solidFill>
@@ -33,8 +33,8 @@
         <a:cs typeface="+mn-cs"/>
       </a:defRPr>
     </a:lvl2pPr>
-    <a:lvl3pPr marL="626986" algn="l" defTabSz="626986" rtl="0" eaLnBrk="1" latinLnBrk="0" hangingPunct="1">
-      <a:defRPr sz="1200" kern="1200">
+    <a:lvl3pPr marL="477701" algn="l" defTabSz="477701" rtl="0" eaLnBrk="1" latinLnBrk="0" hangingPunct="1">
+      <a:defRPr sz="900" kern="1200">
         <a:solidFill>
           <a:schemeClr val="tx1"/>
         </a:solidFill>
@@ -43,8 +43,8 @@
         <a:cs typeface="+mn-cs"/>
       </a:defRPr>
     </a:lvl3pPr>
-    <a:lvl4pPr marL="940479" algn="l" defTabSz="626986" rtl="0" eaLnBrk="1" latinLnBrk="0" hangingPunct="1">
-      <a:defRPr sz="1200" kern="1200">
+    <a:lvl4pPr marL="716551" algn="l" defTabSz="477701" rtl="0" eaLnBrk="1" latinLnBrk="0" hangingPunct="1">
+      <a:defRPr sz="900" kern="1200">
         <a:solidFill>
           <a:schemeClr val="tx1"/>
         </a:solidFill>
@@ -53,8 +53,8 @@
         <a:cs typeface="+mn-cs"/>
       </a:defRPr>
     </a:lvl4pPr>
-    <a:lvl5pPr marL="1253972" algn="l" defTabSz="626986" rtl="0" eaLnBrk="1" latinLnBrk="0" hangingPunct="1">
-      <a:defRPr sz="1200" kern="1200">
+    <a:lvl5pPr marL="955401" algn="l" defTabSz="477701" rtl="0" eaLnBrk="1" latinLnBrk="0" hangingPunct="1">
+      <a:defRPr sz="900" kern="1200">
         <a:solidFill>
           <a:schemeClr val="tx1"/>
         </a:solidFill>
@@ -63,8 +63,8 @@
         <a:cs typeface="+mn-cs"/>
       </a:defRPr>
     </a:lvl5pPr>
-    <a:lvl6pPr marL="1567464" algn="l" defTabSz="626986" rtl="0" eaLnBrk="1" latinLnBrk="0" hangingPunct="1">
-      <a:defRPr sz="1200" kern="1200">
+    <a:lvl6pPr marL="1194251" algn="l" defTabSz="477701" rtl="0" eaLnBrk="1" latinLnBrk="0" hangingPunct="1">
+      <a:defRPr sz="900" kern="1200">
         <a:solidFill>
           <a:schemeClr val="tx1"/>
         </a:solidFill>
@@ -73,8 +73,8 @@
         <a:cs typeface="+mn-cs"/>
       </a:defRPr>
     </a:lvl6pPr>
-    <a:lvl7pPr marL="1880957" algn="l" defTabSz="626986" rtl="0" eaLnBrk="1" latinLnBrk="0" hangingPunct="1">
-      <a:defRPr sz="1200" kern="1200">
+    <a:lvl7pPr marL="1433101" algn="l" defTabSz="477701" rtl="0" eaLnBrk="1" latinLnBrk="0" hangingPunct="1">
+      <a:defRPr sz="900" kern="1200">
         <a:solidFill>
           <a:schemeClr val="tx1"/>
         </a:solidFill>
@@ -83,8 +83,8 @@
         <a:cs typeface="+mn-cs"/>
       </a:defRPr>
     </a:lvl7pPr>
-    <a:lvl8pPr marL="2194450" algn="l" defTabSz="626986" rtl="0" eaLnBrk="1" latinLnBrk="0" hangingPunct="1">
-      <a:defRPr sz="1200" kern="1200">
+    <a:lvl8pPr marL="1671951" algn="l" defTabSz="477701" rtl="0" eaLnBrk="1" latinLnBrk="0" hangingPunct="1">
+      <a:defRPr sz="900" kern="1200">
         <a:solidFill>
           <a:schemeClr val="tx1"/>
         </a:solidFill>
@@ -93,8 +93,8 @@
         <a:cs typeface="+mn-cs"/>
       </a:defRPr>
     </a:lvl8pPr>
-    <a:lvl9pPr marL="2507943" algn="l" defTabSz="626986" rtl="0" eaLnBrk="1" latinLnBrk="0" hangingPunct="1">
-      <a:defRPr sz="1200" kern="1200">
+    <a:lvl9pPr marL="1910802" algn="l" defTabSz="477701" rtl="0" eaLnBrk="1" latinLnBrk="0" hangingPunct="1">
+      <a:defRPr sz="900" kern="1200">
         <a:solidFill>
           <a:schemeClr val="tx1"/>
         </a:solidFill>
@@ -136,8 +136,8 @@
         </p:nvSpPr>
         <p:spPr>
           <a:xfrm>
-            <a:off x="411480" y="1278256"/>
-            <a:ext cx="4663440" cy="882016"/>
+            <a:off x="274320" y="539513"/>
+            <a:ext cx="3108960" cy="372271"/>
           </a:xfrm>
         </p:spPr>
         <p:txBody>
@@ -164,8 +164,8 @@
         </p:nvSpPr>
         <p:spPr>
           <a:xfrm>
-            <a:off x="822960" y="2331720"/>
-            <a:ext cx="3840480" cy="1051560"/>
+            <a:off x="548640" y="984144"/>
+            <a:ext cx="2560320" cy="443830"/>
           </a:xfrm>
         </p:spPr>
         <p:txBody>
@@ -181,7 +181,7 @@
                 </a:solidFill>
               </a:defRPr>
             </a:lvl1pPr>
-            <a:lvl2pPr marL="313493" indent="0" algn="ctr">
+            <a:lvl2pPr marL="238850" indent="0" algn="ctr">
               <a:buNone/>
               <a:defRPr>
                 <a:solidFill>
@@ -191,7 +191,7 @@
                 </a:solidFill>
               </a:defRPr>
             </a:lvl2pPr>
-            <a:lvl3pPr marL="626986" indent="0" algn="ctr">
+            <a:lvl3pPr marL="477701" indent="0" algn="ctr">
               <a:buNone/>
               <a:defRPr>
                 <a:solidFill>
@@ -201,7 +201,7 @@
                 </a:solidFill>
               </a:defRPr>
             </a:lvl3pPr>
-            <a:lvl4pPr marL="940479" indent="0" algn="ctr">
+            <a:lvl4pPr marL="716551" indent="0" algn="ctr">
               <a:buNone/>
               <a:defRPr>
                 <a:solidFill>
@@ -211,7 +211,7 @@
                 </a:solidFill>
               </a:defRPr>
             </a:lvl4pPr>
-            <a:lvl5pPr marL="1253972" indent="0" algn="ctr">
+            <a:lvl5pPr marL="955401" indent="0" algn="ctr">
               <a:buNone/>
               <a:defRPr>
                 <a:solidFill>
@@ -221,7 +221,7 @@
                 </a:solidFill>
               </a:defRPr>
             </a:lvl5pPr>
-            <a:lvl6pPr marL="1567464" indent="0" algn="ctr">
+            <a:lvl6pPr marL="1194251" indent="0" algn="ctr">
               <a:buNone/>
               <a:defRPr>
                 <a:solidFill>
@@ -231,7 +231,7 @@
                 </a:solidFill>
               </a:defRPr>
             </a:lvl6pPr>
-            <a:lvl7pPr marL="1880957" indent="0" algn="ctr">
+            <a:lvl7pPr marL="1433101" indent="0" algn="ctr">
               <a:buNone/>
               <a:defRPr>
                 <a:solidFill>
@@ -241,7 +241,7 @@
                 </a:solidFill>
               </a:defRPr>
             </a:lvl7pPr>
-            <a:lvl8pPr marL="2194450" indent="0" algn="ctr">
+            <a:lvl8pPr marL="1671951" indent="0" algn="ctr">
               <a:buNone/>
               <a:defRPr>
                 <a:solidFill>
@@ -251,7 +251,7 @@
                 </a:solidFill>
               </a:defRPr>
             </a:lvl8pPr>
-            <a:lvl9pPr marL="2507943" indent="0" algn="ctr">
+            <a:lvl9pPr marL="1910802" indent="0" algn="ctr">
               <a:buNone/>
               <a:defRPr>
                 <a:solidFill>
@@ -288,7 +288,7 @@
           <a:p>
             <a:fld id="{F0172217-DC24-48CD-AE89-68C8C8D878B4}" type="datetimeFigureOut">
               <a:rPr lang="en-US" smtClean="0"/>
-              <a:t>9/15/2010</a:t>
+              <a:t>9/28/2010</a:t>
             </a:fld>
             <a:endParaRPr lang="en-US"/>
           </a:p>
@@ -458,7 +458,7 @@
           <a:p>
             <a:fld id="{F0172217-DC24-48CD-AE89-68C8C8D878B4}" type="datetimeFigureOut">
               <a:rPr lang="en-US" smtClean="0"/>
-              <a:t>9/15/2010</a:t>
+              <a:t>9/28/2010</a:t>
             </a:fld>
             <a:endParaRPr lang="en-US"/>
           </a:p>
@@ -548,8 +548,8 @@
         </p:nvSpPr>
         <p:spPr>
           <a:xfrm>
-            <a:off x="3977640" y="164785"/>
-            <a:ext cx="1234440" cy="3510916"/>
+            <a:off x="2651760" y="69552"/>
+            <a:ext cx="822960" cy="1481845"/>
           </a:xfrm>
         </p:spPr>
         <p:txBody>
@@ -576,8 +576,8 @@
         </p:nvSpPr>
         <p:spPr>
           <a:xfrm>
-            <a:off x="274320" y="164785"/>
-            <a:ext cx="3611880" cy="3510916"/>
+            <a:off x="182880" y="69552"/>
+            <a:ext cx="2407920" cy="1481845"/>
           </a:xfrm>
         </p:spPr>
         <p:txBody>
@@ -638,7 +638,7 @@
           <a:p>
             <a:fld id="{F0172217-DC24-48CD-AE89-68C8C8D878B4}" type="datetimeFigureOut">
               <a:rPr lang="en-US" smtClean="0"/>
-              <a:t>9/15/2010</a:t>
+              <a:t>9/28/2010</a:t>
             </a:fld>
             <a:endParaRPr lang="en-US"/>
           </a:p>
@@ -808,7 +808,7 @@
           <a:p>
             <a:fld id="{F0172217-DC24-48CD-AE89-68C8C8D878B4}" type="datetimeFigureOut">
               <a:rPr lang="en-US" smtClean="0"/>
-              <a:t>9/15/2010</a:t>
+              <a:t>9/28/2010</a:t>
             </a:fld>
             <a:endParaRPr lang="en-US"/>
           </a:p>
@@ -898,15 +898,15 @@
         </p:nvSpPr>
         <p:spPr>
           <a:xfrm>
-            <a:off x="433388" y="2644140"/>
-            <a:ext cx="4663440" cy="817245"/>
+            <a:off x="288926" y="1116007"/>
+            <a:ext cx="3108960" cy="344933"/>
           </a:xfrm>
         </p:spPr>
         <p:txBody>
           <a:bodyPr anchor="t"/>
           <a:lstStyle>
             <a:lvl1pPr algn="l">
-              <a:defRPr sz="2700" b="1" cap="all"/>
+              <a:defRPr sz="2100" b="1" cap="all"/>
             </a:lvl1pPr>
           </a:lstStyle>
           <a:p>
@@ -930,8 +930,8 @@
         </p:nvSpPr>
         <p:spPr>
           <a:xfrm>
-            <a:off x="433388" y="1744029"/>
-            <a:ext cx="4663440" cy="900113"/>
+            <a:off x="288926" y="736102"/>
+            <a:ext cx="3108960" cy="379908"/>
           </a:xfrm>
         </p:spPr>
         <p:txBody>
@@ -939,7 +939,7 @@
           <a:lstStyle>
             <a:lvl1pPr marL="0" indent="0">
               <a:buNone/>
-              <a:defRPr sz="1400">
+              <a:defRPr sz="1100">
                 <a:solidFill>
                   <a:schemeClr val="tx1">
                     <a:tint val="75000"/>
@@ -947,9 +947,9 @@
                 </a:solidFill>
               </a:defRPr>
             </a:lvl1pPr>
-            <a:lvl2pPr marL="313493" indent="0">
-              <a:buNone/>
-              <a:defRPr sz="1200">
+            <a:lvl2pPr marL="238850" indent="0">
+              <a:buNone/>
+              <a:defRPr sz="900">
                 <a:solidFill>
                   <a:schemeClr val="tx1">
                     <a:tint val="75000"/>
@@ -957,9 +957,9 @@
                 </a:solidFill>
               </a:defRPr>
             </a:lvl2pPr>
-            <a:lvl3pPr marL="626986" indent="0">
-              <a:buNone/>
-              <a:defRPr sz="1100">
+            <a:lvl3pPr marL="477701" indent="0">
+              <a:buNone/>
+              <a:defRPr sz="800">
                 <a:solidFill>
                   <a:schemeClr val="tx1">
                     <a:tint val="75000"/>
@@ -967,9 +967,9 @@
                 </a:solidFill>
               </a:defRPr>
             </a:lvl3pPr>
-            <a:lvl4pPr marL="940479" indent="0">
-              <a:buNone/>
-              <a:defRPr sz="900">
+            <a:lvl4pPr marL="716551" indent="0">
+              <a:buNone/>
+              <a:defRPr sz="700">
                 <a:solidFill>
                   <a:schemeClr val="tx1">
                     <a:tint val="75000"/>
@@ -977,9 +977,9 @@
                 </a:solidFill>
               </a:defRPr>
             </a:lvl4pPr>
-            <a:lvl5pPr marL="1253972" indent="0">
-              <a:buNone/>
-              <a:defRPr sz="900">
+            <a:lvl5pPr marL="955401" indent="0">
+              <a:buNone/>
+              <a:defRPr sz="700">
                 <a:solidFill>
                   <a:schemeClr val="tx1">
                     <a:tint val="75000"/>
@@ -987,9 +987,9 @@
                 </a:solidFill>
               </a:defRPr>
             </a:lvl5pPr>
-            <a:lvl6pPr marL="1567464" indent="0">
-              <a:buNone/>
-              <a:defRPr sz="900">
+            <a:lvl6pPr marL="1194251" indent="0">
+              <a:buNone/>
+              <a:defRPr sz="700">
                 <a:solidFill>
                   <a:schemeClr val="tx1">
                     <a:tint val="75000"/>
@@ -997,9 +997,9 @@
                 </a:solidFill>
               </a:defRPr>
             </a:lvl6pPr>
-            <a:lvl7pPr marL="1880957" indent="0">
-              <a:buNone/>
-              <a:defRPr sz="900">
+            <a:lvl7pPr marL="1433101" indent="0">
+              <a:buNone/>
+              <a:defRPr sz="700">
                 <a:solidFill>
                   <a:schemeClr val="tx1">
                     <a:tint val="75000"/>
@@ -1007,9 +1007,9 @@
                 </a:solidFill>
               </a:defRPr>
             </a:lvl7pPr>
-            <a:lvl8pPr marL="2194450" indent="0">
-              <a:buNone/>
-              <a:defRPr sz="900">
+            <a:lvl8pPr marL="1671951" indent="0">
+              <a:buNone/>
+              <a:defRPr sz="700">
                 <a:solidFill>
                   <a:schemeClr val="tx1">
                     <a:tint val="75000"/>
@@ -1017,9 +1017,9 @@
                 </a:solidFill>
               </a:defRPr>
             </a:lvl8pPr>
-            <a:lvl9pPr marL="2507943" indent="0">
-              <a:buNone/>
-              <a:defRPr sz="900">
+            <a:lvl9pPr marL="1910802" indent="0">
+              <a:buNone/>
+              <a:defRPr sz="700">
                 <a:solidFill>
                   <a:schemeClr val="tx1">
                     <a:tint val="75000"/>
@@ -1054,7 +1054,7 @@
           <a:p>
             <a:fld id="{F0172217-DC24-48CD-AE89-68C8C8D878B4}" type="datetimeFigureOut">
               <a:rPr lang="en-US" smtClean="0"/>
-              <a:t>9/15/2010</a:t>
+              <a:t>9/28/2010</a:t>
             </a:fld>
             <a:endParaRPr lang="en-US"/>
           </a:p>
@@ -1167,39 +1167,39 @@
         </p:nvSpPr>
         <p:spPr>
           <a:xfrm>
-            <a:off x="274320" y="960121"/>
-            <a:ext cx="2423160" cy="2715577"/>
+            <a:off x="182880" y="405237"/>
+            <a:ext cx="1615440" cy="1146159"/>
           </a:xfrm>
         </p:spPr>
         <p:txBody>
           <a:bodyPr/>
           <a:lstStyle>
             <a:lvl1pPr>
-              <a:defRPr sz="1900"/>
+              <a:defRPr sz="1400"/>
             </a:lvl1pPr>
             <a:lvl2pPr>
-              <a:defRPr sz="1600"/>
+              <a:defRPr sz="1200"/>
             </a:lvl2pPr>
             <a:lvl3pPr>
-              <a:defRPr sz="1400"/>
+              <a:defRPr sz="1100"/>
             </a:lvl3pPr>
             <a:lvl4pPr>
-              <a:defRPr sz="1200"/>
+              <a:defRPr sz="900"/>
             </a:lvl4pPr>
             <a:lvl5pPr>
-              <a:defRPr sz="1200"/>
+              <a:defRPr sz="900"/>
             </a:lvl5pPr>
             <a:lvl6pPr>
-              <a:defRPr sz="1200"/>
+              <a:defRPr sz="900"/>
             </a:lvl6pPr>
             <a:lvl7pPr>
-              <a:defRPr sz="1200"/>
+              <a:defRPr sz="900"/>
             </a:lvl7pPr>
             <a:lvl8pPr>
-              <a:defRPr sz="1200"/>
+              <a:defRPr sz="900"/>
             </a:lvl8pPr>
             <a:lvl9pPr>
-              <a:defRPr sz="1200"/>
+              <a:defRPr sz="900"/>
             </a:lvl9pPr>
           </a:lstStyle>
           <a:p>
@@ -1252,39 +1252,39 @@
         </p:nvSpPr>
         <p:spPr>
           <a:xfrm>
-            <a:off x="2788920" y="960121"/>
-            <a:ext cx="2423160" cy="2715577"/>
+            <a:off x="1859280" y="405237"/>
+            <a:ext cx="1615440" cy="1146159"/>
           </a:xfrm>
         </p:spPr>
         <p:txBody>
           <a:bodyPr/>
           <a:lstStyle>
             <a:lvl1pPr>
-              <a:defRPr sz="1900"/>
+              <a:defRPr sz="1400"/>
             </a:lvl1pPr>
             <a:lvl2pPr>
-              <a:defRPr sz="1600"/>
+              <a:defRPr sz="1200"/>
             </a:lvl2pPr>
             <a:lvl3pPr>
-              <a:defRPr sz="1400"/>
+              <a:defRPr sz="1100"/>
             </a:lvl3pPr>
             <a:lvl4pPr>
-              <a:defRPr sz="1200"/>
+              <a:defRPr sz="900"/>
             </a:lvl4pPr>
             <a:lvl5pPr>
-              <a:defRPr sz="1200"/>
+              <a:defRPr sz="900"/>
             </a:lvl5pPr>
             <a:lvl6pPr>
-              <a:defRPr sz="1200"/>
+              <a:defRPr sz="900"/>
             </a:lvl6pPr>
             <a:lvl7pPr>
-              <a:defRPr sz="1200"/>
+              <a:defRPr sz="900"/>
             </a:lvl7pPr>
             <a:lvl8pPr>
-              <a:defRPr sz="1200"/>
+              <a:defRPr sz="900"/>
             </a:lvl8pPr>
             <a:lvl9pPr>
-              <a:defRPr sz="1200"/>
+              <a:defRPr sz="900"/>
             </a:lvl9pPr>
           </a:lstStyle>
           <a:p>
@@ -1342,7 +1342,7 @@
           <a:p>
             <a:fld id="{F0172217-DC24-48CD-AE89-68C8C8D878B4}" type="datetimeFigureOut">
               <a:rPr lang="en-US" smtClean="0"/>
-              <a:t>9/15/2010</a:t>
+              <a:t>9/28/2010</a:t>
             </a:fld>
             <a:endParaRPr lang="en-US"/>
           </a:p>
@@ -1459,8 +1459,8 @@
         </p:nvSpPr>
         <p:spPr>
           <a:xfrm>
-            <a:off x="274325" y="921068"/>
-            <a:ext cx="2424113" cy="383857"/>
+            <a:off x="182887" y="388755"/>
+            <a:ext cx="1616075" cy="162014"/>
           </a:xfrm>
         </p:spPr>
         <p:txBody>
@@ -1468,39 +1468,39 @@
           <a:lstStyle>
             <a:lvl1pPr marL="0" indent="0">
               <a:buNone/>
-              <a:defRPr sz="1600" b="1"/>
+              <a:defRPr sz="1200" b="1"/>
             </a:lvl1pPr>
-            <a:lvl2pPr marL="313493" indent="0">
-              <a:buNone/>
-              <a:defRPr sz="1400" b="1"/>
+            <a:lvl2pPr marL="238850" indent="0">
+              <a:buNone/>
+              <a:defRPr sz="1100" b="1"/>
             </a:lvl2pPr>
-            <a:lvl3pPr marL="626986" indent="0">
-              <a:buNone/>
-              <a:defRPr sz="1200" b="1"/>
+            <a:lvl3pPr marL="477701" indent="0">
+              <a:buNone/>
+              <a:defRPr sz="900" b="1"/>
             </a:lvl3pPr>
-            <a:lvl4pPr marL="940479" indent="0">
-              <a:buNone/>
-              <a:defRPr sz="1100" b="1"/>
+            <a:lvl4pPr marL="716551" indent="0">
+              <a:buNone/>
+              <a:defRPr sz="800" b="1"/>
             </a:lvl4pPr>
-            <a:lvl5pPr marL="1253972" indent="0">
-              <a:buNone/>
-              <a:defRPr sz="1100" b="1"/>
+            <a:lvl5pPr marL="955401" indent="0">
+              <a:buNone/>
+              <a:defRPr sz="800" b="1"/>
             </a:lvl5pPr>
-            <a:lvl6pPr marL="1567464" indent="0">
-              <a:buNone/>
-              <a:defRPr sz="1100" b="1"/>
+            <a:lvl6pPr marL="1194251" indent="0">
+              <a:buNone/>
+              <a:defRPr sz="800" b="1"/>
             </a:lvl6pPr>
-            <a:lvl7pPr marL="1880957" indent="0">
-              <a:buNone/>
-              <a:defRPr sz="1100" b="1"/>
+            <a:lvl7pPr marL="1433101" indent="0">
+              <a:buNone/>
+              <a:defRPr sz="800" b="1"/>
             </a:lvl7pPr>
-            <a:lvl8pPr marL="2194450" indent="0">
-              <a:buNone/>
-              <a:defRPr sz="1100" b="1"/>
+            <a:lvl8pPr marL="1671951" indent="0">
+              <a:buNone/>
+              <a:defRPr sz="800" b="1"/>
             </a:lvl8pPr>
-            <a:lvl9pPr marL="2507943" indent="0">
-              <a:buNone/>
-              <a:defRPr sz="1100" b="1"/>
+            <a:lvl9pPr marL="1910802" indent="0">
+              <a:buNone/>
+              <a:defRPr sz="800" b="1"/>
             </a:lvl9pPr>
           </a:lstStyle>
           <a:p>
@@ -1524,39 +1524,39 @@
         </p:nvSpPr>
         <p:spPr>
           <a:xfrm>
-            <a:off x="274325" y="1304926"/>
-            <a:ext cx="2424113" cy="2370774"/>
+            <a:off x="182887" y="550768"/>
+            <a:ext cx="1616075" cy="1000628"/>
           </a:xfrm>
         </p:spPr>
         <p:txBody>
           <a:bodyPr/>
           <a:lstStyle>
             <a:lvl1pPr>
-              <a:defRPr sz="1600"/>
+              <a:defRPr sz="1200"/>
             </a:lvl1pPr>
             <a:lvl2pPr>
-              <a:defRPr sz="1400"/>
+              <a:defRPr sz="1100"/>
             </a:lvl2pPr>
             <a:lvl3pPr>
-              <a:defRPr sz="1200"/>
+              <a:defRPr sz="900"/>
             </a:lvl3pPr>
             <a:lvl4pPr>
-              <a:defRPr sz="1100"/>
+              <a:defRPr sz="800"/>
             </a:lvl4pPr>
             <a:lvl5pPr>
-              <a:defRPr sz="1100"/>
+              <a:defRPr sz="800"/>
             </a:lvl5pPr>
             <a:lvl6pPr>
-              <a:defRPr sz="1100"/>
+              <a:defRPr sz="800"/>
             </a:lvl6pPr>
             <a:lvl7pPr>
-              <a:defRPr sz="1100"/>
+              <a:defRPr sz="800"/>
             </a:lvl7pPr>
             <a:lvl8pPr>
-              <a:defRPr sz="1100"/>
+              <a:defRPr sz="800"/>
             </a:lvl8pPr>
             <a:lvl9pPr>
-              <a:defRPr sz="1100"/>
+              <a:defRPr sz="800"/>
             </a:lvl9pPr>
           </a:lstStyle>
           <a:p>
@@ -1609,8 +1609,8 @@
         </p:nvSpPr>
         <p:spPr>
           <a:xfrm>
-            <a:off x="2787020" y="921068"/>
-            <a:ext cx="2425065" cy="383857"/>
+            <a:off x="1858014" y="388755"/>
+            <a:ext cx="1616710" cy="162014"/>
           </a:xfrm>
         </p:spPr>
         <p:txBody>
@@ -1618,39 +1618,39 @@
           <a:lstStyle>
             <a:lvl1pPr marL="0" indent="0">
               <a:buNone/>
-              <a:defRPr sz="1600" b="1"/>
+              <a:defRPr sz="1200" b="1"/>
             </a:lvl1pPr>
-            <a:lvl2pPr marL="313493" indent="0">
-              <a:buNone/>
-              <a:defRPr sz="1400" b="1"/>
+            <a:lvl2pPr marL="238850" indent="0">
+              <a:buNone/>
+              <a:defRPr sz="1100" b="1"/>
             </a:lvl2pPr>
-            <a:lvl3pPr marL="626986" indent="0">
-              <a:buNone/>
-              <a:defRPr sz="1200" b="1"/>
+            <a:lvl3pPr marL="477701" indent="0">
+              <a:buNone/>
+              <a:defRPr sz="900" b="1"/>
             </a:lvl3pPr>
-            <a:lvl4pPr marL="940479" indent="0">
-              <a:buNone/>
-              <a:defRPr sz="1100" b="1"/>
+            <a:lvl4pPr marL="716551" indent="0">
+              <a:buNone/>
+              <a:defRPr sz="800" b="1"/>
             </a:lvl4pPr>
-            <a:lvl5pPr marL="1253972" indent="0">
-              <a:buNone/>
-              <a:defRPr sz="1100" b="1"/>
+            <a:lvl5pPr marL="955401" indent="0">
+              <a:buNone/>
+              <a:defRPr sz="800" b="1"/>
             </a:lvl5pPr>
-            <a:lvl6pPr marL="1567464" indent="0">
-              <a:buNone/>
-              <a:defRPr sz="1100" b="1"/>
+            <a:lvl6pPr marL="1194251" indent="0">
+              <a:buNone/>
+              <a:defRPr sz="800" b="1"/>
             </a:lvl6pPr>
-            <a:lvl7pPr marL="1880957" indent="0">
-              <a:buNone/>
-              <a:defRPr sz="1100" b="1"/>
+            <a:lvl7pPr marL="1433101" indent="0">
+              <a:buNone/>
+              <a:defRPr sz="800" b="1"/>
             </a:lvl7pPr>
-            <a:lvl8pPr marL="2194450" indent="0">
-              <a:buNone/>
-              <a:defRPr sz="1100" b="1"/>
+            <a:lvl8pPr marL="1671951" indent="0">
+              <a:buNone/>
+              <a:defRPr sz="800" b="1"/>
             </a:lvl8pPr>
-            <a:lvl9pPr marL="2507943" indent="0">
-              <a:buNone/>
-              <a:defRPr sz="1100" b="1"/>
+            <a:lvl9pPr marL="1910802" indent="0">
+              <a:buNone/>
+              <a:defRPr sz="800" b="1"/>
             </a:lvl9pPr>
           </a:lstStyle>
           <a:p>
@@ -1674,39 +1674,39 @@
         </p:nvSpPr>
         <p:spPr>
           <a:xfrm>
-            <a:off x="2787020" y="1304926"/>
-            <a:ext cx="2425065" cy="2370774"/>
+            <a:off x="1858014" y="550768"/>
+            <a:ext cx="1616710" cy="1000628"/>
           </a:xfrm>
         </p:spPr>
         <p:txBody>
           <a:bodyPr/>
           <a:lstStyle>
             <a:lvl1pPr>
-              <a:defRPr sz="1600"/>
+              <a:defRPr sz="1200"/>
             </a:lvl1pPr>
             <a:lvl2pPr>
-              <a:defRPr sz="1400"/>
+              <a:defRPr sz="1100"/>
             </a:lvl2pPr>
             <a:lvl3pPr>
-              <a:defRPr sz="1200"/>
+              <a:defRPr sz="900"/>
             </a:lvl3pPr>
             <a:lvl4pPr>
-              <a:defRPr sz="1100"/>
+              <a:defRPr sz="800"/>
             </a:lvl4pPr>
             <a:lvl5pPr>
-              <a:defRPr sz="1100"/>
+              <a:defRPr sz="800"/>
             </a:lvl5pPr>
             <a:lvl6pPr>
-              <a:defRPr sz="1100"/>
+              <a:defRPr sz="800"/>
             </a:lvl6pPr>
             <a:lvl7pPr>
-              <a:defRPr sz="1100"/>
+              <a:defRPr sz="800"/>
             </a:lvl7pPr>
             <a:lvl8pPr>
-              <a:defRPr sz="1100"/>
+              <a:defRPr sz="800"/>
             </a:lvl8pPr>
             <a:lvl9pPr>
-              <a:defRPr sz="1100"/>
+              <a:defRPr sz="800"/>
             </a:lvl9pPr>
           </a:lstStyle>
           <a:p>
@@ -1764,7 +1764,7 @@
           <a:p>
             <a:fld id="{F0172217-DC24-48CD-AE89-68C8C8D878B4}" type="datetimeFigureOut">
               <a:rPr lang="en-US" smtClean="0"/>
-              <a:t>9/15/2010</a:t>
+              <a:t>9/28/2010</a:t>
             </a:fld>
             <a:endParaRPr lang="en-US"/>
           </a:p>
@@ -1882,7 +1882,7 @@
           <a:p>
             <a:fld id="{F0172217-DC24-48CD-AE89-68C8C8D878B4}" type="datetimeFigureOut">
               <a:rPr lang="en-US" smtClean="0"/>
-              <a:t>9/15/2010</a:t>
+              <a:t>9/28/2010</a:t>
             </a:fld>
             <a:endParaRPr lang="en-US"/>
           </a:p>
@@ -1977,7 +1977,7 @@
           <a:p>
             <a:fld id="{F0172217-DC24-48CD-AE89-68C8C8D878B4}" type="datetimeFigureOut">
               <a:rPr lang="en-US" smtClean="0"/>
-              <a:t>9/15/2010</a:t>
+              <a:t>9/28/2010</a:t>
             </a:fld>
             <a:endParaRPr lang="en-US"/>
           </a:p>
@@ -2067,15 +2067,15 @@
         </p:nvSpPr>
         <p:spPr>
           <a:xfrm>
-            <a:off x="274321" y="163830"/>
-            <a:ext cx="1804988" cy="697230"/>
+            <a:off x="182881" y="69148"/>
+            <a:ext cx="1203326" cy="294278"/>
           </a:xfrm>
         </p:spPr>
         <p:txBody>
           <a:bodyPr anchor="b"/>
           <a:lstStyle>
             <a:lvl1pPr algn="l">
-              <a:defRPr sz="1400" b="1"/>
+              <a:defRPr sz="1100" b="1"/>
             </a:lvl1pPr>
           </a:lstStyle>
           <a:p>
@@ -2099,39 +2099,39 @@
         </p:nvSpPr>
         <p:spPr>
           <a:xfrm>
-            <a:off x="2145031" y="163832"/>
-            <a:ext cx="3067050" cy="3511868"/>
+            <a:off x="1430021" y="69149"/>
+            <a:ext cx="2044700" cy="1482247"/>
           </a:xfrm>
         </p:spPr>
         <p:txBody>
           <a:bodyPr/>
           <a:lstStyle>
             <a:lvl1pPr>
-              <a:defRPr sz="2200"/>
+              <a:defRPr sz="1700"/>
             </a:lvl1pPr>
             <a:lvl2pPr>
-              <a:defRPr sz="1900"/>
+              <a:defRPr sz="1400"/>
             </a:lvl2pPr>
             <a:lvl3pPr>
-              <a:defRPr sz="1600"/>
+              <a:defRPr sz="1200"/>
             </a:lvl3pPr>
             <a:lvl4pPr>
-              <a:defRPr sz="1400"/>
+              <a:defRPr sz="1100"/>
             </a:lvl4pPr>
             <a:lvl5pPr>
-              <a:defRPr sz="1400"/>
+              <a:defRPr sz="1100"/>
             </a:lvl5pPr>
             <a:lvl6pPr>
-              <a:defRPr sz="1400"/>
+              <a:defRPr sz="1100"/>
             </a:lvl6pPr>
             <a:lvl7pPr>
-              <a:defRPr sz="1400"/>
+              <a:defRPr sz="1100"/>
             </a:lvl7pPr>
             <a:lvl8pPr>
-              <a:defRPr sz="1400"/>
+              <a:defRPr sz="1100"/>
             </a:lvl8pPr>
             <a:lvl9pPr>
-              <a:defRPr sz="1400"/>
+              <a:defRPr sz="1100"/>
             </a:lvl9pPr>
           </a:lstStyle>
           <a:p>
@@ -2184,8 +2184,8 @@
         </p:nvSpPr>
         <p:spPr>
           <a:xfrm>
-            <a:off x="274321" y="861062"/>
-            <a:ext cx="1804988" cy="2814638"/>
+            <a:off x="182881" y="363428"/>
+            <a:ext cx="1203326" cy="1187969"/>
           </a:xfrm>
         </p:spPr>
         <p:txBody>
@@ -2193,39 +2193,39 @@
           <a:lstStyle>
             <a:lvl1pPr marL="0" indent="0">
               <a:buNone/>
-              <a:defRPr sz="900"/>
+              <a:defRPr sz="700"/>
             </a:lvl1pPr>
-            <a:lvl2pPr marL="313493" indent="0">
-              <a:buNone/>
-              <a:defRPr sz="900"/>
+            <a:lvl2pPr marL="238850" indent="0">
+              <a:buNone/>
+              <a:defRPr sz="700"/>
             </a:lvl2pPr>
-            <a:lvl3pPr marL="626986" indent="0">
-              <a:buNone/>
-              <a:defRPr sz="700"/>
+            <a:lvl3pPr marL="477701" indent="0">
+              <a:buNone/>
+              <a:defRPr sz="500"/>
             </a:lvl3pPr>
-            <a:lvl4pPr marL="940479" indent="0">
-              <a:buNone/>
-              <a:defRPr sz="600"/>
+            <a:lvl4pPr marL="716551" indent="0">
+              <a:buNone/>
+              <a:defRPr sz="500"/>
             </a:lvl4pPr>
-            <a:lvl5pPr marL="1253972" indent="0">
-              <a:buNone/>
-              <a:defRPr sz="600"/>
+            <a:lvl5pPr marL="955401" indent="0">
+              <a:buNone/>
+              <a:defRPr sz="500"/>
             </a:lvl5pPr>
-            <a:lvl6pPr marL="1567464" indent="0">
-              <a:buNone/>
-              <a:defRPr sz="600"/>
+            <a:lvl6pPr marL="1194251" indent="0">
+              <a:buNone/>
+              <a:defRPr sz="500"/>
             </a:lvl6pPr>
-            <a:lvl7pPr marL="1880957" indent="0">
-              <a:buNone/>
-              <a:defRPr sz="600"/>
+            <a:lvl7pPr marL="1433101" indent="0">
+              <a:buNone/>
+              <a:defRPr sz="500"/>
             </a:lvl7pPr>
-            <a:lvl8pPr marL="2194450" indent="0">
-              <a:buNone/>
-              <a:defRPr sz="600"/>
+            <a:lvl8pPr marL="1671951" indent="0">
+              <a:buNone/>
+              <a:defRPr sz="500"/>
             </a:lvl8pPr>
-            <a:lvl9pPr marL="2507943" indent="0">
-              <a:buNone/>
-              <a:defRPr sz="600"/>
+            <a:lvl9pPr marL="1910802" indent="0">
+              <a:buNone/>
+              <a:defRPr sz="500"/>
             </a:lvl9pPr>
           </a:lstStyle>
           <a:p>
@@ -2254,7 +2254,7 @@
           <a:p>
             <a:fld id="{F0172217-DC24-48CD-AE89-68C8C8D878B4}" type="datetimeFigureOut">
               <a:rPr lang="en-US" smtClean="0"/>
-              <a:t>9/15/2010</a:t>
+              <a:t>9/28/2010</a:t>
             </a:fld>
             <a:endParaRPr lang="en-US"/>
           </a:p>
@@ -2344,15 +2344,15 @@
         </p:nvSpPr>
         <p:spPr>
           <a:xfrm>
-            <a:off x="1075373" y="2880360"/>
-            <a:ext cx="3291840" cy="340043"/>
+            <a:off x="716915" y="1215710"/>
+            <a:ext cx="2194560" cy="143522"/>
           </a:xfrm>
         </p:spPr>
         <p:txBody>
           <a:bodyPr anchor="b"/>
           <a:lstStyle>
             <a:lvl1pPr algn="l">
-              <a:defRPr sz="1400" b="1"/>
+              <a:defRPr sz="1100" b="1"/>
             </a:lvl1pPr>
           </a:lstStyle>
           <a:p>
@@ -2376,8 +2376,8 @@
         </p:nvSpPr>
         <p:spPr>
           <a:xfrm>
-            <a:off x="1075373" y="367666"/>
-            <a:ext cx="3291840" cy="2468880"/>
+            <a:off x="716915" y="155180"/>
+            <a:ext cx="2194560" cy="1042035"/>
           </a:xfrm>
         </p:spPr>
         <p:txBody>
@@ -2385,39 +2385,39 @@
           <a:lstStyle>
             <a:lvl1pPr marL="0" indent="0">
               <a:buNone/>
-              <a:defRPr sz="2200"/>
+              <a:defRPr sz="1700"/>
             </a:lvl1pPr>
-            <a:lvl2pPr marL="313493" indent="0">
-              <a:buNone/>
-              <a:defRPr sz="1900"/>
+            <a:lvl2pPr marL="238850" indent="0">
+              <a:buNone/>
+              <a:defRPr sz="1400"/>
             </a:lvl2pPr>
-            <a:lvl3pPr marL="626986" indent="0">
-              <a:buNone/>
-              <a:defRPr sz="1600"/>
+            <a:lvl3pPr marL="477701" indent="0">
+              <a:buNone/>
+              <a:defRPr sz="1200"/>
             </a:lvl3pPr>
-            <a:lvl4pPr marL="940479" indent="0">
-              <a:buNone/>
-              <a:defRPr sz="1400"/>
+            <a:lvl4pPr marL="716551" indent="0">
+              <a:buNone/>
+              <a:defRPr sz="1100"/>
             </a:lvl4pPr>
-            <a:lvl5pPr marL="1253972" indent="0">
-              <a:buNone/>
-              <a:defRPr sz="1400"/>
+            <a:lvl5pPr marL="955401" indent="0">
+              <a:buNone/>
+              <a:defRPr sz="1100"/>
             </a:lvl5pPr>
-            <a:lvl6pPr marL="1567464" indent="0">
-              <a:buNone/>
-              <a:defRPr sz="1400"/>
+            <a:lvl6pPr marL="1194251" indent="0">
+              <a:buNone/>
+              <a:defRPr sz="1100"/>
             </a:lvl6pPr>
-            <a:lvl7pPr marL="1880957" indent="0">
-              <a:buNone/>
-              <a:defRPr sz="1400"/>
+            <a:lvl7pPr marL="1433101" indent="0">
+              <a:buNone/>
+              <a:defRPr sz="1100"/>
             </a:lvl7pPr>
-            <a:lvl8pPr marL="2194450" indent="0">
-              <a:buNone/>
-              <a:defRPr sz="1400"/>
+            <a:lvl8pPr marL="1671951" indent="0">
+              <a:buNone/>
+              <a:defRPr sz="1100"/>
             </a:lvl8pPr>
-            <a:lvl9pPr marL="2507943" indent="0">
-              <a:buNone/>
-              <a:defRPr sz="1400"/>
+            <a:lvl9pPr marL="1910802" indent="0">
+              <a:buNone/>
+              <a:defRPr sz="1100"/>
             </a:lvl9pPr>
           </a:lstStyle>
           <a:p>
@@ -2437,8 +2437,8 @@
         </p:nvSpPr>
         <p:spPr>
           <a:xfrm>
-            <a:off x="1075373" y="3220404"/>
-            <a:ext cx="3291840" cy="482918"/>
+            <a:off x="716915" y="1359230"/>
+            <a:ext cx="2194560" cy="203825"/>
           </a:xfrm>
         </p:spPr>
         <p:txBody>
@@ -2446,39 +2446,39 @@
           <a:lstStyle>
             <a:lvl1pPr marL="0" indent="0">
               <a:buNone/>
-              <a:defRPr sz="900"/>
+              <a:defRPr sz="700"/>
             </a:lvl1pPr>
-            <a:lvl2pPr marL="313493" indent="0">
-              <a:buNone/>
-              <a:defRPr sz="900"/>
+            <a:lvl2pPr marL="238850" indent="0">
+              <a:buNone/>
+              <a:defRPr sz="700"/>
             </a:lvl2pPr>
-            <a:lvl3pPr marL="626986" indent="0">
-              <a:buNone/>
-              <a:defRPr sz="700"/>
+            <a:lvl3pPr marL="477701" indent="0">
+              <a:buNone/>
+              <a:defRPr sz="500"/>
             </a:lvl3pPr>
-            <a:lvl4pPr marL="940479" indent="0">
-              <a:buNone/>
-              <a:defRPr sz="600"/>
+            <a:lvl4pPr marL="716551" indent="0">
+              <a:buNone/>
+              <a:defRPr sz="500"/>
             </a:lvl4pPr>
-            <a:lvl5pPr marL="1253972" indent="0">
-              <a:buNone/>
-              <a:defRPr sz="600"/>
+            <a:lvl5pPr marL="955401" indent="0">
+              <a:buNone/>
+              <a:defRPr sz="500"/>
             </a:lvl5pPr>
-            <a:lvl6pPr marL="1567464" indent="0">
-              <a:buNone/>
-              <a:defRPr sz="600"/>
+            <a:lvl6pPr marL="1194251" indent="0">
+              <a:buNone/>
+              <a:defRPr sz="500"/>
             </a:lvl6pPr>
-            <a:lvl7pPr marL="1880957" indent="0">
-              <a:buNone/>
-              <a:defRPr sz="600"/>
+            <a:lvl7pPr marL="1433101" indent="0">
+              <a:buNone/>
+              <a:defRPr sz="500"/>
             </a:lvl7pPr>
-            <a:lvl8pPr marL="2194450" indent="0">
-              <a:buNone/>
-              <a:defRPr sz="600"/>
+            <a:lvl8pPr marL="1671951" indent="0">
+              <a:buNone/>
+              <a:defRPr sz="500"/>
             </a:lvl8pPr>
-            <a:lvl9pPr marL="2507943" indent="0">
-              <a:buNone/>
-              <a:defRPr sz="600"/>
+            <a:lvl9pPr marL="1910802" indent="0">
+              <a:buNone/>
+              <a:defRPr sz="500"/>
             </a:lvl9pPr>
           </a:lstStyle>
           <a:p>
@@ -2507,7 +2507,7 @@
           <a:p>
             <a:fld id="{F0172217-DC24-48CD-AE89-68C8C8D878B4}" type="datetimeFigureOut">
               <a:rPr lang="en-US" smtClean="0"/>
-              <a:t>9/15/2010</a:t>
+              <a:t>9/28/2010</a:t>
             </a:fld>
             <a:endParaRPr lang="en-US"/>
           </a:p>
@@ -2602,15 +2602,15 @@
         </p:nvSpPr>
         <p:spPr>
           <a:xfrm>
-            <a:off x="274320" y="164784"/>
-            <a:ext cx="4937760" cy="685800"/>
+            <a:off x="182880" y="69551"/>
+            <a:ext cx="3291840" cy="289454"/>
           </a:xfrm>
           <a:prstGeom prst="rect">
             <a:avLst/>
           </a:prstGeom>
         </p:spPr>
         <p:txBody>
-          <a:bodyPr vert="horz" lIns="62699" tIns="31349" rIns="62699" bIns="31349" rtlCol="0" anchor="ctr">
+          <a:bodyPr vert="horz" lIns="47770" tIns="23885" rIns="47770" bIns="23885" rtlCol="0" anchor="ctr">
             <a:normAutofit/>
           </a:bodyPr>
           <a:lstStyle/>
@@ -2635,15 +2635,15 @@
         </p:nvSpPr>
         <p:spPr>
           <a:xfrm>
-            <a:off x="274320" y="960121"/>
-            <a:ext cx="4937760" cy="2715577"/>
+            <a:off x="182880" y="405237"/>
+            <a:ext cx="3291840" cy="1146159"/>
           </a:xfrm>
           <a:prstGeom prst="rect">
             <a:avLst/>
           </a:prstGeom>
         </p:spPr>
         <p:txBody>
-          <a:bodyPr vert="horz" lIns="62699" tIns="31349" rIns="62699" bIns="31349" rtlCol="0">
+          <a:bodyPr vert="horz" lIns="47770" tIns="23885" rIns="47770" bIns="23885" rtlCol="0">
             <a:normAutofit/>
           </a:bodyPr>
           <a:lstStyle/>
@@ -2697,18 +2697,18 @@
         </p:nvSpPr>
         <p:spPr>
           <a:xfrm>
-            <a:off x="274320" y="3813812"/>
-            <a:ext cx="1280160" cy="219076"/>
+            <a:off x="182880" y="1609690"/>
+            <a:ext cx="853440" cy="92465"/>
           </a:xfrm>
           <a:prstGeom prst="rect">
             <a:avLst/>
           </a:prstGeom>
         </p:spPr>
         <p:txBody>
-          <a:bodyPr vert="horz" lIns="62699" tIns="31349" rIns="62699" bIns="31349" rtlCol="0" anchor="ctr"/>
+          <a:bodyPr vert="horz" lIns="47770" tIns="23885" rIns="47770" bIns="23885" rtlCol="0" anchor="ctr"/>
           <a:lstStyle>
             <a:lvl1pPr algn="l">
-              <a:defRPr sz="900">
+              <a:defRPr sz="700">
                 <a:solidFill>
                   <a:schemeClr val="tx1">
                     <a:tint val="75000"/>
@@ -2720,7 +2720,7 @@
           <a:p>
             <a:fld id="{F0172217-DC24-48CD-AE89-68C8C8D878B4}" type="datetimeFigureOut">
               <a:rPr lang="en-US" smtClean="0"/>
-              <a:t>9/15/2010</a:t>
+              <a:t>9/28/2010</a:t>
             </a:fld>
             <a:endParaRPr lang="en-US"/>
           </a:p>
@@ -2738,18 +2738,18 @@
         </p:nvSpPr>
         <p:spPr>
           <a:xfrm>
-            <a:off x="1874520" y="3813812"/>
-            <a:ext cx="1737360" cy="219076"/>
+            <a:off x="1249680" y="1609690"/>
+            <a:ext cx="1158240" cy="92465"/>
           </a:xfrm>
           <a:prstGeom prst="rect">
             <a:avLst/>
           </a:prstGeom>
         </p:spPr>
         <p:txBody>
-          <a:bodyPr vert="horz" lIns="62699" tIns="31349" rIns="62699" bIns="31349" rtlCol="0" anchor="ctr"/>
+          <a:bodyPr vert="horz" lIns="47770" tIns="23885" rIns="47770" bIns="23885" rtlCol="0" anchor="ctr"/>
           <a:lstStyle>
             <a:lvl1pPr algn="ctr">
-              <a:defRPr sz="900">
+              <a:defRPr sz="700">
                 <a:solidFill>
                   <a:schemeClr val="tx1">
                     <a:tint val="75000"/>
@@ -2775,18 +2775,18 @@
         </p:nvSpPr>
         <p:spPr>
           <a:xfrm>
-            <a:off x="3931920" y="3813812"/>
-            <a:ext cx="1280160" cy="219076"/>
+            <a:off x="2621280" y="1609690"/>
+            <a:ext cx="853440" cy="92465"/>
           </a:xfrm>
           <a:prstGeom prst="rect">
             <a:avLst/>
           </a:prstGeom>
         </p:spPr>
         <p:txBody>
-          <a:bodyPr vert="horz" lIns="62699" tIns="31349" rIns="62699" bIns="31349" rtlCol="0" anchor="ctr"/>
+          <a:bodyPr vert="horz" lIns="47770" tIns="23885" rIns="47770" bIns="23885" rtlCol="0" anchor="ctr"/>
           <a:lstStyle>
             <a:lvl1pPr algn="r">
-              <a:defRPr sz="900">
+              <a:defRPr sz="700">
                 <a:solidFill>
                   <a:schemeClr val="tx1">
                     <a:tint val="75000"/>
@@ -2827,12 +2827,12 @@
   </p:sldLayoutIdLst>
   <p:txStyles>
     <p:titleStyle>
-      <a:lvl1pPr algn="ctr" defTabSz="626986" rtl="0" eaLnBrk="1" latinLnBrk="0" hangingPunct="1">
+      <a:lvl1pPr algn="ctr" defTabSz="477701" rtl="0" eaLnBrk="1" latinLnBrk="0" hangingPunct="1">
         <a:spcBef>
           <a:spcPct val="0"/>
         </a:spcBef>
         <a:buNone/>
-        <a:defRPr sz="3000" kern="1200">
+        <a:defRPr sz="2300" kern="1200">
           <a:solidFill>
             <a:schemeClr val="tx1"/>
           </a:solidFill>
@@ -2843,13 +2843,13 @@
       </a:lvl1pPr>
     </p:titleStyle>
     <p:bodyStyle>
-      <a:lvl1pPr marL="235120" indent="-235120" algn="l" defTabSz="626986" rtl="0" eaLnBrk="1" latinLnBrk="0" hangingPunct="1">
+      <a:lvl1pPr marL="179138" indent="-179138" algn="l" defTabSz="477701" rtl="0" eaLnBrk="1" latinLnBrk="0" hangingPunct="1">
         <a:spcBef>
           <a:spcPct val="20000"/>
         </a:spcBef>
         <a:buFont typeface="Arial" pitchFamily="34" charset="0"/>
         <a:buChar char="•"/>
-        <a:defRPr sz="2200" kern="1200">
+        <a:defRPr sz="1700" kern="1200">
           <a:solidFill>
             <a:schemeClr val="tx1"/>
           </a:solidFill>
@@ -2858,37 +2858,7 @@
           <a:cs typeface="+mn-cs"/>
         </a:defRPr>
       </a:lvl1pPr>
-      <a:lvl2pPr marL="509426" indent="-195933" algn="l" defTabSz="626986" rtl="0" eaLnBrk="1" latinLnBrk="0" hangingPunct="1">
-        <a:spcBef>
-          <a:spcPct val="20000"/>
-        </a:spcBef>
-        <a:buFont typeface="Arial" pitchFamily="34" charset="0"/>
-        <a:buChar char="–"/>
-        <a:defRPr sz="1900" kern="1200">
-          <a:solidFill>
-            <a:schemeClr val="tx1"/>
-          </a:solidFill>
-          <a:latin typeface="+mn-lt"/>
-          <a:ea typeface="+mn-ea"/>
-          <a:cs typeface="+mn-cs"/>
-        </a:defRPr>
-      </a:lvl2pPr>
-      <a:lvl3pPr marL="783732" indent="-156746" algn="l" defTabSz="626986" rtl="0" eaLnBrk="1" latinLnBrk="0" hangingPunct="1">
-        <a:spcBef>
-          <a:spcPct val="20000"/>
-        </a:spcBef>
-        <a:buFont typeface="Arial" pitchFamily="34" charset="0"/>
-        <a:buChar char="•"/>
-        <a:defRPr sz="1600" kern="1200">
-          <a:solidFill>
-            <a:schemeClr val="tx1"/>
-          </a:solidFill>
-          <a:latin typeface="+mn-lt"/>
-          <a:ea typeface="+mn-ea"/>
-          <a:cs typeface="+mn-cs"/>
-        </a:defRPr>
-      </a:lvl3pPr>
-      <a:lvl4pPr marL="1097225" indent="-156746" algn="l" defTabSz="626986" rtl="0" eaLnBrk="1" latinLnBrk="0" hangingPunct="1">
+      <a:lvl2pPr marL="388132" indent="-149281" algn="l" defTabSz="477701" rtl="0" eaLnBrk="1" latinLnBrk="0" hangingPunct="1">
         <a:spcBef>
           <a:spcPct val="20000"/>
         </a:spcBef>
@@ -2902,14 +2872,44 @@
           <a:ea typeface="+mn-ea"/>
           <a:cs typeface="+mn-cs"/>
         </a:defRPr>
+      </a:lvl2pPr>
+      <a:lvl3pPr marL="597125" indent="-119425" algn="l" defTabSz="477701" rtl="0" eaLnBrk="1" latinLnBrk="0" hangingPunct="1">
+        <a:spcBef>
+          <a:spcPct val="20000"/>
+        </a:spcBef>
+        <a:buFont typeface="Arial" pitchFamily="34" charset="0"/>
+        <a:buChar char="•"/>
+        <a:defRPr sz="1200" kern="1200">
+          <a:solidFill>
+            <a:schemeClr val="tx1"/>
+          </a:solidFill>
+          <a:latin typeface="+mn-lt"/>
+          <a:ea typeface="+mn-ea"/>
+          <a:cs typeface="+mn-cs"/>
+        </a:defRPr>
+      </a:lvl3pPr>
+      <a:lvl4pPr marL="835976" indent="-119425" algn="l" defTabSz="477701" rtl="0" eaLnBrk="1" latinLnBrk="0" hangingPunct="1">
+        <a:spcBef>
+          <a:spcPct val="20000"/>
+        </a:spcBef>
+        <a:buFont typeface="Arial" pitchFamily="34" charset="0"/>
+        <a:buChar char="–"/>
+        <a:defRPr sz="1100" kern="1200">
+          <a:solidFill>
+            <a:schemeClr val="tx1"/>
+          </a:solidFill>
+          <a:latin typeface="+mn-lt"/>
+          <a:ea typeface="+mn-ea"/>
+          <a:cs typeface="+mn-cs"/>
+        </a:defRPr>
       </a:lvl4pPr>
-      <a:lvl5pPr marL="1410718" indent="-156746" algn="l" defTabSz="626986" rtl="0" eaLnBrk="1" latinLnBrk="0" hangingPunct="1">
+      <a:lvl5pPr marL="1074826" indent="-119425" algn="l" defTabSz="477701" rtl="0" eaLnBrk="1" latinLnBrk="0" hangingPunct="1">
         <a:spcBef>
           <a:spcPct val="20000"/>
         </a:spcBef>
         <a:buFont typeface="Arial" pitchFamily="34" charset="0"/>
         <a:buChar char="»"/>
-        <a:defRPr sz="1400" kern="1200">
+        <a:defRPr sz="1100" kern="1200">
           <a:solidFill>
             <a:schemeClr val="tx1"/>
           </a:solidFill>
@@ -2918,13 +2918,13 @@
           <a:cs typeface="+mn-cs"/>
         </a:defRPr>
       </a:lvl5pPr>
-      <a:lvl6pPr marL="1724211" indent="-156746" algn="l" defTabSz="626986" rtl="0" eaLnBrk="1" latinLnBrk="0" hangingPunct="1">
+      <a:lvl6pPr marL="1313676" indent="-119425" algn="l" defTabSz="477701" rtl="0" eaLnBrk="1" latinLnBrk="0" hangingPunct="1">
         <a:spcBef>
           <a:spcPct val="20000"/>
         </a:spcBef>
         <a:buFont typeface="Arial" pitchFamily="34" charset="0"/>
         <a:buChar char="•"/>
-        <a:defRPr sz="1400" kern="1200">
+        <a:defRPr sz="1100" kern="1200">
           <a:solidFill>
             <a:schemeClr val="tx1"/>
           </a:solidFill>
@@ -2933,13 +2933,13 @@
           <a:cs typeface="+mn-cs"/>
         </a:defRPr>
       </a:lvl6pPr>
-      <a:lvl7pPr marL="2037704" indent="-156746" algn="l" defTabSz="626986" rtl="0" eaLnBrk="1" latinLnBrk="0" hangingPunct="1">
+      <a:lvl7pPr marL="1552527" indent="-119425" algn="l" defTabSz="477701" rtl="0" eaLnBrk="1" latinLnBrk="0" hangingPunct="1">
         <a:spcBef>
           <a:spcPct val="20000"/>
         </a:spcBef>
         <a:buFont typeface="Arial" pitchFamily="34" charset="0"/>
         <a:buChar char="•"/>
-        <a:defRPr sz="1400" kern="1200">
+        <a:defRPr sz="1100" kern="1200">
           <a:solidFill>
             <a:schemeClr val="tx1"/>
           </a:solidFill>
@@ -2948,13 +2948,13 @@
           <a:cs typeface="+mn-cs"/>
         </a:defRPr>
       </a:lvl7pPr>
-      <a:lvl8pPr marL="2351197" indent="-156746" algn="l" defTabSz="626986" rtl="0" eaLnBrk="1" latinLnBrk="0" hangingPunct="1">
+      <a:lvl8pPr marL="1791377" indent="-119425" algn="l" defTabSz="477701" rtl="0" eaLnBrk="1" latinLnBrk="0" hangingPunct="1">
         <a:spcBef>
           <a:spcPct val="20000"/>
         </a:spcBef>
         <a:buFont typeface="Arial" pitchFamily="34" charset="0"/>
         <a:buChar char="•"/>
-        <a:defRPr sz="1400" kern="1200">
+        <a:defRPr sz="1100" kern="1200">
           <a:solidFill>
             <a:schemeClr val="tx1"/>
           </a:solidFill>
@@ -2963,13 +2963,13 @@
           <a:cs typeface="+mn-cs"/>
         </a:defRPr>
       </a:lvl8pPr>
-      <a:lvl9pPr marL="2664690" indent="-156746" algn="l" defTabSz="626986" rtl="0" eaLnBrk="1" latinLnBrk="0" hangingPunct="1">
+      <a:lvl9pPr marL="2030227" indent="-119425" algn="l" defTabSz="477701" rtl="0" eaLnBrk="1" latinLnBrk="0" hangingPunct="1">
         <a:spcBef>
           <a:spcPct val="20000"/>
         </a:spcBef>
         <a:buFont typeface="Arial" pitchFamily="34" charset="0"/>
         <a:buChar char="•"/>
-        <a:defRPr sz="1400" kern="1200">
+        <a:defRPr sz="1100" kern="1200">
           <a:solidFill>
             <a:schemeClr val="tx1"/>
           </a:solidFill>
@@ -2983,8 +2983,8 @@
       <a:defPPr>
         <a:defRPr lang="en-US"/>
       </a:defPPr>
-      <a:lvl1pPr marL="0" algn="l" defTabSz="626986" rtl="0" eaLnBrk="1" latinLnBrk="0" hangingPunct="1">
-        <a:defRPr sz="1200" kern="1200">
+      <a:lvl1pPr marL="0" algn="l" defTabSz="477701" rtl="0" eaLnBrk="1" latinLnBrk="0" hangingPunct="1">
+        <a:defRPr sz="900" kern="1200">
           <a:solidFill>
             <a:schemeClr val="tx1"/>
           </a:solidFill>
@@ -2993,8 +2993,8 @@
           <a:cs typeface="+mn-cs"/>
         </a:defRPr>
       </a:lvl1pPr>
-      <a:lvl2pPr marL="313493" algn="l" defTabSz="626986" rtl="0" eaLnBrk="1" latinLnBrk="0" hangingPunct="1">
-        <a:defRPr sz="1200" kern="1200">
+      <a:lvl2pPr marL="238850" algn="l" defTabSz="477701" rtl="0" eaLnBrk="1" latinLnBrk="0" hangingPunct="1">
+        <a:defRPr sz="900" kern="1200">
           <a:solidFill>
             <a:schemeClr val="tx1"/>
           </a:solidFill>
@@ -3003,8 +3003,8 @@
           <a:cs typeface="+mn-cs"/>
         </a:defRPr>
       </a:lvl2pPr>
-      <a:lvl3pPr marL="626986" algn="l" defTabSz="626986" rtl="0" eaLnBrk="1" latinLnBrk="0" hangingPunct="1">
-        <a:defRPr sz="1200" kern="1200">
+      <a:lvl3pPr marL="477701" algn="l" defTabSz="477701" rtl="0" eaLnBrk="1" latinLnBrk="0" hangingPunct="1">
+        <a:defRPr sz="900" kern="1200">
           <a:solidFill>
             <a:schemeClr val="tx1"/>
           </a:solidFill>
@@ -3013,8 +3013,8 @@
           <a:cs typeface="+mn-cs"/>
         </a:defRPr>
       </a:lvl3pPr>
-      <a:lvl4pPr marL="940479" algn="l" defTabSz="626986" rtl="0" eaLnBrk="1" latinLnBrk="0" hangingPunct="1">
-        <a:defRPr sz="1200" kern="1200">
+      <a:lvl4pPr marL="716551" algn="l" defTabSz="477701" rtl="0" eaLnBrk="1" latinLnBrk="0" hangingPunct="1">
+        <a:defRPr sz="900" kern="1200">
           <a:solidFill>
             <a:schemeClr val="tx1"/>
           </a:solidFill>
@@ -3023,8 +3023,8 @@
           <a:cs typeface="+mn-cs"/>
         </a:defRPr>
       </a:lvl4pPr>
-      <a:lvl5pPr marL="1253972" algn="l" defTabSz="626986" rtl="0" eaLnBrk="1" latinLnBrk="0" hangingPunct="1">
-        <a:defRPr sz="1200" kern="1200">
+      <a:lvl5pPr marL="955401" algn="l" defTabSz="477701" rtl="0" eaLnBrk="1" latinLnBrk="0" hangingPunct="1">
+        <a:defRPr sz="900" kern="1200">
           <a:solidFill>
             <a:schemeClr val="tx1"/>
           </a:solidFill>
@@ -3033,8 +3033,8 @@
           <a:cs typeface="+mn-cs"/>
         </a:defRPr>
       </a:lvl5pPr>
-      <a:lvl6pPr marL="1567464" algn="l" defTabSz="626986" rtl="0" eaLnBrk="1" latinLnBrk="0" hangingPunct="1">
-        <a:defRPr sz="1200" kern="1200">
+      <a:lvl6pPr marL="1194251" algn="l" defTabSz="477701" rtl="0" eaLnBrk="1" latinLnBrk="0" hangingPunct="1">
+        <a:defRPr sz="900" kern="1200">
           <a:solidFill>
             <a:schemeClr val="tx1"/>
           </a:solidFill>
@@ -3043,8 +3043,8 @@
           <a:cs typeface="+mn-cs"/>
         </a:defRPr>
       </a:lvl6pPr>
-      <a:lvl7pPr marL="1880957" algn="l" defTabSz="626986" rtl="0" eaLnBrk="1" latinLnBrk="0" hangingPunct="1">
-        <a:defRPr sz="1200" kern="1200">
+      <a:lvl7pPr marL="1433101" algn="l" defTabSz="477701" rtl="0" eaLnBrk="1" latinLnBrk="0" hangingPunct="1">
+        <a:defRPr sz="900" kern="1200">
           <a:solidFill>
             <a:schemeClr val="tx1"/>
           </a:solidFill>
@@ -3053,8 +3053,8 @@
           <a:cs typeface="+mn-cs"/>
         </a:defRPr>
       </a:lvl7pPr>
-      <a:lvl8pPr marL="2194450" algn="l" defTabSz="626986" rtl="0" eaLnBrk="1" latinLnBrk="0" hangingPunct="1">
-        <a:defRPr sz="1200" kern="1200">
+      <a:lvl8pPr marL="1671951" algn="l" defTabSz="477701" rtl="0" eaLnBrk="1" latinLnBrk="0" hangingPunct="1">
+        <a:defRPr sz="900" kern="1200">
           <a:solidFill>
             <a:schemeClr val="tx1"/>
           </a:solidFill>
@@ -3063,8 +3063,8 @@
           <a:cs typeface="+mn-cs"/>
         </a:defRPr>
       </a:lvl8pPr>
-      <a:lvl9pPr marL="2507943" algn="l" defTabSz="626986" rtl="0" eaLnBrk="1" latinLnBrk="0" hangingPunct="1">
-        <a:defRPr sz="1200" kern="1200">
+      <a:lvl9pPr marL="1910802" algn="l" defTabSz="477701" rtl="0" eaLnBrk="1" latinLnBrk="0" hangingPunct="1">
+        <a:defRPr sz="900" kern="1200">
           <a:solidFill>
             <a:schemeClr val="tx1"/>
           </a:solidFill>
@@ -3097,161 +3097,112 @@
       </p:grpSpPr>
       <p:grpSp>
         <p:nvGrpSpPr>
-          <p:cNvPr id="12" name="Group 11"/>
+          <p:cNvPr id="2" name="Group 1"/>
           <p:cNvGrpSpPr/>
           <p:nvPr/>
         </p:nvGrpSpPr>
         <p:grpSpPr>
           <a:xfrm>
-            <a:off x="398686" y="285754"/>
-            <a:ext cx="4689028" cy="3543293"/>
-            <a:chOff x="346903" y="214881"/>
-            <a:chExt cx="4689028" cy="3543293"/>
+            <a:off x="97799" y="69680"/>
+            <a:ext cx="3462002" cy="1597364"/>
+            <a:chOff x="72860" y="90707"/>
+            <a:chExt cx="3462002" cy="1597364"/>
           </a:xfrm>
         </p:grpSpPr>
-        <p:grpSp>
-          <p:nvGrpSpPr>
-            <p:cNvPr id="214" name="Group 213"/>
-            <p:cNvGrpSpPr/>
-            <p:nvPr/>
-          </p:nvGrpSpPr>
-          <p:grpSpPr>
-            <a:xfrm>
-              <a:off x="393594" y="870201"/>
-              <a:ext cx="2764770" cy="487680"/>
-              <a:chOff x="4017031" y="1188721"/>
-              <a:chExt cx="2764770" cy="487680"/>
-            </a:xfrm>
-          </p:grpSpPr>
-          <p:sp>
-            <p:nvSpPr>
-              <p:cNvPr id="215" name="Rectangle 214"/>
-              <p:cNvSpPr/>
-              <p:nvPr/>
-            </p:nvSpPr>
-            <p:spPr>
-              <a:xfrm>
-                <a:off x="4017031" y="1188721"/>
-                <a:ext cx="2764770" cy="487680"/>
-              </a:xfrm>
-              <a:prstGeom prst="rect">
-                <a:avLst/>
-              </a:prstGeom>
-              <a:noFill/>
-              <a:ln w="6350">
-                <a:solidFill>
-                  <a:srgbClr val="002060"/>
-                </a:solidFill>
-              </a:ln>
-            </p:spPr>
-            <p:style>
-              <a:lnRef idx="2">
-                <a:schemeClr val="accent1">
-                  <a:shade val="50000"/>
-                </a:schemeClr>
-              </a:lnRef>
-              <a:fillRef idx="1">
-                <a:schemeClr val="accent1"/>
-              </a:fillRef>
-              <a:effectRef idx="0">
-                <a:schemeClr val="accent1"/>
-              </a:effectRef>
-              <a:fontRef idx="minor">
-                <a:schemeClr val="lt1"/>
-              </a:fontRef>
-            </p:style>
-            <p:txBody>
-              <a:bodyPr rtlCol="0" anchor="t"/>
-              <a:lstStyle/>
-              <a:p>
-                <a:pPr algn="ctr"/>
-                <a:r>
-                  <a:rPr lang="en-US" sz="1100" b="1" dirty="0">
-                    <a:solidFill>
-                      <a:schemeClr val="tx1"/>
-                    </a:solidFill>
-                  </a:rPr>
-                  <a:t>HierarchicalSBML</a:t>
-                </a:r>
-              </a:p>
-              <a:p>
-                <a:r>
-                  <a:rPr lang="en-US" sz="900" dirty="0">
-                    <a:solidFill>
-                      <a:schemeClr val="tx1"/>
-                    </a:solidFill>
-                  </a:rPr>
-                  <a:t>+level: positive integer {use=“required” fixed=“3”}</a:t>
-                </a:r>
-              </a:p>
-              <a:p>
-                <a:r>
-                  <a:rPr lang="en-US" sz="900" dirty="0">
-                    <a:solidFill>
-                      <a:schemeClr val="tx1"/>
-                    </a:solidFill>
-                  </a:rPr>
-                  <a:t>+version: positive integer {use=“required” fixed=“1”}</a:t>
-                </a:r>
-              </a:p>
-            </p:txBody>
-          </p:sp>
-          <p:cxnSp>
-            <p:nvCxnSpPr>
-              <p:cNvPr id="216" name="Straight Connector 215"/>
-              <p:cNvCxnSpPr/>
-              <p:nvPr/>
-            </p:nvCxnSpPr>
-            <p:spPr>
-              <a:xfrm>
-                <a:off x="4017031" y="1377948"/>
-                <a:ext cx="2764770" cy="0"/>
-              </a:xfrm>
-              <a:prstGeom prst="line">
-                <a:avLst/>
-              </a:prstGeom>
-              <a:ln w="6350">
-                <a:solidFill>
-                  <a:schemeClr val="tx1"/>
-                </a:solidFill>
-              </a:ln>
-            </p:spPr>
-            <p:style>
-              <a:lnRef idx="1">
-                <a:schemeClr val="accent1"/>
-              </a:lnRef>
-              <a:fillRef idx="0">
-                <a:schemeClr val="accent1"/>
-              </a:fillRef>
-              <a:effectRef idx="0">
-                <a:schemeClr val="accent1"/>
-              </a:effectRef>
-              <a:fontRef idx="minor">
-                <a:schemeClr val="tx1"/>
-              </a:fontRef>
-            </p:style>
-          </p:cxnSp>
-        </p:grpSp>
         <p:sp>
           <p:nvSpPr>
-            <p:cNvPr id="217" name="Diamond 216"/>
+            <p:cNvPr id="30" name="Rectangle 29"/>
             <p:cNvSpPr/>
             <p:nvPr/>
           </p:nvSpPr>
           <p:spPr>
             <a:xfrm>
-              <a:off x="359756" y="1349090"/>
+              <a:off x="120240" y="91281"/>
+              <a:ext cx="2764770" cy="243840"/>
+            </a:xfrm>
+            <a:prstGeom prst="rect">
+              <a:avLst/>
+            </a:prstGeom>
+            <a:noFill/>
+            <a:ln w="6350">
+              <a:solidFill>
+                <a:schemeClr val="tx1"/>
+              </a:solidFill>
+            </a:ln>
+          </p:spPr>
+          <p:style>
+            <a:lnRef idx="2">
+              <a:schemeClr val="accent1">
+                <a:shade val="50000"/>
+              </a:schemeClr>
+            </a:lnRef>
+            <a:fillRef idx="1">
+              <a:schemeClr val="accent1"/>
+            </a:fillRef>
+            <a:effectRef idx="0">
+              <a:schemeClr val="accent1"/>
+            </a:effectRef>
+            <a:fontRef idx="minor">
+              <a:schemeClr val="lt1"/>
+            </a:fontRef>
+          </p:style>
+          <p:txBody>
+            <a:bodyPr rtlCol="0" anchor="t"/>
+            <a:lstStyle/>
+            <a:p>
+              <a:pPr algn="ctr"/>
+              <a:r>
+                <a:rPr lang="en-US" sz="1100" b="1" dirty="0" smtClean="0">
+                  <a:solidFill>
+                    <a:schemeClr val="tx1"/>
+                  </a:solidFill>
+                </a:rPr>
+                <a:t>SBML </a:t>
+              </a:r>
+              <a:r>
+                <a:rPr lang="en-US" b="1" i="1" dirty="0">
+                  <a:solidFill>
+                    <a:srgbClr val="00B050"/>
+                  </a:solidFill>
+                </a:rPr>
+                <a:t>(extended</a:t>
+              </a:r>
+              <a:r>
+                <a:rPr lang="en-US" b="1" i="1" dirty="0" smtClean="0">
+                  <a:solidFill>
+                    <a:srgbClr val="00B050"/>
+                  </a:solidFill>
+                </a:rPr>
+                <a:t>)</a:t>
+              </a:r>
+              <a:endParaRPr lang="en-US" b="1" dirty="0">
+                <a:solidFill>
+                  <a:schemeClr val="tx1"/>
+                </a:solidFill>
+              </a:endParaRPr>
+            </a:p>
+          </p:txBody>
+        </p:sp>
+        <p:sp>
+          <p:nvSpPr>
+            <p:cNvPr id="31" name="Diamond 30"/>
+            <p:cNvSpPr/>
+            <p:nvPr/>
+          </p:nvSpPr>
+          <p:spPr>
+            <a:xfrm>
+              <a:off x="86402" y="333114"/>
               <a:ext cx="66869" cy="152398"/>
             </a:xfrm>
             <a:prstGeom prst="diamond">
               <a:avLst/>
             </a:prstGeom>
             <a:solidFill>
-              <a:schemeClr val="tx1"/>
+              <a:srgbClr val="00B050"/>
             </a:solidFill>
             <a:ln w="6350">
               <a:solidFill>
-                <a:schemeClr val="tx1"/>
+                <a:srgbClr val="00B050"/>
               </a:solidFill>
             </a:ln>
           </p:spPr>
@@ -3282,17 +3233,57 @@
         </p:sp>
         <p:cxnSp>
           <p:nvCxnSpPr>
-            <p:cNvPr id="218" name="Elbow Connector 217"/>
+            <p:cNvPr id="32" name="Elbow Connector 31"/>
             <p:cNvCxnSpPr>
-              <a:stCxn id="217" idx="2"/>
-              <a:endCxn id="219" idx="0"/>
+              <a:stCxn id="41" idx="2"/>
+              <a:endCxn id="39" idx="0"/>
             </p:cNvCxnSpPr>
             <p:nvPr/>
           </p:nvCxnSpPr>
           <p:spPr>
             <a:xfrm rot="16200000" flipH="1">
-              <a:off x="743677" y="1151002"/>
-              <a:ext cx="407376" cy="1108349"/>
+              <a:off x="766804" y="755826"/>
+              <a:ext cx="248734" cy="1006155"/>
+            </a:xfrm>
+            <a:prstGeom prst="bentConnector3">
+              <a:avLst>
+                <a:gd name="adj1" fmla="val 37539"/>
+              </a:avLst>
+            </a:prstGeom>
+            <a:ln w="6350">
+              <a:solidFill>
+                <a:srgbClr val="0070C0"/>
+              </a:solidFill>
+            </a:ln>
+          </p:spPr>
+          <p:style>
+            <a:lnRef idx="1">
+              <a:schemeClr val="accent1"/>
+            </a:lnRef>
+            <a:fillRef idx="0">
+              <a:schemeClr val="accent1"/>
+            </a:fillRef>
+            <a:effectRef idx="0">
+              <a:schemeClr val="accent1"/>
+            </a:effectRef>
+            <a:fontRef idx="minor">
+              <a:schemeClr val="tx1"/>
+            </a:fontRef>
+          </p:style>
+        </p:cxnSp>
+        <p:cxnSp>
+          <p:nvCxnSpPr>
+            <p:cNvPr id="33" name="Elbow Connector 32"/>
+            <p:cNvCxnSpPr>
+              <a:stCxn id="31" idx="2"/>
+              <a:endCxn id="34" idx="0"/>
+            </p:cNvCxnSpPr>
+            <p:nvPr/>
+          </p:nvCxnSpPr>
+          <p:spPr>
+            <a:xfrm rot="16200000" flipH="1">
+              <a:off x="570294" y="35055"/>
+              <a:ext cx="191828" cy="1092742"/>
             </a:xfrm>
             <a:prstGeom prst="bentConnector3">
               <a:avLst>
@@ -3301,7 +3292,7 @@
             </a:prstGeom>
             <a:ln w="6350">
               <a:solidFill>
-                <a:schemeClr val="tx1"/>
+                <a:srgbClr val="00B050"/>
               </a:solidFill>
             </a:ln>
           </p:spPr>
@@ -3322,13 +3313,13 @@
         </p:cxnSp>
         <p:sp>
           <p:nvSpPr>
-            <p:cNvPr id="219" name="Rectangle 218"/>
+            <p:cNvPr id="34" name="Rectangle 33"/>
             <p:cNvSpPr/>
             <p:nvPr/>
           </p:nvSpPr>
           <p:spPr>
             <a:xfrm>
-              <a:off x="677056" y="1908864"/>
+              <a:off x="388094" y="677340"/>
               <a:ext cx="1648969" cy="304800"/>
             </a:xfrm>
             <a:prstGeom prst="rect">
@@ -3337,7 +3328,7 @@
             <a:noFill/>
             <a:ln w="6350">
               <a:solidFill>
-                <a:srgbClr val="002060"/>
+                <a:srgbClr val="0070C0"/>
               </a:solidFill>
             </a:ln>
           </p:spPr>
@@ -3365,140 +3356,7 @@
               <a:r>
                 <a:rPr lang="en-US" sz="1100" b="1" dirty="0">
                   <a:solidFill>
-                    <a:schemeClr val="tx1"/>
-                  </a:solidFill>
-                </a:rPr>
-                <a:t>HierarchicalModel</a:t>
-              </a:r>
-            </a:p>
-          </p:txBody>
-        </p:sp>
-        <p:cxnSp>
-          <p:nvCxnSpPr>
-            <p:cNvPr id="220" name="Elbow Connector 219"/>
-            <p:cNvCxnSpPr>
-              <a:stCxn id="239" idx="2"/>
-              <a:endCxn id="230" idx="0"/>
-            </p:cNvCxnSpPr>
-            <p:nvPr/>
-          </p:nvCxnSpPr>
-          <p:spPr>
-            <a:xfrm rot="16200000" flipH="1">
-              <a:off x="1019033" y="2768643"/>
-              <a:ext cx="342896" cy="1026567"/>
-            </a:xfrm>
-            <a:prstGeom prst="bentConnector3">
-              <a:avLst>
-                <a:gd name="adj1" fmla="val 34615"/>
-              </a:avLst>
-            </a:prstGeom>
-            <a:ln w="6350">
-              <a:solidFill>
-                <a:schemeClr val="tx1"/>
-              </a:solidFill>
-            </a:ln>
-          </p:spPr>
-          <p:style>
-            <a:lnRef idx="1">
-              <a:schemeClr val="accent1"/>
-            </a:lnRef>
-            <a:fillRef idx="0">
-              <a:schemeClr val="accent1"/>
-            </a:fillRef>
-            <a:effectRef idx="0">
-              <a:schemeClr val="accent1"/>
-            </a:effectRef>
-            <a:fontRef idx="minor">
-              <a:schemeClr val="tx1"/>
-            </a:fontRef>
-          </p:style>
-        </p:cxnSp>
-        <p:cxnSp>
-          <p:nvCxnSpPr>
-            <p:cNvPr id="221" name="Elbow Connector 220"/>
-            <p:cNvCxnSpPr>
-              <a:stCxn id="217" idx="2"/>
-              <a:endCxn id="222" idx="0"/>
-            </p:cNvCxnSpPr>
-            <p:nvPr/>
-          </p:nvCxnSpPr>
-          <p:spPr>
-            <a:xfrm rot="16200000" flipH="1">
-              <a:off x="371469" y="1523209"/>
-              <a:ext cx="1151792" cy="1108349"/>
-            </a:xfrm>
-            <a:prstGeom prst="bentConnector3">
-              <a:avLst>
-                <a:gd name="adj1" fmla="val 81298"/>
-              </a:avLst>
-            </a:prstGeom>
-            <a:ln w="6350">
-              <a:solidFill>
-                <a:schemeClr val="tx1"/>
-              </a:solidFill>
-            </a:ln>
-          </p:spPr>
-          <p:style>
-            <a:lnRef idx="1">
-              <a:schemeClr val="accent1"/>
-            </a:lnRef>
-            <a:fillRef idx="0">
-              <a:schemeClr val="accent1"/>
-            </a:fillRef>
-            <a:effectRef idx="0">
-              <a:schemeClr val="accent1"/>
-            </a:effectRef>
-            <a:fontRef idx="minor">
-              <a:schemeClr val="tx1"/>
-            </a:fontRef>
-          </p:style>
-        </p:cxnSp>
-        <p:sp>
-          <p:nvSpPr>
-            <p:cNvPr id="222" name="Rectangle 221"/>
-            <p:cNvSpPr/>
-            <p:nvPr/>
-          </p:nvSpPr>
-          <p:spPr>
-            <a:xfrm>
-              <a:off x="677056" y="2653280"/>
-              <a:ext cx="1648969" cy="304800"/>
-            </a:xfrm>
-            <a:prstGeom prst="rect">
-              <a:avLst/>
-            </a:prstGeom>
-            <a:noFill/>
-            <a:ln w="6350">
-              <a:solidFill>
-                <a:srgbClr val="002060"/>
-              </a:solidFill>
-            </a:ln>
-          </p:spPr>
-          <p:style>
-            <a:lnRef idx="2">
-              <a:schemeClr val="accent1">
-                <a:shade val="50000"/>
-              </a:schemeClr>
-            </a:lnRef>
-            <a:fillRef idx="1">
-              <a:schemeClr val="accent1"/>
-            </a:fillRef>
-            <a:effectRef idx="0">
-              <a:schemeClr val="accent1"/>
-            </a:effectRef>
-            <a:fontRef idx="minor">
-              <a:schemeClr val="lt1"/>
-            </a:fontRef>
-          </p:style>
-          <p:txBody>
-            <a:bodyPr lIns="91440" tIns="45720" rIns="91440" bIns="45720" spcCol="0" rtlCol="0" anchor="ctr"/>
-            <a:lstStyle/>
-            <a:p>
-              <a:pPr algn="ctr"/>
-              <a:r>
-                <a:rPr lang="en-US" sz="1100" b="1" dirty="0">
-                  <a:solidFill>
-                    <a:schemeClr val="tx1"/>
+                    <a:srgbClr val="0070C0"/>
                   </a:solidFill>
                 </a:rPr>
                 <a:t>ListOfModelDefinitions</a:t>
@@ -3508,14 +3366,14 @@
         </p:sp>
         <p:sp>
           <p:nvSpPr>
-            <p:cNvPr id="223" name="Rectangle 222"/>
+            <p:cNvPr id="35" name="Rectangle 34"/>
             <p:cNvSpPr/>
             <p:nvPr/>
           </p:nvSpPr>
           <p:spPr>
             <a:xfrm>
-              <a:off x="4453762" y="214881"/>
-              <a:ext cx="582169" cy="304800"/>
+              <a:off x="2952693" y="90707"/>
+              <a:ext cx="582169" cy="244414"/>
             </a:xfrm>
             <a:prstGeom prst="rect">
               <a:avLst/>
@@ -3561,13 +3419,13 @@
         </p:sp>
         <p:sp>
           <p:nvSpPr>
-            <p:cNvPr id="224" name="Isosceles Triangle 223"/>
+            <p:cNvPr id="36" name="Isosceles Triangle 35"/>
             <p:cNvSpPr/>
             <p:nvPr/>
           </p:nvSpPr>
           <p:spPr>
             <a:xfrm>
-              <a:off x="4682364" y="522613"/>
+              <a:off x="3164177" y="334770"/>
               <a:ext cx="159199" cy="114300"/>
             </a:xfrm>
             <a:prstGeom prst="triangle">
@@ -3611,103 +3469,24 @@
         </p:sp>
         <p:cxnSp>
           <p:nvCxnSpPr>
-            <p:cNvPr id="225" name="Elbow Connector 224"/>
+            <p:cNvPr id="37" name="Elbow Connector 36"/>
             <p:cNvCxnSpPr>
-              <a:stCxn id="232" idx="3"/>
-              <a:endCxn id="224" idx="3"/>
+              <a:stCxn id="34" idx="3"/>
+              <a:endCxn id="36" idx="3"/>
             </p:cNvCxnSpPr>
             <p:nvPr/>
           </p:nvCxnSpPr>
           <p:spPr>
             <a:xfrm flipV="1">
-              <a:off x="4426330" y="636913"/>
-              <a:ext cx="335634" cy="1424351"/>
+              <a:off x="2037063" y="449070"/>
+              <a:ext cx="1206714" cy="380670"/>
             </a:xfrm>
             <a:prstGeom prst="bentConnector2">
               <a:avLst/>
             </a:prstGeom>
             <a:ln w="6350">
               <a:solidFill>
-                <a:schemeClr val="tx1"/>
-              </a:solidFill>
-            </a:ln>
-          </p:spPr>
-          <p:style>
-            <a:lnRef idx="1">
-              <a:schemeClr val="accent1"/>
-            </a:lnRef>
-            <a:fillRef idx="0">
-              <a:schemeClr val="accent1"/>
-            </a:fillRef>
-            <a:effectRef idx="0">
-              <a:schemeClr val="accent1"/>
-            </a:effectRef>
-            <a:fontRef idx="minor">
-              <a:schemeClr val="tx1"/>
-            </a:fontRef>
-          </p:style>
-        </p:cxnSp>
-        <p:cxnSp>
-          <p:nvCxnSpPr>
-            <p:cNvPr id="226" name="Elbow Connector 225"/>
-            <p:cNvCxnSpPr>
-              <a:stCxn id="215" idx="3"/>
-              <a:endCxn id="241" idx="3"/>
-            </p:cNvCxnSpPr>
-            <p:nvPr/>
-          </p:nvCxnSpPr>
-          <p:spPr>
-            <a:xfrm flipV="1">
-              <a:off x="3158364" y="737128"/>
-              <a:ext cx="714812" cy="376913"/>
-            </a:xfrm>
-            <a:prstGeom prst="bentConnector4">
-              <a:avLst>
-                <a:gd name="adj1" fmla="val 31423"/>
-                <a:gd name="adj2" fmla="val 160651"/>
-              </a:avLst>
-            </a:prstGeom>
-            <a:ln w="6350">
-              <a:solidFill>
-                <a:schemeClr val="tx1"/>
-              </a:solidFill>
-            </a:ln>
-          </p:spPr>
-          <p:style>
-            <a:lnRef idx="1">
-              <a:schemeClr val="accent1"/>
-            </a:lnRef>
-            <a:fillRef idx="0">
-              <a:schemeClr val="accent1"/>
-            </a:fillRef>
-            <a:effectRef idx="0">
-              <a:schemeClr val="accent1"/>
-            </a:effectRef>
-            <a:fontRef idx="minor">
-              <a:schemeClr val="tx1"/>
-            </a:fontRef>
-          </p:style>
-        </p:cxnSp>
-        <p:cxnSp>
-          <p:nvCxnSpPr>
-            <p:cNvPr id="227" name="Elbow Connector 226"/>
-            <p:cNvCxnSpPr>
-              <a:stCxn id="222" idx="3"/>
-              <a:endCxn id="224" idx="3"/>
-            </p:cNvCxnSpPr>
-            <p:nvPr/>
-          </p:nvCxnSpPr>
-          <p:spPr>
-            <a:xfrm flipV="1">
-              <a:off x="2326024" y="636913"/>
-              <a:ext cx="2435939" cy="2168768"/>
-            </a:xfrm>
-            <a:prstGeom prst="bentConnector2">
-              <a:avLst/>
-            </a:prstGeom>
-            <a:ln w="6350">
-              <a:solidFill>
-                <a:schemeClr val="tx1"/>
+                <a:srgbClr val="0070C0"/>
               </a:solidFill>
             </a:ln>
           </p:spPr>
@@ -3728,13 +3507,13 @@
         </p:cxnSp>
         <p:sp>
           <p:nvSpPr>
-            <p:cNvPr id="228" name="Rectangle 227"/>
+            <p:cNvPr id="38" name="Rectangle 37"/>
             <p:cNvSpPr/>
             <p:nvPr/>
           </p:nvSpPr>
           <p:spPr>
             <a:xfrm>
-              <a:off x="356546" y="2275156"/>
+              <a:off x="72860" y="392671"/>
               <a:ext cx="1252266" cy="369332"/>
             </a:xfrm>
             <a:prstGeom prst="rect">
@@ -3748,14 +3527,26 @@
             <a:lstStyle/>
             <a:p>
               <a:r>
-                <a:rPr lang="en-US" sz="900" dirty="0" err="1"/>
+                <a:rPr lang="en-US" sz="900" dirty="0" err="1">
+                  <a:solidFill>
+                    <a:srgbClr val="00B050"/>
+                  </a:solidFill>
+                </a:rPr>
                 <a:t>listOfModelDefinitions</a:t>
               </a:r>
-              <a:endParaRPr lang="en-US" sz="900" dirty="0"/>
+              <a:endParaRPr lang="en-US" sz="900" dirty="0">
+                <a:solidFill>
+                  <a:srgbClr val="00B050"/>
+                </a:solidFill>
+              </a:endParaRPr>
             </a:p>
             <a:p>
               <a:r>
-                <a:rPr lang="en-US" sz="900" dirty="0"/>
+                <a:rPr lang="en-US" sz="900" dirty="0">
+                  <a:solidFill>
+                    <a:srgbClr val="00B050"/>
+                  </a:solidFill>
+                </a:rPr>
                 <a:t>0,1</a:t>
               </a:r>
             </a:p>
@@ -3763,462 +3554,19 @@
         </p:sp>
         <p:sp>
           <p:nvSpPr>
-            <p:cNvPr id="229" name="Rectangle 228"/>
+            <p:cNvPr id="39" name="Rectangle 38"/>
             <p:cNvSpPr/>
             <p:nvPr/>
           </p:nvSpPr>
           <p:spPr>
             <a:xfrm>
-              <a:off x="346903" y="1527864"/>
-              <a:ext cx="484428" cy="230832"/>
-            </a:xfrm>
-            <a:prstGeom prst="rect">
-              <a:avLst/>
-            </a:prstGeom>
-          </p:spPr>
-          <p:txBody>
-            <a:bodyPr wrap="none" lIns="91440" tIns="45720" rIns="91440" bIns="45720">
-              <a:spAutoFit/>
-            </a:bodyPr>
-            <a:lstStyle/>
-            <a:p>
-              <a:r>
-                <a:rPr lang="en-US" sz="900" dirty="0"/>
-                <a:t>model</a:t>
-              </a:r>
-            </a:p>
-          </p:txBody>
-        </p:sp>
-        <p:sp>
-          <p:nvSpPr>
-            <p:cNvPr id="230" name="Rectangle 229"/>
-            <p:cNvSpPr/>
-            <p:nvPr/>
-          </p:nvSpPr>
-          <p:spPr>
-            <a:xfrm>
-              <a:off x="879279" y="3453374"/>
+              <a:off x="569764" y="1383271"/>
               <a:ext cx="1648969" cy="304800"/>
             </a:xfrm>
             <a:prstGeom prst="rect">
               <a:avLst/>
             </a:prstGeom>
             <a:noFill/>
-            <a:ln w="6350">
-              <a:solidFill>
-                <a:srgbClr val="002060"/>
-              </a:solidFill>
-            </a:ln>
-          </p:spPr>
-          <p:style>
-            <a:lnRef idx="2">
-              <a:schemeClr val="accent1">
-                <a:shade val="50000"/>
-              </a:schemeClr>
-            </a:lnRef>
-            <a:fillRef idx="1">
-              <a:schemeClr val="accent1"/>
-            </a:fillRef>
-            <a:effectRef idx="0">
-              <a:schemeClr val="accent1"/>
-            </a:effectRef>
-            <a:fontRef idx="minor">
-              <a:schemeClr val="lt1"/>
-            </a:fontRef>
-          </p:style>
-          <p:txBody>
-            <a:bodyPr lIns="91440" tIns="45720" rIns="91440" bIns="45720" spcCol="0" rtlCol="0" anchor="ctr"/>
-            <a:lstStyle/>
-            <a:p>
-              <a:pPr algn="ctr"/>
-              <a:r>
-                <a:rPr lang="en-US" sz="1100" b="1" dirty="0">
-                  <a:solidFill>
-                    <a:schemeClr val="tx1"/>
-                  </a:solidFill>
-                </a:rPr>
-                <a:t>HierarchicalModel</a:t>
-              </a:r>
-            </a:p>
-          </p:txBody>
-        </p:sp>
-        <p:sp>
-          <p:nvSpPr>
-            <p:cNvPr id="231" name="Rectangle 230"/>
-            <p:cNvSpPr/>
-            <p:nvPr/>
-          </p:nvSpPr>
-          <p:spPr>
-            <a:xfrm>
-              <a:off x="634970" y="3054738"/>
-              <a:ext cx="484428" cy="369332"/>
-            </a:xfrm>
-            <a:prstGeom prst="rect">
-              <a:avLst/>
-            </a:prstGeom>
-          </p:spPr>
-          <p:txBody>
-            <a:bodyPr wrap="none" lIns="91440" tIns="45720" rIns="91440" bIns="45720">
-              <a:spAutoFit/>
-            </a:bodyPr>
-            <a:lstStyle/>
-            <a:p>
-              <a:r>
-                <a:rPr lang="en-US" sz="900" dirty="0"/>
-                <a:t>model</a:t>
-              </a:r>
-            </a:p>
-            <a:p>
-              <a:r>
-                <a:rPr lang="en-US" sz="900" dirty="0"/>
-                <a:t>0,…,*</a:t>
-              </a:r>
-            </a:p>
-          </p:txBody>
-        </p:sp>
-        <p:sp>
-          <p:nvSpPr>
-            <p:cNvPr id="232" name="Rectangle 231"/>
-            <p:cNvSpPr/>
-            <p:nvPr/>
-          </p:nvSpPr>
-          <p:spPr>
-            <a:xfrm>
-              <a:off x="3767963" y="1908864"/>
-              <a:ext cx="658367" cy="304800"/>
-            </a:xfrm>
-            <a:prstGeom prst="rect">
-              <a:avLst/>
-            </a:prstGeom>
-            <a:noFill/>
-            <a:ln w="6350">
-              <a:solidFill>
-                <a:srgbClr val="002060"/>
-              </a:solidFill>
-            </a:ln>
-          </p:spPr>
-          <p:style>
-            <a:lnRef idx="2">
-              <a:schemeClr val="accent1">
-                <a:shade val="50000"/>
-              </a:schemeClr>
-            </a:lnRef>
-            <a:fillRef idx="1">
-              <a:schemeClr val="accent1"/>
-            </a:fillRef>
-            <a:effectRef idx="0">
-              <a:schemeClr val="accent1"/>
-            </a:effectRef>
-            <a:fontRef idx="minor">
-              <a:schemeClr val="lt1"/>
-            </a:fontRef>
-          </p:style>
-          <p:txBody>
-            <a:bodyPr lIns="91440" tIns="45720" rIns="91440" bIns="45720" spcCol="0" rtlCol="0" anchor="ctr"/>
-            <a:lstStyle/>
-            <a:p>
-              <a:pPr algn="ctr"/>
-              <a:r>
-                <a:rPr lang="en-US" sz="1100" b="1" dirty="0">
-                  <a:solidFill>
-                    <a:schemeClr val="tx1"/>
-                  </a:solidFill>
-                </a:rPr>
-                <a:t>Model</a:t>
-              </a:r>
-            </a:p>
-          </p:txBody>
-        </p:sp>
-        <p:cxnSp>
-          <p:nvCxnSpPr>
-            <p:cNvPr id="233" name="Elbow Connector 232"/>
-            <p:cNvCxnSpPr>
-              <a:stCxn id="219" idx="3"/>
-              <a:endCxn id="234" idx="3"/>
-            </p:cNvCxnSpPr>
-            <p:nvPr/>
-          </p:nvCxnSpPr>
-          <p:spPr>
-            <a:xfrm flipV="1">
-              <a:off x="2326025" y="1794565"/>
-              <a:ext cx="1771121" cy="266699"/>
-            </a:xfrm>
-            <a:prstGeom prst="bentConnector4">
-              <a:avLst>
-                <a:gd name="adj1" fmla="val 47753"/>
-                <a:gd name="adj2" fmla="val 185715"/>
-              </a:avLst>
-            </a:prstGeom>
-            <a:ln w="6350">
-              <a:solidFill>
-                <a:schemeClr val="tx1"/>
-              </a:solidFill>
-            </a:ln>
-          </p:spPr>
-          <p:style>
-            <a:lnRef idx="1">
-              <a:schemeClr val="accent1"/>
-            </a:lnRef>
-            <a:fillRef idx="0">
-              <a:schemeClr val="accent1"/>
-            </a:fillRef>
-            <a:effectRef idx="0">
-              <a:schemeClr val="accent1"/>
-            </a:effectRef>
-            <a:fontRef idx="minor">
-              <a:schemeClr val="tx1"/>
-            </a:fontRef>
-          </p:style>
-        </p:cxnSp>
-        <p:sp>
-          <p:nvSpPr>
-            <p:cNvPr id="234" name="Isosceles Triangle 233"/>
-            <p:cNvSpPr/>
-            <p:nvPr/>
-          </p:nvSpPr>
-          <p:spPr>
-            <a:xfrm rot="10800000">
-              <a:off x="4017547" y="1794565"/>
-              <a:ext cx="159199" cy="114300"/>
-            </a:xfrm>
-            <a:prstGeom prst="triangle">
-              <a:avLst/>
-            </a:prstGeom>
-            <a:noFill/>
-            <a:ln w="6350">
-              <a:solidFill>
-                <a:srgbClr val="002060"/>
-              </a:solidFill>
-            </a:ln>
-          </p:spPr>
-          <p:style>
-            <a:lnRef idx="2">
-              <a:schemeClr val="accent1">
-                <a:shade val="50000"/>
-              </a:schemeClr>
-            </a:lnRef>
-            <a:fillRef idx="1">
-              <a:schemeClr val="accent1"/>
-            </a:fillRef>
-            <a:effectRef idx="0">
-              <a:schemeClr val="accent1"/>
-            </a:effectRef>
-            <a:fontRef idx="minor">
-              <a:schemeClr val="lt1"/>
-            </a:fontRef>
-          </p:style>
-          <p:txBody>
-            <a:bodyPr lIns="91440" tIns="45720" rIns="91440" bIns="45720" spcCol="0" rtlCol="0" anchor="ctr"/>
-            <a:lstStyle/>
-            <a:p>
-              <a:pPr algn="ctr"/>
-              <a:endParaRPr lang="en-US" sz="1100" b="1" dirty="0">
-                <a:solidFill>
-                  <a:schemeClr val="tx1"/>
-                </a:solidFill>
-              </a:endParaRPr>
-            </a:p>
-          </p:txBody>
-        </p:sp>
-        <p:cxnSp>
-          <p:nvCxnSpPr>
-            <p:cNvPr id="235" name="Elbow Connector 234"/>
-            <p:cNvCxnSpPr>
-              <a:stCxn id="236" idx="3"/>
-              <a:endCxn id="224" idx="3"/>
-            </p:cNvCxnSpPr>
-            <p:nvPr/>
-          </p:nvCxnSpPr>
-          <p:spPr>
-            <a:xfrm flipV="1">
-              <a:off x="4426329" y="636913"/>
-              <a:ext cx="335635" cy="2890434"/>
-            </a:xfrm>
-            <a:prstGeom prst="bentConnector2">
-              <a:avLst/>
-            </a:prstGeom>
-            <a:ln w="6350">
-              <a:solidFill>
-                <a:schemeClr val="tx1"/>
-              </a:solidFill>
-            </a:ln>
-          </p:spPr>
-          <p:style>
-            <a:lnRef idx="1">
-              <a:schemeClr val="accent1"/>
-            </a:lnRef>
-            <a:fillRef idx="0">
-              <a:schemeClr val="accent1"/>
-            </a:fillRef>
-            <a:effectRef idx="0">
-              <a:schemeClr val="accent1"/>
-            </a:effectRef>
-            <a:fontRef idx="minor">
-              <a:schemeClr val="tx1"/>
-            </a:fontRef>
-          </p:style>
-        </p:cxnSp>
-        <p:sp>
-          <p:nvSpPr>
-            <p:cNvPr id="236" name="Rectangle 235"/>
-            <p:cNvSpPr/>
-            <p:nvPr/>
-          </p:nvSpPr>
-          <p:spPr>
-            <a:xfrm>
-              <a:off x="3767962" y="3374947"/>
-              <a:ext cx="658367" cy="304800"/>
-            </a:xfrm>
-            <a:prstGeom prst="rect">
-              <a:avLst/>
-            </a:prstGeom>
-            <a:noFill/>
-            <a:ln w="6350">
-              <a:solidFill>
-                <a:srgbClr val="002060"/>
-              </a:solidFill>
-            </a:ln>
-          </p:spPr>
-          <p:style>
-            <a:lnRef idx="2">
-              <a:schemeClr val="accent1">
-                <a:shade val="50000"/>
-              </a:schemeClr>
-            </a:lnRef>
-            <a:fillRef idx="1">
-              <a:schemeClr val="accent1"/>
-            </a:fillRef>
-            <a:effectRef idx="0">
-              <a:schemeClr val="accent1"/>
-            </a:effectRef>
-            <a:fontRef idx="minor">
-              <a:schemeClr val="lt1"/>
-            </a:fontRef>
-          </p:style>
-          <p:txBody>
-            <a:bodyPr lIns="91440" tIns="45720" rIns="91440" bIns="45720" spcCol="0" rtlCol="0" anchor="ctr"/>
-            <a:lstStyle/>
-            <a:p>
-              <a:pPr algn="ctr"/>
-              <a:r>
-                <a:rPr lang="en-US" sz="1100" b="1" dirty="0">
-                  <a:solidFill>
-                    <a:schemeClr val="tx1"/>
-                  </a:solidFill>
-                </a:rPr>
-                <a:t>Model</a:t>
-              </a:r>
-            </a:p>
-          </p:txBody>
-        </p:sp>
-        <p:cxnSp>
-          <p:nvCxnSpPr>
-            <p:cNvPr id="237" name="Elbow Connector 236"/>
-            <p:cNvCxnSpPr>
-              <a:stCxn id="230" idx="3"/>
-              <a:endCxn id="238" idx="3"/>
-            </p:cNvCxnSpPr>
-            <p:nvPr/>
-          </p:nvCxnSpPr>
-          <p:spPr>
-            <a:xfrm flipV="1">
-              <a:off x="2528248" y="3260647"/>
-              <a:ext cx="1568898" cy="345127"/>
-            </a:xfrm>
-            <a:prstGeom prst="bentConnector4">
-              <a:avLst>
-                <a:gd name="adj1" fmla="val 47463"/>
-                <a:gd name="adj2" fmla="val 166236"/>
-              </a:avLst>
-            </a:prstGeom>
-            <a:ln w="6350">
-              <a:solidFill>
-                <a:schemeClr val="tx1"/>
-              </a:solidFill>
-            </a:ln>
-          </p:spPr>
-          <p:style>
-            <a:lnRef idx="1">
-              <a:schemeClr val="accent1"/>
-            </a:lnRef>
-            <a:fillRef idx="0">
-              <a:schemeClr val="accent1"/>
-            </a:fillRef>
-            <a:effectRef idx="0">
-              <a:schemeClr val="accent1"/>
-            </a:effectRef>
-            <a:fontRef idx="minor">
-              <a:schemeClr val="tx1"/>
-            </a:fontRef>
-          </p:style>
-        </p:cxnSp>
-        <p:sp>
-          <p:nvSpPr>
-            <p:cNvPr id="238" name="Isosceles Triangle 237"/>
-            <p:cNvSpPr/>
-            <p:nvPr/>
-          </p:nvSpPr>
-          <p:spPr>
-            <a:xfrm rot="10800000">
-              <a:off x="4017547" y="3260647"/>
-              <a:ext cx="159199" cy="114300"/>
-            </a:xfrm>
-            <a:prstGeom prst="triangle">
-              <a:avLst/>
-            </a:prstGeom>
-            <a:noFill/>
-            <a:ln w="6350">
-              <a:solidFill>
-                <a:srgbClr val="002060"/>
-              </a:solidFill>
-            </a:ln>
-          </p:spPr>
-          <p:style>
-            <a:lnRef idx="2">
-              <a:schemeClr val="accent1">
-                <a:shade val="50000"/>
-              </a:schemeClr>
-            </a:lnRef>
-            <a:fillRef idx="1">
-              <a:schemeClr val="accent1"/>
-            </a:fillRef>
-            <a:effectRef idx="0">
-              <a:schemeClr val="accent1"/>
-            </a:effectRef>
-            <a:fontRef idx="minor">
-              <a:schemeClr val="lt1"/>
-            </a:fontRef>
-          </p:style>
-          <p:txBody>
-            <a:bodyPr lIns="91440" tIns="45720" rIns="91440" bIns="45720" spcCol="0" rtlCol="0" anchor="ctr"/>
-            <a:lstStyle/>
-            <a:p>
-              <a:pPr algn="ctr"/>
-              <a:endParaRPr lang="en-US" sz="1100" b="1" dirty="0">
-                <a:solidFill>
-                  <a:schemeClr val="tx1"/>
-                </a:solidFill>
-              </a:endParaRPr>
-            </a:p>
-          </p:txBody>
-        </p:sp>
-        <p:sp>
-          <p:nvSpPr>
-            <p:cNvPr id="239" name="Diamond 238"/>
-            <p:cNvSpPr/>
-            <p:nvPr/>
-          </p:nvSpPr>
-          <p:spPr>
-            <a:xfrm>
-              <a:off x="643763" y="2958080"/>
-              <a:ext cx="66869" cy="152398"/>
-            </a:xfrm>
-            <a:prstGeom prst="diamond">
-              <a:avLst/>
-            </a:prstGeom>
-            <a:solidFill>
-              <a:schemeClr val="tx1"/>
-            </a:solidFill>
             <a:ln w="6350">
               <a:solidFill>
                 <a:schemeClr val="tx1"/>
@@ -4246,28 +3594,92 @@
             <a:lstStyle/>
             <a:p>
               <a:pPr algn="ctr"/>
-              <a:endParaRPr lang="en-US"/>
+              <a:r>
+                <a:rPr lang="en-US" sz="1100" b="1" dirty="0" smtClean="0">
+                  <a:solidFill>
+                    <a:sysClr val="windowText" lastClr="000000"/>
+                  </a:solidFill>
+                </a:rPr>
+                <a:t>Model</a:t>
+              </a:r>
+              <a:endParaRPr lang="en-US" sz="1100" b="1" dirty="0">
+                <a:solidFill>
+                  <a:sysClr val="windowText" lastClr="000000"/>
+                </a:solidFill>
+              </a:endParaRPr>
             </a:p>
           </p:txBody>
         </p:sp>
         <p:sp>
           <p:nvSpPr>
-            <p:cNvPr id="240" name="Rectangle 239"/>
+            <p:cNvPr id="40" name="Rectangle 39"/>
             <p:cNvSpPr/>
             <p:nvPr/>
           </p:nvSpPr>
           <p:spPr>
             <a:xfrm>
-              <a:off x="3543994" y="851552"/>
-              <a:ext cx="658367" cy="304800"/>
+              <a:off x="339999" y="1039012"/>
+              <a:ext cx="950901" cy="369332"/>
             </a:xfrm>
             <a:prstGeom prst="rect">
               <a:avLst/>
             </a:prstGeom>
-            <a:noFill/>
+            <a:ln>
+              <a:noFill/>
+            </a:ln>
+          </p:spPr>
+          <p:txBody>
+            <a:bodyPr wrap="none" lIns="91440" tIns="45720" rIns="91440" bIns="45720">
+              <a:spAutoFit/>
+            </a:bodyPr>
+            <a:lstStyle/>
+            <a:p>
+              <a:r>
+                <a:rPr lang="en-US" sz="900" dirty="0" err="1" smtClean="0">
+                  <a:solidFill>
+                    <a:srgbClr val="0070C0"/>
+                  </a:solidFill>
+                </a:rPr>
+                <a:t>modelDefinition</a:t>
+              </a:r>
+              <a:endParaRPr lang="en-US" sz="900" dirty="0">
+                <a:solidFill>
+                  <a:srgbClr val="0070C0"/>
+                </a:solidFill>
+              </a:endParaRPr>
+            </a:p>
+            <a:p>
+              <a:r>
+                <a:rPr lang="en-US" sz="900" dirty="0">
+                  <a:solidFill>
+                    <a:srgbClr val="0070C0"/>
+                  </a:solidFill>
+                </a:rPr>
+                <a:t>0,…,*</a:t>
+              </a:r>
+            </a:p>
+          </p:txBody>
+        </p:sp>
+        <p:sp>
+          <p:nvSpPr>
+            <p:cNvPr id="41" name="Diamond 40"/>
+            <p:cNvSpPr/>
+            <p:nvPr/>
+          </p:nvSpPr>
+          <p:spPr>
+            <a:xfrm>
+              <a:off x="354659" y="982139"/>
+              <a:ext cx="66869" cy="152398"/>
+            </a:xfrm>
+            <a:prstGeom prst="diamond">
+              <a:avLst/>
+            </a:prstGeom>
+            <a:solidFill>
+              <a:srgbClr val="0070C0"/>
+            </a:solidFill>
             <a:ln w="6350">
               <a:solidFill>
-                <a:srgbClr val="002060"/>
+                <a:srgbClr val="0070C0"/>
               </a:solidFill>
             </a:ln>
           </p:spPr>
@@ -4292,62 +3704,9 @@
             <a:lstStyle/>
             <a:p>
               <a:pPr algn="ctr"/>
-              <a:r>
-                <a:rPr lang="en-US" sz="1100" b="1" dirty="0">
-                  <a:solidFill>
-                    <a:schemeClr val="tx1"/>
-                  </a:solidFill>
-                </a:rPr>
-                <a:t>SBML</a:t>
-              </a:r>
-            </a:p>
-          </p:txBody>
-        </p:sp>
-        <p:sp>
-          <p:nvSpPr>
-            <p:cNvPr id="241" name="Isosceles Triangle 240"/>
-            <p:cNvSpPr/>
-            <p:nvPr/>
-          </p:nvSpPr>
-          <p:spPr>
-            <a:xfrm rot="10800000">
-              <a:off x="3793577" y="737128"/>
-              <a:ext cx="159199" cy="114300"/>
-            </a:xfrm>
-            <a:prstGeom prst="triangle">
-              <a:avLst/>
-            </a:prstGeom>
-            <a:noFill/>
-            <a:ln w="6350">
-              <a:solidFill>
-                <a:srgbClr val="002060"/>
-              </a:solidFill>
-            </a:ln>
-          </p:spPr>
-          <p:style>
-            <a:lnRef idx="2">
-              <a:schemeClr val="accent1">
-                <a:shade val="50000"/>
-              </a:schemeClr>
-            </a:lnRef>
-            <a:fillRef idx="1">
-              <a:schemeClr val="accent1"/>
-            </a:fillRef>
-            <a:effectRef idx="0">
-              <a:schemeClr val="accent1"/>
-            </a:effectRef>
-            <a:fontRef idx="minor">
-              <a:schemeClr val="lt1"/>
-            </a:fontRef>
-          </p:style>
-          <p:txBody>
-            <a:bodyPr lIns="91440" tIns="45720" rIns="91440" bIns="45720" spcCol="0" rtlCol="0" anchor="ctr"/>
-            <a:lstStyle/>
-            <a:p>
-              <a:pPr algn="ctr"/>
-              <a:endParaRPr lang="en-US" sz="1100" b="1" dirty="0">
+              <a:endParaRPr lang="en-US">
                 <a:solidFill>
-                  <a:schemeClr val="tx1"/>
+                  <a:srgbClr val="0070C0"/>
                 </a:solidFill>
               </a:endParaRPr>
             </a:p>
@@ -4355,17 +3714,57 @@
         </p:sp>
         <p:cxnSp>
           <p:nvCxnSpPr>
-            <p:cNvPr id="242" name="Elbow Connector 241"/>
+            <p:cNvPr id="42" name="Elbow Connector 41"/>
             <p:cNvCxnSpPr>
-              <a:stCxn id="240" idx="3"/>
-              <a:endCxn id="224" idx="3"/>
+              <a:stCxn id="30" idx="2"/>
+              <a:endCxn id="36" idx="3"/>
+            </p:cNvCxnSpPr>
+            <p:nvPr/>
+          </p:nvCxnSpPr>
+          <p:spPr>
+            <a:xfrm rot="16200000" flipH="1">
+              <a:off x="2316227" y="-478481"/>
+              <a:ext cx="113949" cy="1741152"/>
+            </a:xfrm>
+            <a:prstGeom prst="bentConnector3">
+              <a:avLst>
+                <a:gd name="adj1" fmla="val 185976"/>
+              </a:avLst>
+            </a:prstGeom>
+            <a:ln w="6350">
+              <a:solidFill>
+                <a:schemeClr val="tx1"/>
+              </a:solidFill>
+            </a:ln>
+          </p:spPr>
+          <p:style>
+            <a:lnRef idx="1">
+              <a:schemeClr val="accent1"/>
+            </a:lnRef>
+            <a:fillRef idx="0">
+              <a:schemeClr val="accent1"/>
+            </a:fillRef>
+            <a:effectRef idx="0">
+              <a:schemeClr val="accent1"/>
+            </a:effectRef>
+            <a:fontRef idx="minor">
+              <a:schemeClr val="tx1"/>
+            </a:fontRef>
+          </p:style>
+        </p:cxnSp>
+        <p:cxnSp>
+          <p:nvCxnSpPr>
+            <p:cNvPr id="43" name="Elbow Connector 42"/>
+            <p:cNvCxnSpPr>
+              <a:stCxn id="39" idx="3"/>
+              <a:endCxn id="36" idx="3"/>
             </p:cNvCxnSpPr>
             <p:nvPr/>
           </p:nvCxnSpPr>
           <p:spPr>
             <a:xfrm flipV="1">
-              <a:off x="4202361" y="636913"/>
-              <a:ext cx="559603" cy="367039"/>
+              <a:off x="2218733" y="449070"/>
+              <a:ext cx="1025044" cy="1086601"/>
             </a:xfrm>
             <a:prstGeom prst="bentConnector2">
               <a:avLst/>

--- a/sbml-level-3/version-1/comp/HierarchicalSBML.pptx
+++ b/sbml-level-3/version-1/comp/HierarchicalSBML.pptx
@@ -7,7 +7,7 @@
   <p:sldIdLst>
     <p:sldId id="256" r:id="rId2"/>
   </p:sldIdLst>
-  <p:sldSz cx="3657600" cy="1736725"/>
+  <p:sldSz cx="3657600" cy="2193925"/>
   <p:notesSz cx="6858000" cy="9144000"/>
   <p:defaultTextStyle>
     <a:defPPr>
@@ -136,8 +136,8 @@
         </p:nvSpPr>
         <p:spPr>
           <a:xfrm>
-            <a:off x="274320" y="539513"/>
-            <a:ext cx="3108960" cy="372271"/>
+            <a:off x="274320" y="681543"/>
+            <a:ext cx="3108960" cy="470273"/>
           </a:xfrm>
         </p:spPr>
         <p:txBody>
@@ -164,8 +164,8 @@
         </p:nvSpPr>
         <p:spPr>
           <a:xfrm>
-            <a:off x="548640" y="984144"/>
-            <a:ext cx="2560320" cy="443830"/>
+            <a:off x="548640" y="1243224"/>
+            <a:ext cx="2560320" cy="560670"/>
           </a:xfrm>
         </p:spPr>
         <p:txBody>
@@ -288,7 +288,7 @@
           <a:p>
             <a:fld id="{F0172217-DC24-48CD-AE89-68C8C8D878B4}" type="datetimeFigureOut">
               <a:rPr lang="en-US" smtClean="0"/>
-              <a:t>9/28/2010</a:t>
+              <a:t>10/9/2010</a:t>
             </a:fld>
             <a:endParaRPr lang="en-US"/>
           </a:p>
@@ -458,7 +458,7 @@
           <a:p>
             <a:fld id="{F0172217-DC24-48CD-AE89-68C8C8D878B4}" type="datetimeFigureOut">
               <a:rPr lang="en-US" smtClean="0"/>
-              <a:t>9/28/2010</a:t>
+              <a:t>10/9/2010</a:t>
             </a:fld>
             <a:endParaRPr lang="en-US"/>
           </a:p>
@@ -548,8 +548,8 @@
         </p:nvSpPr>
         <p:spPr>
           <a:xfrm>
-            <a:off x="2651760" y="69552"/>
-            <a:ext cx="822960" cy="1481845"/>
+            <a:off x="2651760" y="87862"/>
+            <a:ext cx="822960" cy="1871947"/>
           </a:xfrm>
         </p:spPr>
         <p:txBody>
@@ -576,8 +576,8 @@
         </p:nvSpPr>
         <p:spPr>
           <a:xfrm>
-            <a:off x="182880" y="69552"/>
-            <a:ext cx="2407920" cy="1481845"/>
+            <a:off x="182880" y="87862"/>
+            <a:ext cx="2407920" cy="1871947"/>
           </a:xfrm>
         </p:spPr>
         <p:txBody>
@@ -638,7 +638,7 @@
           <a:p>
             <a:fld id="{F0172217-DC24-48CD-AE89-68C8C8D878B4}" type="datetimeFigureOut">
               <a:rPr lang="en-US" smtClean="0"/>
-              <a:t>9/28/2010</a:t>
+              <a:t>10/9/2010</a:t>
             </a:fld>
             <a:endParaRPr lang="en-US"/>
           </a:p>
@@ -808,7 +808,7 @@
           <a:p>
             <a:fld id="{F0172217-DC24-48CD-AE89-68C8C8D878B4}" type="datetimeFigureOut">
               <a:rPr lang="en-US" smtClean="0"/>
-              <a:t>9/28/2010</a:t>
+              <a:t>10/9/2010</a:t>
             </a:fld>
             <a:endParaRPr lang="en-US"/>
           </a:p>
@@ -898,8 +898,8 @@
         </p:nvSpPr>
         <p:spPr>
           <a:xfrm>
-            <a:off x="288926" y="1116007"/>
-            <a:ext cx="3108960" cy="344933"/>
+            <a:off x="288926" y="1409801"/>
+            <a:ext cx="3108960" cy="435738"/>
           </a:xfrm>
         </p:spPr>
         <p:txBody>
@@ -930,8 +930,8 @@
         </p:nvSpPr>
         <p:spPr>
           <a:xfrm>
-            <a:off x="288926" y="736102"/>
-            <a:ext cx="3108960" cy="379908"/>
+            <a:off x="288926" y="929884"/>
+            <a:ext cx="3108960" cy="479920"/>
           </a:xfrm>
         </p:spPr>
         <p:txBody>
@@ -1054,7 +1054,7 @@
           <a:p>
             <a:fld id="{F0172217-DC24-48CD-AE89-68C8C8D878B4}" type="datetimeFigureOut">
               <a:rPr lang="en-US" smtClean="0"/>
-              <a:t>9/28/2010</a:t>
+              <a:t>10/9/2010</a:t>
             </a:fld>
             <a:endParaRPr lang="en-US"/>
           </a:p>
@@ -1167,8 +1167,8 @@
         </p:nvSpPr>
         <p:spPr>
           <a:xfrm>
-            <a:off x="182880" y="405237"/>
-            <a:ext cx="1615440" cy="1146159"/>
+            <a:off x="182880" y="511918"/>
+            <a:ext cx="1615440" cy="1447890"/>
           </a:xfrm>
         </p:spPr>
         <p:txBody>
@@ -1252,8 +1252,8 @@
         </p:nvSpPr>
         <p:spPr>
           <a:xfrm>
-            <a:off x="1859280" y="405237"/>
-            <a:ext cx="1615440" cy="1146159"/>
+            <a:off x="1859280" y="511918"/>
+            <a:ext cx="1615440" cy="1447890"/>
           </a:xfrm>
         </p:spPr>
         <p:txBody>
@@ -1342,7 +1342,7 @@
           <a:p>
             <a:fld id="{F0172217-DC24-48CD-AE89-68C8C8D878B4}" type="datetimeFigureOut">
               <a:rPr lang="en-US" smtClean="0"/>
-              <a:t>9/28/2010</a:t>
+              <a:t>10/9/2010</a:t>
             </a:fld>
             <a:endParaRPr lang="en-US"/>
           </a:p>
@@ -1459,8 +1459,8 @@
         </p:nvSpPr>
         <p:spPr>
           <a:xfrm>
-            <a:off x="182887" y="388755"/>
-            <a:ext cx="1616075" cy="162014"/>
+            <a:off x="182888" y="491096"/>
+            <a:ext cx="1616075" cy="204665"/>
           </a:xfrm>
         </p:spPr>
         <p:txBody>
@@ -1524,8 +1524,8 @@
         </p:nvSpPr>
         <p:spPr>
           <a:xfrm>
-            <a:off x="182887" y="550768"/>
-            <a:ext cx="1616075" cy="1000628"/>
+            <a:off x="182888" y="695760"/>
+            <a:ext cx="1616075" cy="1264047"/>
           </a:xfrm>
         </p:spPr>
         <p:txBody>
@@ -1609,8 +1609,8 @@
         </p:nvSpPr>
         <p:spPr>
           <a:xfrm>
-            <a:off x="1858014" y="388755"/>
-            <a:ext cx="1616710" cy="162014"/>
+            <a:off x="1858014" y="491096"/>
+            <a:ext cx="1616710" cy="204665"/>
           </a:xfrm>
         </p:spPr>
         <p:txBody>
@@ -1674,8 +1674,8 @@
         </p:nvSpPr>
         <p:spPr>
           <a:xfrm>
-            <a:off x="1858014" y="550768"/>
-            <a:ext cx="1616710" cy="1000628"/>
+            <a:off x="1858014" y="695760"/>
+            <a:ext cx="1616710" cy="1264047"/>
           </a:xfrm>
         </p:spPr>
         <p:txBody>
@@ -1764,7 +1764,7 @@
           <a:p>
             <a:fld id="{F0172217-DC24-48CD-AE89-68C8C8D878B4}" type="datetimeFigureOut">
               <a:rPr lang="en-US" smtClean="0"/>
-              <a:t>9/28/2010</a:t>
+              <a:t>10/9/2010</a:t>
             </a:fld>
             <a:endParaRPr lang="en-US"/>
           </a:p>
@@ -1882,7 +1882,7 @@
           <a:p>
             <a:fld id="{F0172217-DC24-48CD-AE89-68C8C8D878B4}" type="datetimeFigureOut">
               <a:rPr lang="en-US" smtClean="0"/>
-              <a:t>9/28/2010</a:t>
+              <a:t>10/9/2010</a:t>
             </a:fld>
             <a:endParaRPr lang="en-US"/>
           </a:p>
@@ -1977,7 +1977,7 @@
           <a:p>
             <a:fld id="{F0172217-DC24-48CD-AE89-68C8C8D878B4}" type="datetimeFigureOut">
               <a:rPr lang="en-US" smtClean="0"/>
-              <a:t>9/28/2010</a:t>
+              <a:t>10/9/2010</a:t>
             </a:fld>
             <a:endParaRPr lang="en-US"/>
           </a:p>
@@ -2067,8 +2067,8 @@
         </p:nvSpPr>
         <p:spPr>
           <a:xfrm>
-            <a:off x="182881" y="69148"/>
-            <a:ext cx="1203326" cy="294278"/>
+            <a:off x="182881" y="87351"/>
+            <a:ext cx="1203326" cy="371748"/>
           </a:xfrm>
         </p:spPr>
         <p:txBody>
@@ -2099,8 +2099,8 @@
         </p:nvSpPr>
         <p:spPr>
           <a:xfrm>
-            <a:off x="1430021" y="69149"/>
-            <a:ext cx="2044700" cy="1482247"/>
+            <a:off x="1430021" y="87353"/>
+            <a:ext cx="2044700" cy="1872455"/>
           </a:xfrm>
         </p:spPr>
         <p:txBody>
@@ -2184,8 +2184,8 @@
         </p:nvSpPr>
         <p:spPr>
           <a:xfrm>
-            <a:off x="182881" y="363428"/>
-            <a:ext cx="1203326" cy="1187969"/>
+            <a:off x="182881" y="459102"/>
+            <a:ext cx="1203326" cy="1500707"/>
           </a:xfrm>
         </p:spPr>
         <p:txBody>
@@ -2254,7 +2254,7 @@
           <a:p>
             <a:fld id="{F0172217-DC24-48CD-AE89-68C8C8D878B4}" type="datetimeFigureOut">
               <a:rPr lang="en-US" smtClean="0"/>
-              <a:t>9/28/2010</a:t>
+              <a:t>10/9/2010</a:t>
             </a:fld>
             <a:endParaRPr lang="en-US"/>
           </a:p>
@@ -2344,8 +2344,8 @@
         </p:nvSpPr>
         <p:spPr>
           <a:xfrm>
-            <a:off x="716915" y="1215710"/>
-            <a:ext cx="2194560" cy="143522"/>
+            <a:off x="716915" y="1535751"/>
+            <a:ext cx="2194560" cy="181305"/>
           </a:xfrm>
         </p:spPr>
         <p:txBody>
@@ -2376,8 +2376,8 @@
         </p:nvSpPr>
         <p:spPr>
           <a:xfrm>
-            <a:off x="716915" y="155180"/>
-            <a:ext cx="2194560" cy="1042035"/>
+            <a:off x="716915" y="196032"/>
+            <a:ext cx="2194560" cy="1316355"/>
           </a:xfrm>
         </p:spPr>
         <p:txBody>
@@ -2437,8 +2437,8 @@
         </p:nvSpPr>
         <p:spPr>
           <a:xfrm>
-            <a:off x="716915" y="1359230"/>
-            <a:ext cx="2194560" cy="203825"/>
+            <a:off x="716915" y="1717053"/>
+            <a:ext cx="2194560" cy="257483"/>
           </a:xfrm>
         </p:spPr>
         <p:txBody>
@@ -2507,7 +2507,7 @@
           <a:p>
             <a:fld id="{F0172217-DC24-48CD-AE89-68C8C8D878B4}" type="datetimeFigureOut">
               <a:rPr lang="en-US" smtClean="0"/>
-              <a:t>9/28/2010</a:t>
+              <a:t>10/9/2010</a:t>
             </a:fld>
             <a:endParaRPr lang="en-US"/>
           </a:p>
@@ -2602,8 +2602,8 @@
         </p:nvSpPr>
         <p:spPr>
           <a:xfrm>
-            <a:off x="182880" y="69551"/>
-            <a:ext cx="3291840" cy="289454"/>
+            <a:off x="182880" y="87861"/>
+            <a:ext cx="3291840" cy="365654"/>
           </a:xfrm>
           <a:prstGeom prst="rect">
             <a:avLst/>
@@ -2635,8 +2635,8 @@
         </p:nvSpPr>
         <p:spPr>
           <a:xfrm>
-            <a:off x="182880" y="405237"/>
-            <a:ext cx="3291840" cy="1146159"/>
+            <a:off x="182880" y="511918"/>
+            <a:ext cx="3291840" cy="1447890"/>
           </a:xfrm>
           <a:prstGeom prst="rect">
             <a:avLst/>
@@ -2697,8 +2697,8 @@
         </p:nvSpPr>
         <p:spPr>
           <a:xfrm>
-            <a:off x="182880" y="1609690"/>
-            <a:ext cx="853440" cy="92465"/>
+            <a:off x="182880" y="2033448"/>
+            <a:ext cx="853440" cy="116807"/>
           </a:xfrm>
           <a:prstGeom prst="rect">
             <a:avLst/>
@@ -2720,7 +2720,7 @@
           <a:p>
             <a:fld id="{F0172217-DC24-48CD-AE89-68C8C8D878B4}" type="datetimeFigureOut">
               <a:rPr lang="en-US" smtClean="0"/>
-              <a:t>9/28/2010</a:t>
+              <a:t>10/9/2010</a:t>
             </a:fld>
             <a:endParaRPr lang="en-US"/>
           </a:p>
@@ -2738,8 +2738,8 @@
         </p:nvSpPr>
         <p:spPr>
           <a:xfrm>
-            <a:off x="1249680" y="1609690"/>
-            <a:ext cx="1158240" cy="92465"/>
+            <a:off x="1249680" y="2033448"/>
+            <a:ext cx="1158240" cy="116807"/>
           </a:xfrm>
           <a:prstGeom prst="rect">
             <a:avLst/>
@@ -2775,8 +2775,8 @@
         </p:nvSpPr>
         <p:spPr>
           <a:xfrm>
-            <a:off x="2621280" y="1609690"/>
-            <a:ext cx="853440" cy="92465"/>
+            <a:off x="2621280" y="2033448"/>
+            <a:ext cx="853440" cy="116807"/>
           </a:xfrm>
           <a:prstGeom prst="rect">
             <a:avLst/>
@@ -3097,27 +3097,27 @@
       </p:grpSpPr>
       <p:grpSp>
         <p:nvGrpSpPr>
-          <p:cNvPr id="2" name="Group 1"/>
+          <p:cNvPr id="8" name="Group 7"/>
           <p:cNvGrpSpPr/>
           <p:nvPr/>
         </p:nvGrpSpPr>
         <p:grpSpPr>
           <a:xfrm>
-            <a:off x="97799" y="69680"/>
-            <a:ext cx="3462002" cy="1597364"/>
-            <a:chOff x="72860" y="90707"/>
-            <a:chExt cx="3462002" cy="1597364"/>
+            <a:off x="76200" y="69680"/>
+            <a:ext cx="3483601" cy="2094082"/>
+            <a:chOff x="76200" y="69680"/>
+            <a:chExt cx="3483601" cy="2094082"/>
           </a:xfrm>
         </p:grpSpPr>
         <p:sp>
           <p:nvSpPr>
-            <p:cNvPr id="30" name="Rectangle 29"/>
+            <p:cNvPr id="18" name="Rectangle 17"/>
             <p:cNvSpPr/>
             <p:nvPr/>
           </p:nvSpPr>
           <p:spPr>
             <a:xfrm>
-              <a:off x="120240" y="91281"/>
+              <a:off x="145179" y="70254"/>
               <a:ext cx="2764770" cy="243840"/>
             </a:xfrm>
             <a:prstGeom prst="rect">
@@ -3185,13 +3185,13 @@
         </p:sp>
         <p:sp>
           <p:nvSpPr>
-            <p:cNvPr id="31" name="Diamond 30"/>
+            <p:cNvPr id="19" name="Diamond 18"/>
             <p:cNvSpPr/>
             <p:nvPr/>
           </p:nvSpPr>
           <p:spPr>
             <a:xfrm>
-              <a:off x="86402" y="333114"/>
+              <a:off x="111341" y="312087"/>
               <a:ext cx="66869" cy="152398"/>
             </a:xfrm>
             <a:prstGeom prst="diamond">
@@ -3233,16 +3233,16 @@
         </p:sp>
         <p:cxnSp>
           <p:nvCxnSpPr>
-            <p:cNvPr id="32" name="Elbow Connector 31"/>
+            <p:cNvPr id="20" name="Elbow Connector 19"/>
             <p:cNvCxnSpPr>
-              <a:stCxn id="41" idx="2"/>
-              <a:endCxn id="39" idx="0"/>
+              <a:stCxn id="29" idx="2"/>
+              <a:endCxn id="27" idx="0"/>
             </p:cNvCxnSpPr>
             <p:nvPr/>
           </p:nvCxnSpPr>
           <p:spPr>
             <a:xfrm rot="16200000" flipH="1">
-              <a:off x="766804" y="755826"/>
+              <a:off x="791743" y="734799"/>
               <a:ext cx="248734" cy="1006155"/>
             </a:xfrm>
             <a:prstGeom prst="bentConnector3">
@@ -3271,55 +3271,15 @@
             </a:fontRef>
           </p:style>
         </p:cxnSp>
-        <p:cxnSp>
-          <p:nvCxnSpPr>
-            <p:cNvPr id="33" name="Elbow Connector 32"/>
-            <p:cNvCxnSpPr>
-              <a:stCxn id="31" idx="2"/>
-              <a:endCxn id="34" idx="0"/>
-            </p:cNvCxnSpPr>
-            <p:nvPr/>
-          </p:nvCxnSpPr>
-          <p:spPr>
-            <a:xfrm rot="16200000" flipH="1">
-              <a:off x="570294" y="35055"/>
-              <a:ext cx="191828" cy="1092742"/>
-            </a:xfrm>
-            <a:prstGeom prst="bentConnector3">
-              <a:avLst>
-                <a:gd name="adj1" fmla="val 50000"/>
-              </a:avLst>
-            </a:prstGeom>
-            <a:ln w="6350">
-              <a:solidFill>
-                <a:srgbClr val="00B050"/>
-              </a:solidFill>
-            </a:ln>
-          </p:spPr>
-          <p:style>
-            <a:lnRef idx="1">
-              <a:schemeClr val="accent1"/>
-            </a:lnRef>
-            <a:fillRef idx="0">
-              <a:schemeClr val="accent1"/>
-            </a:fillRef>
-            <a:effectRef idx="0">
-              <a:schemeClr val="accent1"/>
-            </a:effectRef>
-            <a:fontRef idx="minor">
-              <a:schemeClr val="tx1"/>
-            </a:fontRef>
-          </p:style>
-        </p:cxnSp>
         <p:sp>
           <p:nvSpPr>
-            <p:cNvPr id="34" name="Rectangle 33"/>
+            <p:cNvPr id="22" name="Rectangle 21"/>
             <p:cNvSpPr/>
             <p:nvPr/>
           </p:nvSpPr>
           <p:spPr>
             <a:xfrm>
-              <a:off x="388094" y="677340"/>
+              <a:off x="413033" y="656313"/>
               <a:ext cx="1648969" cy="304800"/>
             </a:xfrm>
             <a:prstGeom prst="rect">
@@ -3366,13 +3326,13 @@
         </p:sp>
         <p:sp>
           <p:nvSpPr>
-            <p:cNvPr id="35" name="Rectangle 34"/>
+            <p:cNvPr id="23" name="Rectangle 22"/>
             <p:cNvSpPr/>
             <p:nvPr/>
           </p:nvSpPr>
           <p:spPr>
             <a:xfrm>
-              <a:off x="2952693" y="90707"/>
+              <a:off x="2977632" y="69680"/>
               <a:ext cx="582169" cy="244414"/>
             </a:xfrm>
             <a:prstGeom prst="rect">
@@ -3381,7 +3341,7 @@
             <a:noFill/>
             <a:ln w="6350">
               <a:solidFill>
-                <a:srgbClr val="002060"/>
+                <a:schemeClr val="tx1"/>
               </a:solidFill>
             </a:ln>
           </p:spPr>
@@ -3419,13 +3379,13 @@
         </p:sp>
         <p:sp>
           <p:nvSpPr>
-            <p:cNvPr id="36" name="Isosceles Triangle 35"/>
+            <p:cNvPr id="24" name="Isosceles Triangle 23"/>
             <p:cNvSpPr/>
             <p:nvPr/>
           </p:nvSpPr>
           <p:spPr>
             <a:xfrm>
-              <a:off x="3164177" y="334770"/>
+              <a:off x="3189116" y="313743"/>
               <a:ext cx="159199" cy="114300"/>
             </a:xfrm>
             <a:prstGeom prst="triangle">
@@ -3434,7 +3394,7 @@
             <a:noFill/>
             <a:ln w="6350">
               <a:solidFill>
-                <a:srgbClr val="002060"/>
+                <a:schemeClr val="tx1"/>
               </a:solidFill>
             </a:ln>
           </p:spPr>
@@ -3469,16 +3429,16 @@
         </p:sp>
         <p:cxnSp>
           <p:nvCxnSpPr>
-            <p:cNvPr id="37" name="Elbow Connector 36"/>
+            <p:cNvPr id="25" name="Elbow Connector 24"/>
             <p:cNvCxnSpPr>
-              <a:stCxn id="34" idx="3"/>
-              <a:endCxn id="36" idx="3"/>
+              <a:stCxn id="22" idx="3"/>
+              <a:endCxn id="24" idx="3"/>
             </p:cNvCxnSpPr>
             <p:nvPr/>
           </p:nvCxnSpPr>
           <p:spPr>
             <a:xfrm flipV="1">
-              <a:off x="2037063" y="449070"/>
+              <a:off x="2062002" y="428043"/>
               <a:ext cx="1206714" cy="380670"/>
             </a:xfrm>
             <a:prstGeom prst="bentConnector2">
@@ -3507,13 +3467,13 @@
         </p:cxnSp>
         <p:sp>
           <p:nvSpPr>
-            <p:cNvPr id="38" name="Rectangle 37"/>
+            <p:cNvPr id="26" name="Rectangle 25"/>
             <p:cNvSpPr/>
             <p:nvPr/>
           </p:nvSpPr>
           <p:spPr>
             <a:xfrm>
-              <a:off x="72860" y="392671"/>
+              <a:off x="97799" y="371644"/>
               <a:ext cx="1252266" cy="369332"/>
             </a:xfrm>
             <a:prstGeom prst="rect">
@@ -3554,13 +3514,13 @@
         </p:sp>
         <p:sp>
           <p:nvSpPr>
-            <p:cNvPr id="39" name="Rectangle 38"/>
+            <p:cNvPr id="27" name="Rectangle 26"/>
             <p:cNvSpPr/>
             <p:nvPr/>
           </p:nvSpPr>
           <p:spPr>
             <a:xfrm>
-              <a:off x="569764" y="1383271"/>
+              <a:off x="594703" y="1362244"/>
               <a:ext cx="1648969" cy="304800"/>
             </a:xfrm>
             <a:prstGeom prst="rect">
@@ -3600,11 +3560,27 @@
                     <a:sysClr val="windowText" lastClr="000000"/>
                   </a:solidFill>
                 </a:rPr>
-                <a:t>Model</a:t>
+                <a:t>Model </a:t>
+              </a:r>
+              <a:r>
+                <a:rPr lang="en-US" sz="1100" b="1" i="1" dirty="0">
+                  <a:solidFill>
+                    <a:srgbClr val="00B050"/>
+                  </a:solidFill>
+                </a:rPr>
+                <a:t>(extended</a:t>
+              </a:r>
+              <a:r>
+                <a:rPr lang="en-US" sz="1100" b="1" i="1" dirty="0" smtClean="0">
+                  <a:solidFill>
+                    <a:srgbClr val="00B050"/>
+                  </a:solidFill>
+                </a:rPr>
+                <a:t>)</a:t>
               </a:r>
               <a:endParaRPr lang="en-US" sz="1100" b="1" dirty="0">
                 <a:solidFill>
-                  <a:sysClr val="windowText" lastClr="000000"/>
+                  <a:schemeClr val="tx1"/>
                 </a:solidFill>
               </a:endParaRPr>
             </a:p>
@@ -3612,13 +3588,13 @@
         </p:sp>
         <p:sp>
           <p:nvSpPr>
-            <p:cNvPr id="40" name="Rectangle 39"/>
+            <p:cNvPr id="28" name="Rectangle 27"/>
             <p:cNvSpPr/>
             <p:nvPr/>
           </p:nvSpPr>
           <p:spPr>
             <a:xfrm>
-              <a:off x="339999" y="1039012"/>
+              <a:off x="364938" y="1017985"/>
               <a:ext cx="950901" cy="369332"/>
             </a:xfrm>
             <a:prstGeom prst="rect">
@@ -3662,13 +3638,13 @@
         </p:sp>
         <p:sp>
           <p:nvSpPr>
-            <p:cNvPr id="41" name="Diamond 40"/>
+            <p:cNvPr id="29" name="Diamond 28"/>
             <p:cNvSpPr/>
             <p:nvPr/>
           </p:nvSpPr>
           <p:spPr>
             <a:xfrm>
-              <a:off x="354659" y="982139"/>
+              <a:off x="379598" y="961112"/>
               <a:ext cx="66869" cy="152398"/>
             </a:xfrm>
             <a:prstGeom prst="diamond">
@@ -3714,16 +3690,16 @@
         </p:sp>
         <p:cxnSp>
           <p:nvCxnSpPr>
-            <p:cNvPr id="42" name="Elbow Connector 41"/>
+            <p:cNvPr id="44" name="Elbow Connector 43"/>
             <p:cNvCxnSpPr>
-              <a:stCxn id="30" idx="2"/>
-              <a:endCxn id="36" idx="3"/>
+              <a:stCxn id="18" idx="2"/>
+              <a:endCxn id="24" idx="3"/>
             </p:cNvCxnSpPr>
             <p:nvPr/>
           </p:nvCxnSpPr>
           <p:spPr>
             <a:xfrm rot="16200000" flipH="1">
-              <a:off x="2316227" y="-478481"/>
+              <a:off x="2341166" y="-499508"/>
               <a:ext cx="113949" cy="1741152"/>
             </a:xfrm>
             <a:prstGeom prst="bentConnector3">
@@ -3754,16 +3730,16 @@
         </p:cxnSp>
         <p:cxnSp>
           <p:nvCxnSpPr>
-            <p:cNvPr id="43" name="Elbow Connector 42"/>
+            <p:cNvPr id="45" name="Elbow Connector 44"/>
             <p:cNvCxnSpPr>
-              <a:stCxn id="39" idx="3"/>
-              <a:endCxn id="36" idx="3"/>
+              <a:stCxn id="27" idx="3"/>
+              <a:endCxn id="24" idx="3"/>
             </p:cNvCxnSpPr>
             <p:nvPr/>
           </p:nvCxnSpPr>
           <p:spPr>
             <a:xfrm flipV="1">
-              <a:off x="2218733" y="449070"/>
+              <a:off x="2243672" y="428043"/>
               <a:ext cx="1025044" cy="1086601"/>
             </a:xfrm>
             <a:prstGeom prst="bentConnector2">
@@ -3772,6 +3748,230 @@
             <a:ln w="6350">
               <a:solidFill>
                 <a:schemeClr val="tx1"/>
+              </a:solidFill>
+            </a:ln>
+          </p:spPr>
+          <p:style>
+            <a:lnRef idx="1">
+              <a:schemeClr val="accent1"/>
+            </a:lnRef>
+            <a:fillRef idx="0">
+              <a:schemeClr val="accent1"/>
+            </a:fillRef>
+            <a:effectRef idx="0">
+              <a:schemeClr val="accent1"/>
+            </a:effectRef>
+            <a:fontRef idx="minor">
+              <a:schemeClr val="tx1"/>
+            </a:fontRef>
+          </p:style>
+        </p:cxnSp>
+        <p:cxnSp>
+          <p:nvCxnSpPr>
+            <p:cNvPr id="46" name="Elbow Connector 45"/>
+            <p:cNvCxnSpPr>
+              <a:stCxn id="19" idx="2"/>
+              <a:endCxn id="47" idx="0"/>
+            </p:cNvCxnSpPr>
+            <p:nvPr/>
+          </p:nvCxnSpPr>
+          <p:spPr>
+            <a:xfrm rot="16200000" flipH="1">
+              <a:off x="-6091" y="615352"/>
+              <a:ext cx="1394477" cy="1092742"/>
+            </a:xfrm>
+            <a:prstGeom prst="bentConnector3">
+              <a:avLst>
+                <a:gd name="adj1" fmla="val 93330"/>
+              </a:avLst>
+            </a:prstGeom>
+            <a:ln w="6350">
+              <a:solidFill>
+                <a:schemeClr val="tx1"/>
+              </a:solidFill>
+            </a:ln>
+          </p:spPr>
+          <p:style>
+            <a:lnRef idx="1">
+              <a:schemeClr val="accent1"/>
+            </a:lnRef>
+            <a:fillRef idx="0">
+              <a:schemeClr val="accent1"/>
+            </a:fillRef>
+            <a:effectRef idx="0">
+              <a:schemeClr val="accent1"/>
+            </a:effectRef>
+            <a:fontRef idx="minor">
+              <a:schemeClr val="tx1"/>
+            </a:fontRef>
+          </p:style>
+        </p:cxnSp>
+        <p:sp>
+          <p:nvSpPr>
+            <p:cNvPr id="47" name="Rectangle 46"/>
+            <p:cNvSpPr/>
+            <p:nvPr/>
+          </p:nvSpPr>
+          <p:spPr>
+            <a:xfrm>
+              <a:off x="413033" y="1858962"/>
+              <a:ext cx="1648969" cy="304800"/>
+            </a:xfrm>
+            <a:prstGeom prst="rect">
+              <a:avLst/>
+            </a:prstGeom>
+            <a:noFill/>
+            <a:ln w="6350">
+              <a:solidFill>
+                <a:schemeClr val="tx1"/>
+              </a:solidFill>
+            </a:ln>
+          </p:spPr>
+          <p:style>
+            <a:lnRef idx="2">
+              <a:schemeClr val="accent1">
+                <a:shade val="50000"/>
+              </a:schemeClr>
+            </a:lnRef>
+            <a:fillRef idx="1">
+              <a:schemeClr val="accent1"/>
+            </a:fillRef>
+            <a:effectRef idx="0">
+              <a:schemeClr val="accent1"/>
+            </a:effectRef>
+            <a:fontRef idx="minor">
+              <a:schemeClr val="lt1"/>
+            </a:fontRef>
+          </p:style>
+          <p:txBody>
+            <a:bodyPr lIns="91440" tIns="45720" rIns="91440" bIns="45720" spcCol="0" rtlCol="0" anchor="ctr"/>
+            <a:lstStyle/>
+            <a:p>
+              <a:pPr algn="ctr"/>
+              <a:r>
+                <a:rPr lang="en-US" sz="1100" b="1" dirty="0" smtClean="0">
+                  <a:solidFill>
+                    <a:sysClr val="windowText" lastClr="000000"/>
+                  </a:solidFill>
+                </a:rPr>
+                <a:t>Model </a:t>
+              </a:r>
+              <a:r>
+                <a:rPr lang="en-US" sz="1100" b="1" i="1" dirty="0">
+                  <a:solidFill>
+                    <a:srgbClr val="00B050"/>
+                  </a:solidFill>
+                </a:rPr>
+                <a:t>(extended</a:t>
+              </a:r>
+              <a:r>
+                <a:rPr lang="en-US" sz="1100" b="1" i="1" dirty="0" smtClean="0">
+                  <a:solidFill>
+                    <a:srgbClr val="00B050"/>
+                  </a:solidFill>
+                </a:rPr>
+                <a:t>)</a:t>
+              </a:r>
+              <a:endParaRPr lang="en-US" sz="1100" b="1" dirty="0">
+                <a:solidFill>
+                  <a:schemeClr val="tx1"/>
+                </a:solidFill>
+              </a:endParaRPr>
+            </a:p>
+          </p:txBody>
+        </p:sp>
+        <p:sp>
+          <p:nvSpPr>
+            <p:cNvPr id="48" name="Rectangle 47"/>
+            <p:cNvSpPr/>
+            <p:nvPr/>
+          </p:nvSpPr>
+          <p:spPr>
+            <a:xfrm>
+              <a:off x="76200" y="1582358"/>
+              <a:ext cx="484428" cy="230832"/>
+            </a:xfrm>
+            <a:prstGeom prst="rect">
+              <a:avLst/>
+            </a:prstGeom>
+            <a:ln>
+              <a:noFill/>
+            </a:ln>
+          </p:spPr>
+          <p:txBody>
+            <a:bodyPr wrap="none" lIns="91440" tIns="45720" rIns="91440" bIns="45720">
+              <a:spAutoFit/>
+            </a:bodyPr>
+            <a:lstStyle/>
+            <a:p>
+              <a:r>
+                <a:rPr lang="en-US" sz="900" dirty="0" smtClean="0"/>
+                <a:t>model</a:t>
+              </a:r>
+              <a:endParaRPr lang="en-US" sz="900" dirty="0"/>
+            </a:p>
+          </p:txBody>
+        </p:sp>
+        <p:cxnSp>
+          <p:nvCxnSpPr>
+            <p:cNvPr id="49" name="Elbow Connector 48"/>
+            <p:cNvCxnSpPr>
+              <a:stCxn id="47" idx="3"/>
+              <a:endCxn id="24" idx="3"/>
+            </p:cNvCxnSpPr>
+            <p:nvPr/>
+          </p:nvCxnSpPr>
+          <p:spPr>
+            <a:xfrm flipV="1">
+              <a:off x="2062002" y="428043"/>
+              <a:ext cx="1206714" cy="1583319"/>
+            </a:xfrm>
+            <a:prstGeom prst="bentConnector2">
+              <a:avLst/>
+            </a:prstGeom>
+            <a:ln w="6350">
+              <a:solidFill>
+                <a:schemeClr val="tx1"/>
+              </a:solidFill>
+            </a:ln>
+          </p:spPr>
+          <p:style>
+            <a:lnRef idx="1">
+              <a:schemeClr val="accent1"/>
+            </a:lnRef>
+            <a:fillRef idx="0">
+              <a:schemeClr val="accent1"/>
+            </a:fillRef>
+            <a:effectRef idx="0">
+              <a:schemeClr val="accent1"/>
+            </a:effectRef>
+            <a:fontRef idx="minor">
+              <a:schemeClr val="tx1"/>
+            </a:fontRef>
+          </p:style>
+        </p:cxnSp>
+        <p:cxnSp>
+          <p:nvCxnSpPr>
+            <p:cNvPr id="21" name="Elbow Connector 20"/>
+            <p:cNvCxnSpPr>
+              <a:stCxn id="19" idx="2"/>
+              <a:endCxn id="22" idx="0"/>
+            </p:cNvCxnSpPr>
+            <p:nvPr/>
+          </p:nvCxnSpPr>
+          <p:spPr>
+            <a:xfrm rot="16200000" flipH="1">
+              <a:off x="595233" y="14028"/>
+              <a:ext cx="191828" cy="1092742"/>
+            </a:xfrm>
+            <a:prstGeom prst="bentConnector3">
+              <a:avLst>
+                <a:gd name="adj1" fmla="val 50000"/>
+              </a:avLst>
+            </a:prstGeom>
+            <a:ln w="6350">
+              <a:solidFill>
+                <a:srgbClr val="00B050"/>
               </a:solidFill>
             </a:ln>
           </p:spPr>

--- a/sbml-level-3/version-1/comp/HierarchicalSBML.pptx
+++ b/sbml-level-3/version-1/comp/HierarchicalSBML.pptx
@@ -7,7 +7,7 @@
   <p:sldIdLst>
     <p:sldId id="256" r:id="rId2"/>
   </p:sldIdLst>
-  <p:sldSz cx="3657600" cy="2193925"/>
+  <p:sldSz cx="3200400" cy="2193925"/>
   <p:notesSz cx="6858000" cy="9144000"/>
   <p:defaultTextStyle>
     <a:defPPr>
@@ -136,8 +136,8 @@
         </p:nvSpPr>
         <p:spPr>
           <a:xfrm>
-            <a:off x="274320" y="681543"/>
-            <a:ext cx="3108960" cy="470273"/>
+            <a:off x="240030" y="681545"/>
+            <a:ext cx="2720340" cy="470273"/>
           </a:xfrm>
         </p:spPr>
         <p:txBody>
@@ -164,8 +164,8 @@
         </p:nvSpPr>
         <p:spPr>
           <a:xfrm>
-            <a:off x="548640" y="1243224"/>
-            <a:ext cx="2560320" cy="560670"/>
+            <a:off x="480060" y="1243224"/>
+            <a:ext cx="2240280" cy="560670"/>
           </a:xfrm>
         </p:spPr>
         <p:txBody>
@@ -288,7 +288,7 @@
           <a:p>
             <a:fld id="{F0172217-DC24-48CD-AE89-68C8C8D878B4}" type="datetimeFigureOut">
               <a:rPr lang="en-US" smtClean="0"/>
-              <a:t>10/9/2010</a:t>
+              <a:t>10/26/2010</a:t>
             </a:fld>
             <a:endParaRPr lang="en-US"/>
           </a:p>
@@ -458,7 +458,7 @@
           <a:p>
             <a:fld id="{F0172217-DC24-48CD-AE89-68C8C8D878B4}" type="datetimeFigureOut">
               <a:rPr lang="en-US" smtClean="0"/>
-              <a:t>10/9/2010</a:t>
+              <a:t>10/26/2010</a:t>
             </a:fld>
             <a:endParaRPr lang="en-US"/>
           </a:p>
@@ -548,8 +548,8 @@
         </p:nvSpPr>
         <p:spPr>
           <a:xfrm>
-            <a:off x="2651760" y="87862"/>
-            <a:ext cx="822960" cy="1871947"/>
+            <a:off x="2320290" y="87864"/>
+            <a:ext cx="720090" cy="1871947"/>
           </a:xfrm>
         </p:spPr>
         <p:txBody>
@@ -576,8 +576,8 @@
         </p:nvSpPr>
         <p:spPr>
           <a:xfrm>
-            <a:off x="182880" y="87862"/>
-            <a:ext cx="2407920" cy="1871947"/>
+            <a:off x="160020" y="87864"/>
+            <a:ext cx="2106930" cy="1871947"/>
           </a:xfrm>
         </p:spPr>
         <p:txBody>
@@ -638,7 +638,7 @@
           <a:p>
             <a:fld id="{F0172217-DC24-48CD-AE89-68C8C8D878B4}" type="datetimeFigureOut">
               <a:rPr lang="en-US" smtClean="0"/>
-              <a:t>10/9/2010</a:t>
+              <a:t>10/26/2010</a:t>
             </a:fld>
             <a:endParaRPr lang="en-US"/>
           </a:p>
@@ -808,7 +808,7 @@
           <a:p>
             <a:fld id="{F0172217-DC24-48CD-AE89-68C8C8D878B4}" type="datetimeFigureOut">
               <a:rPr lang="en-US" smtClean="0"/>
-              <a:t>10/9/2010</a:t>
+              <a:t>10/26/2010</a:t>
             </a:fld>
             <a:endParaRPr lang="en-US"/>
           </a:p>
@@ -898,8 +898,8 @@
         </p:nvSpPr>
         <p:spPr>
           <a:xfrm>
-            <a:off x="288926" y="1409801"/>
-            <a:ext cx="3108960" cy="435738"/>
+            <a:off x="252810" y="1409801"/>
+            <a:ext cx="2720340" cy="435738"/>
           </a:xfrm>
         </p:spPr>
         <p:txBody>
@@ -930,8 +930,8 @@
         </p:nvSpPr>
         <p:spPr>
           <a:xfrm>
-            <a:off x="288926" y="929884"/>
-            <a:ext cx="3108960" cy="479920"/>
+            <a:off x="252810" y="929884"/>
+            <a:ext cx="2720340" cy="479920"/>
           </a:xfrm>
         </p:spPr>
         <p:txBody>
@@ -1054,7 +1054,7 @@
           <a:p>
             <a:fld id="{F0172217-DC24-48CD-AE89-68C8C8D878B4}" type="datetimeFigureOut">
               <a:rPr lang="en-US" smtClean="0"/>
-              <a:t>10/9/2010</a:t>
+              <a:t>10/26/2010</a:t>
             </a:fld>
             <a:endParaRPr lang="en-US"/>
           </a:p>
@@ -1167,8 +1167,8 @@
         </p:nvSpPr>
         <p:spPr>
           <a:xfrm>
-            <a:off x="182880" y="511918"/>
-            <a:ext cx="1615440" cy="1447890"/>
+            <a:off x="160020" y="511918"/>
+            <a:ext cx="1413510" cy="1447890"/>
           </a:xfrm>
         </p:spPr>
         <p:txBody>
@@ -1252,8 +1252,8 @@
         </p:nvSpPr>
         <p:spPr>
           <a:xfrm>
-            <a:off x="1859280" y="511918"/>
-            <a:ext cx="1615440" cy="1447890"/>
+            <a:off x="1626870" y="511918"/>
+            <a:ext cx="1413510" cy="1447890"/>
           </a:xfrm>
         </p:spPr>
         <p:txBody>
@@ -1342,7 +1342,7 @@
           <a:p>
             <a:fld id="{F0172217-DC24-48CD-AE89-68C8C8D878B4}" type="datetimeFigureOut">
               <a:rPr lang="en-US" smtClean="0"/>
-              <a:t>10/9/2010</a:t>
+              <a:t>10/26/2010</a:t>
             </a:fld>
             <a:endParaRPr lang="en-US"/>
           </a:p>
@@ -1459,8 +1459,8 @@
         </p:nvSpPr>
         <p:spPr>
           <a:xfrm>
-            <a:off x="182888" y="491096"/>
-            <a:ext cx="1616075" cy="204665"/>
+            <a:off x="160028" y="491098"/>
+            <a:ext cx="1414065" cy="204665"/>
           </a:xfrm>
         </p:spPr>
         <p:txBody>
@@ -1524,8 +1524,8 @@
         </p:nvSpPr>
         <p:spPr>
           <a:xfrm>
-            <a:off x="182888" y="695760"/>
-            <a:ext cx="1616075" cy="1264047"/>
+            <a:off x="160028" y="695762"/>
+            <a:ext cx="1414065" cy="1264047"/>
           </a:xfrm>
         </p:spPr>
         <p:txBody>
@@ -1609,8 +1609,8 @@
         </p:nvSpPr>
         <p:spPr>
           <a:xfrm>
-            <a:off x="1858014" y="491096"/>
-            <a:ext cx="1616710" cy="204665"/>
+            <a:off x="1625763" y="491098"/>
+            <a:ext cx="1414622" cy="204665"/>
           </a:xfrm>
         </p:spPr>
         <p:txBody>
@@ -1674,8 +1674,8 @@
         </p:nvSpPr>
         <p:spPr>
           <a:xfrm>
-            <a:off x="1858014" y="695760"/>
-            <a:ext cx="1616710" cy="1264047"/>
+            <a:off x="1625763" y="695762"/>
+            <a:ext cx="1414622" cy="1264047"/>
           </a:xfrm>
         </p:spPr>
         <p:txBody>
@@ -1764,7 +1764,7 @@
           <a:p>
             <a:fld id="{F0172217-DC24-48CD-AE89-68C8C8D878B4}" type="datetimeFigureOut">
               <a:rPr lang="en-US" smtClean="0"/>
-              <a:t>10/9/2010</a:t>
+              <a:t>10/26/2010</a:t>
             </a:fld>
             <a:endParaRPr lang="en-US"/>
           </a:p>
@@ -1882,7 +1882,7 @@
           <a:p>
             <a:fld id="{F0172217-DC24-48CD-AE89-68C8C8D878B4}" type="datetimeFigureOut">
               <a:rPr lang="en-US" smtClean="0"/>
-              <a:t>10/9/2010</a:t>
+              <a:t>10/26/2010</a:t>
             </a:fld>
             <a:endParaRPr lang="en-US"/>
           </a:p>
@@ -1977,7 +1977,7 @@
           <a:p>
             <a:fld id="{F0172217-DC24-48CD-AE89-68C8C8D878B4}" type="datetimeFigureOut">
               <a:rPr lang="en-US" smtClean="0"/>
-              <a:t>10/9/2010</a:t>
+              <a:t>10/26/2010</a:t>
             </a:fld>
             <a:endParaRPr lang="en-US"/>
           </a:p>
@@ -2067,8 +2067,8 @@
         </p:nvSpPr>
         <p:spPr>
           <a:xfrm>
-            <a:off x="182881" y="87351"/>
-            <a:ext cx="1203326" cy="371748"/>
+            <a:off x="160021" y="87351"/>
+            <a:ext cx="1052910" cy="371748"/>
           </a:xfrm>
         </p:spPr>
         <p:txBody>
@@ -2099,8 +2099,8 @@
         </p:nvSpPr>
         <p:spPr>
           <a:xfrm>
-            <a:off x="1430021" y="87353"/>
-            <a:ext cx="2044700" cy="1872455"/>
+            <a:off x="1251269" y="87355"/>
+            <a:ext cx="1789112" cy="1872455"/>
           </a:xfrm>
         </p:spPr>
         <p:txBody>
@@ -2184,8 +2184,8 @@
         </p:nvSpPr>
         <p:spPr>
           <a:xfrm>
-            <a:off x="182881" y="459102"/>
-            <a:ext cx="1203326" cy="1500707"/>
+            <a:off x="160021" y="459104"/>
+            <a:ext cx="1052910" cy="1500707"/>
           </a:xfrm>
         </p:spPr>
         <p:txBody>
@@ -2254,7 +2254,7 @@
           <a:p>
             <a:fld id="{F0172217-DC24-48CD-AE89-68C8C8D878B4}" type="datetimeFigureOut">
               <a:rPr lang="en-US" smtClean="0"/>
-              <a:t>10/9/2010</a:t>
+              <a:t>10/26/2010</a:t>
             </a:fld>
             <a:endParaRPr lang="en-US"/>
           </a:p>
@@ -2344,8 +2344,8 @@
         </p:nvSpPr>
         <p:spPr>
           <a:xfrm>
-            <a:off x="716915" y="1535751"/>
-            <a:ext cx="2194560" cy="181305"/>
+            <a:off x="627300" y="1535753"/>
+            <a:ext cx="1920240" cy="181305"/>
           </a:xfrm>
         </p:spPr>
         <p:txBody>
@@ -2376,8 +2376,8 @@
         </p:nvSpPr>
         <p:spPr>
           <a:xfrm>
-            <a:off x="716915" y="196032"/>
-            <a:ext cx="2194560" cy="1316355"/>
+            <a:off x="627300" y="196034"/>
+            <a:ext cx="1920240" cy="1316355"/>
           </a:xfrm>
         </p:spPr>
         <p:txBody>
@@ -2437,8 +2437,8 @@
         </p:nvSpPr>
         <p:spPr>
           <a:xfrm>
-            <a:off x="716915" y="1717053"/>
-            <a:ext cx="2194560" cy="257483"/>
+            <a:off x="627300" y="1717055"/>
+            <a:ext cx="1920240" cy="257483"/>
           </a:xfrm>
         </p:spPr>
         <p:txBody>
@@ -2507,7 +2507,7 @@
           <a:p>
             <a:fld id="{F0172217-DC24-48CD-AE89-68C8C8D878B4}" type="datetimeFigureOut">
               <a:rPr lang="en-US" smtClean="0"/>
-              <a:t>10/9/2010</a:t>
+              <a:t>10/26/2010</a:t>
             </a:fld>
             <a:endParaRPr lang="en-US"/>
           </a:p>
@@ -2602,8 +2602,8 @@
         </p:nvSpPr>
         <p:spPr>
           <a:xfrm>
-            <a:off x="182880" y="87861"/>
-            <a:ext cx="3291840" cy="365654"/>
+            <a:off x="160020" y="87861"/>
+            <a:ext cx="2880360" cy="365654"/>
           </a:xfrm>
           <a:prstGeom prst="rect">
             <a:avLst/>
@@ -2635,8 +2635,8 @@
         </p:nvSpPr>
         <p:spPr>
           <a:xfrm>
-            <a:off x="182880" y="511918"/>
-            <a:ext cx="3291840" cy="1447890"/>
+            <a:off x="160020" y="511918"/>
+            <a:ext cx="2880360" cy="1447890"/>
           </a:xfrm>
           <a:prstGeom prst="rect">
             <a:avLst/>
@@ -2697,8 +2697,8 @@
         </p:nvSpPr>
         <p:spPr>
           <a:xfrm>
-            <a:off x="182880" y="2033448"/>
-            <a:ext cx="853440" cy="116807"/>
+            <a:off x="160020" y="2033450"/>
+            <a:ext cx="746760" cy="116807"/>
           </a:xfrm>
           <a:prstGeom prst="rect">
             <a:avLst/>
@@ -2720,7 +2720,7 @@
           <a:p>
             <a:fld id="{F0172217-DC24-48CD-AE89-68C8C8D878B4}" type="datetimeFigureOut">
               <a:rPr lang="en-US" smtClean="0"/>
-              <a:t>10/9/2010</a:t>
+              <a:t>10/26/2010</a:t>
             </a:fld>
             <a:endParaRPr lang="en-US"/>
           </a:p>
@@ -2738,8 +2738,8 @@
         </p:nvSpPr>
         <p:spPr>
           <a:xfrm>
-            <a:off x="1249680" y="2033448"/>
-            <a:ext cx="1158240" cy="116807"/>
+            <a:off x="1093470" y="2033450"/>
+            <a:ext cx="1013460" cy="116807"/>
           </a:xfrm>
           <a:prstGeom prst="rect">
             <a:avLst/>
@@ -2775,8 +2775,8 @@
         </p:nvSpPr>
         <p:spPr>
           <a:xfrm>
-            <a:off x="2621280" y="2033448"/>
-            <a:ext cx="853440" cy="116807"/>
+            <a:off x="2293620" y="2033450"/>
+            <a:ext cx="746760" cy="116807"/>
           </a:xfrm>
           <a:prstGeom prst="rect">
             <a:avLst/>
@@ -3097,28 +3097,28 @@
       </p:grpSpPr>
       <p:grpSp>
         <p:nvGrpSpPr>
-          <p:cNvPr id="8" name="Group 7"/>
+          <p:cNvPr id="55" name="Group 54"/>
           <p:cNvGrpSpPr/>
           <p:nvPr/>
         </p:nvGrpSpPr>
         <p:grpSpPr>
           <a:xfrm>
-            <a:off x="76200" y="69680"/>
-            <a:ext cx="3483601" cy="2094082"/>
+            <a:off x="46522" y="49921"/>
+            <a:ext cx="3107356" cy="2094082"/>
             <a:chOff x="76200" y="69680"/>
-            <a:chExt cx="3483601" cy="2094082"/>
+            <a:chExt cx="3107356" cy="2094082"/>
           </a:xfrm>
         </p:grpSpPr>
         <p:sp>
           <p:nvSpPr>
-            <p:cNvPr id="18" name="Rectangle 17"/>
+            <p:cNvPr id="56" name="Rectangle 55"/>
             <p:cNvSpPr/>
             <p:nvPr/>
           </p:nvSpPr>
           <p:spPr>
             <a:xfrm>
               <a:off x="145179" y="70254"/>
-              <a:ext cx="2764770" cy="243840"/>
+              <a:ext cx="2369421" cy="243840"/>
             </a:xfrm>
             <a:prstGeom prst="rect">
               <a:avLst/>
@@ -3185,7 +3185,7 @@
         </p:sp>
         <p:sp>
           <p:nvSpPr>
-            <p:cNvPr id="19" name="Diamond 18"/>
+            <p:cNvPr id="57" name="Diamond 56"/>
             <p:cNvSpPr/>
             <p:nvPr/>
           </p:nvSpPr>
@@ -3233,10 +3233,10 @@
         </p:sp>
         <p:cxnSp>
           <p:nvCxnSpPr>
-            <p:cNvPr id="20" name="Elbow Connector 19"/>
+            <p:cNvPr id="58" name="Elbow Connector 57"/>
             <p:cNvCxnSpPr>
-              <a:stCxn id="29" idx="2"/>
-              <a:endCxn id="27" idx="0"/>
+              <a:stCxn id="66" idx="2"/>
+              <a:endCxn id="64" idx="0"/>
             </p:cNvCxnSpPr>
             <p:nvPr/>
           </p:nvCxnSpPr>
@@ -3273,7 +3273,7 @@
         </p:cxnSp>
         <p:sp>
           <p:nvSpPr>
-            <p:cNvPr id="22" name="Rectangle 21"/>
+            <p:cNvPr id="59" name="Rectangle 58"/>
             <p:cNvSpPr/>
             <p:nvPr/>
           </p:nvSpPr>
@@ -3326,13 +3326,13 @@
         </p:sp>
         <p:sp>
           <p:nvSpPr>
-            <p:cNvPr id="23" name="Rectangle 22"/>
+            <p:cNvPr id="60" name="Rectangle 59"/>
             <p:cNvSpPr/>
             <p:nvPr/>
           </p:nvSpPr>
           <p:spPr>
             <a:xfrm>
-              <a:off x="2977632" y="69680"/>
+              <a:off x="2601387" y="69680"/>
               <a:ext cx="582169" cy="244414"/>
             </a:xfrm>
             <a:prstGeom prst="rect">
@@ -3379,13 +3379,13 @@
         </p:sp>
         <p:sp>
           <p:nvSpPr>
-            <p:cNvPr id="24" name="Isosceles Triangle 23"/>
+            <p:cNvPr id="61" name="Isosceles Triangle 60"/>
             <p:cNvSpPr/>
             <p:nvPr/>
           </p:nvSpPr>
           <p:spPr>
             <a:xfrm>
-              <a:off x="3189116" y="313743"/>
+              <a:off x="2812871" y="313743"/>
               <a:ext cx="159199" cy="114300"/>
             </a:xfrm>
             <a:prstGeom prst="triangle">
@@ -3429,17 +3429,17 @@
         </p:sp>
         <p:cxnSp>
           <p:nvCxnSpPr>
-            <p:cNvPr id="25" name="Elbow Connector 24"/>
+            <p:cNvPr id="62" name="Elbow Connector 61"/>
             <p:cNvCxnSpPr>
-              <a:stCxn id="22" idx="3"/>
-              <a:endCxn id="24" idx="3"/>
+              <a:stCxn id="59" idx="3"/>
+              <a:endCxn id="61" idx="3"/>
             </p:cNvCxnSpPr>
             <p:nvPr/>
           </p:nvCxnSpPr>
           <p:spPr>
             <a:xfrm flipV="1">
               <a:off x="2062002" y="428043"/>
-              <a:ext cx="1206714" cy="380670"/>
+              <a:ext cx="830469" cy="380670"/>
             </a:xfrm>
             <a:prstGeom prst="bentConnector2">
               <a:avLst/>
@@ -3467,7 +3467,7 @@
         </p:cxnSp>
         <p:sp>
           <p:nvSpPr>
-            <p:cNvPr id="26" name="Rectangle 25"/>
+            <p:cNvPr id="63" name="Rectangle 62"/>
             <p:cNvSpPr/>
             <p:nvPr/>
           </p:nvSpPr>
@@ -3514,7 +3514,7 @@
         </p:sp>
         <p:sp>
           <p:nvSpPr>
-            <p:cNvPr id="27" name="Rectangle 26"/>
+            <p:cNvPr id="64" name="Rectangle 63"/>
             <p:cNvSpPr/>
             <p:nvPr/>
           </p:nvSpPr>
@@ -3588,7 +3588,7 @@
         </p:sp>
         <p:sp>
           <p:nvSpPr>
-            <p:cNvPr id="28" name="Rectangle 27"/>
+            <p:cNvPr id="65" name="Rectangle 64"/>
             <p:cNvSpPr/>
             <p:nvPr/>
           </p:nvSpPr>
@@ -3638,7 +3638,7 @@
         </p:sp>
         <p:sp>
           <p:nvSpPr>
-            <p:cNvPr id="29" name="Diamond 28"/>
+            <p:cNvPr id="66" name="Diamond 65"/>
             <p:cNvSpPr/>
             <p:nvPr/>
           </p:nvSpPr>
@@ -3690,21 +3690,21 @@
         </p:sp>
         <p:cxnSp>
           <p:nvCxnSpPr>
-            <p:cNvPr id="44" name="Elbow Connector 43"/>
+            <p:cNvPr id="67" name="Elbow Connector 66"/>
             <p:cNvCxnSpPr>
-              <a:stCxn id="18" idx="2"/>
-              <a:endCxn id="24" idx="3"/>
+              <a:stCxn id="56" idx="2"/>
+              <a:endCxn id="61" idx="3"/>
             </p:cNvCxnSpPr>
             <p:nvPr/>
           </p:nvCxnSpPr>
           <p:spPr>
             <a:xfrm rot="16200000" flipH="1">
-              <a:off x="2341166" y="-499508"/>
-              <a:ext cx="113949" cy="1741152"/>
+              <a:off x="2054206" y="-410223"/>
+              <a:ext cx="113949" cy="1562581"/>
             </a:xfrm>
             <a:prstGeom prst="bentConnector3">
               <a:avLst>
-                <a:gd name="adj1" fmla="val 185976"/>
+                <a:gd name="adj1" fmla="val 199308"/>
               </a:avLst>
             </a:prstGeom>
             <a:ln w="6350">
@@ -3730,17 +3730,17 @@
         </p:cxnSp>
         <p:cxnSp>
           <p:nvCxnSpPr>
-            <p:cNvPr id="45" name="Elbow Connector 44"/>
+            <p:cNvPr id="68" name="Elbow Connector 67"/>
             <p:cNvCxnSpPr>
-              <a:stCxn id="27" idx="3"/>
-              <a:endCxn id="24" idx="3"/>
+              <a:stCxn id="64" idx="3"/>
+              <a:endCxn id="61" idx="3"/>
             </p:cNvCxnSpPr>
             <p:nvPr/>
           </p:nvCxnSpPr>
           <p:spPr>
             <a:xfrm flipV="1">
               <a:off x="2243672" y="428043"/>
-              <a:ext cx="1025044" cy="1086601"/>
+              <a:ext cx="648799" cy="1086601"/>
             </a:xfrm>
             <a:prstGeom prst="bentConnector2">
               <a:avLst/>
@@ -3768,10 +3768,10 @@
         </p:cxnSp>
         <p:cxnSp>
           <p:nvCxnSpPr>
-            <p:cNvPr id="46" name="Elbow Connector 45"/>
+            <p:cNvPr id="69" name="Elbow Connector 68"/>
             <p:cNvCxnSpPr>
-              <a:stCxn id="19" idx="2"/>
-              <a:endCxn id="47" idx="0"/>
+              <a:stCxn id="57" idx="2"/>
+              <a:endCxn id="70" idx="0"/>
             </p:cNvCxnSpPr>
             <p:nvPr/>
           </p:nvCxnSpPr>
@@ -3808,7 +3808,7 @@
         </p:cxnSp>
         <p:sp>
           <p:nvSpPr>
-            <p:cNvPr id="47" name="Rectangle 46"/>
+            <p:cNvPr id="70" name="Rectangle 69"/>
             <p:cNvSpPr/>
             <p:nvPr/>
           </p:nvSpPr>
@@ -3882,7 +3882,7 @@
         </p:sp>
         <p:sp>
           <p:nvSpPr>
-            <p:cNvPr id="48" name="Rectangle 47"/>
+            <p:cNvPr id="71" name="Rectangle 70"/>
             <p:cNvSpPr/>
             <p:nvPr/>
           </p:nvSpPr>
@@ -3914,17 +3914,17 @@
         </p:sp>
         <p:cxnSp>
           <p:nvCxnSpPr>
-            <p:cNvPr id="49" name="Elbow Connector 48"/>
+            <p:cNvPr id="72" name="Elbow Connector 71"/>
             <p:cNvCxnSpPr>
-              <a:stCxn id="47" idx="3"/>
-              <a:endCxn id="24" idx="3"/>
+              <a:stCxn id="70" idx="3"/>
+              <a:endCxn id="61" idx="3"/>
             </p:cNvCxnSpPr>
             <p:nvPr/>
           </p:nvCxnSpPr>
           <p:spPr>
             <a:xfrm flipV="1">
               <a:off x="2062002" y="428043"/>
-              <a:ext cx="1206714" cy="1583319"/>
+              <a:ext cx="830469" cy="1583319"/>
             </a:xfrm>
             <a:prstGeom prst="bentConnector2">
               <a:avLst/>
@@ -3952,10 +3952,10 @@
         </p:cxnSp>
         <p:cxnSp>
           <p:nvCxnSpPr>
-            <p:cNvPr id="21" name="Elbow Connector 20"/>
+            <p:cNvPr id="73" name="Elbow Connector 72"/>
             <p:cNvCxnSpPr>
-              <a:stCxn id="19" idx="2"/>
-              <a:endCxn id="22" idx="0"/>
+              <a:stCxn id="57" idx="2"/>
+              <a:endCxn id="59" idx="0"/>
             </p:cNvCxnSpPr>
             <p:nvPr/>
           </p:nvCxnSpPr>

--- a/sbml-level-3/version-1/comp/HierarchicalSBML.pptx
+++ b/sbml-level-3/version-1/comp/HierarchicalSBML.pptx
@@ -7,7 +7,7 @@
   <p:sldIdLst>
     <p:sldId id="256" r:id="rId2"/>
   </p:sldIdLst>
-  <p:sldSz cx="3200400" cy="2193925"/>
+  <p:sldSz cx="3200400" cy="3200400"/>
   <p:notesSz cx="6858000" cy="9144000"/>
   <p:defaultTextStyle>
     <a:defPPr>
@@ -136,8 +136,8 @@
         </p:nvSpPr>
         <p:spPr>
           <a:xfrm>
-            <a:off x="240030" y="681545"/>
-            <a:ext cx="2720340" cy="470273"/>
+            <a:off x="240030" y="994209"/>
+            <a:ext cx="2720340" cy="686013"/>
           </a:xfrm>
         </p:spPr>
         <p:txBody>
@@ -164,8 +164,8 @@
         </p:nvSpPr>
         <p:spPr>
           <a:xfrm>
-            <a:off x="480060" y="1243224"/>
-            <a:ext cx="2240280" cy="560670"/>
+            <a:off x="480060" y="1813560"/>
+            <a:ext cx="2240280" cy="817880"/>
           </a:xfrm>
         </p:spPr>
         <p:txBody>
@@ -288,7 +288,7 @@
           <a:p>
             <a:fld id="{F0172217-DC24-48CD-AE89-68C8C8D878B4}" type="datetimeFigureOut">
               <a:rPr lang="en-US" smtClean="0"/>
-              <a:t>10/26/2010</a:t>
+              <a:t>4/25/2011</a:t>
             </a:fld>
             <a:endParaRPr lang="en-US"/>
           </a:p>
@@ -458,7 +458,7 @@
           <a:p>
             <a:fld id="{F0172217-DC24-48CD-AE89-68C8C8D878B4}" type="datetimeFigureOut">
               <a:rPr lang="en-US" smtClean="0"/>
-              <a:t>10/26/2010</a:t>
+              <a:t>4/25/2011</a:t>
             </a:fld>
             <a:endParaRPr lang="en-US"/>
           </a:p>
@@ -548,8 +548,8 @@
         </p:nvSpPr>
         <p:spPr>
           <a:xfrm>
-            <a:off x="2320290" y="87864"/>
-            <a:ext cx="720090" cy="1871947"/>
+            <a:off x="2320290" y="128173"/>
+            <a:ext cx="720090" cy="2730713"/>
           </a:xfrm>
         </p:spPr>
         <p:txBody>
@@ -576,8 +576,8 @@
         </p:nvSpPr>
         <p:spPr>
           <a:xfrm>
-            <a:off x="160020" y="87864"/>
-            <a:ext cx="2106930" cy="1871947"/>
+            <a:off x="160020" y="128173"/>
+            <a:ext cx="2106930" cy="2730713"/>
           </a:xfrm>
         </p:spPr>
         <p:txBody>
@@ -638,7 +638,7 @@
           <a:p>
             <a:fld id="{F0172217-DC24-48CD-AE89-68C8C8D878B4}" type="datetimeFigureOut">
               <a:rPr lang="en-US" smtClean="0"/>
-              <a:t>10/26/2010</a:t>
+              <a:t>4/25/2011</a:t>
             </a:fld>
             <a:endParaRPr lang="en-US"/>
           </a:p>
@@ -808,7 +808,7 @@
           <a:p>
             <a:fld id="{F0172217-DC24-48CD-AE89-68C8C8D878B4}" type="datetimeFigureOut">
               <a:rPr lang="en-US" smtClean="0"/>
-              <a:t>10/26/2010</a:t>
+              <a:t>4/25/2011</a:t>
             </a:fld>
             <a:endParaRPr lang="en-US"/>
           </a:p>
@@ -898,8 +898,8 @@
         </p:nvSpPr>
         <p:spPr>
           <a:xfrm>
-            <a:off x="252810" y="1409801"/>
-            <a:ext cx="2720340" cy="435738"/>
+            <a:off x="252810" y="2056555"/>
+            <a:ext cx="2720340" cy="635635"/>
           </a:xfrm>
         </p:spPr>
         <p:txBody>
@@ -930,8 +930,8 @@
         </p:nvSpPr>
         <p:spPr>
           <a:xfrm>
-            <a:off x="252810" y="929884"/>
-            <a:ext cx="2720340" cy="479920"/>
+            <a:off x="252810" y="1356473"/>
+            <a:ext cx="2720340" cy="700086"/>
           </a:xfrm>
         </p:spPr>
         <p:txBody>
@@ -1054,7 +1054,7 @@
           <a:p>
             <a:fld id="{F0172217-DC24-48CD-AE89-68C8C8D878B4}" type="datetimeFigureOut">
               <a:rPr lang="en-US" smtClean="0"/>
-              <a:t>10/26/2010</a:t>
+              <a:t>4/25/2011</a:t>
             </a:fld>
             <a:endParaRPr lang="en-US"/>
           </a:p>
@@ -1167,8 +1167,8 @@
         </p:nvSpPr>
         <p:spPr>
           <a:xfrm>
-            <a:off x="160020" y="511918"/>
-            <a:ext cx="1413510" cy="1447890"/>
+            <a:off x="160020" y="746764"/>
+            <a:ext cx="1413510" cy="2112117"/>
           </a:xfrm>
         </p:spPr>
         <p:txBody>
@@ -1252,8 +1252,8 @@
         </p:nvSpPr>
         <p:spPr>
           <a:xfrm>
-            <a:off x="1626870" y="511918"/>
-            <a:ext cx="1413510" cy="1447890"/>
+            <a:off x="1626870" y="746764"/>
+            <a:ext cx="1413510" cy="2112117"/>
           </a:xfrm>
         </p:spPr>
         <p:txBody>
@@ -1342,7 +1342,7 @@
           <a:p>
             <a:fld id="{F0172217-DC24-48CD-AE89-68C8C8D878B4}" type="datetimeFigureOut">
               <a:rPr lang="en-US" smtClean="0"/>
-              <a:t>10/26/2010</a:t>
+              <a:t>4/25/2011</a:t>
             </a:fld>
             <a:endParaRPr lang="en-US"/>
           </a:p>
@@ -1459,8 +1459,8 @@
         </p:nvSpPr>
         <p:spPr>
           <a:xfrm>
-            <a:off x="160028" y="491098"/>
-            <a:ext cx="1414065" cy="204665"/>
+            <a:off x="160029" y="716393"/>
+            <a:ext cx="1414065" cy="298556"/>
           </a:xfrm>
         </p:spPr>
         <p:txBody>
@@ -1524,8 +1524,8 @@
         </p:nvSpPr>
         <p:spPr>
           <a:xfrm>
-            <a:off x="160028" y="695762"/>
-            <a:ext cx="1414065" cy="1264047"/>
+            <a:off x="160029" y="1014948"/>
+            <a:ext cx="1414065" cy="1843935"/>
           </a:xfrm>
         </p:spPr>
         <p:txBody>
@@ -1609,8 +1609,8 @@
         </p:nvSpPr>
         <p:spPr>
           <a:xfrm>
-            <a:off x="1625763" y="491098"/>
-            <a:ext cx="1414622" cy="204665"/>
+            <a:off x="1625763" y="716393"/>
+            <a:ext cx="1414622" cy="298556"/>
           </a:xfrm>
         </p:spPr>
         <p:txBody>
@@ -1674,8 +1674,8 @@
         </p:nvSpPr>
         <p:spPr>
           <a:xfrm>
-            <a:off x="1625763" y="695762"/>
-            <a:ext cx="1414622" cy="1264047"/>
+            <a:off x="1625763" y="1014948"/>
+            <a:ext cx="1414622" cy="1843935"/>
           </a:xfrm>
         </p:spPr>
         <p:txBody>
@@ -1764,7 +1764,7 @@
           <a:p>
             <a:fld id="{F0172217-DC24-48CD-AE89-68C8C8D878B4}" type="datetimeFigureOut">
               <a:rPr lang="en-US" smtClean="0"/>
-              <a:t>10/26/2010</a:t>
+              <a:t>4/25/2011</a:t>
             </a:fld>
             <a:endParaRPr lang="en-US"/>
           </a:p>
@@ -1882,7 +1882,7 @@
           <a:p>
             <a:fld id="{F0172217-DC24-48CD-AE89-68C8C8D878B4}" type="datetimeFigureOut">
               <a:rPr lang="en-US" smtClean="0"/>
-              <a:t>10/26/2010</a:t>
+              <a:t>4/25/2011</a:t>
             </a:fld>
             <a:endParaRPr lang="en-US"/>
           </a:p>
@@ -1977,7 +1977,7 @@
           <a:p>
             <a:fld id="{F0172217-DC24-48CD-AE89-68C8C8D878B4}" type="datetimeFigureOut">
               <a:rPr lang="en-US" smtClean="0"/>
-              <a:t>10/26/2010</a:t>
+              <a:t>4/25/2011</a:t>
             </a:fld>
             <a:endParaRPr lang="en-US"/>
           </a:p>
@@ -2067,8 +2067,8 @@
         </p:nvSpPr>
         <p:spPr>
           <a:xfrm>
-            <a:off x="160021" y="87351"/>
-            <a:ext cx="1052910" cy="371748"/>
+            <a:off x="160021" y="127425"/>
+            <a:ext cx="1052910" cy="542289"/>
           </a:xfrm>
         </p:spPr>
         <p:txBody>
@@ -2099,8 +2099,8 @@
         </p:nvSpPr>
         <p:spPr>
           <a:xfrm>
-            <a:off x="1251269" y="87355"/>
-            <a:ext cx="1789112" cy="1872455"/>
+            <a:off x="1251269" y="127430"/>
+            <a:ext cx="1789112" cy="2731454"/>
           </a:xfrm>
         </p:spPr>
         <p:txBody>
@@ -2184,8 +2184,8 @@
         </p:nvSpPr>
         <p:spPr>
           <a:xfrm>
-            <a:off x="160021" y="459104"/>
-            <a:ext cx="1052910" cy="1500707"/>
+            <a:off x="160021" y="669722"/>
+            <a:ext cx="1052910" cy="2189165"/>
           </a:xfrm>
         </p:spPr>
         <p:txBody>
@@ -2254,7 +2254,7 @@
           <a:p>
             <a:fld id="{F0172217-DC24-48CD-AE89-68C8C8D878B4}" type="datetimeFigureOut">
               <a:rPr lang="en-US" smtClean="0"/>
-              <a:t>10/26/2010</a:t>
+              <a:t>4/25/2011</a:t>
             </a:fld>
             <a:endParaRPr lang="en-US"/>
           </a:p>
@@ -2344,8 +2344,8 @@
         </p:nvSpPr>
         <p:spPr>
           <a:xfrm>
-            <a:off x="627300" y="1535753"/>
-            <a:ext cx="1920240" cy="181305"/>
+            <a:off x="627300" y="2240289"/>
+            <a:ext cx="1920240" cy="264480"/>
           </a:xfrm>
         </p:spPr>
         <p:txBody>
@@ -2376,8 +2376,8 @@
         </p:nvSpPr>
         <p:spPr>
           <a:xfrm>
-            <a:off x="627300" y="196034"/>
-            <a:ext cx="1920240" cy="1316355"/>
+            <a:off x="627300" y="285966"/>
+            <a:ext cx="1920240" cy="1920240"/>
           </a:xfrm>
         </p:spPr>
         <p:txBody>
@@ -2437,8 +2437,8 @@
         </p:nvSpPr>
         <p:spPr>
           <a:xfrm>
-            <a:off x="627300" y="1717055"/>
-            <a:ext cx="1920240" cy="257483"/>
+            <a:off x="627300" y="2504765"/>
+            <a:ext cx="1920240" cy="375605"/>
           </a:xfrm>
         </p:spPr>
         <p:txBody>
@@ -2507,7 +2507,7 @@
           <a:p>
             <a:fld id="{F0172217-DC24-48CD-AE89-68C8C8D878B4}" type="datetimeFigureOut">
               <a:rPr lang="en-US" smtClean="0"/>
-              <a:t>10/26/2010</a:t>
+              <a:t>4/25/2011</a:t>
             </a:fld>
             <a:endParaRPr lang="en-US"/>
           </a:p>
@@ -2602,8 +2602,8 @@
         </p:nvSpPr>
         <p:spPr>
           <a:xfrm>
-            <a:off x="160020" y="87861"/>
-            <a:ext cx="2880360" cy="365654"/>
+            <a:off x="160020" y="128168"/>
+            <a:ext cx="2880360" cy="533400"/>
           </a:xfrm>
           <a:prstGeom prst="rect">
             <a:avLst/>
@@ -2635,8 +2635,8 @@
         </p:nvSpPr>
         <p:spPr>
           <a:xfrm>
-            <a:off x="160020" y="511918"/>
-            <a:ext cx="2880360" cy="1447890"/>
+            <a:off x="160020" y="746764"/>
+            <a:ext cx="2880360" cy="2112117"/>
           </a:xfrm>
           <a:prstGeom prst="rect">
             <a:avLst/>
@@ -2697,8 +2697,8 @@
         </p:nvSpPr>
         <p:spPr>
           <a:xfrm>
-            <a:off x="160020" y="2033450"/>
-            <a:ext cx="746760" cy="116807"/>
+            <a:off x="160020" y="2966308"/>
+            <a:ext cx="746760" cy="170393"/>
           </a:xfrm>
           <a:prstGeom prst="rect">
             <a:avLst/>
@@ -2720,7 +2720,7 @@
           <a:p>
             <a:fld id="{F0172217-DC24-48CD-AE89-68C8C8D878B4}" type="datetimeFigureOut">
               <a:rPr lang="en-US" smtClean="0"/>
-              <a:t>10/26/2010</a:t>
+              <a:t>4/25/2011</a:t>
             </a:fld>
             <a:endParaRPr lang="en-US"/>
           </a:p>
@@ -2738,8 +2738,8 @@
         </p:nvSpPr>
         <p:spPr>
           <a:xfrm>
-            <a:off x="1093470" y="2033450"/>
-            <a:ext cx="1013460" cy="116807"/>
+            <a:off x="1093470" y="2966308"/>
+            <a:ext cx="1013460" cy="170393"/>
           </a:xfrm>
           <a:prstGeom prst="rect">
             <a:avLst/>
@@ -2775,8 +2775,8 @@
         </p:nvSpPr>
         <p:spPr>
           <a:xfrm>
-            <a:off x="2293620" y="2033450"/>
-            <a:ext cx="746760" cy="116807"/>
+            <a:off x="2293620" y="2966308"/>
+            <a:ext cx="746760" cy="170393"/>
           </a:xfrm>
           <a:prstGeom prst="rect">
             <a:avLst/>
@@ -3097,157 +3097,931 @@
       </p:grpSpPr>
       <p:grpSp>
         <p:nvGrpSpPr>
-          <p:cNvPr id="55" name="Group 54"/>
+          <p:cNvPr id="99" name="Group 98"/>
           <p:cNvGrpSpPr/>
           <p:nvPr/>
         </p:nvGrpSpPr>
         <p:grpSpPr>
           <a:xfrm>
             <a:off x="46522" y="49921"/>
-            <a:ext cx="3107356" cy="2094082"/>
-            <a:chOff x="76200" y="69680"/>
-            <a:chExt cx="3107356" cy="2094082"/>
+            <a:ext cx="3107356" cy="3002090"/>
+            <a:chOff x="46522" y="49921"/>
+            <a:chExt cx="3107356" cy="3002090"/>
           </a:xfrm>
         </p:grpSpPr>
-        <p:sp>
-          <p:nvSpPr>
-            <p:cNvPr id="56" name="Rectangle 55"/>
-            <p:cNvSpPr/>
+        <p:grpSp>
+          <p:nvGrpSpPr>
+            <p:cNvPr id="74" name="Group 73"/>
+            <p:cNvGrpSpPr/>
             <p:nvPr/>
-          </p:nvSpPr>
-          <p:spPr>
+          </p:nvGrpSpPr>
+          <p:grpSpPr>
             <a:xfrm>
-              <a:off x="145179" y="70254"/>
-              <a:ext cx="2369421" cy="243840"/>
+              <a:off x="46522" y="49921"/>
+              <a:ext cx="3107356" cy="3002090"/>
+              <a:chOff x="76200" y="69680"/>
+              <a:chExt cx="3107356" cy="3002090"/>
             </a:xfrm>
-            <a:prstGeom prst="rect">
-              <a:avLst/>
-            </a:prstGeom>
-            <a:noFill/>
-            <a:ln w="6350">
-              <a:solidFill>
-                <a:schemeClr val="tx1"/>
-              </a:solidFill>
-            </a:ln>
-          </p:spPr>
-          <p:style>
-            <a:lnRef idx="2">
-              <a:schemeClr val="accent1">
-                <a:shade val="50000"/>
-              </a:schemeClr>
-            </a:lnRef>
-            <a:fillRef idx="1">
-              <a:schemeClr val="accent1"/>
-            </a:fillRef>
-            <a:effectRef idx="0">
-              <a:schemeClr val="accent1"/>
-            </a:effectRef>
-            <a:fontRef idx="minor">
-              <a:schemeClr val="lt1"/>
-            </a:fontRef>
-          </p:style>
-          <p:txBody>
-            <a:bodyPr rtlCol="0" anchor="t"/>
-            <a:lstStyle/>
-            <a:p>
-              <a:pPr algn="ctr"/>
-              <a:r>
-                <a:rPr lang="en-US" sz="1100" b="1" dirty="0" smtClean="0">
+          </p:grpSpPr>
+          <p:sp>
+            <p:nvSpPr>
+              <p:cNvPr id="75" name="Rectangle 74"/>
+              <p:cNvSpPr/>
+              <p:nvPr/>
+            </p:nvSpPr>
+            <p:spPr>
+              <a:xfrm>
+                <a:off x="145179" y="70254"/>
+                <a:ext cx="2369421" cy="243840"/>
+              </a:xfrm>
+              <a:prstGeom prst="rect">
+                <a:avLst/>
+              </a:prstGeom>
+              <a:noFill/>
+              <a:ln w="6350">
+                <a:solidFill>
+                  <a:schemeClr val="tx1"/>
+                </a:solidFill>
+              </a:ln>
+            </p:spPr>
+            <p:style>
+              <a:lnRef idx="2">
+                <a:schemeClr val="accent1">
+                  <a:shade val="50000"/>
+                </a:schemeClr>
+              </a:lnRef>
+              <a:fillRef idx="1">
+                <a:schemeClr val="accent1"/>
+              </a:fillRef>
+              <a:effectRef idx="0">
+                <a:schemeClr val="accent1"/>
+              </a:effectRef>
+              <a:fontRef idx="minor">
+                <a:schemeClr val="lt1"/>
+              </a:fontRef>
+            </p:style>
+            <p:txBody>
+              <a:bodyPr rtlCol="0" anchor="t"/>
+              <a:lstStyle/>
+              <a:p>
+                <a:pPr algn="ctr"/>
+                <a:r>
+                  <a:rPr lang="en-US" sz="1100" b="1" dirty="0" smtClean="0">
+                    <a:solidFill>
+                      <a:schemeClr val="tx1"/>
+                    </a:solidFill>
+                  </a:rPr>
+                  <a:t>SBML </a:t>
+                </a:r>
+                <a:r>
+                  <a:rPr lang="en-US" b="1" i="1" dirty="0">
+                    <a:solidFill>
+                      <a:srgbClr val="00B050"/>
+                    </a:solidFill>
+                  </a:rPr>
+                  <a:t>(extended</a:t>
+                </a:r>
+                <a:r>
+                  <a:rPr lang="en-US" b="1" i="1" dirty="0" smtClean="0">
+                    <a:solidFill>
+                      <a:srgbClr val="00B050"/>
+                    </a:solidFill>
+                  </a:rPr>
+                  <a:t>)</a:t>
+                </a:r>
+                <a:endParaRPr lang="en-US" b="1" dirty="0">
                   <a:solidFill>
                     <a:schemeClr val="tx1"/>
                   </a:solidFill>
-                </a:rPr>
-                <a:t>SBML </a:t>
-              </a:r>
-              <a:r>
-                <a:rPr lang="en-US" b="1" i="1" dirty="0">
+                </a:endParaRPr>
+              </a:p>
+            </p:txBody>
+          </p:sp>
+          <p:sp>
+            <p:nvSpPr>
+              <p:cNvPr id="76" name="Diamond 75"/>
+              <p:cNvSpPr/>
+              <p:nvPr/>
+            </p:nvSpPr>
+            <p:spPr>
+              <a:xfrm>
+                <a:off x="111341" y="312087"/>
+                <a:ext cx="66869" cy="152398"/>
+              </a:xfrm>
+              <a:prstGeom prst="diamond">
+                <a:avLst/>
+              </a:prstGeom>
+              <a:solidFill>
+                <a:srgbClr val="00B050"/>
+              </a:solidFill>
+              <a:ln w="6350">
+                <a:solidFill>
+                  <a:srgbClr val="00B050"/>
+                </a:solidFill>
+              </a:ln>
+            </p:spPr>
+            <p:style>
+              <a:lnRef idx="2">
+                <a:schemeClr val="accent1">
+                  <a:shade val="50000"/>
+                </a:schemeClr>
+              </a:lnRef>
+              <a:fillRef idx="1">
+                <a:schemeClr val="accent1"/>
+              </a:fillRef>
+              <a:effectRef idx="0">
+                <a:schemeClr val="accent1"/>
+              </a:effectRef>
+              <a:fontRef idx="minor">
+                <a:schemeClr val="lt1"/>
+              </a:fontRef>
+            </p:style>
+            <p:txBody>
+              <a:bodyPr lIns="91440" tIns="45720" rIns="91440" bIns="45720" spcCol="0" rtlCol="0" anchor="ctr"/>
+              <a:lstStyle/>
+              <a:p>
+                <a:pPr algn="ctr"/>
+                <a:endParaRPr lang="en-US"/>
+              </a:p>
+            </p:txBody>
+          </p:sp>
+          <p:cxnSp>
+            <p:nvCxnSpPr>
+              <p:cNvPr id="77" name="Elbow Connector 76"/>
+              <p:cNvCxnSpPr>
+                <a:stCxn id="85" idx="2"/>
+                <a:endCxn id="83" idx="0"/>
+              </p:cNvCxnSpPr>
+              <p:nvPr/>
+            </p:nvCxnSpPr>
+            <p:spPr>
+              <a:xfrm rot="16200000" flipH="1">
+                <a:off x="916956" y="609587"/>
+                <a:ext cx="128831" cy="1136676"/>
+              </a:xfrm>
+              <a:prstGeom prst="bentConnector3">
+                <a:avLst>
+                  <a:gd name="adj1" fmla="val 50000"/>
+                </a:avLst>
+              </a:prstGeom>
+              <a:ln w="6350">
+                <a:solidFill>
+                  <a:srgbClr val="0070C0"/>
+                </a:solidFill>
+              </a:ln>
+            </p:spPr>
+            <p:style>
+              <a:lnRef idx="1">
+                <a:schemeClr val="accent1"/>
+              </a:lnRef>
+              <a:fillRef idx="0">
+                <a:schemeClr val="accent1"/>
+              </a:fillRef>
+              <a:effectRef idx="0">
+                <a:schemeClr val="accent1"/>
+              </a:effectRef>
+              <a:fontRef idx="minor">
+                <a:schemeClr val="tx1"/>
+              </a:fontRef>
+            </p:style>
+          </p:cxnSp>
+          <p:sp>
+            <p:nvSpPr>
+              <p:cNvPr id="78" name="Rectangle 77"/>
+              <p:cNvSpPr/>
+              <p:nvPr/>
+            </p:nvSpPr>
+            <p:spPr>
+              <a:xfrm>
+                <a:off x="413033" y="656313"/>
+                <a:ext cx="1648969" cy="304800"/>
+              </a:xfrm>
+              <a:prstGeom prst="rect">
+                <a:avLst/>
+              </a:prstGeom>
+              <a:noFill/>
+              <a:ln w="6350">
+                <a:solidFill>
+                  <a:srgbClr val="0070C0"/>
+                </a:solidFill>
+              </a:ln>
+            </p:spPr>
+            <p:style>
+              <a:lnRef idx="2">
+                <a:schemeClr val="accent1">
+                  <a:shade val="50000"/>
+                </a:schemeClr>
+              </a:lnRef>
+              <a:fillRef idx="1">
+                <a:schemeClr val="accent1"/>
+              </a:fillRef>
+              <a:effectRef idx="0">
+                <a:schemeClr val="accent1"/>
+              </a:effectRef>
+              <a:fontRef idx="minor">
+                <a:schemeClr val="lt1"/>
+              </a:fontRef>
+            </p:style>
+            <p:txBody>
+              <a:bodyPr lIns="91440" tIns="45720" rIns="91440" bIns="45720" spcCol="0" rtlCol="0" anchor="ctr"/>
+              <a:lstStyle/>
+              <a:p>
+                <a:pPr algn="ctr"/>
+                <a:r>
+                  <a:rPr lang="en-US" sz="1100" b="1" dirty="0">
+                    <a:solidFill>
+                      <a:srgbClr val="0070C0"/>
+                    </a:solidFill>
+                  </a:rPr>
+                  <a:t>ListOfModelDefinitions</a:t>
+                </a:r>
+              </a:p>
+            </p:txBody>
+          </p:sp>
+          <p:sp>
+            <p:nvSpPr>
+              <p:cNvPr id="79" name="Rectangle 78"/>
+              <p:cNvSpPr/>
+              <p:nvPr/>
+            </p:nvSpPr>
+            <p:spPr>
+              <a:xfrm>
+                <a:off x="2601387" y="69680"/>
+                <a:ext cx="582169" cy="244414"/>
+              </a:xfrm>
+              <a:prstGeom prst="rect">
+                <a:avLst/>
+              </a:prstGeom>
+              <a:noFill/>
+              <a:ln w="6350">
+                <a:solidFill>
+                  <a:schemeClr val="tx1"/>
+                </a:solidFill>
+              </a:ln>
+            </p:spPr>
+            <p:style>
+              <a:lnRef idx="2">
+                <a:schemeClr val="accent1">
+                  <a:shade val="50000"/>
+                </a:schemeClr>
+              </a:lnRef>
+              <a:fillRef idx="1">
+                <a:schemeClr val="accent1"/>
+              </a:fillRef>
+              <a:effectRef idx="0">
+                <a:schemeClr val="accent1"/>
+              </a:effectRef>
+              <a:fontRef idx="minor">
+                <a:schemeClr val="lt1"/>
+              </a:fontRef>
+            </p:style>
+            <p:txBody>
+              <a:bodyPr lIns="91440" tIns="45720" rIns="91440" bIns="45720" spcCol="0" rtlCol="0" anchor="ctr"/>
+              <a:lstStyle/>
+              <a:p>
+                <a:pPr algn="ctr"/>
+                <a:r>
+                  <a:rPr lang="en-US" sz="1100" b="1" dirty="0">
+                    <a:solidFill>
+                      <a:schemeClr val="tx1"/>
+                    </a:solidFill>
+                  </a:rPr>
+                  <a:t>SBase</a:t>
+                </a:r>
+              </a:p>
+            </p:txBody>
+          </p:sp>
+          <p:sp>
+            <p:nvSpPr>
+              <p:cNvPr id="80" name="Isosceles Triangle 79"/>
+              <p:cNvSpPr/>
+              <p:nvPr/>
+            </p:nvSpPr>
+            <p:spPr>
+              <a:xfrm>
+                <a:off x="2812871" y="313743"/>
+                <a:ext cx="159199" cy="114300"/>
+              </a:xfrm>
+              <a:prstGeom prst="triangle">
+                <a:avLst/>
+              </a:prstGeom>
+              <a:noFill/>
+              <a:ln w="6350">
+                <a:solidFill>
+                  <a:schemeClr val="tx1"/>
+                </a:solidFill>
+              </a:ln>
+            </p:spPr>
+            <p:style>
+              <a:lnRef idx="2">
+                <a:schemeClr val="accent1">
+                  <a:shade val="50000"/>
+                </a:schemeClr>
+              </a:lnRef>
+              <a:fillRef idx="1">
+                <a:schemeClr val="accent1"/>
+              </a:fillRef>
+              <a:effectRef idx="0">
+                <a:schemeClr val="accent1"/>
+              </a:effectRef>
+              <a:fontRef idx="minor">
+                <a:schemeClr val="lt1"/>
+              </a:fontRef>
+            </p:style>
+            <p:txBody>
+              <a:bodyPr lIns="91440" tIns="45720" rIns="91440" bIns="45720" spcCol="0" rtlCol="0" anchor="ctr"/>
+              <a:lstStyle/>
+              <a:p>
+                <a:pPr algn="ctr"/>
+                <a:endParaRPr lang="en-US" sz="1100" b="1" dirty="0">
+                  <a:solidFill>
+                    <a:schemeClr val="tx1"/>
+                  </a:solidFill>
+                </a:endParaRPr>
+              </a:p>
+            </p:txBody>
+          </p:sp>
+          <p:cxnSp>
+            <p:nvCxnSpPr>
+              <p:cNvPr id="81" name="Elbow Connector 80"/>
+              <p:cNvCxnSpPr>
+                <a:stCxn id="78" idx="3"/>
+                <a:endCxn id="80" idx="3"/>
+              </p:cNvCxnSpPr>
+              <p:nvPr/>
+            </p:nvCxnSpPr>
+            <p:spPr>
+              <a:xfrm flipV="1">
+                <a:off x="2062002" y="428043"/>
+                <a:ext cx="830469" cy="380670"/>
+              </a:xfrm>
+              <a:prstGeom prst="bentConnector2">
+                <a:avLst/>
+              </a:prstGeom>
+              <a:ln w="6350">
+                <a:solidFill>
+                  <a:srgbClr val="0070C0"/>
+                </a:solidFill>
+              </a:ln>
+            </p:spPr>
+            <p:style>
+              <a:lnRef idx="1">
+                <a:schemeClr val="accent1"/>
+              </a:lnRef>
+              <a:fillRef idx="0">
+                <a:schemeClr val="accent1"/>
+              </a:fillRef>
+              <a:effectRef idx="0">
+                <a:schemeClr val="accent1"/>
+              </a:effectRef>
+              <a:fontRef idx="minor">
+                <a:schemeClr val="tx1"/>
+              </a:fontRef>
+            </p:style>
+          </p:cxnSp>
+          <p:sp>
+            <p:nvSpPr>
+              <p:cNvPr id="82" name="Rectangle 81"/>
+              <p:cNvSpPr/>
+              <p:nvPr/>
+            </p:nvSpPr>
+            <p:spPr>
+              <a:xfrm>
+                <a:off x="97799" y="371644"/>
+                <a:ext cx="1252266" cy="369332"/>
+              </a:xfrm>
+              <a:prstGeom prst="rect">
+                <a:avLst/>
+              </a:prstGeom>
+            </p:spPr>
+            <p:txBody>
+              <a:bodyPr wrap="none" lIns="91440" tIns="45720" rIns="91440" bIns="45720">
+                <a:spAutoFit/>
+              </a:bodyPr>
+              <a:lstStyle/>
+              <a:p>
+                <a:r>
+                  <a:rPr lang="en-US" sz="900" dirty="0" err="1">
+                    <a:solidFill>
+                      <a:srgbClr val="00B050"/>
+                    </a:solidFill>
+                  </a:rPr>
+                  <a:t>listOfModelDefinitions</a:t>
+                </a:r>
+                <a:endParaRPr lang="en-US" sz="900" dirty="0">
                   <a:solidFill>
                     <a:srgbClr val="00B050"/>
                   </a:solidFill>
-                </a:rPr>
-                <a:t>(extended</a:t>
-              </a:r>
-              <a:r>
-                <a:rPr lang="en-US" b="1" i="1" dirty="0" smtClean="0">
-                  <a:solidFill>
-                    <a:srgbClr val="00B050"/>
-                  </a:solidFill>
-                </a:rPr>
-                <a:t>)</a:t>
-              </a:r>
-              <a:endParaRPr lang="en-US" b="1" dirty="0">
+                </a:endParaRPr>
+              </a:p>
+              <a:p>
+                <a:r>
+                  <a:rPr lang="en-US" sz="900" dirty="0">
+                    <a:solidFill>
+                      <a:srgbClr val="00B050"/>
+                    </a:solidFill>
+                  </a:rPr>
+                  <a:t>0,1</a:t>
+                </a:r>
+              </a:p>
+            </p:txBody>
+          </p:sp>
+          <p:sp>
+            <p:nvSpPr>
+              <p:cNvPr id="83" name="Rectangle 82"/>
+              <p:cNvSpPr/>
+              <p:nvPr/>
+            </p:nvSpPr>
+            <p:spPr>
+              <a:xfrm>
+                <a:off x="725224" y="1242341"/>
+                <a:ext cx="1648969" cy="304800"/>
+              </a:xfrm>
+              <a:prstGeom prst="rect">
+                <a:avLst/>
+              </a:prstGeom>
+              <a:noFill/>
+              <a:ln w="6350">
                 <a:solidFill>
                   <a:schemeClr val="tx1"/>
                 </a:solidFill>
-              </a:endParaRPr>
-            </a:p>
-          </p:txBody>
-        </p:sp>
-        <p:sp>
-          <p:nvSpPr>
-            <p:cNvPr id="57" name="Diamond 56"/>
-            <p:cNvSpPr/>
-            <p:nvPr/>
-          </p:nvSpPr>
-          <p:spPr>
-            <a:xfrm>
-              <a:off x="111341" y="312087"/>
-              <a:ext cx="66869" cy="152398"/>
-            </a:xfrm>
-            <a:prstGeom prst="diamond">
-              <a:avLst/>
-            </a:prstGeom>
-            <a:solidFill>
-              <a:srgbClr val="00B050"/>
-            </a:solidFill>
-            <a:ln w="6350">
+              </a:ln>
+            </p:spPr>
+            <p:style>
+              <a:lnRef idx="2">
+                <a:schemeClr val="accent1">
+                  <a:shade val="50000"/>
+                </a:schemeClr>
+              </a:lnRef>
+              <a:fillRef idx="1">
+                <a:schemeClr val="accent1"/>
+              </a:fillRef>
+              <a:effectRef idx="0">
+                <a:schemeClr val="accent1"/>
+              </a:effectRef>
+              <a:fontRef idx="minor">
+                <a:schemeClr val="lt1"/>
+              </a:fontRef>
+            </p:style>
+            <p:txBody>
+              <a:bodyPr lIns="91440" tIns="45720" rIns="91440" bIns="45720" spcCol="0" rtlCol="0" anchor="ctr"/>
+              <a:lstStyle/>
+              <a:p>
+                <a:pPr algn="ctr"/>
+                <a:r>
+                  <a:rPr lang="en-US" sz="1100" b="1" dirty="0" smtClean="0">
+                    <a:solidFill>
+                      <a:sysClr val="windowText" lastClr="000000"/>
+                    </a:solidFill>
+                  </a:rPr>
+                  <a:t>Model </a:t>
+                </a:r>
+                <a:r>
+                  <a:rPr lang="en-US" sz="1100" b="1" i="1" dirty="0">
+                    <a:solidFill>
+                      <a:srgbClr val="00B050"/>
+                    </a:solidFill>
+                  </a:rPr>
+                  <a:t>(extended</a:t>
+                </a:r>
+                <a:r>
+                  <a:rPr lang="en-US" sz="1100" b="1" i="1" dirty="0" smtClean="0">
+                    <a:solidFill>
+                      <a:srgbClr val="00B050"/>
+                    </a:solidFill>
+                  </a:rPr>
+                  <a:t>)</a:t>
+                </a:r>
+                <a:endParaRPr lang="en-US" sz="1100" b="1" dirty="0">
+                  <a:solidFill>
+                    <a:schemeClr val="tx1"/>
+                  </a:solidFill>
+                </a:endParaRPr>
+              </a:p>
+            </p:txBody>
+          </p:sp>
+          <p:sp>
+            <p:nvSpPr>
+              <p:cNvPr id="84" name="Rectangle 83"/>
+              <p:cNvSpPr/>
+              <p:nvPr/>
+            </p:nvSpPr>
+            <p:spPr>
+              <a:xfrm>
+                <a:off x="364938" y="1017985"/>
+                <a:ext cx="950901" cy="369332"/>
+              </a:xfrm>
+              <a:prstGeom prst="rect">
+                <a:avLst/>
+              </a:prstGeom>
+              <a:ln>
+                <a:noFill/>
+              </a:ln>
+            </p:spPr>
+            <p:txBody>
+              <a:bodyPr wrap="none" lIns="91440" tIns="45720" rIns="91440" bIns="45720">
+                <a:spAutoFit/>
+              </a:bodyPr>
+              <a:lstStyle/>
+              <a:p>
+                <a:r>
+                  <a:rPr lang="en-US" sz="900" dirty="0" err="1" smtClean="0">
+                    <a:solidFill>
+                      <a:srgbClr val="0070C0"/>
+                    </a:solidFill>
+                  </a:rPr>
+                  <a:t>modelDefinition</a:t>
+                </a:r>
+                <a:endParaRPr lang="en-US" sz="900" dirty="0">
+                  <a:solidFill>
+                    <a:srgbClr val="0070C0"/>
+                  </a:solidFill>
+                </a:endParaRPr>
+              </a:p>
+              <a:p>
+                <a:r>
+                  <a:rPr lang="en-US" sz="900" dirty="0">
+                    <a:solidFill>
+                      <a:srgbClr val="0070C0"/>
+                    </a:solidFill>
+                  </a:rPr>
+                  <a:t>0,…,*</a:t>
+                </a:r>
+              </a:p>
+            </p:txBody>
+          </p:sp>
+          <p:sp>
+            <p:nvSpPr>
+              <p:cNvPr id="85" name="Diamond 84"/>
+              <p:cNvSpPr/>
+              <p:nvPr/>
+            </p:nvSpPr>
+            <p:spPr>
+              <a:xfrm>
+                <a:off x="379598" y="961112"/>
+                <a:ext cx="66869" cy="152398"/>
+              </a:xfrm>
+              <a:prstGeom prst="diamond">
+                <a:avLst/>
+              </a:prstGeom>
               <a:solidFill>
-                <a:srgbClr val="00B050"/>
+                <a:srgbClr val="0070C0"/>
               </a:solidFill>
-            </a:ln>
-          </p:spPr>
-          <p:style>
-            <a:lnRef idx="2">
-              <a:schemeClr val="accent1">
-                <a:shade val="50000"/>
-              </a:schemeClr>
-            </a:lnRef>
-            <a:fillRef idx="1">
-              <a:schemeClr val="accent1"/>
-            </a:fillRef>
-            <a:effectRef idx="0">
-              <a:schemeClr val="accent1"/>
-            </a:effectRef>
-            <a:fontRef idx="minor">
-              <a:schemeClr val="lt1"/>
-            </a:fontRef>
-          </p:style>
-          <p:txBody>
-            <a:bodyPr lIns="91440" tIns="45720" rIns="91440" bIns="45720" spcCol="0" rtlCol="0" anchor="ctr"/>
-            <a:lstStyle/>
-            <a:p>
-              <a:pPr algn="ctr"/>
-              <a:endParaRPr lang="en-US"/>
-            </a:p>
-          </p:txBody>
-        </p:sp>
+              <a:ln w="6350">
+                <a:solidFill>
+                  <a:srgbClr val="0070C0"/>
+                </a:solidFill>
+              </a:ln>
+            </p:spPr>
+            <p:style>
+              <a:lnRef idx="2">
+                <a:schemeClr val="accent1">
+                  <a:shade val="50000"/>
+                </a:schemeClr>
+              </a:lnRef>
+              <a:fillRef idx="1">
+                <a:schemeClr val="accent1"/>
+              </a:fillRef>
+              <a:effectRef idx="0">
+                <a:schemeClr val="accent1"/>
+              </a:effectRef>
+              <a:fontRef idx="minor">
+                <a:schemeClr val="lt1"/>
+              </a:fontRef>
+            </p:style>
+            <p:txBody>
+              <a:bodyPr lIns="91440" tIns="45720" rIns="91440" bIns="45720" spcCol="0" rtlCol="0" anchor="ctr"/>
+              <a:lstStyle/>
+              <a:p>
+                <a:pPr algn="ctr"/>
+                <a:endParaRPr lang="en-US">
+                  <a:solidFill>
+                    <a:srgbClr val="0070C0"/>
+                  </a:solidFill>
+                </a:endParaRPr>
+              </a:p>
+            </p:txBody>
+          </p:sp>
+          <p:cxnSp>
+            <p:nvCxnSpPr>
+              <p:cNvPr id="86" name="Elbow Connector 85"/>
+              <p:cNvCxnSpPr>
+                <a:stCxn id="75" idx="2"/>
+                <a:endCxn id="80" idx="3"/>
+              </p:cNvCxnSpPr>
+              <p:nvPr/>
+            </p:nvCxnSpPr>
+            <p:spPr>
+              <a:xfrm rot="16200000" flipH="1">
+                <a:off x="2054206" y="-410223"/>
+                <a:ext cx="113949" cy="1562581"/>
+              </a:xfrm>
+              <a:prstGeom prst="bentConnector3">
+                <a:avLst>
+                  <a:gd name="adj1" fmla="val 199308"/>
+                </a:avLst>
+              </a:prstGeom>
+              <a:ln w="6350">
+                <a:solidFill>
+                  <a:schemeClr val="tx1"/>
+                </a:solidFill>
+              </a:ln>
+            </p:spPr>
+            <p:style>
+              <a:lnRef idx="1">
+                <a:schemeClr val="accent1"/>
+              </a:lnRef>
+              <a:fillRef idx="0">
+                <a:schemeClr val="accent1"/>
+              </a:fillRef>
+              <a:effectRef idx="0">
+                <a:schemeClr val="accent1"/>
+              </a:effectRef>
+              <a:fontRef idx="minor">
+                <a:schemeClr val="tx1"/>
+              </a:fontRef>
+            </p:style>
+          </p:cxnSp>
+          <p:cxnSp>
+            <p:nvCxnSpPr>
+              <p:cNvPr id="87" name="Elbow Connector 86"/>
+              <p:cNvCxnSpPr>
+                <a:stCxn id="83" idx="3"/>
+                <a:endCxn id="80" idx="3"/>
+              </p:cNvCxnSpPr>
+              <p:nvPr/>
+            </p:nvCxnSpPr>
+            <p:spPr>
+              <a:xfrm flipV="1">
+                <a:off x="2374193" y="428043"/>
+                <a:ext cx="518278" cy="966698"/>
+              </a:xfrm>
+              <a:prstGeom prst="bentConnector2">
+                <a:avLst/>
+              </a:prstGeom>
+              <a:ln w="6350">
+                <a:solidFill>
+                  <a:schemeClr val="tx1"/>
+                </a:solidFill>
+              </a:ln>
+            </p:spPr>
+            <p:style>
+              <a:lnRef idx="1">
+                <a:schemeClr val="accent1"/>
+              </a:lnRef>
+              <a:fillRef idx="0">
+                <a:schemeClr val="accent1"/>
+              </a:fillRef>
+              <a:effectRef idx="0">
+                <a:schemeClr val="accent1"/>
+              </a:effectRef>
+              <a:fontRef idx="minor">
+                <a:schemeClr val="tx1"/>
+              </a:fontRef>
+            </p:style>
+          </p:cxnSp>
+          <p:cxnSp>
+            <p:nvCxnSpPr>
+              <p:cNvPr id="88" name="Elbow Connector 87"/>
+              <p:cNvCxnSpPr>
+                <a:stCxn id="76" idx="2"/>
+                <a:endCxn id="89" idx="0"/>
+              </p:cNvCxnSpPr>
+              <p:nvPr/>
+            </p:nvCxnSpPr>
+            <p:spPr>
+              <a:xfrm rot="16200000" flipH="1">
+                <a:off x="-460095" y="1069356"/>
+                <a:ext cx="2302485" cy="1092742"/>
+              </a:xfrm>
+              <a:prstGeom prst="bentConnector3">
+                <a:avLst>
+                  <a:gd name="adj1" fmla="val 96245"/>
+                </a:avLst>
+              </a:prstGeom>
+              <a:ln w="6350">
+                <a:solidFill>
+                  <a:schemeClr val="tx1"/>
+                </a:solidFill>
+              </a:ln>
+            </p:spPr>
+            <p:style>
+              <a:lnRef idx="1">
+                <a:schemeClr val="accent1"/>
+              </a:lnRef>
+              <a:fillRef idx="0">
+                <a:schemeClr val="accent1"/>
+              </a:fillRef>
+              <a:effectRef idx="0">
+                <a:schemeClr val="accent1"/>
+              </a:effectRef>
+              <a:fontRef idx="minor">
+                <a:schemeClr val="tx1"/>
+              </a:fontRef>
+            </p:style>
+          </p:cxnSp>
+          <p:sp>
+            <p:nvSpPr>
+              <p:cNvPr id="89" name="Rectangle 88"/>
+              <p:cNvSpPr/>
+              <p:nvPr/>
+            </p:nvSpPr>
+            <p:spPr>
+              <a:xfrm>
+                <a:off x="413033" y="2766970"/>
+                <a:ext cx="1648969" cy="304800"/>
+              </a:xfrm>
+              <a:prstGeom prst="rect">
+                <a:avLst/>
+              </a:prstGeom>
+              <a:noFill/>
+              <a:ln w="6350">
+                <a:solidFill>
+                  <a:schemeClr val="tx1"/>
+                </a:solidFill>
+              </a:ln>
+            </p:spPr>
+            <p:style>
+              <a:lnRef idx="2">
+                <a:schemeClr val="accent1">
+                  <a:shade val="50000"/>
+                </a:schemeClr>
+              </a:lnRef>
+              <a:fillRef idx="1">
+                <a:schemeClr val="accent1"/>
+              </a:fillRef>
+              <a:effectRef idx="0">
+                <a:schemeClr val="accent1"/>
+              </a:effectRef>
+              <a:fontRef idx="minor">
+                <a:schemeClr val="lt1"/>
+              </a:fontRef>
+            </p:style>
+            <p:txBody>
+              <a:bodyPr lIns="91440" tIns="45720" rIns="91440" bIns="45720" spcCol="0" rtlCol="0" anchor="ctr"/>
+              <a:lstStyle/>
+              <a:p>
+                <a:pPr algn="ctr"/>
+                <a:r>
+                  <a:rPr lang="en-US" sz="1100" b="1" dirty="0" smtClean="0">
+                    <a:solidFill>
+                      <a:sysClr val="windowText" lastClr="000000"/>
+                    </a:solidFill>
+                  </a:rPr>
+                  <a:t>Model </a:t>
+                </a:r>
+                <a:r>
+                  <a:rPr lang="en-US" sz="1100" b="1" i="1" dirty="0">
+                    <a:solidFill>
+                      <a:srgbClr val="00B050"/>
+                    </a:solidFill>
+                  </a:rPr>
+                  <a:t>(extended</a:t>
+                </a:r>
+                <a:r>
+                  <a:rPr lang="en-US" sz="1100" b="1" i="1" dirty="0" smtClean="0">
+                    <a:solidFill>
+                      <a:srgbClr val="00B050"/>
+                    </a:solidFill>
+                  </a:rPr>
+                  <a:t>)</a:t>
+                </a:r>
+                <a:endParaRPr lang="en-US" sz="1100" b="1" dirty="0">
+                  <a:solidFill>
+                    <a:schemeClr val="tx1"/>
+                  </a:solidFill>
+                </a:endParaRPr>
+              </a:p>
+            </p:txBody>
+          </p:sp>
+          <p:sp>
+            <p:nvSpPr>
+              <p:cNvPr id="90" name="Rectangle 89"/>
+              <p:cNvSpPr/>
+              <p:nvPr/>
+            </p:nvSpPr>
+            <p:spPr>
+              <a:xfrm>
+                <a:off x="76200" y="2508063"/>
+                <a:ext cx="484428" cy="230832"/>
+              </a:xfrm>
+              <a:prstGeom prst="rect">
+                <a:avLst/>
+              </a:prstGeom>
+              <a:ln>
+                <a:noFill/>
+              </a:ln>
+            </p:spPr>
+            <p:txBody>
+              <a:bodyPr wrap="none" lIns="91440" tIns="45720" rIns="91440" bIns="45720">
+                <a:spAutoFit/>
+              </a:bodyPr>
+              <a:lstStyle/>
+              <a:p>
+                <a:r>
+                  <a:rPr lang="en-US" sz="900" dirty="0" smtClean="0"/>
+                  <a:t>model</a:t>
+                </a:r>
+                <a:endParaRPr lang="en-US" sz="900" dirty="0"/>
+              </a:p>
+            </p:txBody>
+          </p:sp>
+          <p:cxnSp>
+            <p:nvCxnSpPr>
+              <p:cNvPr id="91" name="Elbow Connector 90"/>
+              <p:cNvCxnSpPr>
+                <a:stCxn id="89" idx="3"/>
+                <a:endCxn id="80" idx="3"/>
+              </p:cNvCxnSpPr>
+              <p:nvPr/>
+            </p:nvCxnSpPr>
+            <p:spPr>
+              <a:xfrm flipV="1">
+                <a:off x="2062002" y="428043"/>
+                <a:ext cx="830469" cy="2491327"/>
+              </a:xfrm>
+              <a:prstGeom prst="bentConnector2">
+                <a:avLst/>
+              </a:prstGeom>
+              <a:ln w="6350">
+                <a:solidFill>
+                  <a:schemeClr val="tx1"/>
+                </a:solidFill>
+              </a:ln>
+            </p:spPr>
+            <p:style>
+              <a:lnRef idx="1">
+                <a:schemeClr val="accent1"/>
+              </a:lnRef>
+              <a:fillRef idx="0">
+                <a:schemeClr val="accent1"/>
+              </a:fillRef>
+              <a:effectRef idx="0">
+                <a:schemeClr val="accent1"/>
+              </a:effectRef>
+              <a:fontRef idx="minor">
+                <a:schemeClr val="tx1"/>
+              </a:fontRef>
+            </p:style>
+          </p:cxnSp>
+          <p:cxnSp>
+            <p:nvCxnSpPr>
+              <p:cNvPr id="92" name="Elbow Connector 91"/>
+              <p:cNvCxnSpPr>
+                <a:stCxn id="76" idx="2"/>
+                <a:endCxn id="78" idx="0"/>
+              </p:cNvCxnSpPr>
+              <p:nvPr/>
+            </p:nvCxnSpPr>
+            <p:spPr>
+              <a:xfrm rot="16200000" flipH="1">
+                <a:off x="595233" y="14028"/>
+                <a:ext cx="191828" cy="1092742"/>
+              </a:xfrm>
+              <a:prstGeom prst="bentConnector3">
+                <a:avLst>
+                  <a:gd name="adj1" fmla="val 50000"/>
+                </a:avLst>
+              </a:prstGeom>
+              <a:ln w="6350">
+                <a:solidFill>
+                  <a:srgbClr val="00B050"/>
+                </a:solidFill>
+              </a:ln>
+            </p:spPr>
+            <p:style>
+              <a:lnRef idx="1">
+                <a:schemeClr val="accent1"/>
+              </a:lnRef>
+              <a:fillRef idx="0">
+                <a:schemeClr val="accent1"/>
+              </a:fillRef>
+              <a:effectRef idx="0">
+                <a:schemeClr val="accent1"/>
+              </a:effectRef>
+              <a:fontRef idx="minor">
+                <a:schemeClr val="tx1"/>
+              </a:fontRef>
+            </p:style>
+          </p:cxnSp>
+        </p:grpSp>
         <p:cxnSp>
           <p:nvCxnSpPr>
-            <p:cNvPr id="58" name="Elbow Connector 57"/>
+            <p:cNvPr id="93" name="Elbow Connector 92"/>
             <p:cNvCxnSpPr>
-              <a:stCxn id="66" idx="2"/>
-              <a:endCxn id="64" idx="0"/>
+              <a:stCxn id="85" idx="2"/>
+              <a:endCxn id="94" idx="0"/>
             </p:cNvCxnSpPr>
             <p:nvPr/>
           </p:nvCxnSpPr>
           <p:spPr>
             <a:xfrm rot="16200000" flipH="1">
-              <a:off x="791743" y="734799"/>
-              <a:ext cx="248734" cy="1006155"/>
+              <a:off x="658191" y="818915"/>
+              <a:ext cx="657209" cy="1206880"/>
             </a:xfrm>
             <a:prstGeom prst="bentConnector3">
               <a:avLst>
-                <a:gd name="adj1" fmla="val 37539"/>
+                <a:gd name="adj1" fmla="val 90276"/>
               </a:avLst>
             </a:prstGeom>
             <a:ln w="6350">
@@ -3273,14 +4047,14 @@
         </p:cxnSp>
         <p:sp>
           <p:nvSpPr>
-            <p:cNvPr id="59" name="Rectangle 58"/>
+            <p:cNvPr id="94" name="Rectangle 93"/>
             <p:cNvSpPr/>
             <p:nvPr/>
           </p:nvSpPr>
           <p:spPr>
             <a:xfrm>
-              <a:off x="413033" y="656313"/>
-              <a:ext cx="1648969" cy="304800"/>
+              <a:off x="695547" y="1750960"/>
+              <a:ext cx="1789375" cy="789936"/>
             </a:xfrm>
             <a:prstGeom prst="rect">
               <a:avLst/>
@@ -3309,139 +4083,201 @@
             </a:fontRef>
           </p:style>
           <p:txBody>
-            <a:bodyPr lIns="91440" tIns="45720" rIns="91440" bIns="45720" spcCol="0" rtlCol="0" anchor="ctr"/>
+            <a:bodyPr lIns="91440" tIns="45720" rIns="91440" bIns="45720" spcCol="0" rtlCol="0" anchor="t"/>
             <a:lstStyle/>
             <a:p>
               <a:pPr algn="ctr"/>
               <a:r>
-                <a:rPr lang="en-US" sz="1100" b="1" dirty="0">
+                <a:rPr lang="en-US" sz="1100" b="1" dirty="0" err="1" smtClean="0">
+                  <a:solidFill>
+                    <a:schemeClr val="accent1"/>
+                  </a:solidFill>
+                </a:rPr>
+                <a:t>ExternalModelDefinition</a:t>
+              </a:r>
+              <a:endParaRPr lang="en-US" sz="1100" b="1" dirty="0" smtClean="0">
+                <a:solidFill>
+                  <a:schemeClr val="accent1"/>
+                </a:solidFill>
+              </a:endParaRPr>
+            </a:p>
+            <a:p>
+              <a:pPr defTabSz="417972"/>
+              <a:r>
+                <a:rPr lang="en-US" dirty="0" smtClean="0">
                   <a:solidFill>
                     <a:srgbClr val="0070C0"/>
                   </a:solidFill>
                 </a:rPr>
-                <a:t>ListOfModelDefinitions</a:t>
+                <a:t>id</a:t>
               </a:r>
+              <a:r>
+                <a:rPr lang="en-US" dirty="0">
+                  <a:solidFill>
+                    <a:srgbClr val="0070C0"/>
+                  </a:solidFill>
+                </a:rPr>
+                <a:t>: Sid</a:t>
+              </a:r>
+            </a:p>
+            <a:p>
+              <a:pPr defTabSz="417972"/>
+              <a:r>
+                <a:rPr lang="en-US" dirty="0" smtClean="0">
+                  <a:solidFill>
+                    <a:srgbClr val="0070C0"/>
+                  </a:solidFill>
+                </a:rPr>
+                <a:t>source</a:t>
+              </a:r>
+              <a:r>
+                <a:rPr lang="en-US">
+                  <a:solidFill>
+                    <a:srgbClr val="0070C0"/>
+                  </a:solidFill>
+                </a:rPr>
+                <a:t>: </a:t>
+              </a:r>
+              <a:r>
+                <a:rPr lang="en-US" smtClean="0">
+                  <a:solidFill>
+                    <a:srgbClr val="0070C0"/>
+                  </a:solidFill>
+                </a:rPr>
+                <a:t>URI</a:t>
+              </a:r>
+              <a:endParaRPr lang="en-US" dirty="0" smtClean="0">
+                <a:solidFill>
+                  <a:srgbClr val="0070C0"/>
+                </a:solidFill>
+              </a:endParaRPr>
+            </a:p>
+            <a:p>
+              <a:pPr lvl="0" defTabSz="417972"/>
+              <a:r>
+                <a:rPr lang="en-US" dirty="0" smtClean="0">
+                  <a:solidFill>
+                    <a:srgbClr val="0070C0"/>
+                  </a:solidFill>
+                </a:rPr>
+                <a:t>model</a:t>
+              </a:r>
+              <a:r>
+                <a:rPr lang="en-US" dirty="0">
+                  <a:solidFill>
+                    <a:srgbClr val="0070C0"/>
+                  </a:solidFill>
+                </a:rPr>
+                <a:t>: </a:t>
+              </a:r>
+              <a:r>
+                <a:rPr lang="en-US" dirty="0" err="1">
+                  <a:solidFill>
+                    <a:srgbClr val="0070C0"/>
+                  </a:solidFill>
+                </a:rPr>
+                <a:t>SIdRef</a:t>
+              </a:r>
+              <a:r>
+                <a:rPr lang="en-US" dirty="0">
+                  <a:solidFill>
+                    <a:srgbClr val="0070C0"/>
+                  </a:solidFill>
+                </a:rPr>
+                <a:t> {use=“optional”}</a:t>
+              </a:r>
+            </a:p>
+            <a:p>
+              <a:pPr lvl="0" defTabSz="417972"/>
+              <a:r>
+                <a:rPr lang="en-US" dirty="0" smtClean="0">
+                  <a:solidFill>
+                    <a:srgbClr val="0070C0"/>
+                  </a:solidFill>
+                </a:rPr>
+                <a:t>md5</a:t>
+              </a:r>
+              <a:r>
+                <a:rPr lang="en-US" dirty="0">
+                  <a:solidFill>
+                    <a:srgbClr val="0070C0"/>
+                  </a:solidFill>
+                </a:rPr>
+                <a:t>: string {use=“optional”}</a:t>
+              </a:r>
+            </a:p>
+            <a:p>
+              <a:pPr algn="ctr"/>
+              <a:endParaRPr lang="en-US" sz="1100" b="1" dirty="0">
+                <a:solidFill>
+                  <a:schemeClr val="accent1"/>
+                </a:solidFill>
+              </a:endParaRPr>
             </a:p>
           </p:txBody>
         </p:sp>
         <p:sp>
           <p:nvSpPr>
-            <p:cNvPr id="60" name="Rectangle 59"/>
+            <p:cNvPr id="95" name="Rectangle 94"/>
             <p:cNvSpPr/>
             <p:nvPr/>
           </p:nvSpPr>
           <p:spPr>
             <a:xfrm>
-              <a:off x="2601387" y="69680"/>
-              <a:ext cx="582169" cy="244414"/>
+              <a:off x="321779" y="1523319"/>
+              <a:ext cx="1343638" cy="369332"/>
             </a:xfrm>
             <a:prstGeom prst="rect">
               <a:avLst/>
             </a:prstGeom>
-            <a:noFill/>
-            <a:ln w="6350">
-              <a:solidFill>
-                <a:schemeClr val="tx1"/>
-              </a:solidFill>
+            <a:ln>
+              <a:noFill/>
             </a:ln>
           </p:spPr>
-          <p:style>
-            <a:lnRef idx="2">
-              <a:schemeClr val="accent1">
-                <a:shade val="50000"/>
-              </a:schemeClr>
-            </a:lnRef>
-            <a:fillRef idx="1">
-              <a:schemeClr val="accent1"/>
-            </a:fillRef>
-            <a:effectRef idx="0">
-              <a:schemeClr val="accent1"/>
-            </a:effectRef>
-            <a:fontRef idx="minor">
-              <a:schemeClr val="lt1"/>
-            </a:fontRef>
-          </p:style>
           <p:txBody>
-            <a:bodyPr lIns="91440" tIns="45720" rIns="91440" bIns="45720" spcCol="0" rtlCol="0" anchor="ctr"/>
+            <a:bodyPr wrap="none" lIns="91440" tIns="45720" rIns="91440" bIns="45720">
+              <a:spAutoFit/>
+            </a:bodyPr>
             <a:lstStyle/>
             <a:p>
-              <a:pPr algn="ctr"/>
               <a:r>
-                <a:rPr lang="en-US" sz="1100" b="1" dirty="0">
+                <a:rPr lang="en-US" sz="900" dirty="0" err="1" smtClean="0">
                   <a:solidFill>
-                    <a:schemeClr val="tx1"/>
+                    <a:srgbClr val="0070C0"/>
                   </a:solidFill>
                 </a:rPr>
-                <a:t>SBase</a:t>
+                <a:t>externalModelDefinition</a:t>
               </a:r>
-            </a:p>
-          </p:txBody>
-        </p:sp>
-        <p:sp>
-          <p:nvSpPr>
-            <p:cNvPr id="61" name="Isosceles Triangle 60"/>
-            <p:cNvSpPr/>
-            <p:nvPr/>
-          </p:nvSpPr>
-          <p:spPr>
-            <a:xfrm>
-              <a:off x="2812871" y="313743"/>
-              <a:ext cx="159199" cy="114300"/>
-            </a:xfrm>
-            <a:prstGeom prst="triangle">
-              <a:avLst/>
-            </a:prstGeom>
-            <a:noFill/>
-            <a:ln w="6350">
-              <a:solidFill>
-                <a:schemeClr val="tx1"/>
-              </a:solidFill>
-            </a:ln>
-          </p:spPr>
-          <p:style>
-            <a:lnRef idx="2">
-              <a:schemeClr val="accent1">
-                <a:shade val="50000"/>
-              </a:schemeClr>
-            </a:lnRef>
-            <a:fillRef idx="1">
-              <a:schemeClr val="accent1"/>
-            </a:fillRef>
-            <a:effectRef idx="0">
-              <a:schemeClr val="accent1"/>
-            </a:effectRef>
-            <a:fontRef idx="minor">
-              <a:schemeClr val="lt1"/>
-            </a:fontRef>
-          </p:style>
-          <p:txBody>
-            <a:bodyPr lIns="91440" tIns="45720" rIns="91440" bIns="45720" spcCol="0" rtlCol="0" anchor="ctr"/>
-            <a:lstStyle/>
-            <a:p>
-              <a:pPr algn="ctr"/>
-              <a:endParaRPr lang="en-US" sz="1100" b="1" dirty="0">
+              <a:endParaRPr lang="en-US" sz="900" dirty="0">
                 <a:solidFill>
-                  <a:schemeClr val="tx1"/>
+                  <a:srgbClr val="0070C0"/>
                 </a:solidFill>
               </a:endParaRPr>
+            </a:p>
+            <a:p>
+              <a:r>
+                <a:rPr lang="en-US" sz="900" dirty="0">
+                  <a:solidFill>
+                    <a:srgbClr val="0070C0"/>
+                  </a:solidFill>
+                </a:rPr>
+                <a:t>0,…,*</a:t>
+              </a:r>
             </a:p>
           </p:txBody>
         </p:sp>
         <p:cxnSp>
           <p:nvCxnSpPr>
-            <p:cNvPr id="62" name="Elbow Connector 61"/>
-            <p:cNvCxnSpPr>
-              <a:stCxn id="59" idx="3"/>
-              <a:endCxn id="61" idx="3"/>
-            </p:cNvCxnSpPr>
+            <p:cNvPr id="96" name="Straight Connector 95"/>
+            <p:cNvCxnSpPr/>
             <p:nvPr/>
           </p:nvCxnSpPr>
           <p:spPr>
-            <a:xfrm flipV="1">
-              <a:off x="2062002" y="428043"/>
-              <a:ext cx="830469" cy="380670"/>
+            <a:xfrm>
+              <a:off x="700086" y="1963152"/>
+              <a:ext cx="1784836" cy="0"/>
             </a:xfrm>
-            <a:prstGeom prst="bentConnector2">
+            <a:prstGeom prst="line">
               <a:avLst/>
             </a:prstGeom>
             <a:ln w="6350">
@@ -3465,513 +4301,26 @@
             </a:fontRef>
           </p:style>
         </p:cxnSp>
-        <p:sp>
-          <p:nvSpPr>
-            <p:cNvPr id="63" name="Rectangle 62"/>
-            <p:cNvSpPr/>
-            <p:nvPr/>
-          </p:nvSpPr>
-          <p:spPr>
-            <a:xfrm>
-              <a:off x="97799" y="371644"/>
-              <a:ext cx="1252266" cy="369332"/>
-            </a:xfrm>
-            <a:prstGeom prst="rect">
-              <a:avLst/>
-            </a:prstGeom>
-          </p:spPr>
-          <p:txBody>
-            <a:bodyPr wrap="none" lIns="91440" tIns="45720" rIns="91440" bIns="45720">
-              <a:spAutoFit/>
-            </a:bodyPr>
-            <a:lstStyle/>
-            <a:p>
-              <a:r>
-                <a:rPr lang="en-US" sz="900" dirty="0" err="1">
-                  <a:solidFill>
-                    <a:srgbClr val="00B050"/>
-                  </a:solidFill>
-                </a:rPr>
-                <a:t>listOfModelDefinitions</a:t>
-              </a:r>
-              <a:endParaRPr lang="en-US" sz="900" dirty="0">
-                <a:solidFill>
-                  <a:srgbClr val="00B050"/>
-                </a:solidFill>
-              </a:endParaRPr>
-            </a:p>
-            <a:p>
-              <a:r>
-                <a:rPr lang="en-US" sz="900" dirty="0">
-                  <a:solidFill>
-                    <a:srgbClr val="00B050"/>
-                  </a:solidFill>
-                </a:rPr>
-                <a:t>0,1</a:t>
-              </a:r>
-            </a:p>
-          </p:txBody>
-        </p:sp>
-        <p:sp>
-          <p:nvSpPr>
-            <p:cNvPr id="64" name="Rectangle 63"/>
-            <p:cNvSpPr/>
-            <p:nvPr/>
-          </p:nvSpPr>
-          <p:spPr>
-            <a:xfrm>
-              <a:off x="594703" y="1362244"/>
-              <a:ext cx="1648969" cy="304800"/>
-            </a:xfrm>
-            <a:prstGeom prst="rect">
-              <a:avLst/>
-            </a:prstGeom>
-            <a:noFill/>
-            <a:ln w="6350">
-              <a:solidFill>
-                <a:schemeClr val="tx1"/>
-              </a:solidFill>
-            </a:ln>
-          </p:spPr>
-          <p:style>
-            <a:lnRef idx="2">
-              <a:schemeClr val="accent1">
-                <a:shade val="50000"/>
-              </a:schemeClr>
-            </a:lnRef>
-            <a:fillRef idx="1">
-              <a:schemeClr val="accent1"/>
-            </a:fillRef>
-            <a:effectRef idx="0">
-              <a:schemeClr val="accent1"/>
-            </a:effectRef>
-            <a:fontRef idx="minor">
-              <a:schemeClr val="lt1"/>
-            </a:fontRef>
-          </p:style>
-          <p:txBody>
-            <a:bodyPr lIns="91440" tIns="45720" rIns="91440" bIns="45720" spcCol="0" rtlCol="0" anchor="ctr"/>
-            <a:lstStyle/>
-            <a:p>
-              <a:pPr algn="ctr"/>
-              <a:r>
-                <a:rPr lang="en-US" sz="1100" b="1" dirty="0" smtClean="0">
-                  <a:solidFill>
-                    <a:sysClr val="windowText" lastClr="000000"/>
-                  </a:solidFill>
-                </a:rPr>
-                <a:t>Model </a:t>
-              </a:r>
-              <a:r>
-                <a:rPr lang="en-US" sz="1100" b="1" i="1" dirty="0">
-                  <a:solidFill>
-                    <a:srgbClr val="00B050"/>
-                  </a:solidFill>
-                </a:rPr>
-                <a:t>(extended</a:t>
-              </a:r>
-              <a:r>
-                <a:rPr lang="en-US" sz="1100" b="1" i="1" dirty="0" smtClean="0">
-                  <a:solidFill>
-                    <a:srgbClr val="00B050"/>
-                  </a:solidFill>
-                </a:rPr>
-                <a:t>)</a:t>
-              </a:r>
-              <a:endParaRPr lang="en-US" sz="1100" b="1" dirty="0">
-                <a:solidFill>
-                  <a:schemeClr val="tx1"/>
-                </a:solidFill>
-              </a:endParaRPr>
-            </a:p>
-          </p:txBody>
-        </p:sp>
-        <p:sp>
-          <p:nvSpPr>
-            <p:cNvPr id="65" name="Rectangle 64"/>
-            <p:cNvSpPr/>
-            <p:nvPr/>
-          </p:nvSpPr>
-          <p:spPr>
-            <a:xfrm>
-              <a:off x="364938" y="1017985"/>
-              <a:ext cx="950901" cy="369332"/>
-            </a:xfrm>
-            <a:prstGeom prst="rect">
-              <a:avLst/>
-            </a:prstGeom>
-            <a:ln>
-              <a:noFill/>
-            </a:ln>
-          </p:spPr>
-          <p:txBody>
-            <a:bodyPr wrap="none" lIns="91440" tIns="45720" rIns="91440" bIns="45720">
-              <a:spAutoFit/>
-            </a:bodyPr>
-            <a:lstStyle/>
-            <a:p>
-              <a:r>
-                <a:rPr lang="en-US" sz="900" dirty="0" err="1" smtClean="0">
-                  <a:solidFill>
-                    <a:srgbClr val="0070C0"/>
-                  </a:solidFill>
-                </a:rPr>
-                <a:t>modelDefinition</a:t>
-              </a:r>
-              <a:endParaRPr lang="en-US" sz="900" dirty="0">
-                <a:solidFill>
-                  <a:srgbClr val="0070C0"/>
-                </a:solidFill>
-              </a:endParaRPr>
-            </a:p>
-            <a:p>
-              <a:r>
-                <a:rPr lang="en-US" sz="900" dirty="0">
-                  <a:solidFill>
-                    <a:srgbClr val="0070C0"/>
-                  </a:solidFill>
-                </a:rPr>
-                <a:t>0,…,*</a:t>
-              </a:r>
-            </a:p>
-          </p:txBody>
-        </p:sp>
-        <p:sp>
-          <p:nvSpPr>
-            <p:cNvPr id="66" name="Diamond 65"/>
-            <p:cNvSpPr/>
-            <p:nvPr/>
-          </p:nvSpPr>
-          <p:spPr>
-            <a:xfrm>
-              <a:off x="379598" y="961112"/>
-              <a:ext cx="66869" cy="152398"/>
-            </a:xfrm>
-            <a:prstGeom prst="diamond">
-              <a:avLst/>
-            </a:prstGeom>
-            <a:solidFill>
-              <a:srgbClr val="0070C0"/>
-            </a:solidFill>
-            <a:ln w="6350">
-              <a:solidFill>
-                <a:srgbClr val="0070C0"/>
-              </a:solidFill>
-            </a:ln>
-          </p:spPr>
-          <p:style>
-            <a:lnRef idx="2">
-              <a:schemeClr val="accent1">
-                <a:shade val="50000"/>
-              </a:schemeClr>
-            </a:lnRef>
-            <a:fillRef idx="1">
-              <a:schemeClr val="accent1"/>
-            </a:fillRef>
-            <a:effectRef idx="0">
-              <a:schemeClr val="accent1"/>
-            </a:effectRef>
-            <a:fontRef idx="minor">
-              <a:schemeClr val="lt1"/>
-            </a:fontRef>
-          </p:style>
-          <p:txBody>
-            <a:bodyPr lIns="91440" tIns="45720" rIns="91440" bIns="45720" spcCol="0" rtlCol="0" anchor="ctr"/>
-            <a:lstStyle/>
-            <a:p>
-              <a:pPr algn="ctr"/>
-              <a:endParaRPr lang="en-US">
-                <a:solidFill>
-                  <a:srgbClr val="0070C0"/>
-                </a:solidFill>
-              </a:endParaRPr>
-            </a:p>
-          </p:txBody>
-        </p:sp>
         <p:cxnSp>
           <p:nvCxnSpPr>
-            <p:cNvPr id="67" name="Elbow Connector 66"/>
+            <p:cNvPr id="97" name="Elbow Connector 96"/>
             <p:cNvCxnSpPr>
-              <a:stCxn id="56" idx="2"/>
-              <a:endCxn id="61" idx="3"/>
-            </p:cNvCxnSpPr>
-            <p:nvPr/>
-          </p:nvCxnSpPr>
-          <p:spPr>
-            <a:xfrm rot="16200000" flipH="1">
-              <a:off x="2054206" y="-410223"/>
-              <a:ext cx="113949" cy="1562581"/>
-            </a:xfrm>
-            <a:prstGeom prst="bentConnector3">
-              <a:avLst>
-                <a:gd name="adj1" fmla="val 199308"/>
-              </a:avLst>
-            </a:prstGeom>
-            <a:ln w="6350">
-              <a:solidFill>
-                <a:schemeClr val="tx1"/>
-              </a:solidFill>
-            </a:ln>
-          </p:spPr>
-          <p:style>
-            <a:lnRef idx="1">
-              <a:schemeClr val="accent1"/>
-            </a:lnRef>
-            <a:fillRef idx="0">
-              <a:schemeClr val="accent1"/>
-            </a:fillRef>
-            <a:effectRef idx="0">
-              <a:schemeClr val="accent1"/>
-            </a:effectRef>
-            <a:fontRef idx="minor">
-              <a:schemeClr val="tx1"/>
-            </a:fontRef>
-          </p:style>
-        </p:cxnSp>
-        <p:cxnSp>
-          <p:nvCxnSpPr>
-            <p:cNvPr id="68" name="Elbow Connector 67"/>
-            <p:cNvCxnSpPr>
-              <a:stCxn id="64" idx="3"/>
-              <a:endCxn id="61" idx="3"/>
+              <a:stCxn id="94" idx="3"/>
+              <a:endCxn id="80" idx="3"/>
             </p:cNvCxnSpPr>
             <p:nvPr/>
           </p:nvCxnSpPr>
           <p:spPr>
             <a:xfrm flipV="1">
-              <a:off x="2243672" y="428043"/>
-              <a:ext cx="648799" cy="1086601"/>
+              <a:off x="2484922" y="408284"/>
+              <a:ext cx="377871" cy="1737644"/>
             </a:xfrm>
             <a:prstGeom prst="bentConnector2">
               <a:avLst/>
             </a:prstGeom>
             <a:ln w="6350">
               <a:solidFill>
-                <a:schemeClr val="tx1"/>
-              </a:solidFill>
-            </a:ln>
-          </p:spPr>
-          <p:style>
-            <a:lnRef idx="1">
-              <a:schemeClr val="accent1"/>
-            </a:lnRef>
-            <a:fillRef idx="0">
-              <a:schemeClr val="accent1"/>
-            </a:fillRef>
-            <a:effectRef idx="0">
-              <a:schemeClr val="accent1"/>
-            </a:effectRef>
-            <a:fontRef idx="minor">
-              <a:schemeClr val="tx1"/>
-            </a:fontRef>
-          </p:style>
-        </p:cxnSp>
-        <p:cxnSp>
-          <p:nvCxnSpPr>
-            <p:cNvPr id="69" name="Elbow Connector 68"/>
-            <p:cNvCxnSpPr>
-              <a:stCxn id="57" idx="2"/>
-              <a:endCxn id="70" idx="0"/>
-            </p:cNvCxnSpPr>
-            <p:nvPr/>
-          </p:nvCxnSpPr>
-          <p:spPr>
-            <a:xfrm rot="16200000" flipH="1">
-              <a:off x="-6091" y="615352"/>
-              <a:ext cx="1394477" cy="1092742"/>
-            </a:xfrm>
-            <a:prstGeom prst="bentConnector3">
-              <a:avLst>
-                <a:gd name="adj1" fmla="val 93330"/>
-              </a:avLst>
-            </a:prstGeom>
-            <a:ln w="6350">
-              <a:solidFill>
-                <a:schemeClr val="tx1"/>
-              </a:solidFill>
-            </a:ln>
-          </p:spPr>
-          <p:style>
-            <a:lnRef idx="1">
-              <a:schemeClr val="accent1"/>
-            </a:lnRef>
-            <a:fillRef idx="0">
-              <a:schemeClr val="accent1"/>
-            </a:fillRef>
-            <a:effectRef idx="0">
-              <a:schemeClr val="accent1"/>
-            </a:effectRef>
-            <a:fontRef idx="minor">
-              <a:schemeClr val="tx1"/>
-            </a:fontRef>
-          </p:style>
-        </p:cxnSp>
-        <p:sp>
-          <p:nvSpPr>
-            <p:cNvPr id="70" name="Rectangle 69"/>
-            <p:cNvSpPr/>
-            <p:nvPr/>
-          </p:nvSpPr>
-          <p:spPr>
-            <a:xfrm>
-              <a:off x="413033" y="1858962"/>
-              <a:ext cx="1648969" cy="304800"/>
-            </a:xfrm>
-            <a:prstGeom prst="rect">
-              <a:avLst/>
-            </a:prstGeom>
-            <a:noFill/>
-            <a:ln w="6350">
-              <a:solidFill>
-                <a:schemeClr val="tx1"/>
-              </a:solidFill>
-            </a:ln>
-          </p:spPr>
-          <p:style>
-            <a:lnRef idx="2">
-              <a:schemeClr val="accent1">
-                <a:shade val="50000"/>
-              </a:schemeClr>
-            </a:lnRef>
-            <a:fillRef idx="1">
-              <a:schemeClr val="accent1"/>
-            </a:fillRef>
-            <a:effectRef idx="0">
-              <a:schemeClr val="accent1"/>
-            </a:effectRef>
-            <a:fontRef idx="minor">
-              <a:schemeClr val="lt1"/>
-            </a:fontRef>
-          </p:style>
-          <p:txBody>
-            <a:bodyPr lIns="91440" tIns="45720" rIns="91440" bIns="45720" spcCol="0" rtlCol="0" anchor="ctr"/>
-            <a:lstStyle/>
-            <a:p>
-              <a:pPr algn="ctr"/>
-              <a:r>
-                <a:rPr lang="en-US" sz="1100" b="1" dirty="0" smtClean="0">
-                  <a:solidFill>
-                    <a:sysClr val="windowText" lastClr="000000"/>
-                  </a:solidFill>
-                </a:rPr>
-                <a:t>Model </a:t>
-              </a:r>
-              <a:r>
-                <a:rPr lang="en-US" sz="1100" b="1" i="1" dirty="0">
-                  <a:solidFill>
-                    <a:srgbClr val="00B050"/>
-                  </a:solidFill>
-                </a:rPr>
-                <a:t>(extended</a:t>
-              </a:r>
-              <a:r>
-                <a:rPr lang="en-US" sz="1100" b="1" i="1" dirty="0" smtClean="0">
-                  <a:solidFill>
-                    <a:srgbClr val="00B050"/>
-                  </a:solidFill>
-                </a:rPr>
-                <a:t>)</a:t>
-              </a:r>
-              <a:endParaRPr lang="en-US" sz="1100" b="1" dirty="0">
-                <a:solidFill>
-                  <a:schemeClr val="tx1"/>
-                </a:solidFill>
-              </a:endParaRPr>
-            </a:p>
-          </p:txBody>
-        </p:sp>
-        <p:sp>
-          <p:nvSpPr>
-            <p:cNvPr id="71" name="Rectangle 70"/>
-            <p:cNvSpPr/>
-            <p:nvPr/>
-          </p:nvSpPr>
-          <p:spPr>
-            <a:xfrm>
-              <a:off x="76200" y="1582358"/>
-              <a:ext cx="484428" cy="230832"/>
-            </a:xfrm>
-            <a:prstGeom prst="rect">
-              <a:avLst/>
-            </a:prstGeom>
-            <a:ln>
-              <a:noFill/>
-            </a:ln>
-          </p:spPr>
-          <p:txBody>
-            <a:bodyPr wrap="none" lIns="91440" tIns="45720" rIns="91440" bIns="45720">
-              <a:spAutoFit/>
-            </a:bodyPr>
-            <a:lstStyle/>
-            <a:p>
-              <a:r>
-                <a:rPr lang="en-US" sz="900" dirty="0" smtClean="0"/>
-                <a:t>model</a:t>
-              </a:r>
-              <a:endParaRPr lang="en-US" sz="900" dirty="0"/>
-            </a:p>
-          </p:txBody>
-        </p:sp>
-        <p:cxnSp>
-          <p:nvCxnSpPr>
-            <p:cNvPr id="72" name="Elbow Connector 71"/>
-            <p:cNvCxnSpPr>
-              <a:stCxn id="70" idx="3"/>
-              <a:endCxn id="61" idx="3"/>
-            </p:cNvCxnSpPr>
-            <p:nvPr/>
-          </p:nvCxnSpPr>
-          <p:spPr>
-            <a:xfrm flipV="1">
-              <a:off x="2062002" y="428043"/>
-              <a:ext cx="830469" cy="1583319"/>
-            </a:xfrm>
-            <a:prstGeom prst="bentConnector2">
-              <a:avLst/>
-            </a:prstGeom>
-            <a:ln w="6350">
-              <a:solidFill>
-                <a:schemeClr val="tx1"/>
-              </a:solidFill>
-            </a:ln>
-          </p:spPr>
-          <p:style>
-            <a:lnRef idx="1">
-              <a:schemeClr val="accent1"/>
-            </a:lnRef>
-            <a:fillRef idx="0">
-              <a:schemeClr val="accent1"/>
-            </a:fillRef>
-            <a:effectRef idx="0">
-              <a:schemeClr val="accent1"/>
-            </a:effectRef>
-            <a:fontRef idx="minor">
-              <a:schemeClr val="tx1"/>
-            </a:fontRef>
-          </p:style>
-        </p:cxnSp>
-        <p:cxnSp>
-          <p:nvCxnSpPr>
-            <p:cNvPr id="73" name="Elbow Connector 72"/>
-            <p:cNvCxnSpPr>
-              <a:stCxn id="57" idx="2"/>
-              <a:endCxn id="59" idx="0"/>
-            </p:cNvCxnSpPr>
-            <p:nvPr/>
-          </p:nvCxnSpPr>
-          <p:spPr>
-            <a:xfrm rot="16200000" flipH="1">
-              <a:off x="595233" y="14028"/>
-              <a:ext cx="191828" cy="1092742"/>
-            </a:xfrm>
-            <a:prstGeom prst="bentConnector3">
-              <a:avLst>
-                <a:gd name="adj1" fmla="val 50000"/>
-              </a:avLst>
-            </a:prstGeom>
-            <a:ln w="6350">
-              <a:solidFill>
-                <a:srgbClr val="00B050"/>
+                <a:srgbClr val="0070C0"/>
               </a:solidFill>
             </a:ln>
           </p:spPr>

--- a/sbml-level-3/version-1/comp/HierarchicalSBML.pptx
+++ b/sbml-level-3/version-1/comp/HierarchicalSBML.pptx
@@ -7,7 +7,7 @@
   <p:sldIdLst>
     <p:sldId id="256" r:id="rId2"/>
   </p:sldIdLst>
-  <p:sldSz cx="3200400" cy="3200400"/>
+  <p:sldSz cx="3200400" cy="3382963"/>
   <p:notesSz cx="6858000" cy="9144000"/>
   <p:defaultTextStyle>
     <a:defPPr>
@@ -136,8 +136,8 @@
         </p:nvSpPr>
         <p:spPr>
           <a:xfrm>
-            <a:off x="240030" y="994209"/>
-            <a:ext cx="2720340" cy="686013"/>
+            <a:off x="240030" y="1050924"/>
+            <a:ext cx="2720340" cy="725146"/>
           </a:xfrm>
         </p:spPr>
         <p:txBody>
@@ -164,8 +164,8 @@
         </p:nvSpPr>
         <p:spPr>
           <a:xfrm>
-            <a:off x="480060" y="1813560"/>
-            <a:ext cx="2240280" cy="817880"/>
+            <a:off x="480060" y="1917013"/>
+            <a:ext cx="2240280" cy="864535"/>
           </a:xfrm>
         </p:spPr>
         <p:txBody>
@@ -288,7 +288,7 @@
           <a:p>
             <a:fld id="{F0172217-DC24-48CD-AE89-68C8C8D878B4}" type="datetimeFigureOut">
               <a:rPr lang="en-US" smtClean="0"/>
-              <a:t>4/25/2011</a:t>
+              <a:t>5/10/2011</a:t>
             </a:fld>
             <a:endParaRPr lang="en-US"/>
           </a:p>
@@ -458,7 +458,7 @@
           <a:p>
             <a:fld id="{F0172217-DC24-48CD-AE89-68C8C8D878B4}" type="datetimeFigureOut">
               <a:rPr lang="en-US" smtClean="0"/>
-              <a:t>4/25/2011</a:t>
+              <a:t>5/10/2011</a:t>
             </a:fld>
             <a:endParaRPr lang="en-US"/>
           </a:p>
@@ -548,8 +548,8 @@
         </p:nvSpPr>
         <p:spPr>
           <a:xfrm>
-            <a:off x="2320290" y="128173"/>
-            <a:ext cx="720090" cy="2730713"/>
+            <a:off x="2320290" y="135485"/>
+            <a:ext cx="720090" cy="2886484"/>
           </a:xfrm>
         </p:spPr>
         <p:txBody>
@@ -576,8 +576,8 @@
         </p:nvSpPr>
         <p:spPr>
           <a:xfrm>
-            <a:off x="160020" y="128173"/>
-            <a:ext cx="2106930" cy="2730713"/>
+            <a:off x="160020" y="135485"/>
+            <a:ext cx="2106930" cy="2886484"/>
           </a:xfrm>
         </p:spPr>
         <p:txBody>
@@ -638,7 +638,7 @@
           <a:p>
             <a:fld id="{F0172217-DC24-48CD-AE89-68C8C8D878B4}" type="datetimeFigureOut">
               <a:rPr lang="en-US" smtClean="0"/>
-              <a:t>4/25/2011</a:t>
+              <a:t>5/10/2011</a:t>
             </a:fld>
             <a:endParaRPr lang="en-US"/>
           </a:p>
@@ -808,7 +808,7 @@
           <a:p>
             <a:fld id="{F0172217-DC24-48CD-AE89-68C8C8D878B4}" type="datetimeFigureOut">
               <a:rPr lang="en-US" smtClean="0"/>
-              <a:t>4/25/2011</a:t>
+              <a:t>5/10/2011</a:t>
             </a:fld>
             <a:endParaRPr lang="en-US"/>
           </a:p>
@@ -898,8 +898,8 @@
         </p:nvSpPr>
         <p:spPr>
           <a:xfrm>
-            <a:off x="252810" y="2056555"/>
-            <a:ext cx="2720340" cy="635635"/>
+            <a:off x="252810" y="2173871"/>
+            <a:ext cx="2720340" cy="671894"/>
           </a:xfrm>
         </p:spPr>
         <p:txBody>
@@ -930,8 +930,8 @@
         </p:nvSpPr>
         <p:spPr>
           <a:xfrm>
-            <a:off x="252810" y="1356473"/>
-            <a:ext cx="2720340" cy="700086"/>
+            <a:off x="252810" y="1433853"/>
+            <a:ext cx="2720340" cy="740022"/>
           </a:xfrm>
         </p:spPr>
         <p:txBody>
@@ -1054,7 +1054,7 @@
           <a:p>
             <a:fld id="{F0172217-DC24-48CD-AE89-68C8C8D878B4}" type="datetimeFigureOut">
               <a:rPr lang="en-US" smtClean="0"/>
-              <a:t>4/25/2011</a:t>
+              <a:t>5/10/2011</a:t>
             </a:fld>
             <a:endParaRPr lang="en-US"/>
           </a:p>
@@ -1167,8 +1167,8 @@
         </p:nvSpPr>
         <p:spPr>
           <a:xfrm>
-            <a:off x="160020" y="746764"/>
-            <a:ext cx="1413510" cy="2112117"/>
+            <a:off x="160020" y="789363"/>
+            <a:ext cx="1413510" cy="2232600"/>
           </a:xfrm>
         </p:spPr>
         <p:txBody>
@@ -1252,8 +1252,8 @@
         </p:nvSpPr>
         <p:spPr>
           <a:xfrm>
-            <a:off x="1626870" y="746764"/>
-            <a:ext cx="1413510" cy="2112117"/>
+            <a:off x="1626870" y="789363"/>
+            <a:ext cx="1413510" cy="2232600"/>
           </a:xfrm>
         </p:spPr>
         <p:txBody>
@@ -1342,7 +1342,7 @@
           <a:p>
             <a:fld id="{F0172217-DC24-48CD-AE89-68C8C8D878B4}" type="datetimeFigureOut">
               <a:rPr lang="en-US" smtClean="0"/>
-              <a:t>4/25/2011</a:t>
+              <a:t>5/10/2011</a:t>
             </a:fld>
             <a:endParaRPr lang="en-US"/>
           </a:p>
@@ -1459,8 +1459,8 @@
         </p:nvSpPr>
         <p:spPr>
           <a:xfrm>
-            <a:off x="160029" y="716393"/>
-            <a:ext cx="1414065" cy="298556"/>
+            <a:off x="160029" y="757259"/>
+            <a:ext cx="1414065" cy="315587"/>
           </a:xfrm>
         </p:spPr>
         <p:txBody>
@@ -1524,8 +1524,8 @@
         </p:nvSpPr>
         <p:spPr>
           <a:xfrm>
-            <a:off x="160029" y="1014948"/>
-            <a:ext cx="1414065" cy="1843935"/>
+            <a:off x="160029" y="1072845"/>
+            <a:ext cx="1414065" cy="1949120"/>
           </a:xfrm>
         </p:spPr>
         <p:txBody>
@@ -1609,8 +1609,8 @@
         </p:nvSpPr>
         <p:spPr>
           <a:xfrm>
-            <a:off x="1625763" y="716393"/>
-            <a:ext cx="1414622" cy="298556"/>
+            <a:off x="1625763" y="757259"/>
+            <a:ext cx="1414622" cy="315587"/>
           </a:xfrm>
         </p:spPr>
         <p:txBody>
@@ -1674,8 +1674,8 @@
         </p:nvSpPr>
         <p:spPr>
           <a:xfrm>
-            <a:off x="1625763" y="1014948"/>
-            <a:ext cx="1414622" cy="1843935"/>
+            <a:off x="1625763" y="1072845"/>
+            <a:ext cx="1414622" cy="1949120"/>
           </a:xfrm>
         </p:spPr>
         <p:txBody>
@@ -1764,7 +1764,7 @@
           <a:p>
             <a:fld id="{F0172217-DC24-48CD-AE89-68C8C8D878B4}" type="datetimeFigureOut">
               <a:rPr lang="en-US" smtClean="0"/>
-              <a:t>4/25/2011</a:t>
+              <a:t>5/10/2011</a:t>
             </a:fld>
             <a:endParaRPr lang="en-US"/>
           </a:p>
@@ -1882,7 +1882,7 @@
           <a:p>
             <a:fld id="{F0172217-DC24-48CD-AE89-68C8C8D878B4}" type="datetimeFigureOut">
               <a:rPr lang="en-US" smtClean="0"/>
-              <a:t>4/25/2011</a:t>
+              <a:t>5/10/2011</a:t>
             </a:fld>
             <a:endParaRPr lang="en-US"/>
           </a:p>
@@ -1977,7 +1977,7 @@
           <a:p>
             <a:fld id="{F0172217-DC24-48CD-AE89-68C8C8D878B4}" type="datetimeFigureOut">
               <a:rPr lang="en-US" smtClean="0"/>
-              <a:t>4/25/2011</a:t>
+              <a:t>5/10/2011</a:t>
             </a:fld>
             <a:endParaRPr lang="en-US"/>
           </a:p>
@@ -2067,8 +2067,8 @@
         </p:nvSpPr>
         <p:spPr>
           <a:xfrm>
-            <a:off x="160021" y="127425"/>
-            <a:ext cx="1052910" cy="542289"/>
+            <a:off x="160021" y="134697"/>
+            <a:ext cx="1052910" cy="573223"/>
           </a:xfrm>
         </p:spPr>
         <p:txBody>
@@ -2099,8 +2099,8 @@
         </p:nvSpPr>
         <p:spPr>
           <a:xfrm>
-            <a:off x="1251269" y="127430"/>
-            <a:ext cx="1789112" cy="2731454"/>
+            <a:off x="1251269" y="134699"/>
+            <a:ext cx="1789112" cy="2887267"/>
           </a:xfrm>
         </p:spPr>
         <p:txBody>
@@ -2184,8 +2184,8 @@
         </p:nvSpPr>
         <p:spPr>
           <a:xfrm>
-            <a:off x="160021" y="669722"/>
-            <a:ext cx="1052910" cy="2189165"/>
+            <a:off x="160021" y="707928"/>
+            <a:ext cx="1052910" cy="2314043"/>
           </a:xfrm>
         </p:spPr>
         <p:txBody>
@@ -2254,7 +2254,7 @@
           <a:p>
             <a:fld id="{F0172217-DC24-48CD-AE89-68C8C8D878B4}" type="datetimeFigureOut">
               <a:rPr lang="en-US" smtClean="0"/>
-              <a:t>4/25/2011</a:t>
+              <a:t>5/10/2011</a:t>
             </a:fld>
             <a:endParaRPr lang="en-US"/>
           </a:p>
@@ -2344,8 +2344,8 @@
         </p:nvSpPr>
         <p:spPr>
           <a:xfrm>
-            <a:off x="627300" y="2240289"/>
-            <a:ext cx="1920240" cy="264480"/>
+            <a:off x="627300" y="2368084"/>
+            <a:ext cx="1920240" cy="279567"/>
           </a:xfrm>
         </p:spPr>
         <p:txBody>
@@ -2376,8 +2376,8 @@
         </p:nvSpPr>
         <p:spPr>
           <a:xfrm>
-            <a:off x="627300" y="285966"/>
-            <a:ext cx="1920240" cy="1920240"/>
+            <a:off x="627300" y="302279"/>
+            <a:ext cx="1920240" cy="2029778"/>
           </a:xfrm>
         </p:spPr>
         <p:txBody>
@@ -2437,8 +2437,8 @@
         </p:nvSpPr>
         <p:spPr>
           <a:xfrm>
-            <a:off x="627300" y="2504765"/>
-            <a:ext cx="1920240" cy="375605"/>
+            <a:off x="627300" y="2647649"/>
+            <a:ext cx="1920240" cy="397031"/>
           </a:xfrm>
         </p:spPr>
         <p:txBody>
@@ -2507,7 +2507,7 @@
           <a:p>
             <a:fld id="{F0172217-DC24-48CD-AE89-68C8C8D878B4}" type="datetimeFigureOut">
               <a:rPr lang="en-US" smtClean="0"/>
-              <a:t>4/25/2011</a:t>
+              <a:t>5/10/2011</a:t>
             </a:fld>
             <a:endParaRPr lang="en-US"/>
           </a:p>
@@ -2602,8 +2602,8 @@
         </p:nvSpPr>
         <p:spPr>
           <a:xfrm>
-            <a:off x="160020" y="128168"/>
-            <a:ext cx="2880360" cy="533400"/>
+            <a:off x="160020" y="135480"/>
+            <a:ext cx="2880360" cy="563827"/>
           </a:xfrm>
           <a:prstGeom prst="rect">
             <a:avLst/>
@@ -2635,8 +2635,8 @@
         </p:nvSpPr>
         <p:spPr>
           <a:xfrm>
-            <a:off x="160020" y="746764"/>
-            <a:ext cx="2880360" cy="2112117"/>
+            <a:off x="160020" y="789363"/>
+            <a:ext cx="2880360" cy="2232600"/>
           </a:xfrm>
           <a:prstGeom prst="rect">
             <a:avLst/>
@@ -2697,8 +2697,8 @@
         </p:nvSpPr>
         <p:spPr>
           <a:xfrm>
-            <a:off x="160020" y="2966308"/>
-            <a:ext cx="746760" cy="170393"/>
+            <a:off x="160020" y="3135520"/>
+            <a:ext cx="746760" cy="180113"/>
           </a:xfrm>
           <a:prstGeom prst="rect">
             <a:avLst/>
@@ -2720,7 +2720,7 @@
           <a:p>
             <a:fld id="{F0172217-DC24-48CD-AE89-68C8C8D878B4}" type="datetimeFigureOut">
               <a:rPr lang="en-US" smtClean="0"/>
-              <a:t>4/25/2011</a:t>
+              <a:t>5/10/2011</a:t>
             </a:fld>
             <a:endParaRPr lang="en-US"/>
           </a:p>
@@ -2738,8 +2738,8 @@
         </p:nvSpPr>
         <p:spPr>
           <a:xfrm>
-            <a:off x="1093470" y="2966308"/>
-            <a:ext cx="1013460" cy="170393"/>
+            <a:off x="1093470" y="3135520"/>
+            <a:ext cx="1013460" cy="180113"/>
           </a:xfrm>
           <a:prstGeom prst="rect">
             <a:avLst/>
@@ -2775,8 +2775,8 @@
         </p:nvSpPr>
         <p:spPr>
           <a:xfrm>
-            <a:off x="2293620" y="2966308"/>
-            <a:ext cx="746760" cy="170393"/>
+            <a:off x="2293620" y="3135520"/>
+            <a:ext cx="746760" cy="180113"/>
           </a:xfrm>
           <a:prstGeom prst="rect">
             <a:avLst/>
@@ -3097,167 +3097,941 @@
       </p:grpSpPr>
       <p:grpSp>
         <p:nvGrpSpPr>
-          <p:cNvPr id="99" name="Group 98"/>
+          <p:cNvPr id="192" name="Group 191"/>
           <p:cNvGrpSpPr/>
           <p:nvPr/>
         </p:nvGrpSpPr>
         <p:grpSpPr>
           <a:xfrm>
             <a:off x="46522" y="49921"/>
-            <a:ext cx="3107356" cy="3002090"/>
+            <a:ext cx="3107356" cy="3302879"/>
             <a:chOff x="46522" y="49921"/>
-            <a:chExt cx="3107356" cy="3002090"/>
+            <a:chExt cx="3107356" cy="3302879"/>
           </a:xfrm>
         </p:grpSpPr>
         <p:grpSp>
           <p:nvGrpSpPr>
-            <p:cNvPr id="74" name="Group 73"/>
+            <p:cNvPr id="193" name="Group 192"/>
             <p:cNvGrpSpPr/>
             <p:nvPr/>
           </p:nvGrpSpPr>
           <p:grpSpPr>
             <a:xfrm>
               <a:off x="46522" y="49921"/>
-              <a:ext cx="3107356" cy="3002090"/>
-              <a:chOff x="76200" y="69680"/>
-              <a:chExt cx="3107356" cy="3002090"/>
+              <a:ext cx="3107356" cy="3302879"/>
+              <a:chOff x="46522" y="49921"/>
+              <a:chExt cx="3107356" cy="3302879"/>
             </a:xfrm>
           </p:grpSpPr>
-          <p:sp>
-            <p:nvSpPr>
-              <p:cNvPr id="75" name="Rectangle 74"/>
-              <p:cNvSpPr/>
+          <p:grpSp>
+            <p:nvGrpSpPr>
+              <p:cNvPr id="199" name="Group 198"/>
+              <p:cNvGrpSpPr/>
               <p:nvPr/>
-            </p:nvSpPr>
-            <p:spPr>
+            </p:nvGrpSpPr>
+            <p:grpSpPr>
               <a:xfrm>
-                <a:off x="145179" y="70254"/>
-                <a:ext cx="2369421" cy="243840"/>
+                <a:off x="46522" y="49921"/>
+                <a:ext cx="3107356" cy="3302879"/>
+                <a:chOff x="76200" y="69680"/>
+                <a:chExt cx="3107356" cy="3302879"/>
               </a:xfrm>
-              <a:prstGeom prst="rect">
-                <a:avLst/>
-              </a:prstGeom>
-              <a:noFill/>
-              <a:ln w="6350">
-                <a:solidFill>
-                  <a:schemeClr val="tx1"/>
-                </a:solidFill>
-              </a:ln>
-            </p:spPr>
-            <p:style>
-              <a:lnRef idx="2">
-                <a:schemeClr val="accent1">
-                  <a:shade val="50000"/>
-                </a:schemeClr>
-              </a:lnRef>
-              <a:fillRef idx="1">
-                <a:schemeClr val="accent1"/>
-              </a:fillRef>
-              <a:effectRef idx="0">
-                <a:schemeClr val="accent1"/>
-              </a:effectRef>
-              <a:fontRef idx="minor">
-                <a:schemeClr val="lt1"/>
-              </a:fontRef>
-            </p:style>
-            <p:txBody>
-              <a:bodyPr rtlCol="0" anchor="t"/>
-              <a:lstStyle/>
-              <a:p>
-                <a:pPr algn="ctr"/>
-                <a:r>
-                  <a:rPr lang="en-US" sz="1100" b="1" dirty="0" smtClean="0">
+            </p:grpSpPr>
+            <p:sp>
+              <p:nvSpPr>
+                <p:cNvPr id="205" name="Rectangle 204"/>
+                <p:cNvSpPr/>
+                <p:nvPr/>
+              </p:nvSpPr>
+              <p:spPr>
+                <a:xfrm>
+                  <a:off x="145179" y="70254"/>
+                  <a:ext cx="2369421" cy="243840"/>
+                </a:xfrm>
+                <a:prstGeom prst="rect">
+                  <a:avLst/>
+                </a:prstGeom>
+                <a:noFill/>
+                <a:ln w="6350">
+                  <a:solidFill>
+                    <a:schemeClr val="tx1"/>
+                  </a:solidFill>
+                </a:ln>
+              </p:spPr>
+              <p:style>
+                <a:lnRef idx="2">
+                  <a:schemeClr val="accent1">
+                    <a:shade val="50000"/>
+                  </a:schemeClr>
+                </a:lnRef>
+                <a:fillRef idx="1">
+                  <a:schemeClr val="accent1"/>
+                </a:fillRef>
+                <a:effectRef idx="0">
+                  <a:schemeClr val="accent1"/>
+                </a:effectRef>
+                <a:fontRef idx="minor">
+                  <a:schemeClr val="lt1"/>
+                </a:fontRef>
+              </p:style>
+              <p:txBody>
+                <a:bodyPr rtlCol="0" anchor="t"/>
+                <a:lstStyle/>
+                <a:p>
+                  <a:pPr algn="ctr"/>
+                  <a:r>
+                    <a:rPr lang="en-US" sz="1100" b="1" dirty="0" smtClean="0">
+                      <a:solidFill>
+                        <a:schemeClr val="tx1"/>
+                      </a:solidFill>
+                    </a:rPr>
+                    <a:t>SBML </a:t>
+                  </a:r>
+                  <a:r>
+                    <a:rPr lang="en-US" b="1" i="1" dirty="0">
+                      <a:solidFill>
+                        <a:srgbClr val="00B050"/>
+                      </a:solidFill>
+                    </a:rPr>
+                    <a:t>(extended</a:t>
+                  </a:r>
+                  <a:r>
+                    <a:rPr lang="en-US" b="1" i="1" dirty="0" smtClean="0">
+                      <a:solidFill>
+                        <a:srgbClr val="00B050"/>
+                      </a:solidFill>
+                    </a:rPr>
+                    <a:t>)</a:t>
+                  </a:r>
+                  <a:endParaRPr lang="en-US" b="1" dirty="0">
                     <a:solidFill>
                       <a:schemeClr val="tx1"/>
                     </a:solidFill>
-                  </a:rPr>
-                  <a:t>SBML </a:t>
-                </a:r>
-                <a:r>
-                  <a:rPr lang="en-US" b="1" i="1" dirty="0">
+                  </a:endParaRPr>
+                </a:p>
+              </p:txBody>
+            </p:sp>
+            <p:sp>
+              <p:nvSpPr>
+                <p:cNvPr id="206" name="Diamond 205"/>
+                <p:cNvSpPr/>
+                <p:nvPr/>
+              </p:nvSpPr>
+              <p:spPr>
+                <a:xfrm>
+                  <a:off x="111341" y="312087"/>
+                  <a:ext cx="66869" cy="152398"/>
+                </a:xfrm>
+                <a:prstGeom prst="diamond">
+                  <a:avLst/>
+                </a:prstGeom>
+                <a:solidFill>
+                  <a:srgbClr val="00B050"/>
+                </a:solidFill>
+                <a:ln w="6350">
+                  <a:solidFill>
+                    <a:srgbClr val="00B050"/>
+                  </a:solidFill>
+                </a:ln>
+              </p:spPr>
+              <p:style>
+                <a:lnRef idx="2">
+                  <a:schemeClr val="accent1">
+                    <a:shade val="50000"/>
+                  </a:schemeClr>
+                </a:lnRef>
+                <a:fillRef idx="1">
+                  <a:schemeClr val="accent1"/>
+                </a:fillRef>
+                <a:effectRef idx="0">
+                  <a:schemeClr val="accent1"/>
+                </a:effectRef>
+                <a:fontRef idx="minor">
+                  <a:schemeClr val="lt1"/>
+                </a:fontRef>
+              </p:style>
+              <p:txBody>
+                <a:bodyPr lIns="91440" tIns="45720" rIns="91440" bIns="45720" spcCol="0" rtlCol="0" anchor="ctr"/>
+                <a:lstStyle/>
+                <a:p>
+                  <a:pPr algn="ctr"/>
+                  <a:endParaRPr lang="en-US"/>
+                </a:p>
+              </p:txBody>
+            </p:sp>
+            <p:cxnSp>
+              <p:nvCxnSpPr>
+                <p:cNvPr id="207" name="Elbow Connector 206"/>
+                <p:cNvCxnSpPr>
+                  <a:stCxn id="215" idx="2"/>
+                  <a:endCxn id="213" idx="0"/>
+                </p:cNvCxnSpPr>
+                <p:nvPr/>
+              </p:nvCxnSpPr>
+              <p:spPr>
+                <a:xfrm rot="16200000" flipH="1">
+                  <a:off x="942004" y="478854"/>
+                  <a:ext cx="78734" cy="1136676"/>
+                </a:xfrm>
+                <a:prstGeom prst="bentConnector3">
+                  <a:avLst>
+                    <a:gd name="adj1" fmla="val 50000"/>
+                  </a:avLst>
+                </a:prstGeom>
+                <a:ln w="6350">
+                  <a:solidFill>
+                    <a:srgbClr val="0070C0"/>
+                  </a:solidFill>
+                </a:ln>
+              </p:spPr>
+              <p:style>
+                <a:lnRef idx="1">
+                  <a:schemeClr val="accent1"/>
+                </a:lnRef>
+                <a:fillRef idx="0">
+                  <a:schemeClr val="accent1"/>
+                </a:fillRef>
+                <a:effectRef idx="0">
+                  <a:schemeClr val="accent1"/>
+                </a:effectRef>
+                <a:fontRef idx="minor">
+                  <a:schemeClr val="tx1"/>
+                </a:fontRef>
+              </p:style>
+            </p:cxnSp>
+            <p:sp>
+              <p:nvSpPr>
+                <p:cNvPr id="208" name="Rectangle 207"/>
+                <p:cNvSpPr/>
+                <p:nvPr/>
+              </p:nvSpPr>
+              <p:spPr>
+                <a:xfrm>
+                  <a:off x="413033" y="656314"/>
+                  <a:ext cx="1648969" cy="201646"/>
+                </a:xfrm>
+                <a:prstGeom prst="rect">
+                  <a:avLst/>
+                </a:prstGeom>
+                <a:noFill/>
+                <a:ln w="6350">
+                  <a:solidFill>
+                    <a:srgbClr val="0070C0"/>
+                  </a:solidFill>
+                </a:ln>
+              </p:spPr>
+              <p:style>
+                <a:lnRef idx="2">
+                  <a:schemeClr val="accent1">
+                    <a:shade val="50000"/>
+                  </a:schemeClr>
+                </a:lnRef>
+                <a:fillRef idx="1">
+                  <a:schemeClr val="accent1"/>
+                </a:fillRef>
+                <a:effectRef idx="0">
+                  <a:schemeClr val="accent1"/>
+                </a:effectRef>
+                <a:fontRef idx="minor">
+                  <a:schemeClr val="lt1"/>
+                </a:fontRef>
+              </p:style>
+              <p:txBody>
+                <a:bodyPr lIns="91440" tIns="45720" rIns="91440" bIns="45720" spcCol="0" rtlCol="0" anchor="ctr"/>
+                <a:lstStyle/>
+                <a:p>
+                  <a:pPr algn="ctr"/>
+                  <a:r>
+                    <a:rPr lang="en-US" sz="1100" b="1" dirty="0">
+                      <a:solidFill>
+                        <a:srgbClr val="0070C0"/>
+                      </a:solidFill>
+                    </a:rPr>
+                    <a:t>ListOfModelDefinitions</a:t>
+                  </a:r>
+                </a:p>
+              </p:txBody>
+            </p:sp>
+            <p:sp>
+              <p:nvSpPr>
+                <p:cNvPr id="209" name="Rectangle 208"/>
+                <p:cNvSpPr/>
+                <p:nvPr/>
+              </p:nvSpPr>
+              <p:spPr>
+                <a:xfrm>
+                  <a:off x="2601387" y="69680"/>
+                  <a:ext cx="582169" cy="244414"/>
+                </a:xfrm>
+                <a:prstGeom prst="rect">
+                  <a:avLst/>
+                </a:prstGeom>
+                <a:noFill/>
+                <a:ln w="6350">
+                  <a:solidFill>
+                    <a:schemeClr val="tx1"/>
+                  </a:solidFill>
+                </a:ln>
+              </p:spPr>
+              <p:style>
+                <a:lnRef idx="2">
+                  <a:schemeClr val="accent1">
+                    <a:shade val="50000"/>
+                  </a:schemeClr>
+                </a:lnRef>
+                <a:fillRef idx="1">
+                  <a:schemeClr val="accent1"/>
+                </a:fillRef>
+                <a:effectRef idx="0">
+                  <a:schemeClr val="accent1"/>
+                </a:effectRef>
+                <a:fontRef idx="minor">
+                  <a:schemeClr val="lt1"/>
+                </a:fontRef>
+              </p:style>
+              <p:txBody>
+                <a:bodyPr lIns="91440" tIns="45720" rIns="91440" bIns="45720" spcCol="0" rtlCol="0" anchor="ctr"/>
+                <a:lstStyle/>
+                <a:p>
+                  <a:pPr algn="ctr"/>
+                  <a:r>
+                    <a:rPr lang="en-US" sz="1100" b="1" dirty="0">
+                      <a:solidFill>
+                        <a:schemeClr val="tx1"/>
+                      </a:solidFill>
+                    </a:rPr>
+                    <a:t>SBase</a:t>
+                  </a:r>
+                </a:p>
+              </p:txBody>
+            </p:sp>
+            <p:sp>
+              <p:nvSpPr>
+                <p:cNvPr id="210" name="Isosceles Triangle 209"/>
+                <p:cNvSpPr/>
+                <p:nvPr/>
+              </p:nvSpPr>
+              <p:spPr>
+                <a:xfrm>
+                  <a:off x="2812871" y="313743"/>
+                  <a:ext cx="159199" cy="114300"/>
+                </a:xfrm>
+                <a:prstGeom prst="triangle">
+                  <a:avLst/>
+                </a:prstGeom>
+                <a:noFill/>
+                <a:ln w="6350">
+                  <a:solidFill>
+                    <a:schemeClr val="tx1"/>
+                  </a:solidFill>
+                </a:ln>
+              </p:spPr>
+              <p:style>
+                <a:lnRef idx="2">
+                  <a:schemeClr val="accent1">
+                    <a:shade val="50000"/>
+                  </a:schemeClr>
+                </a:lnRef>
+                <a:fillRef idx="1">
+                  <a:schemeClr val="accent1"/>
+                </a:fillRef>
+                <a:effectRef idx="0">
+                  <a:schemeClr val="accent1"/>
+                </a:effectRef>
+                <a:fontRef idx="minor">
+                  <a:schemeClr val="lt1"/>
+                </a:fontRef>
+              </p:style>
+              <p:txBody>
+                <a:bodyPr lIns="91440" tIns="45720" rIns="91440" bIns="45720" spcCol="0" rtlCol="0" anchor="ctr"/>
+                <a:lstStyle/>
+                <a:p>
+                  <a:pPr algn="ctr"/>
+                  <a:endParaRPr lang="en-US" sz="1100" b="1" dirty="0">
+                    <a:solidFill>
+                      <a:schemeClr val="tx1"/>
+                    </a:solidFill>
+                  </a:endParaRPr>
+                </a:p>
+              </p:txBody>
+            </p:sp>
+            <p:cxnSp>
+              <p:nvCxnSpPr>
+                <p:cNvPr id="211" name="Elbow Connector 210"/>
+                <p:cNvCxnSpPr>
+                  <a:stCxn id="208" idx="3"/>
+                  <a:endCxn id="210" idx="3"/>
+                </p:cNvCxnSpPr>
+                <p:nvPr/>
+              </p:nvCxnSpPr>
+              <p:spPr>
+                <a:xfrm flipV="1">
+                  <a:off x="2062002" y="428043"/>
+                  <a:ext cx="830469" cy="329094"/>
+                </a:xfrm>
+                <a:prstGeom prst="bentConnector2">
+                  <a:avLst/>
+                </a:prstGeom>
+                <a:ln w="6350">
+                  <a:solidFill>
+                    <a:srgbClr val="0070C0"/>
+                  </a:solidFill>
+                </a:ln>
+              </p:spPr>
+              <p:style>
+                <a:lnRef idx="1">
+                  <a:schemeClr val="accent1"/>
+                </a:lnRef>
+                <a:fillRef idx="0">
+                  <a:schemeClr val="accent1"/>
+                </a:fillRef>
+                <a:effectRef idx="0">
+                  <a:schemeClr val="accent1"/>
+                </a:effectRef>
+                <a:fontRef idx="minor">
+                  <a:schemeClr val="tx1"/>
+                </a:fontRef>
+              </p:style>
+            </p:cxnSp>
+            <p:sp>
+              <p:nvSpPr>
+                <p:cNvPr id="212" name="Rectangle 211"/>
+                <p:cNvSpPr/>
+                <p:nvPr/>
+              </p:nvSpPr>
+              <p:spPr>
+                <a:xfrm>
+                  <a:off x="97799" y="371644"/>
+                  <a:ext cx="1252266" cy="369332"/>
+                </a:xfrm>
+                <a:prstGeom prst="rect">
+                  <a:avLst/>
+                </a:prstGeom>
+              </p:spPr>
+              <p:txBody>
+                <a:bodyPr wrap="none" lIns="91440" tIns="45720" rIns="91440" bIns="45720">
+                  <a:spAutoFit/>
+                </a:bodyPr>
+                <a:lstStyle/>
+                <a:p>
+                  <a:r>
+                    <a:rPr lang="en-US" sz="900" dirty="0" err="1">
+                      <a:solidFill>
+                        <a:srgbClr val="00B050"/>
+                      </a:solidFill>
+                    </a:rPr>
+                    <a:t>listOfModelDefinitions</a:t>
+                  </a:r>
+                  <a:endParaRPr lang="en-US" sz="900" dirty="0">
                     <a:solidFill>
                       <a:srgbClr val="00B050"/>
                     </a:solidFill>
-                  </a:rPr>
-                  <a:t>(extended</a:t>
-                </a:r>
-                <a:r>
-                  <a:rPr lang="en-US" b="1" i="1" dirty="0" smtClean="0">
-                    <a:solidFill>
-                      <a:srgbClr val="00B050"/>
-                    </a:solidFill>
-                  </a:rPr>
-                  <a:t>)</a:t>
-                </a:r>
-                <a:endParaRPr lang="en-US" b="1" dirty="0">
+                  </a:endParaRPr>
+                </a:p>
+                <a:p>
+                  <a:r>
+                    <a:rPr lang="en-US" sz="900" dirty="0">
+                      <a:solidFill>
+                        <a:srgbClr val="00B050"/>
+                      </a:solidFill>
+                    </a:rPr>
+                    <a:t>0,1</a:t>
+                  </a:r>
+                </a:p>
+              </p:txBody>
+            </p:sp>
+            <p:sp>
+              <p:nvSpPr>
+                <p:cNvPr id="213" name="Rectangle 212"/>
+                <p:cNvSpPr/>
+                <p:nvPr/>
+              </p:nvSpPr>
+              <p:spPr>
+                <a:xfrm>
+                  <a:off x="725224" y="1086559"/>
+                  <a:ext cx="1648969" cy="304800"/>
+                </a:xfrm>
+                <a:prstGeom prst="rect">
+                  <a:avLst/>
+                </a:prstGeom>
+                <a:noFill/>
+                <a:ln w="6350">
                   <a:solidFill>
                     <a:schemeClr val="tx1"/>
                   </a:solidFill>
-                </a:endParaRPr>
-              </a:p>
-            </p:txBody>
-          </p:sp>
-          <p:sp>
-            <p:nvSpPr>
-              <p:cNvPr id="76" name="Diamond 75"/>
-              <p:cNvSpPr/>
-              <p:nvPr/>
-            </p:nvSpPr>
-            <p:spPr>
-              <a:xfrm>
-                <a:off x="111341" y="312087"/>
-                <a:ext cx="66869" cy="152398"/>
-              </a:xfrm>
-              <a:prstGeom prst="diamond">
-                <a:avLst/>
-              </a:prstGeom>
-              <a:solidFill>
-                <a:srgbClr val="00B050"/>
-              </a:solidFill>
-              <a:ln w="6350">
+                </a:ln>
+              </p:spPr>
+              <p:style>
+                <a:lnRef idx="2">
+                  <a:schemeClr val="accent1">
+                    <a:shade val="50000"/>
+                  </a:schemeClr>
+                </a:lnRef>
+                <a:fillRef idx="1">
+                  <a:schemeClr val="accent1"/>
+                </a:fillRef>
+                <a:effectRef idx="0">
+                  <a:schemeClr val="accent1"/>
+                </a:effectRef>
+                <a:fontRef idx="minor">
+                  <a:schemeClr val="lt1"/>
+                </a:fontRef>
+              </p:style>
+              <p:txBody>
+                <a:bodyPr lIns="91440" tIns="45720" rIns="91440" bIns="45720" spcCol="0" rtlCol="0" anchor="ctr"/>
+                <a:lstStyle/>
+                <a:p>
+                  <a:pPr algn="ctr"/>
+                  <a:r>
+                    <a:rPr lang="en-US" sz="1100" b="1" dirty="0" smtClean="0">
+                      <a:solidFill>
+                        <a:sysClr val="windowText" lastClr="000000"/>
+                      </a:solidFill>
+                    </a:rPr>
+                    <a:t>Model </a:t>
+                  </a:r>
+                  <a:r>
+                    <a:rPr lang="en-US" sz="1100" b="1" i="1" dirty="0">
+                      <a:solidFill>
+                        <a:srgbClr val="00B050"/>
+                      </a:solidFill>
+                    </a:rPr>
+                    <a:t>(extended</a:t>
+                  </a:r>
+                  <a:r>
+                    <a:rPr lang="en-US" sz="1100" b="1" i="1" dirty="0" smtClean="0">
+                      <a:solidFill>
+                        <a:srgbClr val="00B050"/>
+                      </a:solidFill>
+                    </a:rPr>
+                    <a:t>)</a:t>
+                  </a:r>
+                  <a:endParaRPr lang="en-US" sz="1100" b="1" dirty="0">
+                    <a:solidFill>
+                      <a:schemeClr val="tx1"/>
+                    </a:solidFill>
+                  </a:endParaRPr>
+                </a:p>
+              </p:txBody>
+            </p:sp>
+            <p:sp>
+              <p:nvSpPr>
+                <p:cNvPr id="214" name="Rectangle 213"/>
+                <p:cNvSpPr/>
+                <p:nvPr/>
+              </p:nvSpPr>
+              <p:spPr>
+                <a:xfrm>
+                  <a:off x="364938" y="857959"/>
+                  <a:ext cx="950901" cy="369332"/>
+                </a:xfrm>
+                <a:prstGeom prst="rect">
+                  <a:avLst/>
+                </a:prstGeom>
+                <a:ln>
+                  <a:noFill/>
+                </a:ln>
+              </p:spPr>
+              <p:txBody>
+                <a:bodyPr wrap="none" lIns="91440" tIns="45720" rIns="91440" bIns="45720">
+                  <a:spAutoFit/>
+                </a:bodyPr>
+                <a:lstStyle/>
+                <a:p>
+                  <a:r>
+                    <a:rPr lang="en-US" sz="900" dirty="0" err="1" smtClean="0">
+                      <a:solidFill>
+                        <a:srgbClr val="0070C0"/>
+                      </a:solidFill>
+                    </a:rPr>
+                    <a:t>modelDefinition</a:t>
+                  </a:r>
+                  <a:endParaRPr lang="en-US" sz="900" dirty="0">
+                    <a:solidFill>
+                      <a:srgbClr val="0070C0"/>
+                    </a:solidFill>
+                  </a:endParaRPr>
+                </a:p>
+                <a:p>
+                  <a:r>
+                    <a:rPr lang="en-US" sz="900" dirty="0">
+                      <a:solidFill>
+                        <a:srgbClr val="0070C0"/>
+                      </a:solidFill>
+                    </a:rPr>
+                    <a:t>0,…,*</a:t>
+                  </a:r>
+                </a:p>
+              </p:txBody>
+            </p:sp>
+            <p:sp>
+              <p:nvSpPr>
+                <p:cNvPr id="215" name="Diamond 214"/>
+                <p:cNvSpPr/>
+                <p:nvPr/>
+              </p:nvSpPr>
+              <p:spPr>
+                <a:xfrm>
+                  <a:off x="379598" y="855427"/>
+                  <a:ext cx="66869" cy="152398"/>
+                </a:xfrm>
+                <a:prstGeom prst="diamond">
+                  <a:avLst/>
+                </a:prstGeom>
                 <a:solidFill>
-                  <a:srgbClr val="00B050"/>
+                  <a:srgbClr val="0070C0"/>
                 </a:solidFill>
-              </a:ln>
-            </p:spPr>
-            <p:style>
-              <a:lnRef idx="2">
-                <a:schemeClr val="accent1">
-                  <a:shade val="50000"/>
-                </a:schemeClr>
-              </a:lnRef>
-              <a:fillRef idx="1">
-                <a:schemeClr val="accent1"/>
-              </a:fillRef>
-              <a:effectRef idx="0">
-                <a:schemeClr val="accent1"/>
-              </a:effectRef>
-              <a:fontRef idx="minor">
-                <a:schemeClr val="lt1"/>
-              </a:fontRef>
-            </p:style>
-            <p:txBody>
-              <a:bodyPr lIns="91440" tIns="45720" rIns="91440" bIns="45720" spcCol="0" rtlCol="0" anchor="ctr"/>
-              <a:lstStyle/>
-              <a:p>
-                <a:pPr algn="ctr"/>
-                <a:endParaRPr lang="en-US"/>
-              </a:p>
-            </p:txBody>
-          </p:sp>
+                <a:ln w="6350">
+                  <a:solidFill>
+                    <a:srgbClr val="0070C0"/>
+                  </a:solidFill>
+                </a:ln>
+              </p:spPr>
+              <p:style>
+                <a:lnRef idx="2">
+                  <a:schemeClr val="accent1">
+                    <a:shade val="50000"/>
+                  </a:schemeClr>
+                </a:lnRef>
+                <a:fillRef idx="1">
+                  <a:schemeClr val="accent1"/>
+                </a:fillRef>
+                <a:effectRef idx="0">
+                  <a:schemeClr val="accent1"/>
+                </a:effectRef>
+                <a:fontRef idx="minor">
+                  <a:schemeClr val="lt1"/>
+                </a:fontRef>
+              </p:style>
+              <p:txBody>
+                <a:bodyPr lIns="91440" tIns="45720" rIns="91440" bIns="45720" spcCol="0" rtlCol="0" anchor="ctr"/>
+                <a:lstStyle/>
+                <a:p>
+                  <a:pPr algn="ctr"/>
+                  <a:endParaRPr lang="en-US">
+                    <a:solidFill>
+                      <a:srgbClr val="0070C0"/>
+                    </a:solidFill>
+                  </a:endParaRPr>
+                </a:p>
+              </p:txBody>
+            </p:sp>
+            <p:cxnSp>
+              <p:nvCxnSpPr>
+                <p:cNvPr id="216" name="Elbow Connector 215"/>
+                <p:cNvCxnSpPr>
+                  <a:stCxn id="205" idx="2"/>
+                  <a:endCxn id="210" idx="3"/>
+                </p:cNvCxnSpPr>
+                <p:nvPr/>
+              </p:nvCxnSpPr>
+              <p:spPr>
+                <a:xfrm rot="16200000" flipH="1">
+                  <a:off x="2054206" y="-410223"/>
+                  <a:ext cx="113949" cy="1562581"/>
+                </a:xfrm>
+                <a:prstGeom prst="bentConnector3">
+                  <a:avLst>
+                    <a:gd name="adj1" fmla="val 199308"/>
+                  </a:avLst>
+                </a:prstGeom>
+                <a:ln w="6350">
+                  <a:solidFill>
+                    <a:schemeClr val="tx1"/>
+                  </a:solidFill>
+                </a:ln>
+              </p:spPr>
+              <p:style>
+                <a:lnRef idx="1">
+                  <a:schemeClr val="accent1"/>
+                </a:lnRef>
+                <a:fillRef idx="0">
+                  <a:schemeClr val="accent1"/>
+                </a:fillRef>
+                <a:effectRef idx="0">
+                  <a:schemeClr val="accent1"/>
+                </a:effectRef>
+                <a:fontRef idx="minor">
+                  <a:schemeClr val="tx1"/>
+                </a:fontRef>
+              </p:style>
+            </p:cxnSp>
+            <p:cxnSp>
+              <p:nvCxnSpPr>
+                <p:cNvPr id="217" name="Elbow Connector 216"/>
+                <p:cNvCxnSpPr>
+                  <a:stCxn id="213" idx="3"/>
+                  <a:endCxn id="210" idx="3"/>
+                </p:cNvCxnSpPr>
+                <p:nvPr/>
+              </p:nvCxnSpPr>
+              <p:spPr>
+                <a:xfrm flipV="1">
+                  <a:off x="2374193" y="428043"/>
+                  <a:ext cx="518278" cy="810916"/>
+                </a:xfrm>
+                <a:prstGeom prst="bentConnector2">
+                  <a:avLst/>
+                </a:prstGeom>
+                <a:ln w="6350">
+                  <a:solidFill>
+                    <a:schemeClr val="tx1"/>
+                  </a:solidFill>
+                </a:ln>
+              </p:spPr>
+              <p:style>
+                <a:lnRef idx="1">
+                  <a:schemeClr val="accent1"/>
+                </a:lnRef>
+                <a:fillRef idx="0">
+                  <a:schemeClr val="accent1"/>
+                </a:fillRef>
+                <a:effectRef idx="0">
+                  <a:schemeClr val="accent1"/>
+                </a:effectRef>
+                <a:fontRef idx="minor">
+                  <a:schemeClr val="tx1"/>
+                </a:fontRef>
+              </p:style>
+            </p:cxnSp>
+            <p:cxnSp>
+              <p:nvCxnSpPr>
+                <p:cNvPr id="218" name="Elbow Connector 217"/>
+                <p:cNvCxnSpPr>
+                  <a:stCxn id="206" idx="2"/>
+                  <a:endCxn id="219" idx="0"/>
+                </p:cNvCxnSpPr>
+                <p:nvPr/>
+              </p:nvCxnSpPr>
+              <p:spPr>
+                <a:xfrm rot="16200000" flipH="1">
+                  <a:off x="-610490" y="1219751"/>
+                  <a:ext cx="2603274" cy="1092742"/>
+                </a:xfrm>
+                <a:prstGeom prst="bentConnector3">
+                  <a:avLst>
+                    <a:gd name="adj1" fmla="val 96598"/>
+                  </a:avLst>
+                </a:prstGeom>
+                <a:ln w="6350">
+                  <a:solidFill>
+                    <a:schemeClr val="tx1"/>
+                  </a:solidFill>
+                </a:ln>
+              </p:spPr>
+              <p:style>
+                <a:lnRef idx="1">
+                  <a:schemeClr val="accent1"/>
+                </a:lnRef>
+                <a:fillRef idx="0">
+                  <a:schemeClr val="accent1"/>
+                </a:fillRef>
+                <a:effectRef idx="0">
+                  <a:schemeClr val="accent1"/>
+                </a:effectRef>
+                <a:fontRef idx="minor">
+                  <a:schemeClr val="tx1"/>
+                </a:fontRef>
+              </p:style>
+            </p:cxnSp>
+            <p:sp>
+              <p:nvSpPr>
+                <p:cNvPr id="219" name="Rectangle 218"/>
+                <p:cNvSpPr/>
+                <p:nvPr/>
+              </p:nvSpPr>
+              <p:spPr>
+                <a:xfrm>
+                  <a:off x="413033" y="3067759"/>
+                  <a:ext cx="1648969" cy="304800"/>
+                </a:xfrm>
+                <a:prstGeom prst="rect">
+                  <a:avLst/>
+                </a:prstGeom>
+                <a:noFill/>
+                <a:ln w="6350">
+                  <a:solidFill>
+                    <a:schemeClr val="tx1"/>
+                  </a:solidFill>
+                </a:ln>
+              </p:spPr>
+              <p:style>
+                <a:lnRef idx="2">
+                  <a:schemeClr val="accent1">
+                    <a:shade val="50000"/>
+                  </a:schemeClr>
+                </a:lnRef>
+                <a:fillRef idx="1">
+                  <a:schemeClr val="accent1"/>
+                </a:fillRef>
+                <a:effectRef idx="0">
+                  <a:schemeClr val="accent1"/>
+                </a:effectRef>
+                <a:fontRef idx="minor">
+                  <a:schemeClr val="lt1"/>
+                </a:fontRef>
+              </p:style>
+              <p:txBody>
+                <a:bodyPr lIns="91440" tIns="45720" rIns="91440" bIns="45720" spcCol="0" rtlCol="0" anchor="ctr"/>
+                <a:lstStyle/>
+                <a:p>
+                  <a:pPr algn="ctr"/>
+                  <a:r>
+                    <a:rPr lang="en-US" sz="1100" b="1" dirty="0" smtClean="0">
+                      <a:solidFill>
+                        <a:sysClr val="windowText" lastClr="000000"/>
+                      </a:solidFill>
+                    </a:rPr>
+                    <a:t>Model </a:t>
+                  </a:r>
+                  <a:r>
+                    <a:rPr lang="en-US" sz="1100" b="1" i="1" dirty="0">
+                      <a:solidFill>
+                        <a:srgbClr val="00B050"/>
+                      </a:solidFill>
+                    </a:rPr>
+                    <a:t>(extended</a:t>
+                  </a:r>
+                  <a:r>
+                    <a:rPr lang="en-US" sz="1100" b="1" i="1" dirty="0" smtClean="0">
+                      <a:solidFill>
+                        <a:srgbClr val="00B050"/>
+                      </a:solidFill>
+                    </a:rPr>
+                    <a:t>)</a:t>
+                  </a:r>
+                  <a:endParaRPr lang="en-US" sz="1100" b="1" dirty="0">
+                    <a:solidFill>
+                      <a:schemeClr val="tx1"/>
+                    </a:solidFill>
+                  </a:endParaRPr>
+                </a:p>
+              </p:txBody>
+            </p:sp>
+            <p:sp>
+              <p:nvSpPr>
+                <p:cNvPr id="220" name="Rectangle 219"/>
+                <p:cNvSpPr/>
+                <p:nvPr/>
+              </p:nvSpPr>
+              <p:spPr>
+                <a:xfrm>
+                  <a:off x="76200" y="2813952"/>
+                  <a:ext cx="484428" cy="230832"/>
+                </a:xfrm>
+                <a:prstGeom prst="rect">
+                  <a:avLst/>
+                </a:prstGeom>
+                <a:ln>
+                  <a:noFill/>
+                </a:ln>
+              </p:spPr>
+              <p:txBody>
+                <a:bodyPr wrap="none" lIns="91440" tIns="45720" rIns="91440" bIns="45720">
+                  <a:spAutoFit/>
+                </a:bodyPr>
+                <a:lstStyle/>
+                <a:p>
+                  <a:r>
+                    <a:rPr lang="en-US" sz="900" dirty="0" smtClean="0"/>
+                    <a:t>model</a:t>
+                  </a:r>
+                  <a:endParaRPr lang="en-US" sz="900" dirty="0"/>
+                </a:p>
+              </p:txBody>
+            </p:sp>
+            <p:cxnSp>
+              <p:nvCxnSpPr>
+                <p:cNvPr id="221" name="Elbow Connector 220"/>
+                <p:cNvCxnSpPr>
+                  <a:stCxn id="219" idx="3"/>
+                  <a:endCxn id="210" idx="3"/>
+                </p:cNvCxnSpPr>
+                <p:nvPr/>
+              </p:nvCxnSpPr>
+              <p:spPr>
+                <a:xfrm flipV="1">
+                  <a:off x="2062002" y="428043"/>
+                  <a:ext cx="830469" cy="2792116"/>
+                </a:xfrm>
+                <a:prstGeom prst="bentConnector2">
+                  <a:avLst/>
+                </a:prstGeom>
+                <a:ln w="6350">
+                  <a:solidFill>
+                    <a:schemeClr val="tx1"/>
+                  </a:solidFill>
+                </a:ln>
+              </p:spPr>
+              <p:style>
+                <a:lnRef idx="1">
+                  <a:schemeClr val="accent1"/>
+                </a:lnRef>
+                <a:fillRef idx="0">
+                  <a:schemeClr val="accent1"/>
+                </a:fillRef>
+                <a:effectRef idx="0">
+                  <a:schemeClr val="accent1"/>
+                </a:effectRef>
+                <a:fontRef idx="minor">
+                  <a:schemeClr val="tx1"/>
+                </a:fontRef>
+              </p:style>
+            </p:cxnSp>
+            <p:cxnSp>
+              <p:nvCxnSpPr>
+                <p:cNvPr id="222" name="Elbow Connector 221"/>
+                <p:cNvCxnSpPr>
+                  <a:stCxn id="206" idx="2"/>
+                  <a:endCxn id="208" idx="0"/>
+                </p:cNvCxnSpPr>
+                <p:nvPr/>
+              </p:nvCxnSpPr>
+              <p:spPr>
+                <a:xfrm rot="16200000" flipH="1">
+                  <a:off x="595233" y="14028"/>
+                  <a:ext cx="191829" cy="1092742"/>
+                </a:xfrm>
+                <a:prstGeom prst="bentConnector3">
+                  <a:avLst>
+                    <a:gd name="adj1" fmla="val 38023"/>
+                  </a:avLst>
+                </a:prstGeom>
+                <a:ln w="6350">
+                  <a:solidFill>
+                    <a:srgbClr val="00B050"/>
+                  </a:solidFill>
+                </a:ln>
+              </p:spPr>
+              <p:style>
+                <a:lnRef idx="1">
+                  <a:schemeClr val="accent1"/>
+                </a:lnRef>
+                <a:fillRef idx="0">
+                  <a:schemeClr val="accent1"/>
+                </a:fillRef>
+                <a:effectRef idx="0">
+                  <a:schemeClr val="accent1"/>
+                </a:effectRef>
+                <a:fontRef idx="minor">
+                  <a:schemeClr val="tx1"/>
+                </a:fontRef>
+              </p:style>
+            </p:cxnSp>
+          </p:grpSp>
           <p:cxnSp>
             <p:nvCxnSpPr>
-              <p:cNvPr id="77" name="Elbow Connector 76"/>
+              <p:cNvPr id="200" name="Elbow Connector 199"/>
               <p:cNvCxnSpPr>
-                <a:stCxn id="85" idx="2"/>
-                <a:endCxn id="83" idx="0"/>
+                <a:stCxn id="198" idx="2"/>
+                <a:endCxn id="201" idx="0"/>
               </p:cNvCxnSpPr>
               <p:nvPr/>
             </p:nvCxnSpPr>
             <p:spPr>
               <a:xfrm rot="16200000" flipH="1">
-                <a:off x="916956" y="609587"/>
-                <a:ext cx="128831" cy="1136676"/>
+                <a:off x="940355" y="1447173"/>
+                <a:ext cx="92881" cy="1206879"/>
               </a:xfrm>
               <a:prstGeom prst="bentConnector3">
                 <a:avLst>
@@ -3287,14 +4061,14 @@
           </p:cxnSp>
           <p:sp>
             <p:nvSpPr>
-              <p:cNvPr id="78" name="Rectangle 77"/>
+              <p:cNvPr id="201" name="Rectangle 200"/>
               <p:cNvSpPr/>
               <p:nvPr/>
             </p:nvSpPr>
             <p:spPr>
               <a:xfrm>
-                <a:off x="413033" y="656313"/>
-                <a:ext cx="1648969" cy="304800"/>
+                <a:off x="695547" y="2097054"/>
+                <a:ext cx="1789375" cy="789936"/>
               </a:xfrm>
               <a:prstGeom prst="rect">
                 <a:avLst/>
@@ -3323,137 +4097,255 @@
               </a:fontRef>
             </p:style>
             <p:txBody>
-              <a:bodyPr lIns="91440" tIns="45720" rIns="91440" bIns="45720" spcCol="0" rtlCol="0" anchor="ctr"/>
+              <a:bodyPr lIns="91440" tIns="45720" rIns="91440" bIns="45720" spcCol="0" rtlCol="0" anchor="t"/>
               <a:lstStyle/>
               <a:p>
                 <a:pPr algn="ctr"/>
                 <a:r>
-                  <a:rPr lang="en-US" sz="1100" b="1" dirty="0">
+                  <a:rPr lang="en-US" sz="1100" b="1" dirty="0" err="1" smtClean="0">
+                    <a:solidFill>
+                      <a:schemeClr val="accent1"/>
+                    </a:solidFill>
+                  </a:rPr>
+                  <a:t>ExternalModelDefinition</a:t>
+                </a:r>
+                <a:endParaRPr lang="en-US" sz="1100" b="1" dirty="0" smtClean="0">
+                  <a:solidFill>
+                    <a:schemeClr val="accent1"/>
+                  </a:solidFill>
+                </a:endParaRPr>
+              </a:p>
+              <a:p>
+                <a:pPr defTabSz="417972"/>
+                <a:r>
+                  <a:rPr lang="en-US" dirty="0" smtClean="0">
                     <a:solidFill>
                       <a:srgbClr val="0070C0"/>
                     </a:solidFill>
                   </a:rPr>
-                  <a:t>ListOfModelDefinitions</a:t>
+                  <a:t>id</a:t>
                 </a:r>
+                <a:r>
+                  <a:rPr lang="en-US">
+                    <a:solidFill>
+                      <a:srgbClr val="0070C0"/>
+                    </a:solidFill>
+                  </a:rPr>
+                  <a:t>: </a:t>
+                </a:r>
+                <a:r>
+                  <a:rPr lang="en-US" smtClean="0">
+                    <a:solidFill>
+                      <a:srgbClr val="0070C0"/>
+                    </a:solidFill>
+                  </a:rPr>
+                  <a:t>SId</a:t>
+                </a:r>
+                <a:endParaRPr lang="en-US" dirty="0">
+                  <a:solidFill>
+                    <a:srgbClr val="0070C0"/>
+                  </a:solidFill>
+                </a:endParaRPr>
+              </a:p>
+              <a:p>
+                <a:pPr defTabSz="417972"/>
+                <a:r>
+                  <a:rPr lang="en-US" dirty="0" smtClean="0">
+                    <a:solidFill>
+                      <a:srgbClr val="0070C0"/>
+                    </a:solidFill>
+                  </a:rPr>
+                  <a:t>source</a:t>
+                </a:r>
+                <a:r>
+                  <a:rPr lang="en-US" dirty="0">
+                    <a:solidFill>
+                      <a:srgbClr val="0070C0"/>
+                    </a:solidFill>
+                  </a:rPr>
+                  <a:t>: </a:t>
+                </a:r>
+                <a:r>
+                  <a:rPr lang="en-US" dirty="0" err="1" smtClean="0">
+                    <a:solidFill>
+                      <a:srgbClr val="0070C0"/>
+                    </a:solidFill>
+                  </a:rPr>
+                  <a:t>anyURI</a:t>
+                </a:r>
+                <a:endParaRPr lang="en-US" dirty="0" smtClean="0">
+                  <a:solidFill>
+                    <a:srgbClr val="0070C0"/>
+                  </a:solidFill>
+                </a:endParaRPr>
+              </a:p>
+              <a:p>
+                <a:pPr lvl="0" defTabSz="417972"/>
+                <a:r>
+                  <a:rPr lang="en-US" dirty="0" smtClean="0">
+                    <a:solidFill>
+                      <a:srgbClr val="0070C0"/>
+                    </a:solidFill>
+                  </a:rPr>
+                  <a:t>model</a:t>
+                </a:r>
+                <a:r>
+                  <a:rPr lang="en-US" dirty="0">
+                    <a:solidFill>
+                      <a:srgbClr val="0070C0"/>
+                    </a:solidFill>
+                  </a:rPr>
+                  <a:t>: </a:t>
+                </a:r>
+                <a:r>
+                  <a:rPr lang="en-US" dirty="0" err="1">
+                    <a:solidFill>
+                      <a:srgbClr val="0070C0"/>
+                    </a:solidFill>
+                  </a:rPr>
+                  <a:t>SIdRef</a:t>
+                </a:r>
+                <a:r>
+                  <a:rPr lang="en-US" dirty="0">
+                    <a:solidFill>
+                      <a:srgbClr val="0070C0"/>
+                    </a:solidFill>
+                  </a:rPr>
+                  <a:t> {use=“optional”}</a:t>
+                </a:r>
+              </a:p>
+              <a:p>
+                <a:pPr lvl="0" defTabSz="417972"/>
+                <a:r>
+                  <a:rPr lang="en-US" dirty="0" smtClean="0">
+                    <a:solidFill>
+                      <a:srgbClr val="0070C0"/>
+                    </a:solidFill>
+                  </a:rPr>
+                  <a:t>md5</a:t>
+                </a:r>
+                <a:r>
+                  <a:rPr lang="en-US" dirty="0">
+                    <a:solidFill>
+                      <a:srgbClr val="0070C0"/>
+                    </a:solidFill>
+                  </a:rPr>
+                  <a:t>: string {use=“optional</a:t>
+                </a:r>
+                <a:r>
+                  <a:rPr lang="en-US" dirty="0" smtClean="0">
+                    <a:solidFill>
+                      <a:srgbClr val="0070C0"/>
+                    </a:solidFill>
+                  </a:rPr>
+                  <a:t>”}</a:t>
+                </a:r>
+                <a:endParaRPr lang="en-US" dirty="0">
+                  <a:solidFill>
+                    <a:srgbClr val="0070C0"/>
+                  </a:solidFill>
+                </a:endParaRPr>
               </a:p>
             </p:txBody>
           </p:sp>
           <p:sp>
             <p:nvSpPr>
-              <p:cNvPr id="79" name="Rectangle 78"/>
+              <p:cNvPr id="202" name="Rectangle 201"/>
               <p:cNvSpPr/>
               <p:nvPr/>
             </p:nvSpPr>
             <p:spPr>
               <a:xfrm>
-                <a:off x="2601387" y="69680"/>
-                <a:ext cx="582169" cy="244414"/>
+                <a:off x="321779" y="1864225"/>
+                <a:ext cx="1343638" cy="369332"/>
               </a:xfrm>
               <a:prstGeom prst="rect">
                 <a:avLst/>
               </a:prstGeom>
-              <a:noFill/>
+              <a:ln>
+                <a:noFill/>
+              </a:ln>
+            </p:spPr>
+            <p:txBody>
+              <a:bodyPr wrap="none" lIns="91440" tIns="45720" rIns="91440" bIns="45720">
+                <a:spAutoFit/>
+              </a:bodyPr>
+              <a:lstStyle/>
+              <a:p>
+                <a:r>
+                  <a:rPr lang="en-US" sz="900" dirty="0" err="1" smtClean="0">
+                    <a:solidFill>
+                      <a:srgbClr val="0070C0"/>
+                    </a:solidFill>
+                  </a:rPr>
+                  <a:t>externalModelDefinition</a:t>
+                </a:r>
+                <a:endParaRPr lang="en-US" sz="900" dirty="0">
+                  <a:solidFill>
+                    <a:srgbClr val="0070C0"/>
+                  </a:solidFill>
+                </a:endParaRPr>
+              </a:p>
+              <a:p>
+                <a:r>
+                  <a:rPr lang="en-US" sz="900" dirty="0">
+                    <a:solidFill>
+                      <a:srgbClr val="0070C0"/>
+                    </a:solidFill>
+                  </a:rPr>
+                  <a:t>0,…,*</a:t>
+                </a:r>
+              </a:p>
+            </p:txBody>
+          </p:sp>
+          <p:cxnSp>
+            <p:nvCxnSpPr>
+              <p:cNvPr id="203" name="Straight Connector 202"/>
+              <p:cNvCxnSpPr/>
+              <p:nvPr/>
+            </p:nvCxnSpPr>
+            <p:spPr>
+              <a:xfrm>
+                <a:off x="700086" y="2309246"/>
+                <a:ext cx="1784836" cy="0"/>
+              </a:xfrm>
+              <a:prstGeom prst="line">
+                <a:avLst/>
+              </a:prstGeom>
               <a:ln w="6350">
                 <a:solidFill>
-                  <a:schemeClr val="tx1"/>
+                  <a:srgbClr val="0070C0"/>
                 </a:solidFill>
               </a:ln>
             </p:spPr>
             <p:style>
-              <a:lnRef idx="2">
-                <a:schemeClr val="accent1">
-                  <a:shade val="50000"/>
-                </a:schemeClr>
+              <a:lnRef idx="1">
+                <a:schemeClr val="accent1"/>
               </a:lnRef>
-              <a:fillRef idx="1">
+              <a:fillRef idx="0">
                 <a:schemeClr val="accent1"/>
               </a:fillRef>
               <a:effectRef idx="0">
                 <a:schemeClr val="accent1"/>
               </a:effectRef>
               <a:fontRef idx="minor">
-                <a:schemeClr val="lt1"/>
+                <a:schemeClr val="tx1"/>
               </a:fontRef>
             </p:style>
-            <p:txBody>
-              <a:bodyPr lIns="91440" tIns="45720" rIns="91440" bIns="45720" spcCol="0" rtlCol="0" anchor="ctr"/>
-              <a:lstStyle/>
-              <a:p>
-                <a:pPr algn="ctr"/>
-                <a:r>
-                  <a:rPr lang="en-US" sz="1100" b="1" dirty="0">
-                    <a:solidFill>
-                      <a:schemeClr val="tx1"/>
-                    </a:solidFill>
-                  </a:rPr>
-                  <a:t>SBase</a:t>
-                </a:r>
-              </a:p>
-            </p:txBody>
-          </p:sp>
-          <p:sp>
-            <p:nvSpPr>
-              <p:cNvPr id="80" name="Isosceles Triangle 79"/>
-              <p:cNvSpPr/>
-              <p:nvPr/>
-            </p:nvSpPr>
-            <p:spPr>
-              <a:xfrm>
-                <a:off x="2812871" y="313743"/>
-                <a:ext cx="159199" cy="114300"/>
-              </a:xfrm>
-              <a:prstGeom prst="triangle">
-                <a:avLst/>
-              </a:prstGeom>
-              <a:noFill/>
-              <a:ln w="6350">
-                <a:solidFill>
-                  <a:schemeClr val="tx1"/>
-                </a:solidFill>
-              </a:ln>
-            </p:spPr>
-            <p:style>
-              <a:lnRef idx="2">
-                <a:schemeClr val="accent1">
-                  <a:shade val="50000"/>
-                </a:schemeClr>
-              </a:lnRef>
-              <a:fillRef idx="1">
-                <a:schemeClr val="accent1"/>
-              </a:fillRef>
-              <a:effectRef idx="0">
-                <a:schemeClr val="accent1"/>
-              </a:effectRef>
-              <a:fontRef idx="minor">
-                <a:schemeClr val="lt1"/>
-              </a:fontRef>
-            </p:style>
-            <p:txBody>
-              <a:bodyPr lIns="91440" tIns="45720" rIns="91440" bIns="45720" spcCol="0" rtlCol="0" anchor="ctr"/>
-              <a:lstStyle/>
-              <a:p>
-                <a:pPr algn="ctr"/>
-                <a:endParaRPr lang="en-US" sz="1100" b="1" dirty="0">
-                  <a:solidFill>
-                    <a:schemeClr val="tx1"/>
-                  </a:solidFill>
-                </a:endParaRPr>
-              </a:p>
-            </p:txBody>
-          </p:sp>
+          </p:cxnSp>
           <p:cxnSp>
             <p:nvCxnSpPr>
-              <p:cNvPr id="81" name="Elbow Connector 80"/>
+              <p:cNvPr id="204" name="Elbow Connector 203"/>
               <p:cNvCxnSpPr>
-                <a:stCxn id="78" idx="3"/>
-                <a:endCxn id="80" idx="3"/>
+                <a:stCxn id="201" idx="3"/>
+                <a:endCxn id="210" idx="3"/>
               </p:cNvCxnSpPr>
               <p:nvPr/>
             </p:nvCxnSpPr>
             <p:spPr>
               <a:xfrm flipV="1">
-                <a:off x="2062002" y="428043"/>
-                <a:ext cx="830469" cy="380670"/>
+                <a:off x="2484922" y="408284"/>
+                <a:ext cx="377871" cy="2083738"/>
               </a:xfrm>
               <a:prstGeom prst="bentConnector2">
                 <a:avLst/>
@@ -3479,582 +4371,17 @@
               </a:fontRef>
             </p:style>
           </p:cxnSp>
-          <p:sp>
-            <p:nvSpPr>
-              <p:cNvPr id="82" name="Rectangle 81"/>
-              <p:cNvSpPr/>
-              <p:nvPr/>
-            </p:nvSpPr>
-            <p:spPr>
-              <a:xfrm>
-                <a:off x="97799" y="371644"/>
-                <a:ext cx="1252266" cy="369332"/>
-              </a:xfrm>
-              <a:prstGeom prst="rect">
-                <a:avLst/>
-              </a:prstGeom>
-            </p:spPr>
-            <p:txBody>
-              <a:bodyPr wrap="none" lIns="91440" tIns="45720" rIns="91440" bIns="45720">
-                <a:spAutoFit/>
-              </a:bodyPr>
-              <a:lstStyle/>
-              <a:p>
-                <a:r>
-                  <a:rPr lang="en-US" sz="900" dirty="0" err="1">
-                    <a:solidFill>
-                      <a:srgbClr val="00B050"/>
-                    </a:solidFill>
-                  </a:rPr>
-                  <a:t>listOfModelDefinitions</a:t>
-                </a:r>
-                <a:endParaRPr lang="en-US" sz="900" dirty="0">
-                  <a:solidFill>
-                    <a:srgbClr val="00B050"/>
-                  </a:solidFill>
-                </a:endParaRPr>
-              </a:p>
-              <a:p>
-                <a:r>
-                  <a:rPr lang="en-US" sz="900" dirty="0">
-                    <a:solidFill>
-                      <a:srgbClr val="00B050"/>
-                    </a:solidFill>
-                  </a:rPr>
-                  <a:t>0,1</a:t>
-                </a:r>
-              </a:p>
-            </p:txBody>
-          </p:sp>
-          <p:sp>
-            <p:nvSpPr>
-              <p:cNvPr id="83" name="Rectangle 82"/>
-              <p:cNvSpPr/>
-              <p:nvPr/>
-            </p:nvSpPr>
-            <p:spPr>
-              <a:xfrm>
-                <a:off x="725224" y="1242341"/>
-                <a:ext cx="1648969" cy="304800"/>
-              </a:xfrm>
-              <a:prstGeom prst="rect">
-                <a:avLst/>
-              </a:prstGeom>
-              <a:noFill/>
-              <a:ln w="6350">
-                <a:solidFill>
-                  <a:schemeClr val="tx1"/>
-                </a:solidFill>
-              </a:ln>
-            </p:spPr>
-            <p:style>
-              <a:lnRef idx="2">
-                <a:schemeClr val="accent1">
-                  <a:shade val="50000"/>
-                </a:schemeClr>
-              </a:lnRef>
-              <a:fillRef idx="1">
-                <a:schemeClr val="accent1"/>
-              </a:fillRef>
-              <a:effectRef idx="0">
-                <a:schemeClr val="accent1"/>
-              </a:effectRef>
-              <a:fontRef idx="minor">
-                <a:schemeClr val="lt1"/>
-              </a:fontRef>
-            </p:style>
-            <p:txBody>
-              <a:bodyPr lIns="91440" tIns="45720" rIns="91440" bIns="45720" spcCol="0" rtlCol="0" anchor="ctr"/>
-              <a:lstStyle/>
-              <a:p>
-                <a:pPr algn="ctr"/>
-                <a:r>
-                  <a:rPr lang="en-US" sz="1100" b="1" dirty="0" smtClean="0">
-                    <a:solidFill>
-                      <a:sysClr val="windowText" lastClr="000000"/>
-                    </a:solidFill>
-                  </a:rPr>
-                  <a:t>Model </a:t>
-                </a:r>
-                <a:r>
-                  <a:rPr lang="en-US" sz="1100" b="1" i="1" dirty="0">
-                    <a:solidFill>
-                      <a:srgbClr val="00B050"/>
-                    </a:solidFill>
-                  </a:rPr>
-                  <a:t>(extended</a:t>
-                </a:r>
-                <a:r>
-                  <a:rPr lang="en-US" sz="1100" b="1" i="1" dirty="0" smtClean="0">
-                    <a:solidFill>
-                      <a:srgbClr val="00B050"/>
-                    </a:solidFill>
-                  </a:rPr>
-                  <a:t>)</a:t>
-                </a:r>
-                <a:endParaRPr lang="en-US" sz="1100" b="1" dirty="0">
-                  <a:solidFill>
-                    <a:schemeClr val="tx1"/>
-                  </a:solidFill>
-                </a:endParaRPr>
-              </a:p>
-            </p:txBody>
-          </p:sp>
-          <p:sp>
-            <p:nvSpPr>
-              <p:cNvPr id="84" name="Rectangle 83"/>
-              <p:cNvSpPr/>
-              <p:nvPr/>
-            </p:nvSpPr>
-            <p:spPr>
-              <a:xfrm>
-                <a:off x="364938" y="1017985"/>
-                <a:ext cx="950901" cy="369332"/>
-              </a:xfrm>
-              <a:prstGeom prst="rect">
-                <a:avLst/>
-              </a:prstGeom>
-              <a:ln>
-                <a:noFill/>
-              </a:ln>
-            </p:spPr>
-            <p:txBody>
-              <a:bodyPr wrap="none" lIns="91440" tIns="45720" rIns="91440" bIns="45720">
-                <a:spAutoFit/>
-              </a:bodyPr>
-              <a:lstStyle/>
-              <a:p>
-                <a:r>
-                  <a:rPr lang="en-US" sz="900" dirty="0" err="1" smtClean="0">
-                    <a:solidFill>
-                      <a:srgbClr val="0070C0"/>
-                    </a:solidFill>
-                  </a:rPr>
-                  <a:t>modelDefinition</a:t>
-                </a:r>
-                <a:endParaRPr lang="en-US" sz="900" dirty="0">
-                  <a:solidFill>
-                    <a:srgbClr val="0070C0"/>
-                  </a:solidFill>
-                </a:endParaRPr>
-              </a:p>
-              <a:p>
-                <a:r>
-                  <a:rPr lang="en-US" sz="900" dirty="0">
-                    <a:solidFill>
-                      <a:srgbClr val="0070C0"/>
-                    </a:solidFill>
-                  </a:rPr>
-                  <a:t>0,…,*</a:t>
-                </a:r>
-              </a:p>
-            </p:txBody>
-          </p:sp>
-          <p:sp>
-            <p:nvSpPr>
-              <p:cNvPr id="85" name="Diamond 84"/>
-              <p:cNvSpPr/>
-              <p:nvPr/>
-            </p:nvSpPr>
-            <p:spPr>
-              <a:xfrm>
-                <a:off x="379598" y="961112"/>
-                <a:ext cx="66869" cy="152398"/>
-              </a:xfrm>
-              <a:prstGeom prst="diamond">
-                <a:avLst/>
-              </a:prstGeom>
-              <a:solidFill>
-                <a:srgbClr val="0070C0"/>
-              </a:solidFill>
-              <a:ln w="6350">
-                <a:solidFill>
-                  <a:srgbClr val="0070C0"/>
-                </a:solidFill>
-              </a:ln>
-            </p:spPr>
-            <p:style>
-              <a:lnRef idx="2">
-                <a:schemeClr val="accent1">
-                  <a:shade val="50000"/>
-                </a:schemeClr>
-              </a:lnRef>
-              <a:fillRef idx="1">
-                <a:schemeClr val="accent1"/>
-              </a:fillRef>
-              <a:effectRef idx="0">
-                <a:schemeClr val="accent1"/>
-              </a:effectRef>
-              <a:fontRef idx="minor">
-                <a:schemeClr val="lt1"/>
-              </a:fontRef>
-            </p:style>
-            <p:txBody>
-              <a:bodyPr lIns="91440" tIns="45720" rIns="91440" bIns="45720" spcCol="0" rtlCol="0" anchor="ctr"/>
-              <a:lstStyle/>
-              <a:p>
-                <a:pPr algn="ctr"/>
-                <a:endParaRPr lang="en-US">
-                  <a:solidFill>
-                    <a:srgbClr val="0070C0"/>
-                  </a:solidFill>
-                </a:endParaRPr>
-              </a:p>
-            </p:txBody>
-          </p:sp>
-          <p:cxnSp>
-            <p:nvCxnSpPr>
-              <p:cNvPr id="86" name="Elbow Connector 85"/>
-              <p:cNvCxnSpPr>
-                <a:stCxn id="75" idx="2"/>
-                <a:endCxn id="80" idx="3"/>
-              </p:cNvCxnSpPr>
-              <p:nvPr/>
-            </p:nvCxnSpPr>
-            <p:spPr>
-              <a:xfrm rot="16200000" flipH="1">
-                <a:off x="2054206" y="-410223"/>
-                <a:ext cx="113949" cy="1562581"/>
-              </a:xfrm>
-              <a:prstGeom prst="bentConnector3">
-                <a:avLst>
-                  <a:gd name="adj1" fmla="val 199308"/>
-                </a:avLst>
-              </a:prstGeom>
-              <a:ln w="6350">
-                <a:solidFill>
-                  <a:schemeClr val="tx1"/>
-                </a:solidFill>
-              </a:ln>
-            </p:spPr>
-            <p:style>
-              <a:lnRef idx="1">
-                <a:schemeClr val="accent1"/>
-              </a:lnRef>
-              <a:fillRef idx="0">
-                <a:schemeClr val="accent1"/>
-              </a:fillRef>
-              <a:effectRef idx="0">
-                <a:schemeClr val="accent1"/>
-              </a:effectRef>
-              <a:fontRef idx="minor">
-                <a:schemeClr val="tx1"/>
-              </a:fontRef>
-            </p:style>
-          </p:cxnSp>
-          <p:cxnSp>
-            <p:nvCxnSpPr>
-              <p:cNvPr id="87" name="Elbow Connector 86"/>
-              <p:cNvCxnSpPr>
-                <a:stCxn id="83" idx="3"/>
-                <a:endCxn id="80" idx="3"/>
-              </p:cNvCxnSpPr>
-              <p:nvPr/>
-            </p:nvCxnSpPr>
-            <p:spPr>
-              <a:xfrm flipV="1">
-                <a:off x="2374193" y="428043"/>
-                <a:ext cx="518278" cy="966698"/>
-              </a:xfrm>
-              <a:prstGeom prst="bentConnector2">
-                <a:avLst/>
-              </a:prstGeom>
-              <a:ln w="6350">
-                <a:solidFill>
-                  <a:schemeClr val="tx1"/>
-                </a:solidFill>
-              </a:ln>
-            </p:spPr>
-            <p:style>
-              <a:lnRef idx="1">
-                <a:schemeClr val="accent1"/>
-              </a:lnRef>
-              <a:fillRef idx="0">
-                <a:schemeClr val="accent1"/>
-              </a:fillRef>
-              <a:effectRef idx="0">
-                <a:schemeClr val="accent1"/>
-              </a:effectRef>
-              <a:fontRef idx="minor">
-                <a:schemeClr val="tx1"/>
-              </a:fontRef>
-            </p:style>
-          </p:cxnSp>
-          <p:cxnSp>
-            <p:nvCxnSpPr>
-              <p:cNvPr id="88" name="Elbow Connector 87"/>
-              <p:cNvCxnSpPr>
-                <a:stCxn id="76" idx="2"/>
-                <a:endCxn id="89" idx="0"/>
-              </p:cNvCxnSpPr>
-              <p:nvPr/>
-            </p:nvCxnSpPr>
-            <p:spPr>
-              <a:xfrm rot="16200000" flipH="1">
-                <a:off x="-460095" y="1069356"/>
-                <a:ext cx="2302485" cy="1092742"/>
-              </a:xfrm>
-              <a:prstGeom prst="bentConnector3">
-                <a:avLst>
-                  <a:gd name="adj1" fmla="val 96245"/>
-                </a:avLst>
-              </a:prstGeom>
-              <a:ln w="6350">
-                <a:solidFill>
-                  <a:schemeClr val="tx1"/>
-                </a:solidFill>
-              </a:ln>
-            </p:spPr>
-            <p:style>
-              <a:lnRef idx="1">
-                <a:schemeClr val="accent1"/>
-              </a:lnRef>
-              <a:fillRef idx="0">
-                <a:schemeClr val="accent1"/>
-              </a:fillRef>
-              <a:effectRef idx="0">
-                <a:schemeClr val="accent1"/>
-              </a:effectRef>
-              <a:fontRef idx="minor">
-                <a:schemeClr val="tx1"/>
-              </a:fontRef>
-            </p:style>
-          </p:cxnSp>
-          <p:sp>
-            <p:nvSpPr>
-              <p:cNvPr id="89" name="Rectangle 88"/>
-              <p:cNvSpPr/>
-              <p:nvPr/>
-            </p:nvSpPr>
-            <p:spPr>
-              <a:xfrm>
-                <a:off x="413033" y="2766970"/>
-                <a:ext cx="1648969" cy="304800"/>
-              </a:xfrm>
-              <a:prstGeom prst="rect">
-                <a:avLst/>
-              </a:prstGeom>
-              <a:noFill/>
-              <a:ln w="6350">
-                <a:solidFill>
-                  <a:schemeClr val="tx1"/>
-                </a:solidFill>
-              </a:ln>
-            </p:spPr>
-            <p:style>
-              <a:lnRef idx="2">
-                <a:schemeClr val="accent1">
-                  <a:shade val="50000"/>
-                </a:schemeClr>
-              </a:lnRef>
-              <a:fillRef idx="1">
-                <a:schemeClr val="accent1"/>
-              </a:fillRef>
-              <a:effectRef idx="0">
-                <a:schemeClr val="accent1"/>
-              </a:effectRef>
-              <a:fontRef idx="minor">
-                <a:schemeClr val="lt1"/>
-              </a:fontRef>
-            </p:style>
-            <p:txBody>
-              <a:bodyPr lIns="91440" tIns="45720" rIns="91440" bIns="45720" spcCol="0" rtlCol="0" anchor="ctr"/>
-              <a:lstStyle/>
-              <a:p>
-                <a:pPr algn="ctr"/>
-                <a:r>
-                  <a:rPr lang="en-US" sz="1100" b="1" dirty="0" smtClean="0">
-                    <a:solidFill>
-                      <a:sysClr val="windowText" lastClr="000000"/>
-                    </a:solidFill>
-                  </a:rPr>
-                  <a:t>Model </a:t>
-                </a:r>
-                <a:r>
-                  <a:rPr lang="en-US" sz="1100" b="1" i="1" dirty="0">
-                    <a:solidFill>
-                      <a:srgbClr val="00B050"/>
-                    </a:solidFill>
-                  </a:rPr>
-                  <a:t>(extended</a:t>
-                </a:r>
-                <a:r>
-                  <a:rPr lang="en-US" sz="1100" b="1" i="1" dirty="0" smtClean="0">
-                    <a:solidFill>
-                      <a:srgbClr val="00B050"/>
-                    </a:solidFill>
-                  </a:rPr>
-                  <a:t>)</a:t>
-                </a:r>
-                <a:endParaRPr lang="en-US" sz="1100" b="1" dirty="0">
-                  <a:solidFill>
-                    <a:schemeClr val="tx1"/>
-                  </a:solidFill>
-                </a:endParaRPr>
-              </a:p>
-            </p:txBody>
-          </p:sp>
-          <p:sp>
-            <p:nvSpPr>
-              <p:cNvPr id="90" name="Rectangle 89"/>
-              <p:cNvSpPr/>
-              <p:nvPr/>
-            </p:nvSpPr>
-            <p:spPr>
-              <a:xfrm>
-                <a:off x="76200" y="2508063"/>
-                <a:ext cx="484428" cy="230832"/>
-              </a:xfrm>
-              <a:prstGeom prst="rect">
-                <a:avLst/>
-              </a:prstGeom>
-              <a:ln>
-                <a:noFill/>
-              </a:ln>
-            </p:spPr>
-            <p:txBody>
-              <a:bodyPr wrap="none" lIns="91440" tIns="45720" rIns="91440" bIns="45720">
-                <a:spAutoFit/>
-              </a:bodyPr>
-              <a:lstStyle/>
-              <a:p>
-                <a:r>
-                  <a:rPr lang="en-US" sz="900" dirty="0" smtClean="0"/>
-                  <a:t>model</a:t>
-                </a:r>
-                <a:endParaRPr lang="en-US" sz="900" dirty="0"/>
-              </a:p>
-            </p:txBody>
-          </p:sp>
-          <p:cxnSp>
-            <p:nvCxnSpPr>
-              <p:cNvPr id="91" name="Elbow Connector 90"/>
-              <p:cNvCxnSpPr>
-                <a:stCxn id="89" idx="3"/>
-                <a:endCxn id="80" idx="3"/>
-              </p:cNvCxnSpPr>
-              <p:nvPr/>
-            </p:nvCxnSpPr>
-            <p:spPr>
-              <a:xfrm flipV="1">
-                <a:off x="2062002" y="428043"/>
-                <a:ext cx="830469" cy="2491327"/>
-              </a:xfrm>
-              <a:prstGeom prst="bentConnector2">
-                <a:avLst/>
-              </a:prstGeom>
-              <a:ln w="6350">
-                <a:solidFill>
-                  <a:schemeClr val="tx1"/>
-                </a:solidFill>
-              </a:ln>
-            </p:spPr>
-            <p:style>
-              <a:lnRef idx="1">
-                <a:schemeClr val="accent1"/>
-              </a:lnRef>
-              <a:fillRef idx="0">
-                <a:schemeClr val="accent1"/>
-              </a:fillRef>
-              <a:effectRef idx="0">
-                <a:schemeClr val="accent1"/>
-              </a:effectRef>
-              <a:fontRef idx="minor">
-                <a:schemeClr val="tx1"/>
-              </a:fontRef>
-            </p:style>
-          </p:cxnSp>
-          <p:cxnSp>
-            <p:nvCxnSpPr>
-              <p:cNvPr id="92" name="Elbow Connector 91"/>
-              <p:cNvCxnSpPr>
-                <a:stCxn id="76" idx="2"/>
-                <a:endCxn id="78" idx="0"/>
-              </p:cNvCxnSpPr>
-              <p:nvPr/>
-            </p:nvCxnSpPr>
-            <p:spPr>
-              <a:xfrm rot="16200000" flipH="1">
-                <a:off x="595233" y="14028"/>
-                <a:ext cx="191828" cy="1092742"/>
-              </a:xfrm>
-              <a:prstGeom prst="bentConnector3">
-                <a:avLst>
-                  <a:gd name="adj1" fmla="val 50000"/>
-                </a:avLst>
-              </a:prstGeom>
-              <a:ln w="6350">
-                <a:solidFill>
-                  <a:srgbClr val="00B050"/>
-                </a:solidFill>
-              </a:ln>
-            </p:spPr>
-            <p:style>
-              <a:lnRef idx="1">
-                <a:schemeClr val="accent1"/>
-              </a:lnRef>
-              <a:fillRef idx="0">
-                <a:schemeClr val="accent1"/>
-              </a:fillRef>
-              <a:effectRef idx="0">
-                <a:schemeClr val="accent1"/>
-              </a:effectRef>
-              <a:fontRef idx="minor">
-                <a:schemeClr val="tx1"/>
-              </a:fontRef>
-            </p:style>
-          </p:cxnSp>
         </p:grpSp>
-        <p:cxnSp>
-          <p:nvCxnSpPr>
-            <p:cNvPr id="93" name="Elbow Connector 92"/>
-            <p:cNvCxnSpPr>
-              <a:stCxn id="85" idx="2"/>
-              <a:endCxn id="94" idx="0"/>
-            </p:cNvCxnSpPr>
-            <p:nvPr/>
-          </p:nvCxnSpPr>
-          <p:spPr>
-            <a:xfrm rot="16200000" flipH="1">
-              <a:off x="658191" y="818915"/>
-              <a:ext cx="657209" cy="1206880"/>
-            </a:xfrm>
-            <a:prstGeom prst="bentConnector3">
-              <a:avLst>
-                <a:gd name="adj1" fmla="val 90276"/>
-              </a:avLst>
-            </a:prstGeom>
-            <a:ln w="6350">
-              <a:solidFill>
-                <a:srgbClr val="0070C0"/>
-              </a:solidFill>
-            </a:ln>
-          </p:spPr>
-          <p:style>
-            <a:lnRef idx="1">
-              <a:schemeClr val="accent1"/>
-            </a:lnRef>
-            <a:fillRef idx="0">
-              <a:schemeClr val="accent1"/>
-            </a:fillRef>
-            <a:effectRef idx="0">
-              <a:schemeClr val="accent1"/>
-            </a:effectRef>
-            <a:fontRef idx="minor">
-              <a:schemeClr val="tx1"/>
-            </a:fontRef>
-          </p:style>
-        </p:cxnSp>
         <p:sp>
           <p:nvSpPr>
-            <p:cNvPr id="94" name="Rectangle 93"/>
+            <p:cNvPr id="194" name="Rectangle 193"/>
             <p:cNvSpPr/>
             <p:nvPr/>
           </p:nvSpPr>
           <p:spPr>
             <a:xfrm>
-              <a:off x="695547" y="1750960"/>
-              <a:ext cx="1789375" cy="789936"/>
+              <a:off x="383356" y="1652861"/>
+              <a:ext cx="2064202" cy="204143"/>
             </a:xfrm>
             <a:prstGeom prst="rect">
               <a:avLst/>
@@ -4083,237 +4410,39 @@
             </a:fontRef>
           </p:style>
           <p:txBody>
-            <a:bodyPr lIns="91440" tIns="45720" rIns="91440" bIns="45720" spcCol="0" rtlCol="0" anchor="t"/>
+            <a:bodyPr lIns="91440" tIns="45720" rIns="91440" bIns="45720" spcCol="0" rtlCol="0" anchor="ctr"/>
             <a:lstStyle/>
             <a:p>
               <a:pPr algn="ctr"/>
               <a:r>
                 <a:rPr lang="en-US" sz="1100" b="1" dirty="0" err="1" smtClean="0">
                   <a:solidFill>
-                    <a:schemeClr val="accent1"/>
-                  </a:solidFill>
-                </a:rPr>
-                <a:t>ExternalModelDefinition</a:t>
-              </a:r>
-              <a:endParaRPr lang="en-US" sz="1100" b="1" dirty="0" smtClean="0">
-                <a:solidFill>
-                  <a:schemeClr val="accent1"/>
-                </a:solidFill>
-              </a:endParaRPr>
-            </a:p>
-            <a:p>
-              <a:pPr defTabSz="417972"/>
-              <a:r>
-                <a:rPr lang="en-US" dirty="0" smtClean="0">
-                  <a:solidFill>
                     <a:srgbClr val="0070C0"/>
                   </a:solidFill>
                 </a:rPr>
-                <a:t>id</a:t>
+                <a:t>ListOfExternalModelDefinitions</a:t>
               </a:r>
-              <a:r>
-                <a:rPr lang="en-US" dirty="0">
-                  <a:solidFill>
-                    <a:srgbClr val="0070C0"/>
-                  </a:solidFill>
-                </a:rPr>
-                <a:t>: Sid</a:t>
-              </a:r>
-            </a:p>
-            <a:p>
-              <a:pPr defTabSz="417972"/>
-              <a:r>
-                <a:rPr lang="en-US" dirty="0" smtClean="0">
-                  <a:solidFill>
-                    <a:srgbClr val="0070C0"/>
-                  </a:solidFill>
-                </a:rPr>
-                <a:t>source</a:t>
-              </a:r>
-              <a:r>
-                <a:rPr lang="en-US">
-                  <a:solidFill>
-                    <a:srgbClr val="0070C0"/>
-                  </a:solidFill>
-                </a:rPr>
-                <a:t>: </a:t>
-              </a:r>
-              <a:r>
-                <a:rPr lang="en-US" smtClean="0">
-                  <a:solidFill>
-                    <a:srgbClr val="0070C0"/>
-                  </a:solidFill>
-                </a:rPr>
-                <a:t>URI</a:t>
-              </a:r>
-              <a:endParaRPr lang="en-US" dirty="0" smtClean="0">
+              <a:endParaRPr lang="en-US" sz="1100" b="1" dirty="0">
                 <a:solidFill>
                   <a:srgbClr val="0070C0"/>
                 </a:solidFill>
               </a:endParaRPr>
             </a:p>
-            <a:p>
-              <a:pPr lvl="0" defTabSz="417972"/>
-              <a:r>
-                <a:rPr lang="en-US" dirty="0" smtClean="0">
-                  <a:solidFill>
-                    <a:srgbClr val="0070C0"/>
-                  </a:solidFill>
-                </a:rPr>
-                <a:t>model</a:t>
-              </a:r>
-              <a:r>
-                <a:rPr lang="en-US" dirty="0">
-                  <a:solidFill>
-                    <a:srgbClr val="0070C0"/>
-                  </a:solidFill>
-                </a:rPr>
-                <a:t>: </a:t>
-              </a:r>
-              <a:r>
-                <a:rPr lang="en-US" dirty="0" err="1">
-                  <a:solidFill>
-                    <a:srgbClr val="0070C0"/>
-                  </a:solidFill>
-                </a:rPr>
-                <a:t>SIdRef</a:t>
-              </a:r>
-              <a:r>
-                <a:rPr lang="en-US" dirty="0">
-                  <a:solidFill>
-                    <a:srgbClr val="0070C0"/>
-                  </a:solidFill>
-                </a:rPr>
-                <a:t> {use=“optional”}</a:t>
-              </a:r>
-            </a:p>
-            <a:p>
-              <a:pPr lvl="0" defTabSz="417972"/>
-              <a:r>
-                <a:rPr lang="en-US" dirty="0" smtClean="0">
-                  <a:solidFill>
-                    <a:srgbClr val="0070C0"/>
-                  </a:solidFill>
-                </a:rPr>
-                <a:t>md5</a:t>
-              </a:r>
-              <a:r>
-                <a:rPr lang="en-US" dirty="0">
-                  <a:solidFill>
-                    <a:srgbClr val="0070C0"/>
-                  </a:solidFill>
-                </a:rPr>
-                <a:t>: string {use=“optional”}</a:t>
-              </a:r>
-            </a:p>
-            <a:p>
-              <a:pPr algn="ctr"/>
-              <a:endParaRPr lang="en-US" sz="1100" b="1" dirty="0">
-                <a:solidFill>
-                  <a:schemeClr val="accent1"/>
-                </a:solidFill>
-              </a:endParaRPr>
-            </a:p>
-          </p:txBody>
-        </p:sp>
-        <p:sp>
-          <p:nvSpPr>
-            <p:cNvPr id="95" name="Rectangle 94"/>
-            <p:cNvSpPr/>
-            <p:nvPr/>
-          </p:nvSpPr>
-          <p:spPr>
-            <a:xfrm>
-              <a:off x="321779" y="1523319"/>
-              <a:ext cx="1343638" cy="369332"/>
-            </a:xfrm>
-            <a:prstGeom prst="rect">
-              <a:avLst/>
-            </a:prstGeom>
-            <a:ln>
-              <a:noFill/>
-            </a:ln>
-          </p:spPr>
-          <p:txBody>
-            <a:bodyPr wrap="none" lIns="91440" tIns="45720" rIns="91440" bIns="45720">
-              <a:spAutoFit/>
-            </a:bodyPr>
-            <a:lstStyle/>
-            <a:p>
-              <a:r>
-                <a:rPr lang="en-US" sz="900" dirty="0" err="1" smtClean="0">
-                  <a:solidFill>
-                    <a:srgbClr val="0070C0"/>
-                  </a:solidFill>
-                </a:rPr>
-                <a:t>externalModelDefinition</a:t>
-              </a:r>
-              <a:endParaRPr lang="en-US" sz="900" dirty="0">
-                <a:solidFill>
-                  <a:srgbClr val="0070C0"/>
-                </a:solidFill>
-              </a:endParaRPr>
-            </a:p>
-            <a:p>
-              <a:r>
-                <a:rPr lang="en-US" sz="900" dirty="0">
-                  <a:solidFill>
-                    <a:srgbClr val="0070C0"/>
-                  </a:solidFill>
-                </a:rPr>
-                <a:t>0,…,*</a:t>
-              </a:r>
-            </a:p>
           </p:txBody>
         </p:sp>
         <p:cxnSp>
           <p:nvCxnSpPr>
-            <p:cNvPr id="96" name="Straight Connector 95"/>
-            <p:cNvCxnSpPr/>
-            <p:nvPr/>
-          </p:nvCxnSpPr>
-          <p:spPr>
-            <a:xfrm>
-              <a:off x="700086" y="1963152"/>
-              <a:ext cx="1784836" cy="0"/>
-            </a:xfrm>
-            <a:prstGeom prst="line">
-              <a:avLst/>
-            </a:prstGeom>
-            <a:ln w="6350">
-              <a:solidFill>
-                <a:srgbClr val="0070C0"/>
-              </a:solidFill>
-            </a:ln>
-          </p:spPr>
-          <p:style>
-            <a:lnRef idx="1">
-              <a:schemeClr val="accent1"/>
-            </a:lnRef>
-            <a:fillRef idx="0">
-              <a:schemeClr val="accent1"/>
-            </a:fillRef>
-            <a:effectRef idx="0">
-              <a:schemeClr val="accent1"/>
-            </a:effectRef>
-            <a:fontRef idx="minor">
-              <a:schemeClr val="tx1"/>
-            </a:fontRef>
-          </p:style>
-        </p:cxnSp>
-        <p:cxnSp>
-          <p:nvCxnSpPr>
-            <p:cNvPr id="97" name="Elbow Connector 96"/>
+            <p:cNvPr id="195" name="Elbow Connector 194"/>
             <p:cNvCxnSpPr>
-              <a:stCxn id="94" idx="3"/>
-              <a:endCxn id="80" idx="3"/>
+              <a:stCxn id="194" idx="3"/>
+              <a:endCxn id="210" idx="3"/>
             </p:cNvCxnSpPr>
             <p:nvPr/>
           </p:nvCxnSpPr>
           <p:spPr>
             <a:xfrm flipV="1">
-              <a:off x="2484922" y="408284"/>
-              <a:ext cx="377871" cy="1737644"/>
+              <a:off x="2447558" y="408284"/>
+              <a:ext cx="415235" cy="1346649"/>
             </a:xfrm>
             <a:prstGeom prst="bentConnector2">
               <a:avLst/>
@@ -4339,6 +4468,145 @@
             </a:fontRef>
           </p:style>
         </p:cxnSp>
+        <p:sp>
+          <p:nvSpPr>
+            <p:cNvPr id="196" name="Rectangle 195"/>
+            <p:cNvSpPr/>
+            <p:nvPr/>
+          </p:nvSpPr>
+          <p:spPr>
+            <a:xfrm>
+              <a:off x="68122" y="1394575"/>
+              <a:ext cx="1636987" cy="369332"/>
+            </a:xfrm>
+            <a:prstGeom prst="rect">
+              <a:avLst/>
+            </a:prstGeom>
+          </p:spPr>
+          <p:txBody>
+            <a:bodyPr wrap="none" lIns="91440" tIns="45720" rIns="91440" bIns="45720">
+              <a:spAutoFit/>
+            </a:bodyPr>
+            <a:lstStyle/>
+            <a:p>
+              <a:r>
+                <a:rPr lang="en-US" sz="900" dirty="0" err="1" smtClean="0">
+                  <a:solidFill>
+                    <a:srgbClr val="00B050"/>
+                  </a:solidFill>
+                </a:rPr>
+                <a:t>listOfExternalModelDefinitions</a:t>
+              </a:r>
+              <a:endParaRPr lang="en-US" sz="900" dirty="0">
+                <a:solidFill>
+                  <a:srgbClr val="00B050"/>
+                </a:solidFill>
+              </a:endParaRPr>
+            </a:p>
+            <a:p>
+              <a:r>
+                <a:rPr lang="en-US" sz="900" dirty="0">
+                  <a:solidFill>
+                    <a:srgbClr val="00B050"/>
+                  </a:solidFill>
+                </a:rPr>
+                <a:t>0,1</a:t>
+              </a:r>
+            </a:p>
+          </p:txBody>
+        </p:sp>
+        <p:cxnSp>
+          <p:nvCxnSpPr>
+            <p:cNvPr id="197" name="Elbow Connector 196"/>
+            <p:cNvCxnSpPr>
+              <a:stCxn id="206" idx="2"/>
+              <a:endCxn id="194" idx="0"/>
+            </p:cNvCxnSpPr>
+            <p:nvPr/>
+          </p:nvCxnSpPr>
+          <p:spPr>
+            <a:xfrm rot="16200000" flipH="1">
+              <a:off x="161210" y="398613"/>
+              <a:ext cx="1208135" cy="1300359"/>
+            </a:xfrm>
+            <a:prstGeom prst="bentConnector3">
+              <a:avLst>
+                <a:gd name="adj1" fmla="val 92217"/>
+              </a:avLst>
+            </a:prstGeom>
+            <a:ln w="6350">
+              <a:solidFill>
+                <a:srgbClr val="00B050"/>
+              </a:solidFill>
+            </a:ln>
+          </p:spPr>
+          <p:style>
+            <a:lnRef idx="1">
+              <a:schemeClr val="accent1"/>
+            </a:lnRef>
+            <a:fillRef idx="0">
+              <a:schemeClr val="accent1"/>
+            </a:fillRef>
+            <a:effectRef idx="0">
+              <a:schemeClr val="accent1"/>
+            </a:effectRef>
+            <a:fontRef idx="minor">
+              <a:schemeClr val="tx1"/>
+            </a:fontRef>
+          </p:style>
+        </p:cxnSp>
+        <p:sp>
+          <p:nvSpPr>
+            <p:cNvPr id="198" name="Diamond 197"/>
+            <p:cNvSpPr/>
+            <p:nvPr/>
+          </p:nvSpPr>
+          <p:spPr>
+            <a:xfrm>
+              <a:off x="349921" y="1851775"/>
+              <a:ext cx="66869" cy="152398"/>
+            </a:xfrm>
+            <a:prstGeom prst="diamond">
+              <a:avLst/>
+            </a:prstGeom>
+            <a:solidFill>
+              <a:srgbClr val="0070C0"/>
+            </a:solidFill>
+            <a:ln w="6350">
+              <a:solidFill>
+                <a:srgbClr val="0070C0"/>
+              </a:solidFill>
+            </a:ln>
+          </p:spPr>
+          <p:style>
+            <a:lnRef idx="2">
+              <a:schemeClr val="accent1">
+                <a:shade val="50000"/>
+              </a:schemeClr>
+            </a:lnRef>
+            <a:fillRef idx="1">
+              <a:schemeClr val="accent1"/>
+            </a:fillRef>
+            <a:effectRef idx="0">
+              <a:schemeClr val="accent1"/>
+            </a:effectRef>
+            <a:fontRef idx="minor">
+              <a:schemeClr val="lt1"/>
+            </a:fontRef>
+          </p:style>
+          <p:txBody>
+            <a:bodyPr lIns="91440" tIns="45720" rIns="91440" bIns="45720" spcCol="0" rtlCol="0" anchor="ctr"/>
+            <a:lstStyle/>
+            <a:p>
+              <a:pPr algn="ctr"/>
+              <a:endParaRPr lang="en-US">
+                <a:solidFill>
+                  <a:srgbClr val="0070C0"/>
+                </a:solidFill>
+              </a:endParaRPr>
+            </a:p>
+          </p:txBody>
+        </p:sp>
       </p:grpSp>
     </p:spTree>
     <p:extLst>

--- a/sbml-level-3/version-1/comp/HierarchicalSBML.pptx
+++ b/sbml-level-3/version-1/comp/HierarchicalSBML.pptx
@@ -288,7 +288,7 @@
           <a:p>
             <a:fld id="{F0172217-DC24-48CD-AE89-68C8C8D878B4}" type="datetimeFigureOut">
               <a:rPr lang="en-US" smtClean="0"/>
-              <a:t>5/10/2011</a:t>
+              <a:t>5/17/2011</a:t>
             </a:fld>
             <a:endParaRPr lang="en-US"/>
           </a:p>
@@ -458,7 +458,7 @@
           <a:p>
             <a:fld id="{F0172217-DC24-48CD-AE89-68C8C8D878B4}" type="datetimeFigureOut">
               <a:rPr lang="en-US" smtClean="0"/>
-              <a:t>5/10/2011</a:t>
+              <a:t>5/17/2011</a:t>
             </a:fld>
             <a:endParaRPr lang="en-US"/>
           </a:p>
@@ -638,7 +638,7 @@
           <a:p>
             <a:fld id="{F0172217-DC24-48CD-AE89-68C8C8D878B4}" type="datetimeFigureOut">
               <a:rPr lang="en-US" smtClean="0"/>
-              <a:t>5/10/2011</a:t>
+              <a:t>5/17/2011</a:t>
             </a:fld>
             <a:endParaRPr lang="en-US"/>
           </a:p>
@@ -808,7 +808,7 @@
           <a:p>
             <a:fld id="{F0172217-DC24-48CD-AE89-68C8C8D878B4}" type="datetimeFigureOut">
               <a:rPr lang="en-US" smtClean="0"/>
-              <a:t>5/10/2011</a:t>
+              <a:t>5/17/2011</a:t>
             </a:fld>
             <a:endParaRPr lang="en-US"/>
           </a:p>
@@ -1054,7 +1054,7 @@
           <a:p>
             <a:fld id="{F0172217-DC24-48CD-AE89-68C8C8D878B4}" type="datetimeFigureOut">
               <a:rPr lang="en-US" smtClean="0"/>
-              <a:t>5/10/2011</a:t>
+              <a:t>5/17/2011</a:t>
             </a:fld>
             <a:endParaRPr lang="en-US"/>
           </a:p>
@@ -1342,7 +1342,7 @@
           <a:p>
             <a:fld id="{F0172217-DC24-48CD-AE89-68C8C8D878B4}" type="datetimeFigureOut">
               <a:rPr lang="en-US" smtClean="0"/>
-              <a:t>5/10/2011</a:t>
+              <a:t>5/17/2011</a:t>
             </a:fld>
             <a:endParaRPr lang="en-US"/>
           </a:p>
@@ -1764,7 +1764,7 @@
           <a:p>
             <a:fld id="{F0172217-DC24-48CD-AE89-68C8C8D878B4}" type="datetimeFigureOut">
               <a:rPr lang="en-US" smtClean="0"/>
-              <a:t>5/10/2011</a:t>
+              <a:t>5/17/2011</a:t>
             </a:fld>
             <a:endParaRPr lang="en-US"/>
           </a:p>
@@ -1882,7 +1882,7 @@
           <a:p>
             <a:fld id="{F0172217-DC24-48CD-AE89-68C8C8D878B4}" type="datetimeFigureOut">
               <a:rPr lang="en-US" smtClean="0"/>
-              <a:t>5/10/2011</a:t>
+              <a:t>5/17/2011</a:t>
             </a:fld>
             <a:endParaRPr lang="en-US"/>
           </a:p>
@@ -1977,7 +1977,7 @@
           <a:p>
             <a:fld id="{F0172217-DC24-48CD-AE89-68C8C8D878B4}" type="datetimeFigureOut">
               <a:rPr lang="en-US" smtClean="0"/>
-              <a:t>5/10/2011</a:t>
+              <a:t>5/17/2011</a:t>
             </a:fld>
             <a:endParaRPr lang="en-US"/>
           </a:p>
@@ -2254,7 +2254,7 @@
           <a:p>
             <a:fld id="{F0172217-DC24-48CD-AE89-68C8C8D878B4}" type="datetimeFigureOut">
               <a:rPr lang="en-US" smtClean="0"/>
-              <a:t>5/10/2011</a:t>
+              <a:t>5/17/2011</a:t>
             </a:fld>
             <a:endParaRPr lang="en-US"/>
           </a:p>
@@ -2507,7 +2507,7 @@
           <a:p>
             <a:fld id="{F0172217-DC24-48CD-AE89-68C8C8D878B4}" type="datetimeFigureOut">
               <a:rPr lang="en-US" smtClean="0"/>
-              <a:t>5/10/2011</a:t>
+              <a:t>5/17/2011</a:t>
             </a:fld>
             <a:endParaRPr lang="en-US"/>
           </a:p>
@@ -2720,7 +2720,7 @@
           <a:p>
             <a:fld id="{F0172217-DC24-48CD-AE89-68C8C8D878B4}" type="datetimeFigureOut">
               <a:rPr lang="en-US" smtClean="0"/>
-              <a:t>5/10/2011</a:t>
+              <a:t>5/17/2011</a:t>
             </a:fld>
             <a:endParaRPr lang="en-US"/>
           </a:p>
@@ -3097,7 +3097,7 @@
       </p:grpSpPr>
       <p:grpSp>
         <p:nvGrpSpPr>
-          <p:cNvPr id="192" name="Group 191"/>
+          <p:cNvPr id="2" name="Group 1"/>
           <p:cNvGrpSpPr/>
           <p:nvPr/>
         </p:nvGrpSpPr>
@@ -3111,7 +3111,7 @@
         </p:grpSpPr>
         <p:grpSp>
           <p:nvGrpSpPr>
-            <p:cNvPr id="193" name="Group 192"/>
+            <p:cNvPr id="192" name="Group 191"/>
             <p:cNvGrpSpPr/>
             <p:nvPr/>
           </p:nvGrpSpPr>
@@ -3125,7 +3125,7 @@
           </p:grpSpPr>
           <p:grpSp>
             <p:nvGrpSpPr>
-              <p:cNvPr id="199" name="Group 198"/>
+              <p:cNvPr id="193" name="Group 192"/>
               <p:cNvGrpSpPr/>
               <p:nvPr/>
             </p:nvGrpSpPr>
@@ -3133,145 +3133,919 @@
               <a:xfrm>
                 <a:off x="46522" y="49921"/>
                 <a:ext cx="3107356" cy="3302879"/>
-                <a:chOff x="76200" y="69680"/>
+                <a:chOff x="46522" y="49921"/>
                 <a:chExt cx="3107356" cy="3302879"/>
               </a:xfrm>
             </p:grpSpPr>
-            <p:sp>
-              <p:nvSpPr>
-                <p:cNvPr id="205" name="Rectangle 204"/>
-                <p:cNvSpPr/>
+            <p:grpSp>
+              <p:nvGrpSpPr>
+                <p:cNvPr id="199" name="Group 198"/>
+                <p:cNvGrpSpPr/>
                 <p:nvPr/>
-              </p:nvSpPr>
-              <p:spPr>
+              </p:nvGrpSpPr>
+              <p:grpSpPr>
                 <a:xfrm>
-                  <a:off x="145179" y="70254"/>
-                  <a:ext cx="2369421" cy="243840"/>
+                  <a:off x="46522" y="49921"/>
+                  <a:ext cx="3107356" cy="3302879"/>
+                  <a:chOff x="76200" y="69680"/>
+                  <a:chExt cx="3107356" cy="3302879"/>
                 </a:xfrm>
-                <a:prstGeom prst="rect">
-                  <a:avLst/>
-                </a:prstGeom>
-                <a:noFill/>
-                <a:ln w="6350">
-                  <a:solidFill>
-                    <a:schemeClr val="tx1"/>
-                  </a:solidFill>
-                </a:ln>
-              </p:spPr>
-              <p:style>
-                <a:lnRef idx="2">
-                  <a:schemeClr val="accent1">
-                    <a:shade val="50000"/>
-                  </a:schemeClr>
-                </a:lnRef>
-                <a:fillRef idx="1">
-                  <a:schemeClr val="accent1"/>
-                </a:fillRef>
-                <a:effectRef idx="0">
-                  <a:schemeClr val="accent1"/>
-                </a:effectRef>
-                <a:fontRef idx="minor">
-                  <a:schemeClr val="lt1"/>
-                </a:fontRef>
-              </p:style>
-              <p:txBody>
-                <a:bodyPr rtlCol="0" anchor="t"/>
-                <a:lstStyle/>
-                <a:p>
-                  <a:pPr algn="ctr"/>
-                  <a:r>
-                    <a:rPr lang="en-US" sz="1100" b="1" dirty="0" smtClean="0">
+              </p:grpSpPr>
+              <p:sp>
+                <p:nvSpPr>
+                  <p:cNvPr id="205" name="Rectangle 204"/>
+                  <p:cNvSpPr/>
+                  <p:nvPr/>
+                </p:nvSpPr>
+                <p:spPr>
+                  <a:xfrm>
+                    <a:off x="145179" y="70254"/>
+                    <a:ext cx="2369421" cy="243840"/>
+                  </a:xfrm>
+                  <a:prstGeom prst="rect">
+                    <a:avLst/>
+                  </a:prstGeom>
+                  <a:noFill/>
+                  <a:ln w="6350">
+                    <a:solidFill>
+                      <a:schemeClr val="tx1"/>
+                    </a:solidFill>
+                  </a:ln>
+                </p:spPr>
+                <p:style>
+                  <a:lnRef idx="2">
+                    <a:schemeClr val="accent1">
+                      <a:shade val="50000"/>
+                    </a:schemeClr>
+                  </a:lnRef>
+                  <a:fillRef idx="1">
+                    <a:schemeClr val="accent1"/>
+                  </a:fillRef>
+                  <a:effectRef idx="0">
+                    <a:schemeClr val="accent1"/>
+                  </a:effectRef>
+                  <a:fontRef idx="minor">
+                    <a:schemeClr val="lt1"/>
+                  </a:fontRef>
+                </p:style>
+                <p:txBody>
+                  <a:bodyPr rtlCol="0" anchor="t"/>
+                  <a:lstStyle/>
+                  <a:p>
+                    <a:pPr algn="ctr"/>
+                    <a:r>
+                      <a:rPr lang="en-US" sz="1100" b="1" dirty="0" smtClean="0">
+                        <a:solidFill>
+                          <a:schemeClr val="tx1"/>
+                        </a:solidFill>
+                      </a:rPr>
+                      <a:t>SBML </a:t>
+                    </a:r>
+                    <a:r>
+                      <a:rPr lang="en-US" b="1" i="1" dirty="0">
+                        <a:solidFill>
+                          <a:srgbClr val="00B050"/>
+                        </a:solidFill>
+                      </a:rPr>
+                      <a:t>(extended</a:t>
+                    </a:r>
+                    <a:r>
+                      <a:rPr lang="en-US" b="1" i="1" dirty="0" smtClean="0">
+                        <a:solidFill>
+                          <a:srgbClr val="00B050"/>
+                        </a:solidFill>
+                      </a:rPr>
+                      <a:t>)</a:t>
+                    </a:r>
+                    <a:endParaRPr lang="en-US" b="1" dirty="0">
                       <a:solidFill>
                         <a:schemeClr val="tx1"/>
                       </a:solidFill>
-                    </a:rPr>
-                    <a:t>SBML </a:t>
-                  </a:r>
-                  <a:r>
-                    <a:rPr lang="en-US" b="1" i="1" dirty="0">
+                    </a:endParaRPr>
+                  </a:p>
+                </p:txBody>
+              </p:sp>
+              <p:sp>
+                <p:nvSpPr>
+                  <p:cNvPr id="206" name="Diamond 205"/>
+                  <p:cNvSpPr/>
+                  <p:nvPr/>
+                </p:nvSpPr>
+                <p:spPr>
+                  <a:xfrm>
+                    <a:off x="111341" y="312087"/>
+                    <a:ext cx="66869" cy="152398"/>
+                  </a:xfrm>
+                  <a:prstGeom prst="diamond">
+                    <a:avLst/>
+                  </a:prstGeom>
+                  <a:solidFill>
+                    <a:srgbClr val="00B050"/>
+                  </a:solidFill>
+                  <a:ln w="6350">
+                    <a:solidFill>
+                      <a:srgbClr val="00B050"/>
+                    </a:solidFill>
+                  </a:ln>
+                </p:spPr>
+                <p:style>
+                  <a:lnRef idx="2">
+                    <a:schemeClr val="accent1">
+                      <a:shade val="50000"/>
+                    </a:schemeClr>
+                  </a:lnRef>
+                  <a:fillRef idx="1">
+                    <a:schemeClr val="accent1"/>
+                  </a:fillRef>
+                  <a:effectRef idx="0">
+                    <a:schemeClr val="accent1"/>
+                  </a:effectRef>
+                  <a:fontRef idx="minor">
+                    <a:schemeClr val="lt1"/>
+                  </a:fontRef>
+                </p:style>
+                <p:txBody>
+                  <a:bodyPr lIns="91440" tIns="45720" rIns="91440" bIns="45720" spcCol="0" rtlCol="0" anchor="ctr"/>
+                  <a:lstStyle/>
+                  <a:p>
+                    <a:pPr algn="ctr"/>
+                    <a:endParaRPr lang="en-US"/>
+                  </a:p>
+                </p:txBody>
+              </p:sp>
+              <p:cxnSp>
+                <p:nvCxnSpPr>
+                  <p:cNvPr id="207" name="Elbow Connector 206"/>
+                  <p:cNvCxnSpPr>
+                    <a:stCxn id="215" idx="2"/>
+                    <a:endCxn id="39" idx="0"/>
+                  </p:cNvCxnSpPr>
+                  <p:nvPr/>
+                </p:nvCxnSpPr>
+                <p:spPr>
+                  <a:xfrm rot="16200000" flipH="1">
+                    <a:off x="653208" y="629468"/>
+                    <a:ext cx="80765" cy="906307"/>
+                  </a:xfrm>
+                  <a:prstGeom prst="bentConnector3">
+                    <a:avLst>
+                      <a:gd name="adj1" fmla="val 50000"/>
+                    </a:avLst>
+                  </a:prstGeom>
+                  <a:ln w="6350">
+                    <a:solidFill>
+                      <a:srgbClr val="0070C0"/>
+                    </a:solidFill>
+                  </a:ln>
+                </p:spPr>
+                <p:style>
+                  <a:lnRef idx="1">
+                    <a:schemeClr val="accent1"/>
+                  </a:lnRef>
+                  <a:fillRef idx="0">
+                    <a:schemeClr val="accent1"/>
+                  </a:fillRef>
+                  <a:effectRef idx="0">
+                    <a:schemeClr val="accent1"/>
+                  </a:effectRef>
+                  <a:fontRef idx="minor">
+                    <a:schemeClr val="tx1"/>
+                  </a:fontRef>
+                </p:style>
+              </p:cxnSp>
+              <p:sp>
+                <p:nvSpPr>
+                  <p:cNvPr id="208" name="Rectangle 207"/>
+                  <p:cNvSpPr/>
+                  <p:nvPr/>
+                </p:nvSpPr>
+                <p:spPr>
+                  <a:xfrm>
+                    <a:off x="240437" y="690729"/>
+                    <a:ext cx="1648969" cy="201646"/>
+                  </a:xfrm>
+                  <a:prstGeom prst="rect">
+                    <a:avLst/>
+                  </a:prstGeom>
+                  <a:noFill/>
+                  <a:ln w="6350">
+                    <a:solidFill>
+                      <a:srgbClr val="0070C0"/>
+                    </a:solidFill>
+                  </a:ln>
+                </p:spPr>
+                <p:style>
+                  <a:lnRef idx="2">
+                    <a:schemeClr val="accent1">
+                      <a:shade val="50000"/>
+                    </a:schemeClr>
+                  </a:lnRef>
+                  <a:fillRef idx="1">
+                    <a:schemeClr val="accent1"/>
+                  </a:fillRef>
+                  <a:effectRef idx="0">
+                    <a:schemeClr val="accent1"/>
+                  </a:effectRef>
+                  <a:fontRef idx="minor">
+                    <a:schemeClr val="lt1"/>
+                  </a:fontRef>
+                </p:style>
+                <p:txBody>
+                  <a:bodyPr lIns="91440" tIns="45720" rIns="91440" bIns="45720" spcCol="0" rtlCol="0" anchor="ctr"/>
+                  <a:lstStyle/>
+                  <a:p>
+                    <a:pPr algn="ctr"/>
+                    <a:r>
+                      <a:rPr lang="en-US" sz="1100" b="1" dirty="0">
+                        <a:solidFill>
+                          <a:srgbClr val="0070C0"/>
+                        </a:solidFill>
+                      </a:rPr>
+                      <a:t>ListOfModelDefinitions</a:t>
+                    </a:r>
+                  </a:p>
+                </p:txBody>
+              </p:sp>
+              <p:sp>
+                <p:nvSpPr>
+                  <p:cNvPr id="209" name="Rectangle 208"/>
+                  <p:cNvSpPr/>
+                  <p:nvPr/>
+                </p:nvSpPr>
+                <p:spPr>
+                  <a:xfrm>
+                    <a:off x="2601387" y="69680"/>
+                    <a:ext cx="582169" cy="244414"/>
+                  </a:xfrm>
+                  <a:prstGeom prst="rect">
+                    <a:avLst/>
+                  </a:prstGeom>
+                  <a:noFill/>
+                  <a:ln w="6350">
+                    <a:solidFill>
+                      <a:schemeClr val="tx1"/>
+                    </a:solidFill>
+                  </a:ln>
+                </p:spPr>
+                <p:style>
+                  <a:lnRef idx="2">
+                    <a:schemeClr val="accent1">
+                      <a:shade val="50000"/>
+                    </a:schemeClr>
+                  </a:lnRef>
+                  <a:fillRef idx="1">
+                    <a:schemeClr val="accent1"/>
+                  </a:fillRef>
+                  <a:effectRef idx="0">
+                    <a:schemeClr val="accent1"/>
+                  </a:effectRef>
+                  <a:fontRef idx="minor">
+                    <a:schemeClr val="lt1"/>
+                  </a:fontRef>
+                </p:style>
+                <p:txBody>
+                  <a:bodyPr lIns="91440" tIns="45720" rIns="91440" bIns="45720" spcCol="0" rtlCol="0" anchor="ctr"/>
+                  <a:lstStyle/>
+                  <a:p>
+                    <a:pPr algn="ctr"/>
+                    <a:r>
+                      <a:rPr lang="en-US" sz="1100" b="1" dirty="0">
+                        <a:solidFill>
+                          <a:schemeClr val="tx1"/>
+                        </a:solidFill>
+                      </a:rPr>
+                      <a:t>SBase</a:t>
+                    </a:r>
+                  </a:p>
+                </p:txBody>
+              </p:sp>
+              <p:sp>
+                <p:nvSpPr>
+                  <p:cNvPr id="210" name="Isosceles Triangle 209"/>
+                  <p:cNvSpPr/>
+                  <p:nvPr/>
+                </p:nvSpPr>
+                <p:spPr>
+                  <a:xfrm>
+                    <a:off x="2812871" y="313743"/>
+                    <a:ext cx="159199" cy="114300"/>
+                  </a:xfrm>
+                  <a:prstGeom prst="triangle">
+                    <a:avLst/>
+                  </a:prstGeom>
+                  <a:noFill/>
+                  <a:ln w="6350">
+                    <a:solidFill>
+                      <a:schemeClr val="tx1"/>
+                    </a:solidFill>
+                  </a:ln>
+                </p:spPr>
+                <p:style>
+                  <a:lnRef idx="2">
+                    <a:schemeClr val="accent1">
+                      <a:shade val="50000"/>
+                    </a:schemeClr>
+                  </a:lnRef>
+                  <a:fillRef idx="1">
+                    <a:schemeClr val="accent1"/>
+                  </a:fillRef>
+                  <a:effectRef idx="0">
+                    <a:schemeClr val="accent1"/>
+                  </a:effectRef>
+                  <a:fontRef idx="minor">
+                    <a:schemeClr val="lt1"/>
+                  </a:fontRef>
+                </p:style>
+                <p:txBody>
+                  <a:bodyPr lIns="91440" tIns="45720" rIns="91440" bIns="45720" spcCol="0" rtlCol="0" anchor="ctr"/>
+                  <a:lstStyle/>
+                  <a:p>
+                    <a:pPr algn="ctr"/>
+                    <a:endParaRPr lang="en-US" sz="1100" b="1" dirty="0">
+                      <a:solidFill>
+                        <a:schemeClr val="tx1"/>
+                      </a:solidFill>
+                    </a:endParaRPr>
+                  </a:p>
+                </p:txBody>
+              </p:sp>
+              <p:cxnSp>
+                <p:nvCxnSpPr>
+                  <p:cNvPr id="211" name="Elbow Connector 210"/>
+                  <p:cNvCxnSpPr>
+                    <a:stCxn id="208" idx="3"/>
+                    <a:endCxn id="210" idx="3"/>
+                  </p:cNvCxnSpPr>
+                  <p:nvPr/>
+                </p:nvCxnSpPr>
+                <p:spPr>
+                  <a:xfrm flipV="1">
+                    <a:off x="1889406" y="428043"/>
+                    <a:ext cx="1003065" cy="363509"/>
+                  </a:xfrm>
+                  <a:prstGeom prst="bentConnector2">
+                    <a:avLst/>
+                  </a:prstGeom>
+                  <a:ln w="6350">
+                    <a:solidFill>
+                      <a:srgbClr val="0070C0"/>
+                    </a:solidFill>
+                  </a:ln>
+                </p:spPr>
+                <p:style>
+                  <a:lnRef idx="1">
+                    <a:schemeClr val="accent1"/>
+                  </a:lnRef>
+                  <a:fillRef idx="0">
+                    <a:schemeClr val="accent1"/>
+                  </a:fillRef>
+                  <a:effectRef idx="0">
+                    <a:schemeClr val="accent1"/>
+                  </a:effectRef>
+                  <a:fontRef idx="minor">
+                    <a:schemeClr val="tx1"/>
+                  </a:fontRef>
+                </p:style>
+              </p:cxnSp>
+              <p:sp>
+                <p:nvSpPr>
+                  <p:cNvPr id="212" name="Rectangle 211"/>
+                  <p:cNvSpPr/>
+                  <p:nvPr/>
+                </p:nvSpPr>
+                <p:spPr>
+                  <a:xfrm>
+                    <a:off x="89253" y="375917"/>
+                    <a:ext cx="1252266" cy="369332"/>
+                  </a:xfrm>
+                  <a:prstGeom prst="rect">
+                    <a:avLst/>
+                  </a:prstGeom>
+                </p:spPr>
+                <p:txBody>
+                  <a:bodyPr wrap="none" lIns="91440" tIns="45720" rIns="91440" bIns="45720">
+                    <a:spAutoFit/>
+                  </a:bodyPr>
+                  <a:lstStyle/>
+                  <a:p>
+                    <a:r>
+                      <a:rPr lang="en-US" sz="900" dirty="0" err="1">
+                        <a:solidFill>
+                          <a:srgbClr val="00B050"/>
+                        </a:solidFill>
+                      </a:rPr>
+                      <a:t>listOfModelDefinitions</a:t>
+                    </a:r>
+                    <a:endParaRPr lang="en-US" sz="900" dirty="0">
                       <a:solidFill>
                         <a:srgbClr val="00B050"/>
                       </a:solidFill>
-                    </a:rPr>
-                    <a:t>(extended</a:t>
-                  </a:r>
-                  <a:r>
-                    <a:rPr lang="en-US" b="1" i="1" dirty="0" smtClean="0">
-                      <a:solidFill>
-                        <a:srgbClr val="00B050"/>
-                      </a:solidFill>
-                    </a:rPr>
-                    <a:t>)</a:t>
-                  </a:r>
-                  <a:endParaRPr lang="en-US" b="1" dirty="0">
+                    </a:endParaRPr>
+                  </a:p>
+                  <a:p>
+                    <a:r>
+                      <a:rPr lang="en-US" sz="900" dirty="0">
+                        <a:solidFill>
+                          <a:srgbClr val="00B050"/>
+                        </a:solidFill>
+                      </a:rPr>
+                      <a:t>0,1</a:t>
+                    </a:r>
+                  </a:p>
+                </p:txBody>
+              </p:sp>
+              <p:sp>
+                <p:nvSpPr>
+                  <p:cNvPr id="213" name="Rectangle 212"/>
+                  <p:cNvSpPr/>
+                  <p:nvPr/>
+                </p:nvSpPr>
+                <p:spPr>
+                  <a:xfrm>
+                    <a:off x="1952364" y="1086559"/>
+                    <a:ext cx="820514" cy="304800"/>
+                  </a:xfrm>
+                  <a:prstGeom prst="rect">
+                    <a:avLst/>
+                  </a:prstGeom>
+                  <a:noFill/>
+                  <a:ln w="6350">
                     <a:solidFill>
                       <a:schemeClr val="tx1"/>
                     </a:solidFill>
-                  </a:endParaRPr>
-                </a:p>
-              </p:txBody>
-            </p:sp>
-            <p:sp>
-              <p:nvSpPr>
-                <p:cNvPr id="206" name="Diamond 205"/>
-                <p:cNvSpPr/>
-                <p:nvPr/>
-              </p:nvSpPr>
-              <p:spPr>
-                <a:xfrm>
-                  <a:off x="111341" y="312087"/>
-                  <a:ext cx="66869" cy="152398"/>
-                </a:xfrm>
-                <a:prstGeom prst="diamond">
-                  <a:avLst/>
-                </a:prstGeom>
-                <a:solidFill>
-                  <a:srgbClr val="00B050"/>
-                </a:solidFill>
-                <a:ln w="6350">
+                  </a:ln>
+                </p:spPr>
+                <p:style>
+                  <a:lnRef idx="2">
+                    <a:schemeClr val="accent1">
+                      <a:shade val="50000"/>
+                    </a:schemeClr>
+                  </a:lnRef>
+                  <a:fillRef idx="1">
+                    <a:schemeClr val="accent1"/>
+                  </a:fillRef>
+                  <a:effectRef idx="0">
+                    <a:schemeClr val="accent1"/>
+                  </a:effectRef>
+                  <a:fontRef idx="minor">
+                    <a:schemeClr val="lt1"/>
+                  </a:fontRef>
+                </p:style>
+                <p:txBody>
+                  <a:bodyPr lIns="91440" tIns="45720" rIns="91440" bIns="45720" spcCol="0" rtlCol="0" anchor="ctr"/>
+                  <a:lstStyle/>
+                  <a:p>
+                    <a:pPr algn="ctr"/>
+                    <a:r>
+                      <a:rPr lang="en-US" sz="1100" b="1" dirty="0" smtClean="0">
+                        <a:solidFill>
+                          <a:sysClr val="windowText" lastClr="000000"/>
+                        </a:solidFill>
+                      </a:rPr>
+                      <a:t>Model </a:t>
+                    </a:r>
+                    <a:r>
+                      <a:rPr lang="en-US" sz="1100" b="1" i="1" dirty="0">
+                        <a:solidFill>
+                          <a:srgbClr val="00B050"/>
+                        </a:solidFill>
+                      </a:rPr>
+                      <a:t>(extended</a:t>
+                    </a:r>
+                    <a:r>
+                      <a:rPr lang="en-US" sz="1100" b="1" i="1" dirty="0" smtClean="0">
+                        <a:solidFill>
+                          <a:srgbClr val="00B050"/>
+                        </a:solidFill>
+                      </a:rPr>
+                      <a:t>)</a:t>
+                    </a:r>
+                    <a:endParaRPr lang="en-US" sz="1100" b="1" dirty="0">
+                      <a:solidFill>
+                        <a:schemeClr val="tx1"/>
+                      </a:solidFill>
+                    </a:endParaRPr>
+                  </a:p>
+                </p:txBody>
+              </p:sp>
+              <p:sp>
+                <p:nvSpPr>
+                  <p:cNvPr id="214" name="Rectangle 213"/>
+                  <p:cNvSpPr/>
+                  <p:nvPr/>
+                </p:nvSpPr>
+                <p:spPr>
+                  <a:xfrm>
+                    <a:off x="186351" y="879324"/>
+                    <a:ext cx="950901" cy="369332"/>
+                  </a:xfrm>
+                  <a:prstGeom prst="rect">
+                    <a:avLst/>
+                  </a:prstGeom>
+                  <a:ln>
+                    <a:noFill/>
+                  </a:ln>
+                </p:spPr>
+                <p:txBody>
+                  <a:bodyPr wrap="none" lIns="91440" tIns="45720" rIns="91440" bIns="45720">
+                    <a:spAutoFit/>
+                  </a:bodyPr>
+                  <a:lstStyle/>
+                  <a:p>
+                    <a:r>
+                      <a:rPr lang="en-US" sz="900" dirty="0" err="1" smtClean="0">
+                        <a:solidFill>
+                          <a:srgbClr val="0070C0"/>
+                        </a:solidFill>
+                      </a:rPr>
+                      <a:t>modelDefinition</a:t>
+                    </a:r>
+                    <a:endParaRPr lang="en-US" sz="900" dirty="0">
+                      <a:solidFill>
+                        <a:srgbClr val="0070C0"/>
+                      </a:solidFill>
+                    </a:endParaRPr>
+                  </a:p>
+                  <a:p>
+                    <a:r>
+                      <a:rPr lang="en-US" sz="900" dirty="0">
+                        <a:solidFill>
+                          <a:srgbClr val="0070C0"/>
+                        </a:solidFill>
+                      </a:rPr>
+                      <a:t>0,…,*</a:t>
+                    </a:r>
+                  </a:p>
+                </p:txBody>
+              </p:sp>
+              <p:sp>
+                <p:nvSpPr>
+                  <p:cNvPr id="215" name="Diamond 214"/>
+                  <p:cNvSpPr/>
+                  <p:nvPr/>
+                </p:nvSpPr>
+                <p:spPr>
+                  <a:xfrm>
+                    <a:off x="207002" y="889842"/>
+                    <a:ext cx="66869" cy="152398"/>
+                  </a:xfrm>
+                  <a:prstGeom prst="diamond">
+                    <a:avLst/>
+                  </a:prstGeom>
                   <a:solidFill>
-                    <a:srgbClr val="00B050"/>
+                    <a:srgbClr val="0070C0"/>
                   </a:solidFill>
-                </a:ln>
-              </p:spPr>
-              <p:style>
-                <a:lnRef idx="2">
-                  <a:schemeClr val="accent1">
-                    <a:shade val="50000"/>
-                  </a:schemeClr>
-                </a:lnRef>
-                <a:fillRef idx="1">
-                  <a:schemeClr val="accent1"/>
-                </a:fillRef>
-                <a:effectRef idx="0">
-                  <a:schemeClr val="accent1"/>
-                </a:effectRef>
-                <a:fontRef idx="minor">
-                  <a:schemeClr val="lt1"/>
-                </a:fontRef>
-              </p:style>
-              <p:txBody>
-                <a:bodyPr lIns="91440" tIns="45720" rIns="91440" bIns="45720" spcCol="0" rtlCol="0" anchor="ctr"/>
-                <a:lstStyle/>
-                <a:p>
-                  <a:pPr algn="ctr"/>
-                  <a:endParaRPr lang="en-US"/>
-                </a:p>
-              </p:txBody>
-            </p:sp>
+                  <a:ln w="6350">
+                    <a:solidFill>
+                      <a:srgbClr val="0070C0"/>
+                    </a:solidFill>
+                  </a:ln>
+                </p:spPr>
+                <p:style>
+                  <a:lnRef idx="2">
+                    <a:schemeClr val="accent1">
+                      <a:shade val="50000"/>
+                    </a:schemeClr>
+                  </a:lnRef>
+                  <a:fillRef idx="1">
+                    <a:schemeClr val="accent1"/>
+                  </a:fillRef>
+                  <a:effectRef idx="0">
+                    <a:schemeClr val="accent1"/>
+                  </a:effectRef>
+                  <a:fontRef idx="minor">
+                    <a:schemeClr val="lt1"/>
+                  </a:fontRef>
+                </p:style>
+                <p:txBody>
+                  <a:bodyPr lIns="91440" tIns="45720" rIns="91440" bIns="45720" spcCol="0" rtlCol="0" anchor="ctr"/>
+                  <a:lstStyle/>
+                  <a:p>
+                    <a:pPr algn="ctr"/>
+                    <a:endParaRPr lang="en-US">
+                      <a:solidFill>
+                        <a:srgbClr val="0070C0"/>
+                      </a:solidFill>
+                    </a:endParaRPr>
+                  </a:p>
+                </p:txBody>
+              </p:sp>
+              <p:cxnSp>
+                <p:nvCxnSpPr>
+                  <p:cNvPr id="216" name="Elbow Connector 215"/>
+                  <p:cNvCxnSpPr>
+                    <a:stCxn id="205" idx="2"/>
+                    <a:endCxn id="210" idx="3"/>
+                  </p:cNvCxnSpPr>
+                  <p:nvPr/>
+                </p:nvCxnSpPr>
+                <p:spPr>
+                  <a:xfrm rot="16200000" flipH="1">
+                    <a:off x="2054206" y="-410223"/>
+                    <a:ext cx="113949" cy="1562581"/>
+                  </a:xfrm>
+                  <a:prstGeom prst="bentConnector3">
+                    <a:avLst>
+                      <a:gd name="adj1" fmla="val 199308"/>
+                    </a:avLst>
+                  </a:prstGeom>
+                  <a:ln w="6350">
+                    <a:solidFill>
+                      <a:schemeClr val="tx1"/>
+                    </a:solidFill>
+                  </a:ln>
+                </p:spPr>
+                <p:style>
+                  <a:lnRef idx="1">
+                    <a:schemeClr val="accent1"/>
+                  </a:lnRef>
+                  <a:fillRef idx="0">
+                    <a:schemeClr val="accent1"/>
+                  </a:fillRef>
+                  <a:effectRef idx="0">
+                    <a:schemeClr val="accent1"/>
+                  </a:effectRef>
+                  <a:fontRef idx="minor">
+                    <a:schemeClr val="tx1"/>
+                  </a:fontRef>
+                </p:style>
+              </p:cxnSp>
+              <p:cxnSp>
+                <p:nvCxnSpPr>
+                  <p:cNvPr id="217" name="Elbow Connector 216"/>
+                  <p:cNvCxnSpPr>
+                    <a:stCxn id="213" idx="3"/>
+                    <a:endCxn id="210" idx="3"/>
+                  </p:cNvCxnSpPr>
+                  <p:nvPr/>
+                </p:nvCxnSpPr>
+                <p:spPr>
+                  <a:xfrm flipV="1">
+                    <a:off x="2772878" y="428043"/>
+                    <a:ext cx="119593" cy="810916"/>
+                  </a:xfrm>
+                  <a:prstGeom prst="bentConnector2">
+                    <a:avLst/>
+                  </a:prstGeom>
+                  <a:ln w="6350">
+                    <a:solidFill>
+                      <a:schemeClr val="tx1"/>
+                    </a:solidFill>
+                  </a:ln>
+                </p:spPr>
+                <p:style>
+                  <a:lnRef idx="1">
+                    <a:schemeClr val="accent1"/>
+                  </a:lnRef>
+                  <a:fillRef idx="0">
+                    <a:schemeClr val="accent1"/>
+                  </a:fillRef>
+                  <a:effectRef idx="0">
+                    <a:schemeClr val="accent1"/>
+                  </a:effectRef>
+                  <a:fontRef idx="minor">
+                    <a:schemeClr val="tx1"/>
+                  </a:fontRef>
+                </p:style>
+              </p:cxnSp>
+              <p:cxnSp>
+                <p:nvCxnSpPr>
+                  <p:cNvPr id="218" name="Elbow Connector 217"/>
+                  <p:cNvCxnSpPr>
+                    <a:stCxn id="206" idx="2"/>
+                    <a:endCxn id="219" idx="0"/>
+                  </p:cNvCxnSpPr>
+                  <p:nvPr/>
+                </p:nvCxnSpPr>
+                <p:spPr>
+                  <a:xfrm rot="16200000" flipH="1">
+                    <a:off x="-610490" y="1219751"/>
+                    <a:ext cx="2603274" cy="1092742"/>
+                  </a:xfrm>
+                  <a:prstGeom prst="bentConnector3">
+                    <a:avLst>
+                      <a:gd name="adj1" fmla="val 96598"/>
+                    </a:avLst>
+                  </a:prstGeom>
+                  <a:ln w="6350">
+                    <a:solidFill>
+                      <a:schemeClr val="tx1"/>
+                    </a:solidFill>
+                  </a:ln>
+                </p:spPr>
+                <p:style>
+                  <a:lnRef idx="1">
+                    <a:schemeClr val="accent1"/>
+                  </a:lnRef>
+                  <a:fillRef idx="0">
+                    <a:schemeClr val="accent1"/>
+                  </a:fillRef>
+                  <a:effectRef idx="0">
+                    <a:schemeClr val="accent1"/>
+                  </a:effectRef>
+                  <a:fontRef idx="minor">
+                    <a:schemeClr val="tx1"/>
+                  </a:fontRef>
+                </p:style>
+              </p:cxnSp>
+              <p:sp>
+                <p:nvSpPr>
+                  <p:cNvPr id="219" name="Rectangle 218"/>
+                  <p:cNvSpPr/>
+                  <p:nvPr/>
+                </p:nvSpPr>
+                <p:spPr>
+                  <a:xfrm>
+                    <a:off x="413033" y="3067759"/>
+                    <a:ext cx="1648969" cy="304800"/>
+                  </a:xfrm>
+                  <a:prstGeom prst="rect">
+                    <a:avLst/>
+                  </a:prstGeom>
+                  <a:noFill/>
+                  <a:ln w="6350">
+                    <a:solidFill>
+                      <a:schemeClr val="tx1"/>
+                    </a:solidFill>
+                  </a:ln>
+                </p:spPr>
+                <p:style>
+                  <a:lnRef idx="2">
+                    <a:schemeClr val="accent1">
+                      <a:shade val="50000"/>
+                    </a:schemeClr>
+                  </a:lnRef>
+                  <a:fillRef idx="1">
+                    <a:schemeClr val="accent1"/>
+                  </a:fillRef>
+                  <a:effectRef idx="0">
+                    <a:schemeClr val="accent1"/>
+                  </a:effectRef>
+                  <a:fontRef idx="minor">
+                    <a:schemeClr val="lt1"/>
+                  </a:fontRef>
+                </p:style>
+                <p:txBody>
+                  <a:bodyPr lIns="91440" tIns="45720" rIns="91440" bIns="45720" spcCol="0" rtlCol="0" anchor="ctr"/>
+                  <a:lstStyle/>
+                  <a:p>
+                    <a:pPr algn="ctr"/>
+                    <a:r>
+                      <a:rPr lang="en-US" sz="1100" b="1" dirty="0" smtClean="0">
+                        <a:solidFill>
+                          <a:sysClr val="windowText" lastClr="000000"/>
+                        </a:solidFill>
+                      </a:rPr>
+                      <a:t>Model </a:t>
+                    </a:r>
+                    <a:r>
+                      <a:rPr lang="en-US" sz="1100" b="1" i="1" dirty="0">
+                        <a:solidFill>
+                          <a:srgbClr val="00B050"/>
+                        </a:solidFill>
+                      </a:rPr>
+                      <a:t>(extended</a:t>
+                    </a:r>
+                    <a:r>
+                      <a:rPr lang="en-US" sz="1100" b="1" i="1" dirty="0" smtClean="0">
+                        <a:solidFill>
+                          <a:srgbClr val="00B050"/>
+                        </a:solidFill>
+                      </a:rPr>
+                      <a:t>)</a:t>
+                    </a:r>
+                    <a:endParaRPr lang="en-US" sz="1100" b="1" dirty="0">
+                      <a:solidFill>
+                        <a:schemeClr val="tx1"/>
+                      </a:solidFill>
+                    </a:endParaRPr>
+                  </a:p>
+                </p:txBody>
+              </p:sp>
+              <p:sp>
+                <p:nvSpPr>
+                  <p:cNvPr id="220" name="Rectangle 219"/>
+                  <p:cNvSpPr/>
+                  <p:nvPr/>
+                </p:nvSpPr>
+                <p:spPr>
+                  <a:xfrm>
+                    <a:off x="76200" y="2813952"/>
+                    <a:ext cx="484428" cy="230832"/>
+                  </a:xfrm>
+                  <a:prstGeom prst="rect">
+                    <a:avLst/>
+                  </a:prstGeom>
+                  <a:ln>
+                    <a:noFill/>
+                  </a:ln>
+                </p:spPr>
+                <p:txBody>
+                  <a:bodyPr wrap="none" lIns="91440" tIns="45720" rIns="91440" bIns="45720">
+                    <a:spAutoFit/>
+                  </a:bodyPr>
+                  <a:lstStyle/>
+                  <a:p>
+                    <a:r>
+                      <a:rPr lang="en-US" sz="900" dirty="0" smtClean="0"/>
+                      <a:t>model</a:t>
+                    </a:r>
+                    <a:endParaRPr lang="en-US" sz="900" dirty="0"/>
+                  </a:p>
+                </p:txBody>
+              </p:sp>
+              <p:cxnSp>
+                <p:nvCxnSpPr>
+                  <p:cNvPr id="221" name="Elbow Connector 220"/>
+                  <p:cNvCxnSpPr>
+                    <a:stCxn id="219" idx="3"/>
+                    <a:endCxn id="210" idx="3"/>
+                  </p:cNvCxnSpPr>
+                  <p:nvPr/>
+                </p:nvCxnSpPr>
+                <p:spPr>
+                  <a:xfrm flipV="1">
+                    <a:off x="2062002" y="428043"/>
+                    <a:ext cx="830469" cy="2792116"/>
+                  </a:xfrm>
+                  <a:prstGeom prst="bentConnector2">
+                    <a:avLst/>
+                  </a:prstGeom>
+                  <a:ln w="6350">
+                    <a:solidFill>
+                      <a:schemeClr val="tx1"/>
+                    </a:solidFill>
+                  </a:ln>
+                </p:spPr>
+                <p:style>
+                  <a:lnRef idx="1">
+                    <a:schemeClr val="accent1"/>
+                  </a:lnRef>
+                  <a:fillRef idx="0">
+                    <a:schemeClr val="accent1"/>
+                  </a:fillRef>
+                  <a:effectRef idx="0">
+                    <a:schemeClr val="accent1"/>
+                  </a:effectRef>
+                  <a:fontRef idx="minor">
+                    <a:schemeClr val="tx1"/>
+                  </a:fontRef>
+                </p:style>
+              </p:cxnSp>
+              <p:cxnSp>
+                <p:nvCxnSpPr>
+                  <p:cNvPr id="222" name="Elbow Connector 221"/>
+                  <p:cNvCxnSpPr>
+                    <a:stCxn id="206" idx="2"/>
+                    <a:endCxn id="208" idx="0"/>
+                  </p:cNvCxnSpPr>
+                  <p:nvPr/>
+                </p:nvCxnSpPr>
+                <p:spPr>
+                  <a:xfrm rot="16200000" flipH="1">
+                    <a:off x="491727" y="117534"/>
+                    <a:ext cx="226244" cy="920146"/>
+                  </a:xfrm>
+                  <a:prstGeom prst="bentConnector3">
+                    <a:avLst>
+                      <a:gd name="adj1" fmla="val 34891"/>
+                    </a:avLst>
+                  </a:prstGeom>
+                  <a:ln w="6350">
+                    <a:solidFill>
+                      <a:srgbClr val="00B050"/>
+                    </a:solidFill>
+                  </a:ln>
+                </p:spPr>
+                <p:style>
+                  <a:lnRef idx="1">
+                    <a:schemeClr val="accent1"/>
+                  </a:lnRef>
+                  <a:fillRef idx="0">
+                    <a:schemeClr val="accent1"/>
+                  </a:fillRef>
+                  <a:effectRef idx="0">
+                    <a:schemeClr val="accent1"/>
+                  </a:effectRef>
+                  <a:fontRef idx="minor">
+                    <a:schemeClr val="tx1"/>
+                  </a:fontRef>
+                </p:style>
+              </p:cxnSp>
+            </p:grpSp>
             <p:cxnSp>
               <p:nvCxnSpPr>
-                <p:cNvPr id="207" name="Elbow Connector 206"/>
+                <p:cNvPr id="200" name="Elbow Connector 199"/>
                 <p:cNvCxnSpPr>
-                  <a:stCxn id="215" idx="2"/>
-                  <a:endCxn id="213" idx="0"/>
+                  <a:stCxn id="198" idx="2"/>
+                  <a:endCxn id="201" idx="0"/>
                 </p:cNvCxnSpPr>
                 <p:nvPr/>
               </p:nvCxnSpPr>
               <p:spPr>
                 <a:xfrm rot="16200000" flipH="1">
-                  <a:off x="942004" y="478854"/>
-                  <a:ext cx="78734" cy="1136676"/>
+                  <a:off x="940355" y="1447173"/>
+                  <a:ext cx="92881" cy="1206879"/>
                 </a:xfrm>
                 <a:prstGeom prst="bentConnector3">
                   <a:avLst>
@@ -3301,14 +4075,14 @@
             </p:cxnSp>
             <p:sp>
               <p:nvSpPr>
-                <p:cNvPr id="208" name="Rectangle 207"/>
+                <p:cNvPr id="201" name="Rectangle 200"/>
                 <p:cNvSpPr/>
                 <p:nvPr/>
               </p:nvSpPr>
               <p:spPr>
                 <a:xfrm>
-                  <a:off x="413033" y="656314"/>
-                  <a:ext cx="1648969" cy="201646"/>
+                  <a:off x="695547" y="2097054"/>
+                  <a:ext cx="1789375" cy="789936"/>
                 </a:xfrm>
                 <a:prstGeom prst="rect">
                   <a:avLst/>
@@ -3337,137 +4111,255 @@
                 </a:fontRef>
               </p:style>
               <p:txBody>
-                <a:bodyPr lIns="91440" tIns="45720" rIns="91440" bIns="45720" spcCol="0" rtlCol="0" anchor="ctr"/>
+                <a:bodyPr lIns="91440" tIns="45720" rIns="91440" bIns="45720" spcCol="0" rtlCol="0" anchor="t"/>
                 <a:lstStyle/>
                 <a:p>
                   <a:pPr algn="ctr"/>
                   <a:r>
-                    <a:rPr lang="en-US" sz="1100" b="1" dirty="0">
+                    <a:rPr lang="en-US" sz="1100" b="1" dirty="0" err="1" smtClean="0">
+                      <a:solidFill>
+                        <a:schemeClr val="accent1"/>
+                      </a:solidFill>
+                    </a:rPr>
+                    <a:t>ExternalModelDefinition</a:t>
+                  </a:r>
+                  <a:endParaRPr lang="en-US" sz="1100" b="1" dirty="0" smtClean="0">
+                    <a:solidFill>
+                      <a:schemeClr val="accent1"/>
+                    </a:solidFill>
+                  </a:endParaRPr>
+                </a:p>
+                <a:p>
+                  <a:pPr defTabSz="417972"/>
+                  <a:r>
+                    <a:rPr lang="en-US" dirty="0" smtClean="0">
                       <a:solidFill>
                         <a:srgbClr val="0070C0"/>
                       </a:solidFill>
                     </a:rPr>
-                    <a:t>ListOfModelDefinitions</a:t>
+                    <a:t>id</a:t>
                   </a:r>
+                  <a:r>
+                    <a:rPr lang="en-US">
+                      <a:solidFill>
+                        <a:srgbClr val="0070C0"/>
+                      </a:solidFill>
+                    </a:rPr>
+                    <a:t>: </a:t>
+                  </a:r>
+                  <a:r>
+                    <a:rPr lang="en-US" smtClean="0">
+                      <a:solidFill>
+                        <a:srgbClr val="0070C0"/>
+                      </a:solidFill>
+                    </a:rPr>
+                    <a:t>SId</a:t>
+                  </a:r>
+                  <a:endParaRPr lang="en-US" dirty="0">
+                    <a:solidFill>
+                      <a:srgbClr val="0070C0"/>
+                    </a:solidFill>
+                  </a:endParaRPr>
+                </a:p>
+                <a:p>
+                  <a:pPr defTabSz="417972"/>
+                  <a:r>
+                    <a:rPr lang="en-US" dirty="0" smtClean="0">
+                      <a:solidFill>
+                        <a:srgbClr val="0070C0"/>
+                      </a:solidFill>
+                    </a:rPr>
+                    <a:t>source</a:t>
+                  </a:r>
+                  <a:r>
+                    <a:rPr lang="en-US" dirty="0">
+                      <a:solidFill>
+                        <a:srgbClr val="0070C0"/>
+                      </a:solidFill>
+                    </a:rPr>
+                    <a:t>: </a:t>
+                  </a:r>
+                  <a:r>
+                    <a:rPr lang="en-US" dirty="0" err="1" smtClean="0">
+                      <a:solidFill>
+                        <a:srgbClr val="0070C0"/>
+                      </a:solidFill>
+                    </a:rPr>
+                    <a:t>anyURI</a:t>
+                  </a:r>
+                  <a:endParaRPr lang="en-US" dirty="0" smtClean="0">
+                    <a:solidFill>
+                      <a:srgbClr val="0070C0"/>
+                    </a:solidFill>
+                  </a:endParaRPr>
+                </a:p>
+                <a:p>
+                  <a:pPr lvl="0" defTabSz="417972"/>
+                  <a:r>
+                    <a:rPr lang="en-US" dirty="0" smtClean="0">
+                      <a:solidFill>
+                        <a:srgbClr val="0070C0"/>
+                      </a:solidFill>
+                    </a:rPr>
+                    <a:t>model</a:t>
+                  </a:r>
+                  <a:r>
+                    <a:rPr lang="en-US" dirty="0">
+                      <a:solidFill>
+                        <a:srgbClr val="0070C0"/>
+                      </a:solidFill>
+                    </a:rPr>
+                    <a:t>: </a:t>
+                  </a:r>
+                  <a:r>
+                    <a:rPr lang="en-US" dirty="0" err="1">
+                      <a:solidFill>
+                        <a:srgbClr val="0070C0"/>
+                      </a:solidFill>
+                    </a:rPr>
+                    <a:t>SIdRef</a:t>
+                  </a:r>
+                  <a:r>
+                    <a:rPr lang="en-US" dirty="0">
+                      <a:solidFill>
+                        <a:srgbClr val="0070C0"/>
+                      </a:solidFill>
+                    </a:rPr>
+                    <a:t> {use=“optional”}</a:t>
+                  </a:r>
+                </a:p>
+                <a:p>
+                  <a:pPr lvl="0" defTabSz="417972"/>
+                  <a:r>
+                    <a:rPr lang="en-US" dirty="0" smtClean="0">
+                      <a:solidFill>
+                        <a:srgbClr val="0070C0"/>
+                      </a:solidFill>
+                    </a:rPr>
+                    <a:t>md5</a:t>
+                  </a:r>
+                  <a:r>
+                    <a:rPr lang="en-US" dirty="0">
+                      <a:solidFill>
+                        <a:srgbClr val="0070C0"/>
+                      </a:solidFill>
+                    </a:rPr>
+                    <a:t>: string {use=“optional</a:t>
+                  </a:r>
+                  <a:r>
+                    <a:rPr lang="en-US" dirty="0" smtClean="0">
+                      <a:solidFill>
+                        <a:srgbClr val="0070C0"/>
+                      </a:solidFill>
+                    </a:rPr>
+                    <a:t>”}</a:t>
+                  </a:r>
+                  <a:endParaRPr lang="en-US" dirty="0">
+                    <a:solidFill>
+                      <a:srgbClr val="0070C0"/>
+                    </a:solidFill>
+                  </a:endParaRPr>
                 </a:p>
               </p:txBody>
             </p:sp>
             <p:sp>
               <p:nvSpPr>
-                <p:cNvPr id="209" name="Rectangle 208"/>
+                <p:cNvPr id="202" name="Rectangle 201"/>
                 <p:cNvSpPr/>
                 <p:nvPr/>
               </p:nvSpPr>
               <p:spPr>
                 <a:xfrm>
-                  <a:off x="2601387" y="69680"/>
-                  <a:ext cx="582169" cy="244414"/>
+                  <a:off x="321779" y="1864225"/>
+                  <a:ext cx="1343638" cy="369332"/>
                 </a:xfrm>
                 <a:prstGeom prst="rect">
                   <a:avLst/>
                 </a:prstGeom>
-                <a:noFill/>
+                <a:ln>
+                  <a:noFill/>
+                </a:ln>
+              </p:spPr>
+              <p:txBody>
+                <a:bodyPr wrap="none" lIns="91440" tIns="45720" rIns="91440" bIns="45720">
+                  <a:spAutoFit/>
+                </a:bodyPr>
+                <a:lstStyle/>
+                <a:p>
+                  <a:r>
+                    <a:rPr lang="en-US" sz="900" dirty="0" err="1" smtClean="0">
+                      <a:solidFill>
+                        <a:srgbClr val="0070C0"/>
+                      </a:solidFill>
+                    </a:rPr>
+                    <a:t>externalModelDefinition</a:t>
+                  </a:r>
+                  <a:endParaRPr lang="en-US" sz="900" dirty="0">
+                    <a:solidFill>
+                      <a:srgbClr val="0070C0"/>
+                    </a:solidFill>
+                  </a:endParaRPr>
+                </a:p>
+                <a:p>
+                  <a:r>
+                    <a:rPr lang="en-US" sz="900" dirty="0">
+                      <a:solidFill>
+                        <a:srgbClr val="0070C0"/>
+                      </a:solidFill>
+                    </a:rPr>
+                    <a:t>0,…,*</a:t>
+                  </a:r>
+                </a:p>
+              </p:txBody>
+            </p:sp>
+            <p:cxnSp>
+              <p:nvCxnSpPr>
+                <p:cNvPr id="203" name="Straight Connector 202"/>
+                <p:cNvCxnSpPr/>
+                <p:nvPr/>
+              </p:nvCxnSpPr>
+              <p:spPr>
+                <a:xfrm>
+                  <a:off x="700086" y="2309246"/>
+                  <a:ext cx="1784836" cy="0"/>
+                </a:xfrm>
+                <a:prstGeom prst="line">
+                  <a:avLst/>
+                </a:prstGeom>
                 <a:ln w="6350">
                   <a:solidFill>
-                    <a:schemeClr val="tx1"/>
+                    <a:srgbClr val="0070C0"/>
                   </a:solidFill>
                 </a:ln>
               </p:spPr>
               <p:style>
-                <a:lnRef idx="2">
-                  <a:schemeClr val="accent1">
-                    <a:shade val="50000"/>
-                  </a:schemeClr>
+                <a:lnRef idx="1">
+                  <a:schemeClr val="accent1"/>
                 </a:lnRef>
-                <a:fillRef idx="1">
+                <a:fillRef idx="0">
                   <a:schemeClr val="accent1"/>
                 </a:fillRef>
                 <a:effectRef idx="0">
                   <a:schemeClr val="accent1"/>
                 </a:effectRef>
                 <a:fontRef idx="minor">
-                  <a:schemeClr val="lt1"/>
+                  <a:schemeClr val="tx1"/>
                 </a:fontRef>
               </p:style>
-              <p:txBody>
-                <a:bodyPr lIns="91440" tIns="45720" rIns="91440" bIns="45720" spcCol="0" rtlCol="0" anchor="ctr"/>
-                <a:lstStyle/>
-                <a:p>
-                  <a:pPr algn="ctr"/>
-                  <a:r>
-                    <a:rPr lang="en-US" sz="1100" b="1" dirty="0">
-                      <a:solidFill>
-                        <a:schemeClr val="tx1"/>
-                      </a:solidFill>
-                    </a:rPr>
-                    <a:t>SBase</a:t>
-                  </a:r>
-                </a:p>
-              </p:txBody>
-            </p:sp>
-            <p:sp>
-              <p:nvSpPr>
-                <p:cNvPr id="210" name="Isosceles Triangle 209"/>
-                <p:cNvSpPr/>
-                <p:nvPr/>
-              </p:nvSpPr>
-              <p:spPr>
-                <a:xfrm>
-                  <a:off x="2812871" y="313743"/>
-                  <a:ext cx="159199" cy="114300"/>
-                </a:xfrm>
-                <a:prstGeom prst="triangle">
-                  <a:avLst/>
-                </a:prstGeom>
-                <a:noFill/>
-                <a:ln w="6350">
-                  <a:solidFill>
-                    <a:schemeClr val="tx1"/>
-                  </a:solidFill>
-                </a:ln>
-              </p:spPr>
-              <p:style>
-                <a:lnRef idx="2">
-                  <a:schemeClr val="accent1">
-                    <a:shade val="50000"/>
-                  </a:schemeClr>
-                </a:lnRef>
-                <a:fillRef idx="1">
-                  <a:schemeClr val="accent1"/>
-                </a:fillRef>
-                <a:effectRef idx="0">
-                  <a:schemeClr val="accent1"/>
-                </a:effectRef>
-                <a:fontRef idx="minor">
-                  <a:schemeClr val="lt1"/>
-                </a:fontRef>
-              </p:style>
-              <p:txBody>
-                <a:bodyPr lIns="91440" tIns="45720" rIns="91440" bIns="45720" spcCol="0" rtlCol="0" anchor="ctr"/>
-                <a:lstStyle/>
-                <a:p>
-                  <a:pPr algn="ctr"/>
-                  <a:endParaRPr lang="en-US" sz="1100" b="1" dirty="0">
-                    <a:solidFill>
-                      <a:schemeClr val="tx1"/>
-                    </a:solidFill>
-                  </a:endParaRPr>
-                </a:p>
-              </p:txBody>
-            </p:sp>
+            </p:cxnSp>
             <p:cxnSp>
               <p:nvCxnSpPr>
-                <p:cNvPr id="211" name="Elbow Connector 210"/>
+                <p:cNvPr id="204" name="Elbow Connector 203"/>
                 <p:cNvCxnSpPr>
-                  <a:stCxn id="208" idx="3"/>
+                  <a:stCxn id="201" idx="3"/>
                   <a:endCxn id="210" idx="3"/>
                 </p:cNvCxnSpPr>
                 <p:nvPr/>
               </p:nvCxnSpPr>
               <p:spPr>
                 <a:xfrm flipV="1">
-                  <a:off x="2062002" y="428043"/>
-                  <a:ext cx="830469" cy="329094"/>
+                  <a:off x="2484922" y="408284"/>
+                  <a:ext cx="377871" cy="2083738"/>
                 </a:xfrm>
                 <a:prstGeom prst="bentConnector2">
                   <a:avLst/>
@@ -3493,582 +4385,17 @@
                 </a:fontRef>
               </p:style>
             </p:cxnSp>
-            <p:sp>
-              <p:nvSpPr>
-                <p:cNvPr id="212" name="Rectangle 211"/>
-                <p:cNvSpPr/>
-                <p:nvPr/>
-              </p:nvSpPr>
-              <p:spPr>
-                <a:xfrm>
-                  <a:off x="97799" y="371644"/>
-                  <a:ext cx="1252266" cy="369332"/>
-                </a:xfrm>
-                <a:prstGeom prst="rect">
-                  <a:avLst/>
-                </a:prstGeom>
-              </p:spPr>
-              <p:txBody>
-                <a:bodyPr wrap="none" lIns="91440" tIns="45720" rIns="91440" bIns="45720">
-                  <a:spAutoFit/>
-                </a:bodyPr>
-                <a:lstStyle/>
-                <a:p>
-                  <a:r>
-                    <a:rPr lang="en-US" sz="900" dirty="0" err="1">
-                      <a:solidFill>
-                        <a:srgbClr val="00B050"/>
-                      </a:solidFill>
-                    </a:rPr>
-                    <a:t>listOfModelDefinitions</a:t>
-                  </a:r>
-                  <a:endParaRPr lang="en-US" sz="900" dirty="0">
-                    <a:solidFill>
-                      <a:srgbClr val="00B050"/>
-                    </a:solidFill>
-                  </a:endParaRPr>
-                </a:p>
-                <a:p>
-                  <a:r>
-                    <a:rPr lang="en-US" sz="900" dirty="0">
-                      <a:solidFill>
-                        <a:srgbClr val="00B050"/>
-                      </a:solidFill>
-                    </a:rPr>
-                    <a:t>0,1</a:t>
-                  </a:r>
-                </a:p>
-              </p:txBody>
-            </p:sp>
-            <p:sp>
-              <p:nvSpPr>
-                <p:cNvPr id="213" name="Rectangle 212"/>
-                <p:cNvSpPr/>
-                <p:nvPr/>
-              </p:nvSpPr>
-              <p:spPr>
-                <a:xfrm>
-                  <a:off x="725224" y="1086559"/>
-                  <a:ext cx="1648969" cy="304800"/>
-                </a:xfrm>
-                <a:prstGeom prst="rect">
-                  <a:avLst/>
-                </a:prstGeom>
-                <a:noFill/>
-                <a:ln w="6350">
-                  <a:solidFill>
-                    <a:schemeClr val="tx1"/>
-                  </a:solidFill>
-                </a:ln>
-              </p:spPr>
-              <p:style>
-                <a:lnRef idx="2">
-                  <a:schemeClr val="accent1">
-                    <a:shade val="50000"/>
-                  </a:schemeClr>
-                </a:lnRef>
-                <a:fillRef idx="1">
-                  <a:schemeClr val="accent1"/>
-                </a:fillRef>
-                <a:effectRef idx="0">
-                  <a:schemeClr val="accent1"/>
-                </a:effectRef>
-                <a:fontRef idx="minor">
-                  <a:schemeClr val="lt1"/>
-                </a:fontRef>
-              </p:style>
-              <p:txBody>
-                <a:bodyPr lIns="91440" tIns="45720" rIns="91440" bIns="45720" spcCol="0" rtlCol="0" anchor="ctr"/>
-                <a:lstStyle/>
-                <a:p>
-                  <a:pPr algn="ctr"/>
-                  <a:r>
-                    <a:rPr lang="en-US" sz="1100" b="1" dirty="0" smtClean="0">
-                      <a:solidFill>
-                        <a:sysClr val="windowText" lastClr="000000"/>
-                      </a:solidFill>
-                    </a:rPr>
-                    <a:t>Model </a:t>
-                  </a:r>
-                  <a:r>
-                    <a:rPr lang="en-US" sz="1100" b="1" i="1" dirty="0">
-                      <a:solidFill>
-                        <a:srgbClr val="00B050"/>
-                      </a:solidFill>
-                    </a:rPr>
-                    <a:t>(extended</a:t>
-                  </a:r>
-                  <a:r>
-                    <a:rPr lang="en-US" sz="1100" b="1" i="1" dirty="0" smtClean="0">
-                      <a:solidFill>
-                        <a:srgbClr val="00B050"/>
-                      </a:solidFill>
-                    </a:rPr>
-                    <a:t>)</a:t>
-                  </a:r>
-                  <a:endParaRPr lang="en-US" sz="1100" b="1" dirty="0">
-                    <a:solidFill>
-                      <a:schemeClr val="tx1"/>
-                    </a:solidFill>
-                  </a:endParaRPr>
-                </a:p>
-              </p:txBody>
-            </p:sp>
-            <p:sp>
-              <p:nvSpPr>
-                <p:cNvPr id="214" name="Rectangle 213"/>
-                <p:cNvSpPr/>
-                <p:nvPr/>
-              </p:nvSpPr>
-              <p:spPr>
-                <a:xfrm>
-                  <a:off x="364938" y="857959"/>
-                  <a:ext cx="950901" cy="369332"/>
-                </a:xfrm>
-                <a:prstGeom prst="rect">
-                  <a:avLst/>
-                </a:prstGeom>
-                <a:ln>
-                  <a:noFill/>
-                </a:ln>
-              </p:spPr>
-              <p:txBody>
-                <a:bodyPr wrap="none" lIns="91440" tIns="45720" rIns="91440" bIns="45720">
-                  <a:spAutoFit/>
-                </a:bodyPr>
-                <a:lstStyle/>
-                <a:p>
-                  <a:r>
-                    <a:rPr lang="en-US" sz="900" dirty="0" err="1" smtClean="0">
-                      <a:solidFill>
-                        <a:srgbClr val="0070C0"/>
-                      </a:solidFill>
-                    </a:rPr>
-                    <a:t>modelDefinition</a:t>
-                  </a:r>
-                  <a:endParaRPr lang="en-US" sz="900" dirty="0">
-                    <a:solidFill>
-                      <a:srgbClr val="0070C0"/>
-                    </a:solidFill>
-                  </a:endParaRPr>
-                </a:p>
-                <a:p>
-                  <a:r>
-                    <a:rPr lang="en-US" sz="900" dirty="0">
-                      <a:solidFill>
-                        <a:srgbClr val="0070C0"/>
-                      </a:solidFill>
-                    </a:rPr>
-                    <a:t>0,…,*</a:t>
-                  </a:r>
-                </a:p>
-              </p:txBody>
-            </p:sp>
-            <p:sp>
-              <p:nvSpPr>
-                <p:cNvPr id="215" name="Diamond 214"/>
-                <p:cNvSpPr/>
-                <p:nvPr/>
-              </p:nvSpPr>
-              <p:spPr>
-                <a:xfrm>
-                  <a:off x="379598" y="855427"/>
-                  <a:ext cx="66869" cy="152398"/>
-                </a:xfrm>
-                <a:prstGeom prst="diamond">
-                  <a:avLst/>
-                </a:prstGeom>
-                <a:solidFill>
-                  <a:srgbClr val="0070C0"/>
-                </a:solidFill>
-                <a:ln w="6350">
-                  <a:solidFill>
-                    <a:srgbClr val="0070C0"/>
-                  </a:solidFill>
-                </a:ln>
-              </p:spPr>
-              <p:style>
-                <a:lnRef idx="2">
-                  <a:schemeClr val="accent1">
-                    <a:shade val="50000"/>
-                  </a:schemeClr>
-                </a:lnRef>
-                <a:fillRef idx="1">
-                  <a:schemeClr val="accent1"/>
-                </a:fillRef>
-                <a:effectRef idx="0">
-                  <a:schemeClr val="accent1"/>
-                </a:effectRef>
-                <a:fontRef idx="minor">
-                  <a:schemeClr val="lt1"/>
-                </a:fontRef>
-              </p:style>
-              <p:txBody>
-                <a:bodyPr lIns="91440" tIns="45720" rIns="91440" bIns="45720" spcCol="0" rtlCol="0" anchor="ctr"/>
-                <a:lstStyle/>
-                <a:p>
-                  <a:pPr algn="ctr"/>
-                  <a:endParaRPr lang="en-US">
-                    <a:solidFill>
-                      <a:srgbClr val="0070C0"/>
-                    </a:solidFill>
-                  </a:endParaRPr>
-                </a:p>
-              </p:txBody>
-            </p:sp>
-            <p:cxnSp>
-              <p:nvCxnSpPr>
-                <p:cNvPr id="216" name="Elbow Connector 215"/>
-                <p:cNvCxnSpPr>
-                  <a:stCxn id="205" idx="2"/>
-                  <a:endCxn id="210" idx="3"/>
-                </p:cNvCxnSpPr>
-                <p:nvPr/>
-              </p:nvCxnSpPr>
-              <p:spPr>
-                <a:xfrm rot="16200000" flipH="1">
-                  <a:off x="2054206" y="-410223"/>
-                  <a:ext cx="113949" cy="1562581"/>
-                </a:xfrm>
-                <a:prstGeom prst="bentConnector3">
-                  <a:avLst>
-                    <a:gd name="adj1" fmla="val 199308"/>
-                  </a:avLst>
-                </a:prstGeom>
-                <a:ln w="6350">
-                  <a:solidFill>
-                    <a:schemeClr val="tx1"/>
-                  </a:solidFill>
-                </a:ln>
-              </p:spPr>
-              <p:style>
-                <a:lnRef idx="1">
-                  <a:schemeClr val="accent1"/>
-                </a:lnRef>
-                <a:fillRef idx="0">
-                  <a:schemeClr val="accent1"/>
-                </a:fillRef>
-                <a:effectRef idx="0">
-                  <a:schemeClr val="accent1"/>
-                </a:effectRef>
-                <a:fontRef idx="minor">
-                  <a:schemeClr val="tx1"/>
-                </a:fontRef>
-              </p:style>
-            </p:cxnSp>
-            <p:cxnSp>
-              <p:nvCxnSpPr>
-                <p:cNvPr id="217" name="Elbow Connector 216"/>
-                <p:cNvCxnSpPr>
-                  <a:stCxn id="213" idx="3"/>
-                  <a:endCxn id="210" idx="3"/>
-                </p:cNvCxnSpPr>
-                <p:nvPr/>
-              </p:nvCxnSpPr>
-              <p:spPr>
-                <a:xfrm flipV="1">
-                  <a:off x="2374193" y="428043"/>
-                  <a:ext cx="518278" cy="810916"/>
-                </a:xfrm>
-                <a:prstGeom prst="bentConnector2">
-                  <a:avLst/>
-                </a:prstGeom>
-                <a:ln w="6350">
-                  <a:solidFill>
-                    <a:schemeClr val="tx1"/>
-                  </a:solidFill>
-                </a:ln>
-              </p:spPr>
-              <p:style>
-                <a:lnRef idx="1">
-                  <a:schemeClr val="accent1"/>
-                </a:lnRef>
-                <a:fillRef idx="0">
-                  <a:schemeClr val="accent1"/>
-                </a:fillRef>
-                <a:effectRef idx="0">
-                  <a:schemeClr val="accent1"/>
-                </a:effectRef>
-                <a:fontRef idx="minor">
-                  <a:schemeClr val="tx1"/>
-                </a:fontRef>
-              </p:style>
-            </p:cxnSp>
-            <p:cxnSp>
-              <p:nvCxnSpPr>
-                <p:cNvPr id="218" name="Elbow Connector 217"/>
-                <p:cNvCxnSpPr>
-                  <a:stCxn id="206" idx="2"/>
-                  <a:endCxn id="219" idx="0"/>
-                </p:cNvCxnSpPr>
-                <p:nvPr/>
-              </p:nvCxnSpPr>
-              <p:spPr>
-                <a:xfrm rot="16200000" flipH="1">
-                  <a:off x="-610490" y="1219751"/>
-                  <a:ext cx="2603274" cy="1092742"/>
-                </a:xfrm>
-                <a:prstGeom prst="bentConnector3">
-                  <a:avLst>
-                    <a:gd name="adj1" fmla="val 96598"/>
-                  </a:avLst>
-                </a:prstGeom>
-                <a:ln w="6350">
-                  <a:solidFill>
-                    <a:schemeClr val="tx1"/>
-                  </a:solidFill>
-                </a:ln>
-              </p:spPr>
-              <p:style>
-                <a:lnRef idx="1">
-                  <a:schemeClr val="accent1"/>
-                </a:lnRef>
-                <a:fillRef idx="0">
-                  <a:schemeClr val="accent1"/>
-                </a:fillRef>
-                <a:effectRef idx="0">
-                  <a:schemeClr val="accent1"/>
-                </a:effectRef>
-                <a:fontRef idx="minor">
-                  <a:schemeClr val="tx1"/>
-                </a:fontRef>
-              </p:style>
-            </p:cxnSp>
-            <p:sp>
-              <p:nvSpPr>
-                <p:cNvPr id="219" name="Rectangle 218"/>
-                <p:cNvSpPr/>
-                <p:nvPr/>
-              </p:nvSpPr>
-              <p:spPr>
-                <a:xfrm>
-                  <a:off x="413033" y="3067759"/>
-                  <a:ext cx="1648969" cy="304800"/>
-                </a:xfrm>
-                <a:prstGeom prst="rect">
-                  <a:avLst/>
-                </a:prstGeom>
-                <a:noFill/>
-                <a:ln w="6350">
-                  <a:solidFill>
-                    <a:schemeClr val="tx1"/>
-                  </a:solidFill>
-                </a:ln>
-              </p:spPr>
-              <p:style>
-                <a:lnRef idx="2">
-                  <a:schemeClr val="accent1">
-                    <a:shade val="50000"/>
-                  </a:schemeClr>
-                </a:lnRef>
-                <a:fillRef idx="1">
-                  <a:schemeClr val="accent1"/>
-                </a:fillRef>
-                <a:effectRef idx="0">
-                  <a:schemeClr val="accent1"/>
-                </a:effectRef>
-                <a:fontRef idx="minor">
-                  <a:schemeClr val="lt1"/>
-                </a:fontRef>
-              </p:style>
-              <p:txBody>
-                <a:bodyPr lIns="91440" tIns="45720" rIns="91440" bIns="45720" spcCol="0" rtlCol="0" anchor="ctr"/>
-                <a:lstStyle/>
-                <a:p>
-                  <a:pPr algn="ctr"/>
-                  <a:r>
-                    <a:rPr lang="en-US" sz="1100" b="1" dirty="0" smtClean="0">
-                      <a:solidFill>
-                        <a:sysClr val="windowText" lastClr="000000"/>
-                      </a:solidFill>
-                    </a:rPr>
-                    <a:t>Model </a:t>
-                  </a:r>
-                  <a:r>
-                    <a:rPr lang="en-US" sz="1100" b="1" i="1" dirty="0">
-                      <a:solidFill>
-                        <a:srgbClr val="00B050"/>
-                      </a:solidFill>
-                    </a:rPr>
-                    <a:t>(extended</a:t>
-                  </a:r>
-                  <a:r>
-                    <a:rPr lang="en-US" sz="1100" b="1" i="1" dirty="0" smtClean="0">
-                      <a:solidFill>
-                        <a:srgbClr val="00B050"/>
-                      </a:solidFill>
-                    </a:rPr>
-                    <a:t>)</a:t>
-                  </a:r>
-                  <a:endParaRPr lang="en-US" sz="1100" b="1" dirty="0">
-                    <a:solidFill>
-                      <a:schemeClr val="tx1"/>
-                    </a:solidFill>
-                  </a:endParaRPr>
-                </a:p>
-              </p:txBody>
-            </p:sp>
-            <p:sp>
-              <p:nvSpPr>
-                <p:cNvPr id="220" name="Rectangle 219"/>
-                <p:cNvSpPr/>
-                <p:nvPr/>
-              </p:nvSpPr>
-              <p:spPr>
-                <a:xfrm>
-                  <a:off x="76200" y="2813952"/>
-                  <a:ext cx="484428" cy="230832"/>
-                </a:xfrm>
-                <a:prstGeom prst="rect">
-                  <a:avLst/>
-                </a:prstGeom>
-                <a:ln>
-                  <a:noFill/>
-                </a:ln>
-              </p:spPr>
-              <p:txBody>
-                <a:bodyPr wrap="none" lIns="91440" tIns="45720" rIns="91440" bIns="45720">
-                  <a:spAutoFit/>
-                </a:bodyPr>
-                <a:lstStyle/>
-                <a:p>
-                  <a:r>
-                    <a:rPr lang="en-US" sz="900" dirty="0" smtClean="0"/>
-                    <a:t>model</a:t>
-                  </a:r>
-                  <a:endParaRPr lang="en-US" sz="900" dirty="0"/>
-                </a:p>
-              </p:txBody>
-            </p:sp>
-            <p:cxnSp>
-              <p:nvCxnSpPr>
-                <p:cNvPr id="221" name="Elbow Connector 220"/>
-                <p:cNvCxnSpPr>
-                  <a:stCxn id="219" idx="3"/>
-                  <a:endCxn id="210" idx="3"/>
-                </p:cNvCxnSpPr>
-                <p:nvPr/>
-              </p:nvCxnSpPr>
-              <p:spPr>
-                <a:xfrm flipV="1">
-                  <a:off x="2062002" y="428043"/>
-                  <a:ext cx="830469" cy="2792116"/>
-                </a:xfrm>
-                <a:prstGeom prst="bentConnector2">
-                  <a:avLst/>
-                </a:prstGeom>
-                <a:ln w="6350">
-                  <a:solidFill>
-                    <a:schemeClr val="tx1"/>
-                  </a:solidFill>
-                </a:ln>
-              </p:spPr>
-              <p:style>
-                <a:lnRef idx="1">
-                  <a:schemeClr val="accent1"/>
-                </a:lnRef>
-                <a:fillRef idx="0">
-                  <a:schemeClr val="accent1"/>
-                </a:fillRef>
-                <a:effectRef idx="0">
-                  <a:schemeClr val="accent1"/>
-                </a:effectRef>
-                <a:fontRef idx="minor">
-                  <a:schemeClr val="tx1"/>
-                </a:fontRef>
-              </p:style>
-            </p:cxnSp>
-            <p:cxnSp>
-              <p:nvCxnSpPr>
-                <p:cNvPr id="222" name="Elbow Connector 221"/>
-                <p:cNvCxnSpPr>
-                  <a:stCxn id="206" idx="2"/>
-                  <a:endCxn id="208" idx="0"/>
-                </p:cNvCxnSpPr>
-                <p:nvPr/>
-              </p:nvCxnSpPr>
-              <p:spPr>
-                <a:xfrm rot="16200000" flipH="1">
-                  <a:off x="595233" y="14028"/>
-                  <a:ext cx="191829" cy="1092742"/>
-                </a:xfrm>
-                <a:prstGeom prst="bentConnector3">
-                  <a:avLst>
-                    <a:gd name="adj1" fmla="val 38023"/>
-                  </a:avLst>
-                </a:prstGeom>
-                <a:ln w="6350">
-                  <a:solidFill>
-                    <a:srgbClr val="00B050"/>
-                  </a:solidFill>
-                </a:ln>
-              </p:spPr>
-              <p:style>
-                <a:lnRef idx="1">
-                  <a:schemeClr val="accent1"/>
-                </a:lnRef>
-                <a:fillRef idx="0">
-                  <a:schemeClr val="accent1"/>
-                </a:fillRef>
-                <a:effectRef idx="0">
-                  <a:schemeClr val="accent1"/>
-                </a:effectRef>
-                <a:fontRef idx="minor">
-                  <a:schemeClr val="tx1"/>
-                </a:fontRef>
-              </p:style>
-            </p:cxnSp>
           </p:grpSp>
-          <p:cxnSp>
-            <p:nvCxnSpPr>
-              <p:cNvPr id="200" name="Elbow Connector 199"/>
-              <p:cNvCxnSpPr>
-                <a:stCxn id="198" idx="2"/>
-                <a:endCxn id="201" idx="0"/>
-              </p:cNvCxnSpPr>
-              <p:nvPr/>
-            </p:nvCxnSpPr>
-            <p:spPr>
-              <a:xfrm rot="16200000" flipH="1">
-                <a:off x="940355" y="1447173"/>
-                <a:ext cx="92881" cy="1206879"/>
-              </a:xfrm>
-              <a:prstGeom prst="bentConnector3">
-                <a:avLst>
-                  <a:gd name="adj1" fmla="val 50000"/>
-                </a:avLst>
-              </a:prstGeom>
-              <a:ln w="6350">
-                <a:solidFill>
-                  <a:srgbClr val="0070C0"/>
-                </a:solidFill>
-              </a:ln>
-            </p:spPr>
-            <p:style>
-              <a:lnRef idx="1">
-                <a:schemeClr val="accent1"/>
-              </a:lnRef>
-              <a:fillRef idx="0">
-                <a:schemeClr val="accent1"/>
-              </a:fillRef>
-              <a:effectRef idx="0">
-                <a:schemeClr val="accent1"/>
-              </a:effectRef>
-              <a:fontRef idx="minor">
-                <a:schemeClr val="tx1"/>
-              </a:fontRef>
-            </p:style>
-          </p:cxnSp>
           <p:sp>
             <p:nvSpPr>
-              <p:cNvPr id="201" name="Rectangle 200"/>
+              <p:cNvPr id="194" name="Rectangle 193"/>
               <p:cNvSpPr/>
               <p:nvPr/>
             </p:nvSpPr>
             <p:spPr>
               <a:xfrm>
-                <a:off x="695547" y="2097054"/>
-                <a:ext cx="1789375" cy="789936"/>
+                <a:off x="383356" y="1652861"/>
+                <a:ext cx="2064202" cy="204143"/>
               </a:xfrm>
               <a:prstGeom prst="rect">
                 <a:avLst/>
@@ -4097,150 +4424,19 @@
               </a:fontRef>
             </p:style>
             <p:txBody>
-              <a:bodyPr lIns="91440" tIns="45720" rIns="91440" bIns="45720" spcCol="0" rtlCol="0" anchor="t"/>
+              <a:bodyPr lIns="91440" tIns="45720" rIns="91440" bIns="45720" spcCol="0" rtlCol="0" anchor="ctr"/>
               <a:lstStyle/>
               <a:p>
                 <a:pPr algn="ctr"/>
                 <a:r>
                   <a:rPr lang="en-US" sz="1100" b="1" dirty="0" err="1" smtClean="0">
                     <a:solidFill>
-                      <a:schemeClr val="accent1"/>
-                    </a:solidFill>
-                  </a:rPr>
-                  <a:t>ExternalModelDefinition</a:t>
-                </a:r>
-                <a:endParaRPr lang="en-US" sz="1100" b="1" dirty="0" smtClean="0">
-                  <a:solidFill>
-                    <a:schemeClr val="accent1"/>
-                  </a:solidFill>
-                </a:endParaRPr>
-              </a:p>
-              <a:p>
-                <a:pPr defTabSz="417972"/>
-                <a:r>
-                  <a:rPr lang="en-US" dirty="0" smtClean="0">
-                    <a:solidFill>
                       <a:srgbClr val="0070C0"/>
                     </a:solidFill>
                   </a:rPr>
-                  <a:t>id</a:t>
+                  <a:t>ListOfExternalModelDefinitions</a:t>
                 </a:r>
-                <a:r>
-                  <a:rPr lang="en-US">
-                    <a:solidFill>
-                      <a:srgbClr val="0070C0"/>
-                    </a:solidFill>
-                  </a:rPr>
-                  <a:t>: </a:t>
-                </a:r>
-                <a:r>
-                  <a:rPr lang="en-US" smtClean="0">
-                    <a:solidFill>
-                      <a:srgbClr val="0070C0"/>
-                    </a:solidFill>
-                  </a:rPr>
-                  <a:t>SId</a:t>
-                </a:r>
-                <a:endParaRPr lang="en-US" dirty="0">
-                  <a:solidFill>
-                    <a:srgbClr val="0070C0"/>
-                  </a:solidFill>
-                </a:endParaRPr>
-              </a:p>
-              <a:p>
-                <a:pPr defTabSz="417972"/>
-                <a:r>
-                  <a:rPr lang="en-US" dirty="0" smtClean="0">
-                    <a:solidFill>
-                      <a:srgbClr val="0070C0"/>
-                    </a:solidFill>
-                  </a:rPr>
-                  <a:t>source</a:t>
-                </a:r>
-                <a:r>
-                  <a:rPr lang="en-US" dirty="0">
-                    <a:solidFill>
-                      <a:srgbClr val="0070C0"/>
-                    </a:solidFill>
-                  </a:rPr>
-                  <a:t>: </a:t>
-                </a:r>
-                <a:r>
-                  <a:rPr lang="en-US" dirty="0" err="1" smtClean="0">
-                    <a:solidFill>
-                      <a:srgbClr val="0070C0"/>
-                    </a:solidFill>
-                  </a:rPr>
-                  <a:t>anyURI</a:t>
-                </a:r>
-                <a:endParaRPr lang="en-US" dirty="0" smtClean="0">
-                  <a:solidFill>
-                    <a:srgbClr val="0070C0"/>
-                  </a:solidFill>
-                </a:endParaRPr>
-              </a:p>
-              <a:p>
-                <a:pPr lvl="0" defTabSz="417972"/>
-                <a:r>
-                  <a:rPr lang="en-US" dirty="0" smtClean="0">
-                    <a:solidFill>
-                      <a:srgbClr val="0070C0"/>
-                    </a:solidFill>
-                  </a:rPr>
-                  <a:t>model</a:t>
-                </a:r>
-                <a:r>
-                  <a:rPr lang="en-US" dirty="0">
-                    <a:solidFill>
-                      <a:srgbClr val="0070C0"/>
-                    </a:solidFill>
-                  </a:rPr>
-                  <a:t>: </a:t>
-                </a:r>
-                <a:r>
-                  <a:rPr lang="en-US" dirty="0" err="1">
-                    <a:solidFill>
-                      <a:srgbClr val="0070C0"/>
-                    </a:solidFill>
-                  </a:rPr>
-                  <a:t>SIdRef</a:t>
-                </a:r>
-                <a:r>
-                  <a:rPr lang="en-US" dirty="0">
-                    <a:solidFill>
-                      <a:srgbClr val="0070C0"/>
-                    </a:solidFill>
-                  </a:rPr>
-                  <a:t> {use=“optional”}</a:t>
-                </a:r>
-              </a:p>
-              <a:p>
-                <a:pPr lvl="0" defTabSz="417972"/>
-                <a:r>
-                  <a:rPr lang="en-US" dirty="0" smtClean="0">
-                    <a:solidFill>
-                      <a:srgbClr val="0070C0"/>
-                    </a:solidFill>
-                  </a:rPr>
-                  <a:t>md5</a:t>
-                </a:r>
-                <a:r>
-                  <a:rPr lang="en-US" dirty="0">
-                    <a:solidFill>
-                      <a:srgbClr val="0070C0"/>
-                    </a:solidFill>
-                  </a:rPr>
-                  <a:t>: string {use=“optional</a:t>
-                </a:r>
-                <a:r>
-                  <a:rPr lang="en-US" dirty="0" smtClean="0">
-                    <a:solidFill>
-                      <a:srgbClr val="0070C0"/>
-                    </a:solidFill>
-                  </a:rPr>
-                  <a:t>”}</a:t>
-                </a:r>
-                <a:endParaRPr lang="en-US" dirty="0">
+                <a:endParaRPr lang="en-US" sz="1100" b="1" dirty="0">
                   <a:solidFill>
                     <a:srgbClr val="0070C0"/>
                   </a:solidFill>
@@ -4248,104 +4444,19 @@
               </a:p>
             </p:txBody>
           </p:sp>
-          <p:sp>
-            <p:nvSpPr>
-              <p:cNvPr id="202" name="Rectangle 201"/>
-              <p:cNvSpPr/>
-              <p:nvPr/>
-            </p:nvSpPr>
-            <p:spPr>
-              <a:xfrm>
-                <a:off x="321779" y="1864225"/>
-                <a:ext cx="1343638" cy="369332"/>
-              </a:xfrm>
-              <a:prstGeom prst="rect">
-                <a:avLst/>
-              </a:prstGeom>
-              <a:ln>
-                <a:noFill/>
-              </a:ln>
-            </p:spPr>
-            <p:txBody>
-              <a:bodyPr wrap="none" lIns="91440" tIns="45720" rIns="91440" bIns="45720">
-                <a:spAutoFit/>
-              </a:bodyPr>
-              <a:lstStyle/>
-              <a:p>
-                <a:r>
-                  <a:rPr lang="en-US" sz="900" dirty="0" err="1" smtClean="0">
-                    <a:solidFill>
-                      <a:srgbClr val="0070C0"/>
-                    </a:solidFill>
-                  </a:rPr>
-                  <a:t>externalModelDefinition</a:t>
-                </a:r>
-                <a:endParaRPr lang="en-US" sz="900" dirty="0">
-                  <a:solidFill>
-                    <a:srgbClr val="0070C0"/>
-                  </a:solidFill>
-                </a:endParaRPr>
-              </a:p>
-              <a:p>
-                <a:r>
-                  <a:rPr lang="en-US" sz="900" dirty="0">
-                    <a:solidFill>
-                      <a:srgbClr val="0070C0"/>
-                    </a:solidFill>
-                  </a:rPr>
-                  <a:t>0,…,*</a:t>
-                </a:r>
-              </a:p>
-            </p:txBody>
-          </p:sp>
           <p:cxnSp>
             <p:nvCxnSpPr>
-              <p:cNvPr id="203" name="Straight Connector 202"/>
-              <p:cNvCxnSpPr/>
-              <p:nvPr/>
-            </p:nvCxnSpPr>
-            <p:spPr>
-              <a:xfrm>
-                <a:off x="700086" y="2309246"/>
-                <a:ext cx="1784836" cy="0"/>
-              </a:xfrm>
-              <a:prstGeom prst="line">
-                <a:avLst/>
-              </a:prstGeom>
-              <a:ln w="6350">
-                <a:solidFill>
-                  <a:srgbClr val="0070C0"/>
-                </a:solidFill>
-              </a:ln>
-            </p:spPr>
-            <p:style>
-              <a:lnRef idx="1">
-                <a:schemeClr val="accent1"/>
-              </a:lnRef>
-              <a:fillRef idx="0">
-                <a:schemeClr val="accent1"/>
-              </a:fillRef>
-              <a:effectRef idx="0">
-                <a:schemeClr val="accent1"/>
-              </a:effectRef>
-              <a:fontRef idx="minor">
-                <a:schemeClr val="tx1"/>
-              </a:fontRef>
-            </p:style>
-          </p:cxnSp>
-          <p:cxnSp>
-            <p:nvCxnSpPr>
-              <p:cNvPr id="204" name="Elbow Connector 203"/>
+              <p:cNvPr id="195" name="Elbow Connector 194"/>
               <p:cNvCxnSpPr>
-                <a:stCxn id="201" idx="3"/>
+                <a:stCxn id="194" idx="3"/>
                 <a:endCxn id="210" idx="3"/>
               </p:cNvCxnSpPr>
               <p:nvPr/>
             </p:nvCxnSpPr>
             <p:spPr>
               <a:xfrm flipV="1">
-                <a:off x="2484922" y="408284"/>
-                <a:ext cx="377871" cy="2083738"/>
+                <a:off x="2447558" y="408284"/>
+                <a:ext cx="415235" cy="1346649"/>
               </a:xfrm>
               <a:prstGeom prst="bentConnector2">
                 <a:avLst/>
@@ -4371,17 +4482,156 @@
               </a:fontRef>
             </p:style>
           </p:cxnSp>
+          <p:sp>
+            <p:nvSpPr>
+              <p:cNvPr id="196" name="Rectangle 195"/>
+              <p:cNvSpPr/>
+              <p:nvPr/>
+            </p:nvSpPr>
+            <p:spPr>
+              <a:xfrm>
+                <a:off x="68122" y="1394575"/>
+                <a:ext cx="1636987" cy="369332"/>
+              </a:xfrm>
+              <a:prstGeom prst="rect">
+                <a:avLst/>
+              </a:prstGeom>
+            </p:spPr>
+            <p:txBody>
+              <a:bodyPr wrap="none" lIns="91440" tIns="45720" rIns="91440" bIns="45720">
+                <a:spAutoFit/>
+              </a:bodyPr>
+              <a:lstStyle/>
+              <a:p>
+                <a:r>
+                  <a:rPr lang="en-US" sz="900" dirty="0" err="1" smtClean="0">
+                    <a:solidFill>
+                      <a:srgbClr val="00B050"/>
+                    </a:solidFill>
+                  </a:rPr>
+                  <a:t>listOfExternalModelDefinitions</a:t>
+                </a:r>
+                <a:endParaRPr lang="en-US" sz="900" dirty="0">
+                  <a:solidFill>
+                    <a:srgbClr val="00B050"/>
+                  </a:solidFill>
+                </a:endParaRPr>
+              </a:p>
+              <a:p>
+                <a:r>
+                  <a:rPr lang="en-US" sz="900" dirty="0">
+                    <a:solidFill>
+                      <a:srgbClr val="00B050"/>
+                    </a:solidFill>
+                  </a:rPr>
+                  <a:t>0,1</a:t>
+                </a:r>
+              </a:p>
+            </p:txBody>
+          </p:sp>
+          <p:cxnSp>
+            <p:nvCxnSpPr>
+              <p:cNvPr id="197" name="Elbow Connector 196"/>
+              <p:cNvCxnSpPr>
+                <a:stCxn id="206" idx="2"/>
+                <a:endCxn id="194" idx="0"/>
+              </p:cNvCxnSpPr>
+              <p:nvPr/>
+            </p:nvCxnSpPr>
+            <p:spPr>
+              <a:xfrm rot="16200000" flipH="1">
+                <a:off x="161210" y="398613"/>
+                <a:ext cx="1208135" cy="1300359"/>
+              </a:xfrm>
+              <a:prstGeom prst="bentConnector3">
+                <a:avLst>
+                  <a:gd name="adj1" fmla="val 92217"/>
+                </a:avLst>
+              </a:prstGeom>
+              <a:ln w="6350">
+                <a:solidFill>
+                  <a:srgbClr val="00B050"/>
+                </a:solidFill>
+              </a:ln>
+            </p:spPr>
+            <p:style>
+              <a:lnRef idx="1">
+                <a:schemeClr val="accent1"/>
+              </a:lnRef>
+              <a:fillRef idx="0">
+                <a:schemeClr val="accent1"/>
+              </a:fillRef>
+              <a:effectRef idx="0">
+                <a:schemeClr val="accent1"/>
+              </a:effectRef>
+              <a:fontRef idx="minor">
+                <a:schemeClr val="tx1"/>
+              </a:fontRef>
+            </p:style>
+          </p:cxnSp>
+          <p:sp>
+            <p:nvSpPr>
+              <p:cNvPr id="198" name="Diamond 197"/>
+              <p:cNvSpPr/>
+              <p:nvPr/>
+            </p:nvSpPr>
+            <p:spPr>
+              <a:xfrm>
+                <a:off x="349921" y="1851775"/>
+                <a:ext cx="66869" cy="152398"/>
+              </a:xfrm>
+              <a:prstGeom prst="diamond">
+                <a:avLst/>
+              </a:prstGeom>
+              <a:solidFill>
+                <a:srgbClr val="0070C0"/>
+              </a:solidFill>
+              <a:ln w="6350">
+                <a:solidFill>
+                  <a:srgbClr val="0070C0"/>
+                </a:solidFill>
+              </a:ln>
+            </p:spPr>
+            <p:style>
+              <a:lnRef idx="2">
+                <a:schemeClr val="accent1">
+                  <a:shade val="50000"/>
+                </a:schemeClr>
+              </a:lnRef>
+              <a:fillRef idx="1">
+                <a:schemeClr val="accent1"/>
+              </a:fillRef>
+              <a:effectRef idx="0">
+                <a:schemeClr val="accent1"/>
+              </a:effectRef>
+              <a:fontRef idx="minor">
+                <a:schemeClr val="lt1"/>
+              </a:fontRef>
+            </p:style>
+            <p:txBody>
+              <a:bodyPr lIns="91440" tIns="45720" rIns="91440" bIns="45720" spcCol="0" rtlCol="0" anchor="ctr"/>
+              <a:lstStyle/>
+              <a:p>
+                <a:pPr algn="ctr"/>
+                <a:endParaRPr lang="en-US">
+                  <a:solidFill>
+                    <a:srgbClr val="0070C0"/>
+                  </a:solidFill>
+                </a:endParaRPr>
+              </a:p>
+            </p:txBody>
+          </p:sp>
         </p:grpSp>
         <p:sp>
           <p:nvSpPr>
-            <p:cNvPr id="194" name="Rectangle 193"/>
+            <p:cNvPr id="39" name="Rectangle 38"/>
             <p:cNvSpPr/>
             <p:nvPr/>
           </p:nvSpPr>
           <p:spPr>
             <a:xfrm>
-              <a:off x="383356" y="1652861"/>
-              <a:ext cx="2064202" cy="204143"/>
+              <a:off x="533400" y="1103246"/>
+              <a:ext cx="1167331" cy="232000"/>
             </a:xfrm>
             <a:prstGeom prst="rect">
               <a:avLst/>
@@ -4415,12 +4665,12 @@
             <a:p>
               <a:pPr algn="ctr"/>
               <a:r>
-                <a:rPr lang="en-US" sz="1100" b="1" dirty="0" err="1" smtClean="0">
+                <a:rPr lang="en-US" sz="1100" b="1" dirty="0" smtClean="0">
                   <a:solidFill>
                     <a:srgbClr val="0070C0"/>
                   </a:solidFill>
                 </a:rPr>
-                <a:t>ListOfExternalModelDefinitions</a:t>
+                <a:t>ModelDefinition</a:t>
               </a:r>
               <a:endParaRPr lang="en-US" sz="1100" b="1" dirty="0">
                 <a:solidFill>
@@ -4430,148 +4680,21 @@
             </a:p>
           </p:txBody>
         </p:sp>
-        <p:cxnSp>
-          <p:nvCxnSpPr>
-            <p:cNvPr id="195" name="Elbow Connector 194"/>
-            <p:cNvCxnSpPr>
-              <a:stCxn id="194" idx="3"/>
-              <a:endCxn id="210" idx="3"/>
-            </p:cNvCxnSpPr>
-            <p:nvPr/>
-          </p:nvCxnSpPr>
-          <p:spPr>
-            <a:xfrm flipV="1">
-              <a:off x="2447558" y="408284"/>
-              <a:ext cx="415235" cy="1346649"/>
-            </a:xfrm>
-            <a:prstGeom prst="bentConnector2">
-              <a:avLst/>
-            </a:prstGeom>
-            <a:ln w="6350">
-              <a:solidFill>
-                <a:srgbClr val="0070C0"/>
-              </a:solidFill>
-            </a:ln>
-          </p:spPr>
-          <p:style>
-            <a:lnRef idx="1">
-              <a:schemeClr val="accent1"/>
-            </a:lnRef>
-            <a:fillRef idx="0">
-              <a:schemeClr val="accent1"/>
-            </a:fillRef>
-            <a:effectRef idx="0">
-              <a:schemeClr val="accent1"/>
-            </a:effectRef>
-            <a:fontRef idx="minor">
-              <a:schemeClr val="tx1"/>
-            </a:fontRef>
-          </p:style>
-        </p:cxnSp>
         <p:sp>
           <p:nvSpPr>
-            <p:cNvPr id="196" name="Rectangle 195"/>
+            <p:cNvPr id="41" name="Isosceles Triangle 40"/>
             <p:cNvSpPr/>
             <p:nvPr/>
           </p:nvSpPr>
           <p:spPr>
-            <a:xfrm>
-              <a:off x="68122" y="1394575"/>
-              <a:ext cx="1636987" cy="369332"/>
+            <a:xfrm rot="5400000">
+              <a:off x="1785936" y="1162050"/>
+              <a:ext cx="159199" cy="114300"/>
             </a:xfrm>
-            <a:prstGeom prst="rect">
+            <a:prstGeom prst="triangle">
               <a:avLst/>
             </a:prstGeom>
-          </p:spPr>
-          <p:txBody>
-            <a:bodyPr wrap="none" lIns="91440" tIns="45720" rIns="91440" bIns="45720">
-              <a:spAutoFit/>
-            </a:bodyPr>
-            <a:lstStyle/>
-            <a:p>
-              <a:r>
-                <a:rPr lang="en-US" sz="900" dirty="0" err="1" smtClean="0">
-                  <a:solidFill>
-                    <a:srgbClr val="00B050"/>
-                  </a:solidFill>
-                </a:rPr>
-                <a:t>listOfExternalModelDefinitions</a:t>
-              </a:r>
-              <a:endParaRPr lang="en-US" sz="900" dirty="0">
-                <a:solidFill>
-                  <a:srgbClr val="00B050"/>
-                </a:solidFill>
-              </a:endParaRPr>
-            </a:p>
-            <a:p>
-              <a:r>
-                <a:rPr lang="en-US" sz="900" dirty="0">
-                  <a:solidFill>
-                    <a:srgbClr val="00B050"/>
-                  </a:solidFill>
-                </a:rPr>
-                <a:t>0,1</a:t>
-              </a:r>
-            </a:p>
-          </p:txBody>
-        </p:sp>
-        <p:cxnSp>
-          <p:nvCxnSpPr>
-            <p:cNvPr id="197" name="Elbow Connector 196"/>
-            <p:cNvCxnSpPr>
-              <a:stCxn id="206" idx="2"/>
-              <a:endCxn id="194" idx="0"/>
-            </p:cNvCxnSpPr>
-            <p:nvPr/>
-          </p:nvCxnSpPr>
-          <p:spPr>
-            <a:xfrm rot="16200000" flipH="1">
-              <a:off x="161210" y="398613"/>
-              <a:ext cx="1208135" cy="1300359"/>
-            </a:xfrm>
-            <a:prstGeom prst="bentConnector3">
-              <a:avLst>
-                <a:gd name="adj1" fmla="val 92217"/>
-              </a:avLst>
-            </a:prstGeom>
-            <a:ln w="6350">
-              <a:solidFill>
-                <a:srgbClr val="00B050"/>
-              </a:solidFill>
-            </a:ln>
-          </p:spPr>
-          <p:style>
-            <a:lnRef idx="1">
-              <a:schemeClr val="accent1"/>
-            </a:lnRef>
-            <a:fillRef idx="0">
-              <a:schemeClr val="accent1"/>
-            </a:fillRef>
-            <a:effectRef idx="0">
-              <a:schemeClr val="accent1"/>
-            </a:effectRef>
-            <a:fontRef idx="minor">
-              <a:schemeClr val="tx1"/>
-            </a:fontRef>
-          </p:style>
-        </p:cxnSp>
-        <p:sp>
-          <p:nvSpPr>
-            <p:cNvPr id="198" name="Diamond 197"/>
-            <p:cNvSpPr/>
-            <p:nvPr/>
-          </p:nvSpPr>
-          <p:spPr>
-            <a:xfrm>
-              <a:off x="349921" y="1851775"/>
-              <a:ext cx="66869" cy="152398"/>
-            </a:xfrm>
-            <a:prstGeom prst="diamond">
-              <a:avLst/>
-            </a:prstGeom>
-            <a:solidFill>
-              <a:srgbClr val="0070C0"/>
-            </a:solidFill>
+            <a:noFill/>
             <a:ln w="6350">
               <a:solidFill>
                 <a:srgbClr val="0070C0"/>
@@ -4599,14 +4722,54 @@
             <a:lstStyle/>
             <a:p>
               <a:pPr algn="ctr"/>
-              <a:endParaRPr lang="en-US">
+              <a:endParaRPr lang="en-US" sz="1100" b="1" dirty="0">
                 <a:solidFill>
-                  <a:srgbClr val="0070C0"/>
+                  <a:schemeClr val="tx1"/>
                 </a:solidFill>
               </a:endParaRPr>
             </a:p>
           </p:txBody>
         </p:sp>
+        <p:cxnSp>
+          <p:nvCxnSpPr>
+            <p:cNvPr id="42" name="Elbow Connector 41"/>
+            <p:cNvCxnSpPr>
+              <a:stCxn id="39" idx="3"/>
+              <a:endCxn id="41" idx="3"/>
+            </p:cNvCxnSpPr>
+            <p:nvPr/>
+          </p:nvCxnSpPr>
+          <p:spPr>
+            <a:xfrm flipV="1">
+              <a:off x="1700731" y="1219201"/>
+              <a:ext cx="107655" cy="45"/>
+            </a:xfrm>
+            <a:prstGeom prst="bentConnector3">
+              <a:avLst>
+                <a:gd name="adj1" fmla="val 50000"/>
+              </a:avLst>
+            </a:prstGeom>
+            <a:ln w="6350">
+              <a:solidFill>
+                <a:srgbClr val="0070C0"/>
+              </a:solidFill>
+            </a:ln>
+          </p:spPr>
+          <p:style>
+            <a:lnRef idx="1">
+              <a:schemeClr val="accent1"/>
+            </a:lnRef>
+            <a:fillRef idx="0">
+              <a:schemeClr val="accent1"/>
+            </a:fillRef>
+            <a:effectRef idx="0">
+              <a:schemeClr val="accent1"/>
+            </a:effectRef>
+            <a:fontRef idx="minor">
+              <a:schemeClr val="tx1"/>
+            </a:fontRef>
+          </p:style>
+        </p:cxnSp>
       </p:grpSp>
     </p:spTree>
     <p:extLst>
